--- a/doc/Presentatie.pptx
+++ b/doc/Presentatie.pptx
@@ -4818,36 +4818,12 @@
       </p:cxnSp>
       <p:pic>
         <p:nvPicPr>
-          <p:cNvPr id="4" name="Afbeelding 3"/>
-          <p:cNvPicPr>
-            <a:picLocks noChangeAspect="1"/>
-          </p:cNvPicPr>
-          <p:nvPr/>
-        </p:nvPicPr>
-        <p:blipFill>
-          <a:blip r:embed="rId2"/>
-          <a:stretch>
-            <a:fillRect/>
-          </a:stretch>
-        </p:blipFill>
-        <p:spPr>
-          <a:xfrm>
-            <a:off x="5964195" y="2125358"/>
-            <a:ext cx="5015450" cy="3220995"/>
-          </a:xfrm>
-          <a:prstGeom prst="rect">
-            <a:avLst/>
-          </a:prstGeom>
-        </p:spPr>
-      </p:pic>
-      <p:pic>
-        <p:nvPicPr>
           <p:cNvPr id="8" name="Afbeelding 7"/>
           <p:cNvPicPr/>
           <p:nvPr/>
         </p:nvPicPr>
         <p:blipFill>
-          <a:blip r:embed="rId3">
+          <a:blip r:embed="rId2">
             <a:extLst>
               <a:ext uri="{28A0092B-C50C-407E-A947-70E740481C1C}">
                 <a14:useLocalDpi xmlns:a14="http://schemas.microsoft.com/office/drawing/2010/main" val="0"/>
@@ -4862,6 +4838,30 @@
           <a:xfrm>
             <a:off x="683741" y="2125357"/>
             <a:ext cx="4695567" cy="3220995"/>
+          </a:xfrm>
+          <a:prstGeom prst="rect">
+            <a:avLst/>
+          </a:prstGeom>
+        </p:spPr>
+      </p:pic>
+      <p:pic>
+        <p:nvPicPr>
+          <p:cNvPr id="3" name="Afbeelding 2"/>
+          <p:cNvPicPr>
+            <a:picLocks noChangeAspect="1"/>
+          </p:cNvPicPr>
+          <p:nvPr/>
+        </p:nvPicPr>
+        <p:blipFill>
+          <a:blip r:embed="rId3"/>
+          <a:stretch>
+            <a:fillRect/>
+          </a:stretch>
+        </p:blipFill>
+        <p:spPr>
+          <a:xfrm>
+            <a:off x="5964196" y="2125357"/>
+            <a:ext cx="5247502" cy="3220996"/>
           </a:xfrm>
           <a:prstGeom prst="rect">
             <a:avLst/>
@@ -4968,7 +4968,7 @@
                                           </p:stCondLst>
                                         </p:cTn>
                                         <p:tgtEl>
-                                          <p:spTgt spid="4"/>
+                                          <p:spTgt spid="3"/>
                                         </p:tgtEl>
                                         <p:attrNameLst>
                                           <p:attrName>style.visibility</p:attrName>
@@ -4982,7 +4982,7 @@
                                       <p:cBhvr>
                                         <p:cTn id="12" dur="750"/>
                                         <p:tgtEl>
-                                          <p:spTgt spid="4"/>
+                                          <p:spTgt spid="3"/>
                                         </p:tgtEl>
                                       </p:cBhvr>
                                     </p:animEffect>

--- a/doc/Presentatie.pptx
+++ b/doc/Presentatie.pptx
@@ -4818,12 +4818,36 @@
       </p:cxnSp>
       <p:pic>
         <p:nvPicPr>
+          <p:cNvPr id="4" name="Afbeelding 3"/>
+          <p:cNvPicPr>
+            <a:picLocks noChangeAspect="1"/>
+          </p:cNvPicPr>
+          <p:nvPr/>
+        </p:nvPicPr>
+        <p:blipFill>
+          <a:blip r:embed="rId2"/>
+          <a:stretch>
+            <a:fillRect/>
+          </a:stretch>
+        </p:blipFill>
+        <p:spPr>
+          <a:xfrm>
+            <a:off x="5964195" y="2125358"/>
+            <a:ext cx="5015450" cy="3220995"/>
+          </a:xfrm>
+          <a:prstGeom prst="rect">
+            <a:avLst/>
+          </a:prstGeom>
+        </p:spPr>
+      </p:pic>
+      <p:pic>
+        <p:nvPicPr>
           <p:cNvPr id="8" name="Afbeelding 7"/>
           <p:cNvPicPr/>
           <p:nvPr/>
         </p:nvPicPr>
         <p:blipFill>
-          <a:blip r:embed="rId2">
+          <a:blip r:embed="rId3">
             <a:extLst>
               <a:ext uri="{28A0092B-C50C-407E-A947-70E740481C1C}">
                 <a14:useLocalDpi xmlns:a14="http://schemas.microsoft.com/office/drawing/2010/main" val="0"/>
@@ -4838,30 +4862,6 @@
           <a:xfrm>
             <a:off x="683741" y="2125357"/>
             <a:ext cx="4695567" cy="3220995"/>
-          </a:xfrm>
-          <a:prstGeom prst="rect">
-            <a:avLst/>
-          </a:prstGeom>
-        </p:spPr>
-      </p:pic>
-      <p:pic>
-        <p:nvPicPr>
-          <p:cNvPr id="3" name="Afbeelding 2"/>
-          <p:cNvPicPr>
-            <a:picLocks noChangeAspect="1"/>
-          </p:cNvPicPr>
-          <p:nvPr/>
-        </p:nvPicPr>
-        <p:blipFill>
-          <a:blip r:embed="rId3"/>
-          <a:stretch>
-            <a:fillRect/>
-          </a:stretch>
-        </p:blipFill>
-        <p:spPr>
-          <a:xfrm>
-            <a:off x="5964196" y="2125357"/>
-            <a:ext cx="5247502" cy="3220996"/>
           </a:xfrm>
           <a:prstGeom prst="rect">
             <a:avLst/>
@@ -4968,7 +4968,7 @@
                                           </p:stCondLst>
                                         </p:cTn>
                                         <p:tgtEl>
-                                          <p:spTgt spid="3"/>
+                                          <p:spTgt spid="4"/>
                                         </p:tgtEl>
                                         <p:attrNameLst>
                                           <p:attrName>style.visibility</p:attrName>
@@ -4982,7 +4982,7 @@
                                       <p:cBhvr>
                                         <p:cTn id="12" dur="750"/>
                                         <p:tgtEl>
-                                          <p:spTgt spid="3"/>
+                                          <p:spTgt spid="4"/>
                                         </p:tgtEl>
                                       </p:cBhvr>
                                     </p:animEffect>
@@ -5243,7 +5243,7 @@
       </p:grpSpPr>
       <p:pic>
         <p:nvPicPr>
-          <p:cNvPr id="2" name="Afbeelding 1"/>
+          <p:cNvPr id="3" name="Afbeelding 2"/>
           <p:cNvPicPr>
             <a:picLocks noChangeAspect="1"/>
           </p:cNvPicPr>
@@ -5257,8 +5257,8 @@
         </p:blipFill>
         <p:spPr>
           <a:xfrm>
-            <a:off x="949883" y="543698"/>
-            <a:ext cx="9561598" cy="5156126"/>
+            <a:off x="771396" y="653492"/>
+            <a:ext cx="10352688" cy="5096519"/>
           </a:xfrm>
           <a:prstGeom prst="snip2DiagRect">
             <a:avLst/>
@@ -5342,7 +5342,7 @@
                                           </p:stCondLst>
                                         </p:cTn>
                                         <p:tgtEl>
-                                          <p:spTgt spid="2"/>
+                                          <p:spTgt spid="3"/>
                                         </p:tgtEl>
                                         <p:attrNameLst>
                                           <p:attrName>style.visibility</p:attrName>
@@ -5354,9 +5354,9 @@
                                     </p:set>
                                     <p:animEffect transition="in" filter="fade">
                                       <p:cBhvr>
-                                        <p:cTn id="7" dur="750"/>
-                                        <p:tgtEl>
-                                          <p:spTgt spid="2"/>
+                                        <p:cTn id="7" dur="1000"/>
+                                        <p:tgtEl>
+                                          <p:spTgt spid="3"/>
                                         </p:tgtEl>
                                       </p:cBhvr>
                                     </p:animEffect>
@@ -12852,6 +12852,14 @@
 </file>
 
 <file path=customXml/itemProps1.xml><?xml version="1.0" encoding="utf-8"?>
+<ds:datastoreItem xmlns:ds="http://schemas.openxmlformats.org/officeDocument/2006/customXml" ds:itemID="{D7CD5E9E-2B0A-49A7-9EE3-B6B588328107}">
+  <ds:schemaRefs>
+    <ds:schemaRef ds:uri="http://schemas.microsoft.com/VisualStudio/2011/storyboarding/control"/>
+  </ds:schemaRefs>
+</ds:datastoreItem>
+</file>
+
+<file path=customXml/itemProps2.xml><?xml version="1.0" encoding="utf-8"?>
 <ds:datastoreItem xmlns:ds="http://schemas.openxmlformats.org/officeDocument/2006/customXml" ds:itemID="{17E92F0F-E05F-4BA6-9129-94999FE09AD2}">
   <ds:schemaRefs>
     <ds:schemaRef ds:uri="http://schemas.microsoft.com/VisualStudio/2011/storyboarding/control"/>
@@ -12859,16 +12867,8 @@
 </ds:datastoreItem>
 </file>
 
-<file path=customXml/itemProps2.xml><?xml version="1.0" encoding="utf-8"?>
-<ds:datastoreItem xmlns:ds="http://schemas.openxmlformats.org/officeDocument/2006/customXml" ds:itemID="{D7CD5E9E-2B0A-49A7-9EE3-B6B588328107}">
-  <ds:schemaRefs>
-    <ds:schemaRef ds:uri="http://schemas.microsoft.com/VisualStudio/2011/storyboarding/control"/>
-  </ds:schemaRefs>
-</ds:datastoreItem>
-</file>
-
 <file path=customXml/itemProps3.xml><?xml version="1.0" encoding="utf-8"?>
-<ds:datastoreItem xmlns:ds="http://schemas.openxmlformats.org/officeDocument/2006/customXml" ds:itemID="{CD5E1FAB-ACA4-4BD0-AEC5-381E28EC8851}">
+<ds:datastoreItem xmlns:ds="http://schemas.openxmlformats.org/officeDocument/2006/customXml" ds:itemID="{278508B5-BC7B-471E-9E3D-2FF2D3DE55A0}">
   <ds:schemaRefs>
     <ds:schemaRef ds:uri="http://schemas.microsoft.com/VisualStudio/2011/storyboarding/control"/>
   </ds:schemaRefs>
@@ -12876,7 +12876,7 @@
 </file>
 
 <file path=customXml/itemProps4.xml><?xml version="1.0" encoding="utf-8"?>
-<ds:datastoreItem xmlns:ds="http://schemas.openxmlformats.org/officeDocument/2006/customXml" ds:itemID="{278508B5-BC7B-471E-9E3D-2FF2D3DE55A0}">
+<ds:datastoreItem xmlns:ds="http://schemas.openxmlformats.org/officeDocument/2006/customXml" ds:itemID="{CD5E1FAB-ACA4-4BD0-AEC5-381E28EC8851}">
   <ds:schemaRefs>
     <ds:schemaRef ds:uri="http://schemas.microsoft.com/VisualStudio/2011/storyboarding/control"/>
   </ds:schemaRefs>

--- a/doc/Presentatie.pptx
+++ b/doc/Presentatie.pptx
@@ -2,26 +2,28 @@
 <file path=ppt/presentation.xml><?xml version="1.0" encoding="utf-8"?>
 <p:presentation xmlns:a="http://schemas.openxmlformats.org/drawingml/2006/main" xmlns:r="http://schemas.openxmlformats.org/officeDocument/2006/relationships" xmlns:p="http://schemas.openxmlformats.org/presentationml/2006/main" saveSubsetFonts="1">
   <p:sldMasterIdLst>
-    <p:sldMasterId id="2147483780" r:id="rId5"/>
+    <p:sldMasterId id="2147483780" r:id="rId6"/>
   </p:sldMasterIdLst>
   <p:sldIdLst>
-    <p:sldId id="256" r:id="rId6"/>
-    <p:sldId id="257" r:id="rId7"/>
-    <p:sldId id="275" r:id="rId8"/>
-    <p:sldId id="258" r:id="rId9"/>
-    <p:sldId id="272" r:id="rId10"/>
-    <p:sldId id="274" r:id="rId11"/>
-    <p:sldId id="276" r:id="rId12"/>
-    <p:sldId id="260" r:id="rId13"/>
-    <p:sldId id="266" r:id="rId14"/>
-    <p:sldId id="268" r:id="rId15"/>
-    <p:sldId id="269" r:id="rId16"/>
-    <p:sldId id="270" r:id="rId17"/>
-    <p:sldId id="271" r:id="rId18"/>
-    <p:sldId id="277" r:id="rId19"/>
-    <p:sldId id="278" r:id="rId20"/>
-    <p:sldId id="279" r:id="rId21"/>
-    <p:sldId id="280" r:id="rId22"/>
+    <p:sldId id="256" r:id="rId7"/>
+    <p:sldId id="257" r:id="rId8"/>
+    <p:sldId id="281" r:id="rId9"/>
+    <p:sldId id="282" r:id="rId10"/>
+    <p:sldId id="275" r:id="rId11"/>
+    <p:sldId id="258" r:id="rId12"/>
+    <p:sldId id="272" r:id="rId13"/>
+    <p:sldId id="274" r:id="rId14"/>
+    <p:sldId id="276" r:id="rId15"/>
+    <p:sldId id="260" r:id="rId16"/>
+    <p:sldId id="266" r:id="rId17"/>
+    <p:sldId id="268" r:id="rId18"/>
+    <p:sldId id="269" r:id="rId19"/>
+    <p:sldId id="270" r:id="rId20"/>
+    <p:sldId id="271" r:id="rId21"/>
+    <p:sldId id="277" r:id="rId22"/>
+    <p:sldId id="278" r:id="rId23"/>
+    <p:sldId id="279" r:id="rId24"/>
+    <p:sldId id="280" r:id="rId25"/>
   </p:sldIdLst>
   <p:sldSz cx="12192000" cy="6858000"/>
   <p:notesSz cx="6858000" cy="9144000"/>
@@ -356,7 +358,7 @@
           <a:p>
             <a:fld id="{2A4374BC-94ED-4E40-97D6-D3E51F385724}" type="datetimeFigureOut">
               <a:rPr lang="nl-BE" smtClean="0"/>
-              <a:t>9/01/2017</a:t>
+              <a:t>10/01/2017</a:t>
             </a:fld>
             <a:endParaRPr lang="nl-BE"/>
           </a:p>
@@ -564,7 +566,7 @@
           <a:p>
             <a:fld id="{2A4374BC-94ED-4E40-97D6-D3E51F385724}" type="datetimeFigureOut">
               <a:rPr lang="nl-BE" smtClean="0"/>
-              <a:t>9/01/2017</a:t>
+              <a:t>10/01/2017</a:t>
             </a:fld>
             <a:endParaRPr lang="nl-BE"/>
           </a:p>
@@ -822,7 +824,7 @@
           <a:p>
             <a:fld id="{2A4374BC-94ED-4E40-97D6-D3E51F385724}" type="datetimeFigureOut">
               <a:rPr lang="nl-BE" smtClean="0"/>
-              <a:t>9/01/2017</a:t>
+              <a:t>10/01/2017</a:t>
             </a:fld>
             <a:endParaRPr lang="nl-BE"/>
           </a:p>
@@ -992,7 +994,7 @@
           <a:p>
             <a:fld id="{2A4374BC-94ED-4E40-97D6-D3E51F385724}" type="datetimeFigureOut">
               <a:rPr lang="nl-BE" smtClean="0"/>
-              <a:t>9/01/2017</a:t>
+              <a:t>10/01/2017</a:t>
             </a:fld>
             <a:endParaRPr lang="nl-BE"/>
           </a:p>
@@ -1329,7 +1331,7 @@
           <a:p>
             <a:fld id="{2A4374BC-94ED-4E40-97D6-D3E51F385724}" type="datetimeFigureOut">
               <a:rPr lang="nl-BE" smtClean="0"/>
-              <a:t>9/01/2017</a:t>
+              <a:t>10/01/2017</a:t>
             </a:fld>
             <a:endParaRPr lang="nl-BE"/>
           </a:p>
@@ -1604,7 +1606,7 @@
           <a:p>
             <a:fld id="{2A4374BC-94ED-4E40-97D6-D3E51F385724}" type="datetimeFigureOut">
               <a:rPr lang="nl-BE" smtClean="0"/>
-              <a:t>9/01/2017</a:t>
+              <a:t>10/01/2017</a:t>
             </a:fld>
             <a:endParaRPr lang="nl-BE"/>
           </a:p>
@@ -1983,7 +1985,7 @@
           <a:p>
             <a:fld id="{2A4374BC-94ED-4E40-97D6-D3E51F385724}" type="datetimeFigureOut">
               <a:rPr lang="nl-BE" smtClean="0"/>
-              <a:t>9/01/2017</a:t>
+              <a:t>10/01/2017</a:t>
             </a:fld>
             <a:endParaRPr lang="nl-BE"/>
           </a:p>
@@ -2101,7 +2103,7 @@
           <a:p>
             <a:fld id="{2A4374BC-94ED-4E40-97D6-D3E51F385724}" type="datetimeFigureOut">
               <a:rPr lang="nl-BE" smtClean="0"/>
-              <a:t>9/01/2017</a:t>
+              <a:t>10/01/2017</a:t>
             </a:fld>
             <a:endParaRPr lang="nl-BE"/>
           </a:p>
@@ -2274,7 +2276,7 @@
           <a:p>
             <a:fld id="{2A4374BC-94ED-4E40-97D6-D3E51F385724}" type="datetimeFigureOut">
               <a:rPr lang="nl-BE" smtClean="0"/>
-              <a:t>9/01/2017</a:t>
+              <a:t>10/01/2017</a:t>
             </a:fld>
             <a:endParaRPr lang="nl-BE"/>
           </a:p>
@@ -2630,7 +2632,7 @@
           <a:p>
             <a:fld id="{2A4374BC-94ED-4E40-97D6-D3E51F385724}" type="datetimeFigureOut">
               <a:rPr lang="nl-BE" smtClean="0"/>
-              <a:t>9/01/2017</a:t>
+              <a:t>10/01/2017</a:t>
             </a:fld>
             <a:endParaRPr lang="nl-BE"/>
           </a:p>
@@ -3009,7 +3011,7 @@
           <a:p>
             <a:fld id="{2A4374BC-94ED-4E40-97D6-D3E51F385724}" type="datetimeFigureOut">
               <a:rPr lang="nl-BE" smtClean="0"/>
-              <a:t>9/01/2017</a:t>
+              <a:t>10/01/2017</a:t>
             </a:fld>
             <a:endParaRPr lang="nl-BE"/>
           </a:p>
@@ -3298,7 +3300,7 @@
           <a:p>
             <a:fld id="{2A4374BC-94ED-4E40-97D6-D3E51F385724}" type="datetimeFigureOut">
               <a:rPr lang="nl-BE" smtClean="0"/>
-              <a:t>9/01/2017</a:t>
+              <a:t>10/01/2017</a:t>
             </a:fld>
             <a:endParaRPr lang="nl-BE"/>
           </a:p>
@@ -3942,6 +3944,568 @@
           <a:lstStyle/>
           <a:p>
             <a:r>
+              <a:rPr lang="nl-BE" dirty="0" smtClean="0"/>
+              <a:t>Homepagina</a:t>
+            </a:r>
+            <a:endParaRPr lang="nl-BE" dirty="0"/>
+          </a:p>
+        </p:txBody>
+      </p:sp>
+      <p:pic>
+        <p:nvPicPr>
+          <p:cNvPr id="4" name="Tijdelijke aanduiding voor inhoud 3"/>
+          <p:cNvPicPr>
+            <a:picLocks noGrp="1"/>
+          </p:cNvPicPr>
+          <p:nvPr>
+            <p:ph idx="1"/>
+          </p:nvPr>
+        </p:nvPicPr>
+        <p:blipFill>
+          <a:blip r:embed="rId2">
+            <a:extLst>
+              <a:ext uri="{28A0092B-C50C-407E-A947-70E740481C1C}">
+                <a14:useLocalDpi xmlns:a14="http://schemas.microsoft.com/office/drawing/2010/main" val="0"/>
+              </a:ext>
+            </a:extLst>
+          </a:blip>
+          <a:stretch>
+            <a:fillRect/>
+          </a:stretch>
+        </p:blipFill>
+        <p:spPr>
+          <a:xfrm>
+            <a:off x="683740" y="2125361"/>
+            <a:ext cx="4695567" cy="3220995"/>
+          </a:xfrm>
+          <a:prstGeom prst="rect">
+            <a:avLst/>
+          </a:prstGeom>
+        </p:spPr>
+      </p:pic>
+      <p:cxnSp>
+        <p:nvCxnSpPr>
+          <p:cNvPr id="6" name="Rechte verbindingslijn 5"/>
+          <p:cNvCxnSpPr/>
+          <p:nvPr/>
+        </p:nvCxnSpPr>
+        <p:spPr>
+          <a:xfrm flipH="1">
+            <a:off x="5667633" y="1890582"/>
+            <a:ext cx="8237" cy="3690551"/>
+          </a:xfrm>
+          <a:prstGeom prst="line">
+            <a:avLst/>
+          </a:prstGeom>
+        </p:spPr>
+        <p:style>
+          <a:lnRef idx="1">
+            <a:schemeClr val="dk1"/>
+          </a:lnRef>
+          <a:fillRef idx="0">
+            <a:schemeClr val="dk1"/>
+          </a:fillRef>
+          <a:effectRef idx="0">
+            <a:schemeClr val="dk1"/>
+          </a:effectRef>
+          <a:fontRef idx="minor">
+            <a:schemeClr val="tx1"/>
+          </a:fontRef>
+        </p:style>
+      </p:cxnSp>
+      <p:pic>
+        <p:nvPicPr>
+          <p:cNvPr id="3" name="Afbeelding 2"/>
+          <p:cNvPicPr>
+            <a:picLocks noChangeAspect="1"/>
+          </p:cNvPicPr>
+          <p:nvPr/>
+        </p:nvPicPr>
+        <p:blipFill>
+          <a:blip r:embed="rId3"/>
+          <a:stretch>
+            <a:fillRect/>
+          </a:stretch>
+        </p:blipFill>
+        <p:spPr>
+          <a:xfrm>
+            <a:off x="5964196" y="2125359"/>
+            <a:ext cx="5047620" cy="3220995"/>
+          </a:xfrm>
+          <a:prstGeom prst="rect">
+            <a:avLst/>
+          </a:prstGeom>
+        </p:spPr>
+      </p:pic>
+    </p:spTree>
+    <p:extLst>
+      <p:ext uri="{BB962C8B-B14F-4D97-AF65-F5344CB8AC3E}">
+        <p14:creationId xmlns:p14="http://schemas.microsoft.com/office/powerpoint/2010/main" val="903604988"/>
+      </p:ext>
+    </p:extLst>
+  </p:cSld>
+  <p:clrMapOvr>
+    <a:masterClrMapping/>
+  </p:clrMapOvr>
+  <p:timing>
+    <p:tnLst>
+      <p:par>
+        <p:cTn id="1" dur="indefinite" restart="never" nodeType="tmRoot">
+          <p:childTnLst>
+            <p:seq concurrent="1" nextAc="seek">
+              <p:cTn id="2" dur="indefinite" nodeType="mainSeq">
+                <p:childTnLst>
+                  <p:par>
+                    <p:cTn id="3" fill="hold">
+                      <p:stCondLst>
+                        <p:cond delay="indefinite"/>
+                        <p:cond evt="onBegin" delay="0">
+                          <p:tn val="2"/>
+                        </p:cond>
+                      </p:stCondLst>
+                      <p:childTnLst>
+                        <p:par>
+                          <p:cTn id="4" fill="hold">
+                            <p:stCondLst>
+                              <p:cond delay="0"/>
+                            </p:stCondLst>
+                            <p:childTnLst>
+                              <p:par>
+                                <p:cTn id="5" presetID="10" presetClass="entr" presetSubtype="0" fill="hold" nodeType="afterEffect">
+                                  <p:stCondLst>
+                                    <p:cond delay="0"/>
+                                  </p:stCondLst>
+                                  <p:childTnLst>
+                                    <p:set>
+                                      <p:cBhvr>
+                                        <p:cTn id="6" dur="1" fill="hold">
+                                          <p:stCondLst>
+                                            <p:cond delay="0"/>
+                                          </p:stCondLst>
+                                        </p:cTn>
+                                        <p:tgtEl>
+                                          <p:spTgt spid="4"/>
+                                        </p:tgtEl>
+                                        <p:attrNameLst>
+                                          <p:attrName>style.visibility</p:attrName>
+                                        </p:attrNameLst>
+                                      </p:cBhvr>
+                                      <p:to>
+                                        <p:strVal val="visible"/>
+                                      </p:to>
+                                    </p:set>
+                                    <p:animEffect transition="in" filter="fade">
+                                      <p:cBhvr>
+                                        <p:cTn id="7" dur="750"/>
+                                        <p:tgtEl>
+                                          <p:spTgt spid="4"/>
+                                        </p:tgtEl>
+                                      </p:cBhvr>
+                                    </p:animEffect>
+                                  </p:childTnLst>
+                                </p:cTn>
+                              </p:par>
+                            </p:childTnLst>
+                          </p:cTn>
+                        </p:par>
+                      </p:childTnLst>
+                    </p:cTn>
+                  </p:par>
+                  <p:par>
+                    <p:cTn id="8" fill="hold">
+                      <p:stCondLst>
+                        <p:cond delay="indefinite"/>
+                      </p:stCondLst>
+                      <p:childTnLst>
+                        <p:par>
+                          <p:cTn id="9" fill="hold">
+                            <p:stCondLst>
+                              <p:cond delay="0"/>
+                            </p:stCondLst>
+                            <p:childTnLst>
+                              <p:par>
+                                <p:cTn id="10" presetID="10" presetClass="entr" presetSubtype="0" fill="hold" nodeType="clickEffect">
+                                  <p:stCondLst>
+                                    <p:cond delay="0"/>
+                                  </p:stCondLst>
+                                  <p:childTnLst>
+                                    <p:set>
+                                      <p:cBhvr>
+                                        <p:cTn id="11" dur="1" fill="hold">
+                                          <p:stCondLst>
+                                            <p:cond delay="0"/>
+                                          </p:stCondLst>
+                                        </p:cTn>
+                                        <p:tgtEl>
+                                          <p:spTgt spid="3"/>
+                                        </p:tgtEl>
+                                        <p:attrNameLst>
+                                          <p:attrName>style.visibility</p:attrName>
+                                        </p:attrNameLst>
+                                      </p:cBhvr>
+                                      <p:to>
+                                        <p:strVal val="visible"/>
+                                      </p:to>
+                                    </p:set>
+                                    <p:animEffect transition="in" filter="fade">
+                                      <p:cBhvr>
+                                        <p:cTn id="12" dur="750"/>
+                                        <p:tgtEl>
+                                          <p:spTgt spid="3"/>
+                                        </p:tgtEl>
+                                      </p:cBhvr>
+                                    </p:animEffect>
+                                  </p:childTnLst>
+                                </p:cTn>
+                              </p:par>
+                            </p:childTnLst>
+                          </p:cTn>
+                        </p:par>
+                      </p:childTnLst>
+                    </p:cTn>
+                  </p:par>
+                </p:childTnLst>
+              </p:cTn>
+              <p:prevCondLst>
+                <p:cond evt="onPrev" delay="0">
+                  <p:tgtEl>
+                    <p:sldTgt/>
+                  </p:tgtEl>
+                </p:cond>
+              </p:prevCondLst>
+              <p:nextCondLst>
+                <p:cond evt="onNext" delay="0">
+                  <p:tgtEl>
+                    <p:sldTgt/>
+                  </p:tgtEl>
+                </p:cond>
+              </p:nextCondLst>
+            </p:seq>
+          </p:childTnLst>
+        </p:cTn>
+      </p:par>
+    </p:tnLst>
+  </p:timing>
+</p:sld>
+</file>
+
+<file path=ppt/slides/slide11.xml><?xml version="1.0" encoding="utf-8"?>
+<p:sld xmlns:a="http://schemas.openxmlformats.org/drawingml/2006/main" xmlns:r="http://schemas.openxmlformats.org/officeDocument/2006/relationships" xmlns:p="http://schemas.openxmlformats.org/presentationml/2006/main">
+  <p:cSld>
+    <p:spTree>
+      <p:nvGrpSpPr>
+        <p:cNvPr id="1" name=""/>
+        <p:cNvGrpSpPr/>
+        <p:nvPr/>
+      </p:nvGrpSpPr>
+      <p:grpSpPr>
+        <a:xfrm>
+          <a:off x="0" y="0"/>
+          <a:ext cx="0" cy="0"/>
+          <a:chOff x="0" y="0"/>
+          <a:chExt cx="0" cy="0"/>
+        </a:xfrm>
+      </p:grpSpPr>
+      <p:sp>
+        <p:nvSpPr>
+          <p:cNvPr id="2" name="Titel 1"/>
+          <p:cNvSpPr>
+            <a:spLocks noGrp="1"/>
+          </p:cNvSpPr>
+          <p:nvPr>
+            <p:ph type="title"/>
+          </p:nvPr>
+        </p:nvSpPr>
+        <p:spPr>
+          <a:xfrm>
+            <a:off x="907810" y="356623"/>
+            <a:ext cx="10058400" cy="1295062"/>
+          </a:xfrm>
+        </p:spPr>
+        <p:txBody>
+          <a:bodyPr/>
+          <a:lstStyle/>
+          <a:p>
+            <a:r>
+              <a:rPr lang="nl-BE" dirty="0" smtClean="0"/>
+              <a:t>Registreren &amp; Inloggen</a:t>
+            </a:r>
+            <a:endParaRPr lang="nl-BE" dirty="0"/>
+          </a:p>
+        </p:txBody>
+      </p:sp>
+      <p:cxnSp>
+        <p:nvCxnSpPr>
+          <p:cNvPr id="6" name="Rechte verbindingslijn 5"/>
+          <p:cNvCxnSpPr/>
+          <p:nvPr/>
+        </p:nvCxnSpPr>
+        <p:spPr>
+          <a:xfrm flipH="1">
+            <a:off x="5667633" y="1890582"/>
+            <a:ext cx="8237" cy="3690551"/>
+          </a:xfrm>
+          <a:prstGeom prst="line">
+            <a:avLst/>
+          </a:prstGeom>
+        </p:spPr>
+        <p:style>
+          <a:lnRef idx="1">
+            <a:schemeClr val="dk1"/>
+          </a:lnRef>
+          <a:fillRef idx="0">
+            <a:schemeClr val="dk1"/>
+          </a:fillRef>
+          <a:effectRef idx="0">
+            <a:schemeClr val="dk1"/>
+          </a:effectRef>
+          <a:fontRef idx="minor">
+            <a:schemeClr val="tx1"/>
+          </a:fontRef>
+        </p:style>
+      </p:cxnSp>
+      <p:pic>
+        <p:nvPicPr>
+          <p:cNvPr id="7" name="Afbeelding 6"/>
+          <p:cNvPicPr/>
+          <p:nvPr/>
+        </p:nvPicPr>
+        <p:blipFill>
+          <a:blip r:embed="rId2">
+            <a:extLst>
+              <a:ext uri="{28A0092B-C50C-407E-A947-70E740481C1C}">
+                <a14:useLocalDpi xmlns:a14="http://schemas.microsoft.com/office/drawing/2010/main" val="0"/>
+              </a:ext>
+            </a:extLst>
+          </a:blip>
+          <a:stretch>
+            <a:fillRect/>
+          </a:stretch>
+        </p:blipFill>
+        <p:spPr>
+          <a:xfrm>
+            <a:off x="595052" y="2125359"/>
+            <a:ext cx="4695567" cy="3220995"/>
+          </a:xfrm>
+          <a:prstGeom prst="rect">
+            <a:avLst/>
+          </a:prstGeom>
+        </p:spPr>
+      </p:pic>
+      <p:pic>
+        <p:nvPicPr>
+          <p:cNvPr id="9" name="Afbeelding 8"/>
+          <p:cNvPicPr>
+            <a:picLocks noChangeAspect="1"/>
+          </p:cNvPicPr>
+          <p:nvPr/>
+        </p:nvPicPr>
+        <p:blipFill>
+          <a:blip r:embed="rId3"/>
+          <a:stretch>
+            <a:fillRect/>
+          </a:stretch>
+        </p:blipFill>
+        <p:spPr>
+          <a:xfrm>
+            <a:off x="6052884" y="2125358"/>
+            <a:ext cx="5037162" cy="3220995"/>
+          </a:xfrm>
+          <a:prstGeom prst="rect">
+            <a:avLst/>
+          </a:prstGeom>
+        </p:spPr>
+      </p:pic>
+    </p:spTree>
+    <p:extLst>
+      <p:ext uri="{BB962C8B-B14F-4D97-AF65-F5344CB8AC3E}">
+        <p14:creationId xmlns:p14="http://schemas.microsoft.com/office/powerpoint/2010/main" val="1410933059"/>
+      </p:ext>
+    </p:extLst>
+  </p:cSld>
+  <p:clrMapOvr>
+    <a:masterClrMapping/>
+  </p:clrMapOvr>
+  <p:timing>
+    <p:tnLst>
+      <p:par>
+        <p:cTn id="1" dur="indefinite" restart="never" nodeType="tmRoot">
+          <p:childTnLst>
+            <p:seq concurrent="1" nextAc="seek">
+              <p:cTn id="2" dur="indefinite" nodeType="mainSeq">
+                <p:childTnLst>
+                  <p:par>
+                    <p:cTn id="3" fill="hold">
+                      <p:stCondLst>
+                        <p:cond delay="indefinite"/>
+                        <p:cond evt="onBegin" delay="0">
+                          <p:tn val="2"/>
+                        </p:cond>
+                      </p:stCondLst>
+                      <p:childTnLst>
+                        <p:par>
+                          <p:cTn id="4" fill="hold">
+                            <p:stCondLst>
+                              <p:cond delay="0"/>
+                            </p:stCondLst>
+                            <p:childTnLst>
+                              <p:par>
+                                <p:cTn id="5" presetID="10" presetClass="entr" presetSubtype="0" fill="hold" nodeType="afterEffect">
+                                  <p:stCondLst>
+                                    <p:cond delay="0"/>
+                                  </p:stCondLst>
+                                  <p:childTnLst>
+                                    <p:set>
+                                      <p:cBhvr>
+                                        <p:cTn id="6" dur="1" fill="hold">
+                                          <p:stCondLst>
+                                            <p:cond delay="0"/>
+                                          </p:stCondLst>
+                                        </p:cTn>
+                                        <p:tgtEl>
+                                          <p:spTgt spid="7"/>
+                                        </p:tgtEl>
+                                        <p:attrNameLst>
+                                          <p:attrName>style.visibility</p:attrName>
+                                        </p:attrNameLst>
+                                      </p:cBhvr>
+                                      <p:to>
+                                        <p:strVal val="visible"/>
+                                      </p:to>
+                                    </p:set>
+                                    <p:animEffect transition="in" filter="fade">
+                                      <p:cBhvr>
+                                        <p:cTn id="7" dur="750"/>
+                                        <p:tgtEl>
+                                          <p:spTgt spid="7"/>
+                                        </p:tgtEl>
+                                      </p:cBhvr>
+                                    </p:animEffect>
+                                  </p:childTnLst>
+                                </p:cTn>
+                              </p:par>
+                            </p:childTnLst>
+                          </p:cTn>
+                        </p:par>
+                      </p:childTnLst>
+                    </p:cTn>
+                  </p:par>
+                  <p:par>
+                    <p:cTn id="8" fill="hold">
+                      <p:stCondLst>
+                        <p:cond delay="indefinite"/>
+                      </p:stCondLst>
+                      <p:childTnLst>
+                        <p:par>
+                          <p:cTn id="9" fill="hold">
+                            <p:stCondLst>
+                              <p:cond delay="0"/>
+                            </p:stCondLst>
+                            <p:childTnLst>
+                              <p:par>
+                                <p:cTn id="10" presetID="10" presetClass="entr" presetSubtype="0" fill="hold" nodeType="clickEffect">
+                                  <p:stCondLst>
+                                    <p:cond delay="0"/>
+                                  </p:stCondLst>
+                                  <p:childTnLst>
+                                    <p:set>
+                                      <p:cBhvr>
+                                        <p:cTn id="11" dur="1" fill="hold">
+                                          <p:stCondLst>
+                                            <p:cond delay="0"/>
+                                          </p:stCondLst>
+                                        </p:cTn>
+                                        <p:tgtEl>
+                                          <p:spTgt spid="9"/>
+                                        </p:tgtEl>
+                                        <p:attrNameLst>
+                                          <p:attrName>style.visibility</p:attrName>
+                                        </p:attrNameLst>
+                                      </p:cBhvr>
+                                      <p:to>
+                                        <p:strVal val="visible"/>
+                                      </p:to>
+                                    </p:set>
+                                    <p:animEffect transition="in" filter="fade">
+                                      <p:cBhvr>
+                                        <p:cTn id="12" dur="750"/>
+                                        <p:tgtEl>
+                                          <p:spTgt spid="9"/>
+                                        </p:tgtEl>
+                                      </p:cBhvr>
+                                    </p:animEffect>
+                                  </p:childTnLst>
+                                </p:cTn>
+                              </p:par>
+                            </p:childTnLst>
+                          </p:cTn>
+                        </p:par>
+                      </p:childTnLst>
+                    </p:cTn>
+                  </p:par>
+                </p:childTnLst>
+              </p:cTn>
+              <p:prevCondLst>
+                <p:cond evt="onPrev" delay="0">
+                  <p:tgtEl>
+                    <p:sldTgt/>
+                  </p:tgtEl>
+                </p:cond>
+              </p:prevCondLst>
+              <p:nextCondLst>
+                <p:cond evt="onNext" delay="0">
+                  <p:tgtEl>
+                    <p:sldTgt/>
+                  </p:tgtEl>
+                </p:cond>
+              </p:nextCondLst>
+            </p:seq>
+          </p:childTnLst>
+        </p:cTn>
+      </p:par>
+    </p:tnLst>
+  </p:timing>
+</p:sld>
+</file>
+
+<file path=ppt/slides/slide12.xml><?xml version="1.0" encoding="utf-8"?>
+<p:sld xmlns:a="http://schemas.openxmlformats.org/drawingml/2006/main" xmlns:r="http://schemas.openxmlformats.org/officeDocument/2006/relationships" xmlns:p="http://schemas.openxmlformats.org/presentationml/2006/main">
+  <p:cSld>
+    <p:spTree>
+      <p:nvGrpSpPr>
+        <p:cNvPr id="1" name=""/>
+        <p:cNvGrpSpPr/>
+        <p:nvPr/>
+      </p:nvGrpSpPr>
+      <p:grpSpPr>
+        <a:xfrm>
+          <a:off x="0" y="0"/>
+          <a:ext cx="0" cy="0"/>
+          <a:chOff x="0" y="0"/>
+          <a:chExt cx="0" cy="0"/>
+        </a:xfrm>
+      </p:grpSpPr>
+      <p:sp>
+        <p:nvSpPr>
+          <p:cNvPr id="2" name="Titel 1"/>
+          <p:cNvSpPr>
+            <a:spLocks noGrp="1"/>
+          </p:cNvSpPr>
+          <p:nvPr>
+            <p:ph type="title"/>
+          </p:nvPr>
+        </p:nvSpPr>
+        <p:spPr>
+          <a:xfrm>
+            <a:off x="907810" y="356623"/>
+            <a:ext cx="10058400" cy="1295062"/>
+          </a:xfrm>
+        </p:spPr>
+        <p:txBody>
+          <a:bodyPr/>
+          <a:lstStyle/>
+          <a:p>
+            <a:r>
               <a:rPr lang="nl-BE" dirty="0" err="1" smtClean="0"/>
               <a:t>Paymentpagina</a:t>
             </a:r>
@@ -4183,7 +4747,7 @@
 </p:sld>
 </file>
 
-<file path=ppt/slides/slide11.xml><?xml version="1.0" encoding="utf-8"?>
+<file path=ppt/slides/slide13.xml><?xml version="1.0" encoding="utf-8"?>
 <p:sld xmlns:a="http://schemas.openxmlformats.org/drawingml/2006/main" xmlns:r="http://schemas.openxmlformats.org/officeDocument/2006/relationships" xmlns:p="http://schemas.openxmlformats.org/presentationml/2006/main">
   <p:cSld>
     <p:spTree>
@@ -4462,7 +5026,7 @@
 </p:sld>
 </file>
 
-<file path=ppt/slides/slide12.xml><?xml version="1.0" encoding="utf-8"?>
+<file path=ppt/slides/slide14.xml><?xml version="1.0" encoding="utf-8"?>
 <p:sld xmlns:a="http://schemas.openxmlformats.org/drawingml/2006/main" xmlns:r="http://schemas.openxmlformats.org/officeDocument/2006/relationships" xmlns:p="http://schemas.openxmlformats.org/presentationml/2006/main">
   <p:cSld>
     <p:spTree>
@@ -4741,7 +5305,7 @@
 </p:sld>
 </file>
 
-<file path=ppt/slides/slide13.xml><?xml version="1.0" encoding="utf-8"?>
+<file path=ppt/slides/slide15.xml><?xml version="1.0" encoding="utf-8"?>
 <p:sld xmlns:a="http://schemas.openxmlformats.org/drawingml/2006/main" xmlns:r="http://schemas.openxmlformats.org/officeDocument/2006/relationships" xmlns:p="http://schemas.openxmlformats.org/presentationml/2006/main">
   <p:cSld>
     <p:spTree>
@@ -5020,7 +5584,7 @@
 </p:sld>
 </file>
 
-<file path=ppt/slides/slide14.xml><?xml version="1.0" encoding="utf-8"?>
+<file path=ppt/slides/slide16.xml><?xml version="1.0" encoding="utf-8"?>
 <p:sld xmlns:a="http://schemas.openxmlformats.org/drawingml/2006/main" xmlns:r="http://schemas.openxmlformats.org/officeDocument/2006/relationships" xmlns:p="http://schemas.openxmlformats.org/presentationml/2006/main">
   <p:cSld>
     <p:spTree>
@@ -5224,7 +5788,7 @@
 </p:sld>
 </file>
 
-<file path=ppt/slides/slide15.xml><?xml version="1.0" encoding="utf-8"?>
+<file path=ppt/slides/slide17.xml><?xml version="1.0" encoding="utf-8"?>
 <p:sld xmlns:a="http://schemas.openxmlformats.org/drawingml/2006/main" xmlns:r="http://schemas.openxmlformats.org/officeDocument/2006/relationships" xmlns:p="http://schemas.openxmlformats.org/presentationml/2006/main">
   <p:cSld>
     <p:spTree>
@@ -5394,7 +5958,7 @@
 </p:sld>
 </file>
 
-<file path=ppt/slides/slide16.xml><?xml version="1.0" encoding="utf-8"?>
+<file path=ppt/slides/slide18.xml><?xml version="1.0" encoding="utf-8"?>
 <p:sld xmlns:a="http://schemas.openxmlformats.org/drawingml/2006/main" xmlns:r="http://schemas.openxmlformats.org/officeDocument/2006/relationships" xmlns:p="http://schemas.openxmlformats.org/presentationml/2006/main">
   <p:cSld>
     <p:spTree>
@@ -5598,7 +6162,7 @@
 </p:sld>
 </file>
 
-<file path=ppt/slides/slide17.xml><?xml version="1.0" encoding="utf-8"?>
+<file path=ppt/slides/slide19.xml><?xml version="1.0" encoding="utf-8"?>
 <p:sld xmlns:a="http://schemas.openxmlformats.org/drawingml/2006/main" xmlns:r="http://schemas.openxmlformats.org/officeDocument/2006/relationships" xmlns:p="http://schemas.openxmlformats.org/presentationml/2006/main">
   <p:cSld>
     <p:spTree>
@@ -5994,6 +6558,12 @@
           <a:p>
             <a:r>
               <a:rPr lang="nl-BE" dirty="0" smtClean="0"/>
+              <a:t>Wat is het project?</a:t>
+            </a:r>
+          </a:p>
+          <a:p>
+            <a:r>
+              <a:rPr lang="nl-BE" dirty="0" smtClean="0"/>
               <a:t>User </a:t>
             </a:r>
             <a:r>
@@ -6540,6 +7110,109 @@
                                           <p:spTgt spid="3">
                                             <p:txEl>
                                               <p:pRg st="4" end="4"/>
+                                            </p:txEl>
+                                          </p:spTgt>
+                                        </p:tgtEl>
+                                        <p:attrNameLst>
+                                          <p:attrName>ppt_y</p:attrName>
+                                        </p:attrNameLst>
+                                      </p:cBhvr>
+                                      <p:tavLst>
+                                        <p:tav tm="0">
+                                          <p:val>
+                                            <p:strVal val="#ppt_y"/>
+                                          </p:val>
+                                        </p:tav>
+                                        <p:tav tm="100000">
+                                          <p:val>
+                                            <p:strVal val="#ppt_y"/>
+                                          </p:val>
+                                        </p:tav>
+                                      </p:tavLst>
+                                    </p:anim>
+                                  </p:childTnLst>
+                                </p:cTn>
+                              </p:par>
+                            </p:childTnLst>
+                          </p:cTn>
+                        </p:par>
+                      </p:childTnLst>
+                    </p:cTn>
+                  </p:par>
+                  <p:par>
+                    <p:cTn id="33" fill="hold">
+                      <p:stCondLst>
+                        <p:cond delay="indefinite"/>
+                      </p:stCondLst>
+                      <p:childTnLst>
+                        <p:par>
+                          <p:cTn id="34" fill="hold">
+                            <p:stCondLst>
+                              <p:cond delay="0"/>
+                            </p:stCondLst>
+                            <p:childTnLst>
+                              <p:par>
+                                <p:cTn id="35" presetID="2" presetClass="entr" presetSubtype="8" fill="hold" nodeType="clickEffect">
+                                  <p:stCondLst>
+                                    <p:cond delay="0"/>
+                                  </p:stCondLst>
+                                  <p:childTnLst>
+                                    <p:set>
+                                      <p:cBhvr>
+                                        <p:cTn id="36" dur="1" fill="hold">
+                                          <p:stCondLst>
+                                            <p:cond delay="0"/>
+                                          </p:stCondLst>
+                                        </p:cTn>
+                                        <p:tgtEl>
+                                          <p:spTgt spid="3">
+                                            <p:txEl>
+                                              <p:pRg st="5" end="5"/>
+                                            </p:txEl>
+                                          </p:spTgt>
+                                        </p:tgtEl>
+                                        <p:attrNameLst>
+                                          <p:attrName>style.visibility</p:attrName>
+                                        </p:attrNameLst>
+                                      </p:cBhvr>
+                                      <p:to>
+                                        <p:strVal val="visible"/>
+                                      </p:to>
+                                    </p:set>
+                                    <p:anim calcmode="lin" valueType="num">
+                                      <p:cBhvr additive="base">
+                                        <p:cTn id="37" dur="750" fill="hold"/>
+                                        <p:tgtEl>
+                                          <p:spTgt spid="3">
+                                            <p:txEl>
+                                              <p:pRg st="5" end="5"/>
+                                            </p:txEl>
+                                          </p:spTgt>
+                                        </p:tgtEl>
+                                        <p:attrNameLst>
+                                          <p:attrName>ppt_x</p:attrName>
+                                        </p:attrNameLst>
+                                      </p:cBhvr>
+                                      <p:tavLst>
+                                        <p:tav tm="0">
+                                          <p:val>
+                                            <p:strVal val="0-#ppt_w/2"/>
+                                          </p:val>
+                                        </p:tav>
+                                        <p:tav tm="100000">
+                                          <p:val>
+                                            <p:strVal val="#ppt_x"/>
+                                          </p:val>
+                                        </p:tav>
+                                      </p:tavLst>
+                                    </p:anim>
+                                    <p:anim calcmode="lin" valueType="num">
+                                      <p:cBhvr additive="base">
+                                        <p:cTn id="38" dur="750" fill="hold"/>
+                                        <p:tgtEl>
+                                          <p:spTgt spid="3">
+                                            <p:txEl>
+                                              <p:pRg st="5" end="5"/>
                                             </p:txEl>
                                           </p:spTgt>
                                         </p:tgtEl>
@@ -6685,15 +7358,29 @@
                 <a:ea typeface="+mn-ea"/>
                 <a:cs typeface="+mn-cs"/>
               </a:rPr>
-              <a:t>User Stories</a:t>
+              <a:t>Wat is het project?</a:t>
             </a:r>
+            <a:endParaRPr kumimoji="0" lang="en-US" sz="6600" b="0" i="0" u="none" strike="noStrike" kern="0" cap="none" spc="0" normalizeH="0" baseline="0" noProof="0" dirty="0" smtClean="0">
+              <a:ln>
+                <a:noFill/>
+              </a:ln>
+              <a:solidFill>
+                <a:srgbClr val="FFFFFF"/>
+              </a:solidFill>
+              <a:effectLst/>
+              <a:uLnTx/>
+              <a:uFillTx/>
+              <a:latin typeface="Segoe UI"/>
+              <a:ea typeface="+mn-ea"/>
+              <a:cs typeface="+mn-cs"/>
+            </a:endParaRPr>
           </a:p>
         </p:txBody>
       </p:sp>
     </p:spTree>
     <p:extLst>
       <p:ext uri="{BB962C8B-B14F-4D97-AF65-F5344CB8AC3E}">
-        <p14:creationId xmlns:p14="http://schemas.microsoft.com/office/powerpoint/2010/main" val="707674231"/>
+        <p14:creationId xmlns:p14="http://schemas.microsoft.com/office/powerpoint/2010/main" val="3174858081"/>
       </p:ext>
     </p:extLst>
   </p:cSld>
@@ -6811,6 +7498,1008 @@
       </p:grpSpPr>
       <p:sp>
         <p:nvSpPr>
+          <p:cNvPr id="2" name="Tekstvak 1"/>
+          <p:cNvSpPr txBox="1"/>
+          <p:nvPr/>
+        </p:nvSpPr>
+        <p:spPr>
+          <a:xfrm>
+            <a:off x="1201271" y="1246095"/>
+            <a:ext cx="10990729" cy="4062651"/>
+          </a:xfrm>
+          <a:prstGeom prst="rect">
+            <a:avLst/>
+          </a:prstGeom>
+          <a:noFill/>
+        </p:spPr>
+        <p:txBody>
+          <a:bodyPr wrap="square" rtlCol="0">
+            <a:spAutoFit/>
+          </a:bodyPr>
+          <a:lstStyle/>
+          <a:p>
+            <a:r>
+              <a:rPr lang="nl-BE" sz="2000" dirty="0" smtClean="0"/>
+              <a:t>Onnodige papierberg</a:t>
+            </a:r>
+          </a:p>
+          <a:p>
+            <a:endParaRPr lang="nl-BE" sz="2000" dirty="0"/>
+          </a:p>
+          <a:p>
+            <a:r>
+              <a:rPr lang="nl-BE" sz="2000" dirty="0" smtClean="0"/>
+              <a:t>Eenvoudig beheren</a:t>
+            </a:r>
+          </a:p>
+          <a:p>
+            <a:endParaRPr lang="nl-BE" sz="2000" dirty="0"/>
+          </a:p>
+          <a:p>
+            <a:r>
+              <a:rPr lang="nl-BE" sz="2000" dirty="0" smtClean="0"/>
+              <a:t>Online platform</a:t>
+            </a:r>
+          </a:p>
+          <a:p>
+            <a:endParaRPr lang="nl-BE" sz="2000" dirty="0"/>
+          </a:p>
+          <a:p>
+            <a:r>
+              <a:rPr lang="nl-BE" sz="2000" dirty="0" smtClean="0"/>
+              <a:t>Uploaden en downloaden van documenten</a:t>
+            </a:r>
+          </a:p>
+          <a:p>
+            <a:endParaRPr lang="nl-BE" sz="2000" dirty="0"/>
+          </a:p>
+          <a:p>
+            <a:r>
+              <a:rPr lang="nl-BE" sz="2000" dirty="0" smtClean="0"/>
+              <a:t>Filteren en sorteren</a:t>
+            </a:r>
+          </a:p>
+          <a:p>
+            <a:endParaRPr lang="nl-BE" sz="2000" dirty="0"/>
+          </a:p>
+          <a:p>
+            <a:endParaRPr lang="nl-BE" sz="2000" dirty="0"/>
+          </a:p>
+          <a:p>
+            <a:r>
+              <a:rPr lang="nl-BE" sz="2000" dirty="0" smtClean="0"/>
+              <a:t>Oplossing: PAPERLESS OFFICE</a:t>
+            </a:r>
+          </a:p>
+          <a:p>
+            <a:endParaRPr lang="nl-BE" dirty="0"/>
+          </a:p>
+        </p:txBody>
+      </p:sp>
+    </p:spTree>
+    <p:extLst>
+      <p:ext uri="{BB962C8B-B14F-4D97-AF65-F5344CB8AC3E}">
+        <p14:creationId xmlns:p14="http://schemas.microsoft.com/office/powerpoint/2010/main" val="1931639158"/>
+      </p:ext>
+    </p:extLst>
+  </p:cSld>
+  <p:clrMapOvr>
+    <a:masterClrMapping/>
+  </p:clrMapOvr>
+  <p:timing>
+    <p:tnLst>
+      <p:par>
+        <p:cTn id="1" dur="indefinite" restart="never" nodeType="tmRoot">
+          <p:childTnLst>
+            <p:seq concurrent="1" nextAc="seek">
+              <p:cTn id="2" dur="indefinite" nodeType="mainSeq">
+                <p:childTnLst>
+                  <p:par>
+                    <p:cTn id="3" fill="hold">
+                      <p:stCondLst>
+                        <p:cond delay="indefinite"/>
+                        <p:cond evt="onBegin" delay="0">
+                          <p:tn val="2"/>
+                        </p:cond>
+                      </p:stCondLst>
+                      <p:childTnLst>
+                        <p:par>
+                          <p:cTn id="4" fill="hold">
+                            <p:stCondLst>
+                              <p:cond delay="0"/>
+                            </p:stCondLst>
+                            <p:childTnLst>
+                              <p:par>
+                                <p:cTn id="5" presetID="2" presetClass="entr" presetSubtype="8" fill="hold" nodeType="afterEffect">
+                                  <p:stCondLst>
+                                    <p:cond delay="0"/>
+                                  </p:stCondLst>
+                                  <p:childTnLst>
+                                    <p:set>
+                                      <p:cBhvr>
+                                        <p:cTn id="6" dur="1" fill="hold">
+                                          <p:stCondLst>
+                                            <p:cond delay="0"/>
+                                          </p:stCondLst>
+                                        </p:cTn>
+                                        <p:tgtEl>
+                                          <p:spTgt spid="2">
+                                            <p:txEl>
+                                              <p:pRg st="0" end="0"/>
+                                            </p:txEl>
+                                          </p:spTgt>
+                                        </p:tgtEl>
+                                        <p:attrNameLst>
+                                          <p:attrName>style.visibility</p:attrName>
+                                        </p:attrNameLst>
+                                      </p:cBhvr>
+                                      <p:to>
+                                        <p:strVal val="visible"/>
+                                      </p:to>
+                                    </p:set>
+                                    <p:anim calcmode="lin" valueType="num">
+                                      <p:cBhvr additive="base">
+                                        <p:cTn id="7" dur="750" fill="hold"/>
+                                        <p:tgtEl>
+                                          <p:spTgt spid="2">
+                                            <p:txEl>
+                                              <p:pRg st="0" end="0"/>
+                                            </p:txEl>
+                                          </p:spTgt>
+                                        </p:tgtEl>
+                                        <p:attrNameLst>
+                                          <p:attrName>ppt_x</p:attrName>
+                                        </p:attrNameLst>
+                                      </p:cBhvr>
+                                      <p:tavLst>
+                                        <p:tav tm="0">
+                                          <p:val>
+                                            <p:strVal val="0-#ppt_w/2"/>
+                                          </p:val>
+                                        </p:tav>
+                                        <p:tav tm="100000">
+                                          <p:val>
+                                            <p:strVal val="#ppt_x"/>
+                                          </p:val>
+                                        </p:tav>
+                                      </p:tavLst>
+                                    </p:anim>
+                                    <p:anim calcmode="lin" valueType="num">
+                                      <p:cBhvr additive="base">
+                                        <p:cTn id="8" dur="750" fill="hold"/>
+                                        <p:tgtEl>
+                                          <p:spTgt spid="2">
+                                            <p:txEl>
+                                              <p:pRg st="0" end="0"/>
+                                            </p:txEl>
+                                          </p:spTgt>
+                                        </p:tgtEl>
+                                        <p:attrNameLst>
+                                          <p:attrName>ppt_y</p:attrName>
+                                        </p:attrNameLst>
+                                      </p:cBhvr>
+                                      <p:tavLst>
+                                        <p:tav tm="0">
+                                          <p:val>
+                                            <p:strVal val="#ppt_y"/>
+                                          </p:val>
+                                        </p:tav>
+                                        <p:tav tm="100000">
+                                          <p:val>
+                                            <p:strVal val="#ppt_y"/>
+                                          </p:val>
+                                        </p:tav>
+                                      </p:tavLst>
+                                    </p:anim>
+                                  </p:childTnLst>
+                                </p:cTn>
+                              </p:par>
+                            </p:childTnLst>
+                          </p:cTn>
+                        </p:par>
+                      </p:childTnLst>
+                    </p:cTn>
+                  </p:par>
+                  <p:par>
+                    <p:cTn id="9" fill="hold">
+                      <p:stCondLst>
+                        <p:cond delay="indefinite"/>
+                      </p:stCondLst>
+                      <p:childTnLst>
+                        <p:par>
+                          <p:cTn id="10" fill="hold">
+                            <p:stCondLst>
+                              <p:cond delay="0"/>
+                            </p:stCondLst>
+                            <p:childTnLst>
+                              <p:par>
+                                <p:cTn id="11" presetID="2" presetClass="entr" presetSubtype="8" fill="hold" nodeType="clickEffect">
+                                  <p:stCondLst>
+                                    <p:cond delay="0"/>
+                                  </p:stCondLst>
+                                  <p:childTnLst>
+                                    <p:set>
+                                      <p:cBhvr>
+                                        <p:cTn id="12" dur="1" fill="hold">
+                                          <p:stCondLst>
+                                            <p:cond delay="0"/>
+                                          </p:stCondLst>
+                                        </p:cTn>
+                                        <p:tgtEl>
+                                          <p:spTgt spid="2">
+                                            <p:txEl>
+                                              <p:pRg st="2" end="2"/>
+                                            </p:txEl>
+                                          </p:spTgt>
+                                        </p:tgtEl>
+                                        <p:attrNameLst>
+                                          <p:attrName>style.visibility</p:attrName>
+                                        </p:attrNameLst>
+                                      </p:cBhvr>
+                                      <p:to>
+                                        <p:strVal val="visible"/>
+                                      </p:to>
+                                    </p:set>
+                                    <p:anim calcmode="lin" valueType="num">
+                                      <p:cBhvr additive="base">
+                                        <p:cTn id="13" dur="750" fill="hold"/>
+                                        <p:tgtEl>
+                                          <p:spTgt spid="2">
+                                            <p:txEl>
+                                              <p:pRg st="2" end="2"/>
+                                            </p:txEl>
+                                          </p:spTgt>
+                                        </p:tgtEl>
+                                        <p:attrNameLst>
+                                          <p:attrName>ppt_x</p:attrName>
+                                        </p:attrNameLst>
+                                      </p:cBhvr>
+                                      <p:tavLst>
+                                        <p:tav tm="0">
+                                          <p:val>
+                                            <p:strVal val="0-#ppt_w/2"/>
+                                          </p:val>
+                                        </p:tav>
+                                        <p:tav tm="100000">
+                                          <p:val>
+                                            <p:strVal val="#ppt_x"/>
+                                          </p:val>
+                                        </p:tav>
+                                      </p:tavLst>
+                                    </p:anim>
+                                    <p:anim calcmode="lin" valueType="num">
+                                      <p:cBhvr additive="base">
+                                        <p:cTn id="14" dur="750" fill="hold"/>
+                                        <p:tgtEl>
+                                          <p:spTgt spid="2">
+                                            <p:txEl>
+                                              <p:pRg st="2" end="2"/>
+                                            </p:txEl>
+                                          </p:spTgt>
+                                        </p:tgtEl>
+                                        <p:attrNameLst>
+                                          <p:attrName>ppt_y</p:attrName>
+                                        </p:attrNameLst>
+                                      </p:cBhvr>
+                                      <p:tavLst>
+                                        <p:tav tm="0">
+                                          <p:val>
+                                            <p:strVal val="#ppt_y"/>
+                                          </p:val>
+                                        </p:tav>
+                                        <p:tav tm="100000">
+                                          <p:val>
+                                            <p:strVal val="#ppt_y"/>
+                                          </p:val>
+                                        </p:tav>
+                                      </p:tavLst>
+                                    </p:anim>
+                                  </p:childTnLst>
+                                </p:cTn>
+                              </p:par>
+                            </p:childTnLst>
+                          </p:cTn>
+                        </p:par>
+                      </p:childTnLst>
+                    </p:cTn>
+                  </p:par>
+                  <p:par>
+                    <p:cTn id="15" fill="hold">
+                      <p:stCondLst>
+                        <p:cond delay="indefinite"/>
+                      </p:stCondLst>
+                      <p:childTnLst>
+                        <p:par>
+                          <p:cTn id="16" fill="hold">
+                            <p:stCondLst>
+                              <p:cond delay="0"/>
+                            </p:stCondLst>
+                            <p:childTnLst>
+                              <p:par>
+                                <p:cTn id="17" presetID="2" presetClass="entr" presetSubtype="8" fill="hold" nodeType="clickEffect">
+                                  <p:stCondLst>
+                                    <p:cond delay="0"/>
+                                  </p:stCondLst>
+                                  <p:childTnLst>
+                                    <p:set>
+                                      <p:cBhvr>
+                                        <p:cTn id="18" dur="1" fill="hold">
+                                          <p:stCondLst>
+                                            <p:cond delay="0"/>
+                                          </p:stCondLst>
+                                        </p:cTn>
+                                        <p:tgtEl>
+                                          <p:spTgt spid="2">
+                                            <p:txEl>
+                                              <p:pRg st="4" end="4"/>
+                                            </p:txEl>
+                                          </p:spTgt>
+                                        </p:tgtEl>
+                                        <p:attrNameLst>
+                                          <p:attrName>style.visibility</p:attrName>
+                                        </p:attrNameLst>
+                                      </p:cBhvr>
+                                      <p:to>
+                                        <p:strVal val="visible"/>
+                                      </p:to>
+                                    </p:set>
+                                    <p:anim calcmode="lin" valueType="num">
+                                      <p:cBhvr additive="base">
+                                        <p:cTn id="19" dur="750" fill="hold"/>
+                                        <p:tgtEl>
+                                          <p:spTgt spid="2">
+                                            <p:txEl>
+                                              <p:pRg st="4" end="4"/>
+                                            </p:txEl>
+                                          </p:spTgt>
+                                        </p:tgtEl>
+                                        <p:attrNameLst>
+                                          <p:attrName>ppt_x</p:attrName>
+                                        </p:attrNameLst>
+                                      </p:cBhvr>
+                                      <p:tavLst>
+                                        <p:tav tm="0">
+                                          <p:val>
+                                            <p:strVal val="0-#ppt_w/2"/>
+                                          </p:val>
+                                        </p:tav>
+                                        <p:tav tm="100000">
+                                          <p:val>
+                                            <p:strVal val="#ppt_x"/>
+                                          </p:val>
+                                        </p:tav>
+                                      </p:tavLst>
+                                    </p:anim>
+                                    <p:anim calcmode="lin" valueType="num">
+                                      <p:cBhvr additive="base">
+                                        <p:cTn id="20" dur="750" fill="hold"/>
+                                        <p:tgtEl>
+                                          <p:spTgt spid="2">
+                                            <p:txEl>
+                                              <p:pRg st="4" end="4"/>
+                                            </p:txEl>
+                                          </p:spTgt>
+                                        </p:tgtEl>
+                                        <p:attrNameLst>
+                                          <p:attrName>ppt_y</p:attrName>
+                                        </p:attrNameLst>
+                                      </p:cBhvr>
+                                      <p:tavLst>
+                                        <p:tav tm="0">
+                                          <p:val>
+                                            <p:strVal val="#ppt_y"/>
+                                          </p:val>
+                                        </p:tav>
+                                        <p:tav tm="100000">
+                                          <p:val>
+                                            <p:strVal val="#ppt_y"/>
+                                          </p:val>
+                                        </p:tav>
+                                      </p:tavLst>
+                                    </p:anim>
+                                  </p:childTnLst>
+                                </p:cTn>
+                              </p:par>
+                            </p:childTnLst>
+                          </p:cTn>
+                        </p:par>
+                      </p:childTnLst>
+                    </p:cTn>
+                  </p:par>
+                  <p:par>
+                    <p:cTn id="21" fill="hold">
+                      <p:stCondLst>
+                        <p:cond delay="indefinite"/>
+                      </p:stCondLst>
+                      <p:childTnLst>
+                        <p:par>
+                          <p:cTn id="22" fill="hold">
+                            <p:stCondLst>
+                              <p:cond delay="0"/>
+                            </p:stCondLst>
+                            <p:childTnLst>
+                              <p:par>
+                                <p:cTn id="23" presetID="2" presetClass="entr" presetSubtype="8" fill="hold" nodeType="clickEffect">
+                                  <p:stCondLst>
+                                    <p:cond delay="0"/>
+                                  </p:stCondLst>
+                                  <p:childTnLst>
+                                    <p:set>
+                                      <p:cBhvr>
+                                        <p:cTn id="24" dur="1" fill="hold">
+                                          <p:stCondLst>
+                                            <p:cond delay="0"/>
+                                          </p:stCondLst>
+                                        </p:cTn>
+                                        <p:tgtEl>
+                                          <p:spTgt spid="2">
+                                            <p:txEl>
+                                              <p:pRg st="6" end="6"/>
+                                            </p:txEl>
+                                          </p:spTgt>
+                                        </p:tgtEl>
+                                        <p:attrNameLst>
+                                          <p:attrName>style.visibility</p:attrName>
+                                        </p:attrNameLst>
+                                      </p:cBhvr>
+                                      <p:to>
+                                        <p:strVal val="visible"/>
+                                      </p:to>
+                                    </p:set>
+                                    <p:anim calcmode="lin" valueType="num">
+                                      <p:cBhvr additive="base">
+                                        <p:cTn id="25" dur="1000" fill="hold"/>
+                                        <p:tgtEl>
+                                          <p:spTgt spid="2">
+                                            <p:txEl>
+                                              <p:pRg st="6" end="6"/>
+                                            </p:txEl>
+                                          </p:spTgt>
+                                        </p:tgtEl>
+                                        <p:attrNameLst>
+                                          <p:attrName>ppt_x</p:attrName>
+                                        </p:attrNameLst>
+                                      </p:cBhvr>
+                                      <p:tavLst>
+                                        <p:tav tm="0">
+                                          <p:val>
+                                            <p:strVal val="0-#ppt_w/2"/>
+                                          </p:val>
+                                        </p:tav>
+                                        <p:tav tm="100000">
+                                          <p:val>
+                                            <p:strVal val="#ppt_x"/>
+                                          </p:val>
+                                        </p:tav>
+                                      </p:tavLst>
+                                    </p:anim>
+                                    <p:anim calcmode="lin" valueType="num">
+                                      <p:cBhvr additive="base">
+                                        <p:cTn id="26" dur="1000" fill="hold"/>
+                                        <p:tgtEl>
+                                          <p:spTgt spid="2">
+                                            <p:txEl>
+                                              <p:pRg st="6" end="6"/>
+                                            </p:txEl>
+                                          </p:spTgt>
+                                        </p:tgtEl>
+                                        <p:attrNameLst>
+                                          <p:attrName>ppt_y</p:attrName>
+                                        </p:attrNameLst>
+                                      </p:cBhvr>
+                                      <p:tavLst>
+                                        <p:tav tm="0">
+                                          <p:val>
+                                            <p:strVal val="#ppt_y"/>
+                                          </p:val>
+                                        </p:tav>
+                                        <p:tav tm="100000">
+                                          <p:val>
+                                            <p:strVal val="#ppt_y"/>
+                                          </p:val>
+                                        </p:tav>
+                                      </p:tavLst>
+                                    </p:anim>
+                                  </p:childTnLst>
+                                </p:cTn>
+                              </p:par>
+                            </p:childTnLst>
+                          </p:cTn>
+                        </p:par>
+                      </p:childTnLst>
+                    </p:cTn>
+                  </p:par>
+                  <p:par>
+                    <p:cTn id="27" fill="hold">
+                      <p:stCondLst>
+                        <p:cond delay="indefinite"/>
+                      </p:stCondLst>
+                      <p:childTnLst>
+                        <p:par>
+                          <p:cTn id="28" fill="hold">
+                            <p:stCondLst>
+                              <p:cond delay="0"/>
+                            </p:stCondLst>
+                            <p:childTnLst>
+                              <p:par>
+                                <p:cTn id="29" presetID="2" presetClass="entr" presetSubtype="8" fill="hold" nodeType="clickEffect">
+                                  <p:stCondLst>
+                                    <p:cond delay="0"/>
+                                  </p:stCondLst>
+                                  <p:childTnLst>
+                                    <p:set>
+                                      <p:cBhvr>
+                                        <p:cTn id="30" dur="1" fill="hold">
+                                          <p:stCondLst>
+                                            <p:cond delay="0"/>
+                                          </p:stCondLst>
+                                        </p:cTn>
+                                        <p:tgtEl>
+                                          <p:spTgt spid="2">
+                                            <p:txEl>
+                                              <p:pRg st="8" end="8"/>
+                                            </p:txEl>
+                                          </p:spTgt>
+                                        </p:tgtEl>
+                                        <p:attrNameLst>
+                                          <p:attrName>style.visibility</p:attrName>
+                                        </p:attrNameLst>
+                                      </p:cBhvr>
+                                      <p:to>
+                                        <p:strVal val="visible"/>
+                                      </p:to>
+                                    </p:set>
+                                    <p:anim calcmode="lin" valueType="num">
+                                      <p:cBhvr additive="base">
+                                        <p:cTn id="31" dur="750" fill="hold"/>
+                                        <p:tgtEl>
+                                          <p:spTgt spid="2">
+                                            <p:txEl>
+                                              <p:pRg st="8" end="8"/>
+                                            </p:txEl>
+                                          </p:spTgt>
+                                        </p:tgtEl>
+                                        <p:attrNameLst>
+                                          <p:attrName>ppt_x</p:attrName>
+                                        </p:attrNameLst>
+                                      </p:cBhvr>
+                                      <p:tavLst>
+                                        <p:tav tm="0">
+                                          <p:val>
+                                            <p:strVal val="0-#ppt_w/2"/>
+                                          </p:val>
+                                        </p:tav>
+                                        <p:tav tm="100000">
+                                          <p:val>
+                                            <p:strVal val="#ppt_x"/>
+                                          </p:val>
+                                        </p:tav>
+                                      </p:tavLst>
+                                    </p:anim>
+                                    <p:anim calcmode="lin" valueType="num">
+                                      <p:cBhvr additive="base">
+                                        <p:cTn id="32" dur="750" fill="hold"/>
+                                        <p:tgtEl>
+                                          <p:spTgt spid="2">
+                                            <p:txEl>
+                                              <p:pRg st="8" end="8"/>
+                                            </p:txEl>
+                                          </p:spTgt>
+                                        </p:tgtEl>
+                                        <p:attrNameLst>
+                                          <p:attrName>ppt_y</p:attrName>
+                                        </p:attrNameLst>
+                                      </p:cBhvr>
+                                      <p:tavLst>
+                                        <p:tav tm="0">
+                                          <p:val>
+                                            <p:strVal val="#ppt_y"/>
+                                          </p:val>
+                                        </p:tav>
+                                        <p:tav tm="100000">
+                                          <p:val>
+                                            <p:strVal val="#ppt_y"/>
+                                          </p:val>
+                                        </p:tav>
+                                      </p:tavLst>
+                                    </p:anim>
+                                  </p:childTnLst>
+                                </p:cTn>
+                              </p:par>
+                            </p:childTnLst>
+                          </p:cTn>
+                        </p:par>
+                      </p:childTnLst>
+                    </p:cTn>
+                  </p:par>
+                  <p:par>
+                    <p:cTn id="33" fill="hold">
+                      <p:stCondLst>
+                        <p:cond delay="indefinite"/>
+                      </p:stCondLst>
+                      <p:childTnLst>
+                        <p:par>
+                          <p:cTn id="34" fill="hold">
+                            <p:stCondLst>
+                              <p:cond delay="0"/>
+                            </p:stCondLst>
+                            <p:childTnLst>
+                              <p:par>
+                                <p:cTn id="35" presetID="2" presetClass="entr" presetSubtype="8" fill="hold" nodeType="clickEffect">
+                                  <p:stCondLst>
+                                    <p:cond delay="0"/>
+                                  </p:stCondLst>
+                                  <p:childTnLst>
+                                    <p:set>
+                                      <p:cBhvr>
+                                        <p:cTn id="36" dur="1" fill="hold">
+                                          <p:stCondLst>
+                                            <p:cond delay="0"/>
+                                          </p:stCondLst>
+                                        </p:cTn>
+                                        <p:tgtEl>
+                                          <p:spTgt spid="2">
+                                            <p:txEl>
+                                              <p:pRg st="11" end="11"/>
+                                            </p:txEl>
+                                          </p:spTgt>
+                                        </p:tgtEl>
+                                        <p:attrNameLst>
+                                          <p:attrName>style.visibility</p:attrName>
+                                        </p:attrNameLst>
+                                      </p:cBhvr>
+                                      <p:to>
+                                        <p:strVal val="visible"/>
+                                      </p:to>
+                                    </p:set>
+                                    <p:anim calcmode="lin" valueType="num">
+                                      <p:cBhvr additive="base">
+                                        <p:cTn id="37" dur="750" fill="hold"/>
+                                        <p:tgtEl>
+                                          <p:spTgt spid="2">
+                                            <p:txEl>
+                                              <p:pRg st="11" end="11"/>
+                                            </p:txEl>
+                                          </p:spTgt>
+                                        </p:tgtEl>
+                                        <p:attrNameLst>
+                                          <p:attrName>ppt_x</p:attrName>
+                                        </p:attrNameLst>
+                                      </p:cBhvr>
+                                      <p:tavLst>
+                                        <p:tav tm="0">
+                                          <p:val>
+                                            <p:strVal val="0-#ppt_w/2"/>
+                                          </p:val>
+                                        </p:tav>
+                                        <p:tav tm="100000">
+                                          <p:val>
+                                            <p:strVal val="#ppt_x"/>
+                                          </p:val>
+                                        </p:tav>
+                                      </p:tavLst>
+                                    </p:anim>
+                                    <p:anim calcmode="lin" valueType="num">
+                                      <p:cBhvr additive="base">
+                                        <p:cTn id="38" dur="750" fill="hold"/>
+                                        <p:tgtEl>
+                                          <p:spTgt spid="2">
+                                            <p:txEl>
+                                              <p:pRg st="11" end="11"/>
+                                            </p:txEl>
+                                          </p:spTgt>
+                                        </p:tgtEl>
+                                        <p:attrNameLst>
+                                          <p:attrName>ppt_y</p:attrName>
+                                        </p:attrNameLst>
+                                      </p:cBhvr>
+                                      <p:tavLst>
+                                        <p:tav tm="0">
+                                          <p:val>
+                                            <p:strVal val="#ppt_y"/>
+                                          </p:val>
+                                        </p:tav>
+                                        <p:tav tm="100000">
+                                          <p:val>
+                                            <p:strVal val="#ppt_y"/>
+                                          </p:val>
+                                        </p:tav>
+                                      </p:tavLst>
+                                    </p:anim>
+                                  </p:childTnLst>
+                                </p:cTn>
+                              </p:par>
+                            </p:childTnLst>
+                          </p:cTn>
+                        </p:par>
+                        <p:par>
+                          <p:cTn id="39" fill="hold">
+                            <p:stCondLst>
+                              <p:cond delay="750"/>
+                            </p:stCondLst>
+                            <p:childTnLst>
+                              <p:par>
+                                <p:cTn id="40" presetID="26" presetClass="emph" presetSubtype="0" fill="hold" nodeType="afterEffect">
+                                  <p:stCondLst>
+                                    <p:cond delay="250"/>
+                                  </p:stCondLst>
+                                  <p:childTnLst>
+                                    <p:animEffect transition="out" filter="fade">
+                                      <p:cBhvr>
+                                        <p:cTn id="41" dur="1500" tmFilter="0, 0; .2, .5; .8, .5; 1, 0"/>
+                                        <p:tgtEl>
+                                          <p:spTgt spid="2">
+                                            <p:txEl>
+                                              <p:pRg st="11" end="11"/>
+                                            </p:txEl>
+                                          </p:spTgt>
+                                        </p:tgtEl>
+                                      </p:cBhvr>
+                                    </p:animEffect>
+                                    <p:animScale>
+                                      <p:cBhvr>
+                                        <p:cTn id="42" dur="750" autoRev="1" fill="hold"/>
+                                        <p:tgtEl>
+                                          <p:spTgt spid="2">
+                                            <p:txEl>
+                                              <p:pRg st="11" end="11"/>
+                                            </p:txEl>
+                                          </p:spTgt>
+                                        </p:tgtEl>
+                                      </p:cBhvr>
+                                      <p:by x="105000" y="105000"/>
+                                    </p:animScale>
+                                  </p:childTnLst>
+                                </p:cTn>
+                              </p:par>
+                            </p:childTnLst>
+                          </p:cTn>
+                        </p:par>
+                      </p:childTnLst>
+                    </p:cTn>
+                  </p:par>
+                </p:childTnLst>
+              </p:cTn>
+              <p:prevCondLst>
+                <p:cond evt="onPrev" delay="0">
+                  <p:tgtEl>
+                    <p:sldTgt/>
+                  </p:tgtEl>
+                </p:cond>
+              </p:prevCondLst>
+              <p:nextCondLst>
+                <p:cond evt="onNext" delay="0">
+                  <p:tgtEl>
+                    <p:sldTgt/>
+                  </p:tgtEl>
+                </p:cond>
+              </p:nextCondLst>
+            </p:seq>
+          </p:childTnLst>
+        </p:cTn>
+      </p:par>
+    </p:tnLst>
+  </p:timing>
+</p:sld>
+</file>
+
+<file path=ppt/slides/slide5.xml><?xml version="1.0" encoding="utf-8"?>
+<p:sld xmlns:a="http://schemas.openxmlformats.org/drawingml/2006/main" xmlns:r="http://schemas.openxmlformats.org/officeDocument/2006/relationships" xmlns:p="http://schemas.openxmlformats.org/presentationml/2006/main">
+  <p:cSld>
+    <p:spTree>
+      <p:nvGrpSpPr>
+        <p:cNvPr id="1" name=""/>
+        <p:cNvGrpSpPr/>
+        <p:nvPr/>
+      </p:nvGrpSpPr>
+      <p:grpSpPr>
+        <a:xfrm>
+          <a:off x="0" y="0"/>
+          <a:ext cx="0" cy="0"/>
+          <a:chOff x="0" y="0"/>
+          <a:chExt cx="0" cy="0"/>
+        </a:xfrm>
+      </p:grpSpPr>
+      <p:sp>
+        <p:nvSpPr>
+          <p:cNvPr id="2" name="Content"/>
+          <p:cNvSpPr/>
+          <p:nvPr>
+            <p:custDataLst>
+              <p:custData r:id="rId1"/>
+            </p:custDataLst>
+          </p:nvPr>
+        </p:nvSpPr>
+        <p:spPr>
+          <a:xfrm>
+            <a:off x="0" y="2188723"/>
+            <a:ext cx="8929991" cy="1994170"/>
+          </a:xfrm>
+          <a:prstGeom prst="rect">
+            <a:avLst/>
+          </a:prstGeom>
+          <a:solidFill>
+            <a:srgbClr val="000000">
+              <a:alpha val="75000"/>
+            </a:srgbClr>
+          </a:solidFill>
+          <a:ln w="12700" cap="flat" cmpd="sng" algn="ctr">
+            <a:solidFill>
+              <a:sysClr val="windowText" lastClr="000000">
+                <a:lumMod val="75000"/>
+                <a:lumOff val="25000"/>
+              </a:sysClr>
+            </a:solidFill>
+            <a:prstDash val="solid"/>
+          </a:ln>
+          <a:effectLst/>
+        </p:spPr>
+        <p:txBody>
+          <a:bodyPr rot="0" spcFirstLastPara="0" vertOverflow="overflow" horzOverflow="overflow" vert="horz" wrap="square" lIns="45720" tIns="45720" rIns="91440" bIns="45720" numCol="1" spcCol="0" rtlCol="0" fromWordArt="0" anchor="ctr" anchorCtr="0" forceAA="0" compatLnSpc="1">
+            <a:prstTxWarp prst="textNoShape">
+              <a:avLst/>
+            </a:prstTxWarp>
+            <a:noAutofit/>
+          </a:bodyPr>
+          <a:lstStyle/>
+          <a:p>
+            <a:pPr marL="0" marR="0" indent="0" algn="ctr" defTabSz="914400" eaLnBrk="1" fontAlgn="auto" latinLnBrk="0" hangingPunct="1">
+              <a:lnSpc>
+                <a:spcPct val="100000"/>
+              </a:lnSpc>
+              <a:spcBef>
+                <a:spcPts val="0"/>
+              </a:spcBef>
+              <a:spcAft>
+                <a:spcPts val="0"/>
+              </a:spcAft>
+              <a:buClrTx/>
+              <a:buSzTx/>
+              <a:buFontTx/>
+              <a:buNone/>
+              <a:tabLst/>
+            </a:pPr>
+            <a:r>
+              <a:rPr kumimoji="0" lang="en-US" sz="6600" b="0" i="0" u="none" strike="noStrike" kern="0" cap="none" spc="0" normalizeH="0" baseline="0" noProof="0" dirty="0" smtClean="0">
+                <a:ln>
+                  <a:noFill/>
+                </a:ln>
+                <a:solidFill>
+                  <a:srgbClr val="FFFFFF"/>
+                </a:solidFill>
+                <a:effectLst/>
+                <a:uLnTx/>
+                <a:uFillTx/>
+                <a:latin typeface="Segoe UI"/>
+                <a:ea typeface="+mn-ea"/>
+                <a:cs typeface="+mn-cs"/>
+              </a:rPr>
+              <a:t>User Stories</a:t>
+            </a:r>
+          </a:p>
+        </p:txBody>
+      </p:sp>
+    </p:spTree>
+    <p:extLst>
+      <p:ext uri="{BB962C8B-B14F-4D97-AF65-F5344CB8AC3E}">
+        <p14:creationId xmlns:p14="http://schemas.microsoft.com/office/powerpoint/2010/main" val="707674231"/>
+      </p:ext>
+    </p:extLst>
+  </p:cSld>
+  <p:clrMapOvr>
+    <a:masterClrMapping/>
+  </p:clrMapOvr>
+  <p:timing>
+    <p:tnLst>
+      <p:par>
+        <p:cTn id="1" dur="indefinite" restart="never" nodeType="tmRoot">
+          <p:childTnLst>
+            <p:seq concurrent="1" nextAc="seek">
+              <p:cTn id="2" dur="indefinite" nodeType="mainSeq">
+                <p:childTnLst>
+                  <p:par>
+                    <p:cTn id="3" fill="hold">
+                      <p:stCondLst>
+                        <p:cond delay="indefinite"/>
+                        <p:cond evt="onBegin" delay="0">
+                          <p:tn val="2"/>
+                        </p:cond>
+                      </p:stCondLst>
+                      <p:childTnLst>
+                        <p:par>
+                          <p:cTn id="4" fill="hold">
+                            <p:stCondLst>
+                              <p:cond delay="0"/>
+                            </p:stCondLst>
+                            <p:childTnLst>
+                              <p:par>
+                                <p:cTn id="5" presetID="10" presetClass="entr" presetSubtype="0" fill="hold" grpId="0" nodeType="afterEffect">
+                                  <p:stCondLst>
+                                    <p:cond delay="0"/>
+                                  </p:stCondLst>
+                                  <p:childTnLst>
+                                    <p:set>
+                                      <p:cBhvr>
+                                        <p:cTn id="6" dur="1" fill="hold">
+                                          <p:stCondLst>
+                                            <p:cond delay="0"/>
+                                          </p:stCondLst>
+                                        </p:cTn>
+                                        <p:tgtEl>
+                                          <p:spTgt spid="2"/>
+                                        </p:tgtEl>
+                                        <p:attrNameLst>
+                                          <p:attrName>style.visibility</p:attrName>
+                                        </p:attrNameLst>
+                                      </p:cBhvr>
+                                      <p:to>
+                                        <p:strVal val="visible"/>
+                                      </p:to>
+                                    </p:set>
+                                    <p:animEffect transition="in" filter="fade">
+                                      <p:cBhvr>
+                                        <p:cTn id="7" dur="500"/>
+                                        <p:tgtEl>
+                                          <p:spTgt spid="2"/>
+                                        </p:tgtEl>
+                                      </p:cBhvr>
+                                    </p:animEffect>
+                                  </p:childTnLst>
+                                </p:cTn>
+                              </p:par>
+                            </p:childTnLst>
+                          </p:cTn>
+                        </p:par>
+                      </p:childTnLst>
+                    </p:cTn>
+                  </p:par>
+                </p:childTnLst>
+              </p:cTn>
+              <p:prevCondLst>
+                <p:cond evt="onPrev" delay="0">
+                  <p:tgtEl>
+                    <p:sldTgt/>
+                  </p:tgtEl>
+                </p:cond>
+              </p:prevCondLst>
+              <p:nextCondLst>
+                <p:cond evt="onNext" delay="0">
+                  <p:tgtEl>
+                    <p:sldTgt/>
+                  </p:tgtEl>
+                </p:cond>
+              </p:nextCondLst>
+            </p:seq>
+          </p:childTnLst>
+        </p:cTn>
+      </p:par>
+    </p:tnLst>
+    <p:bldLst>
+      <p:bldP spid="2" grpId="0" animBg="1"/>
+    </p:bldLst>
+  </p:timing>
+</p:sld>
+</file>
+
+<file path=ppt/slides/slide6.xml><?xml version="1.0" encoding="utf-8"?>
+<p:sld xmlns:a="http://schemas.openxmlformats.org/drawingml/2006/main" xmlns:r="http://schemas.openxmlformats.org/officeDocument/2006/relationships" xmlns:p="http://schemas.openxmlformats.org/presentationml/2006/main">
+  <p:cSld>
+    <p:spTree>
+      <p:nvGrpSpPr>
+        <p:cNvPr id="1" name=""/>
+        <p:cNvGrpSpPr/>
+        <p:nvPr/>
+      </p:nvGrpSpPr>
+      <p:grpSpPr>
+        <a:xfrm>
+          <a:off x="0" y="0"/>
+          <a:ext cx="0" cy="0"/>
+          <a:chOff x="0" y="0"/>
+          <a:chExt cx="0" cy="0"/>
+        </a:xfrm>
+      </p:grpSpPr>
+      <p:sp>
+        <p:nvSpPr>
           <p:cNvPr id="2" name="Titel 1"/>
           <p:cNvSpPr>
             <a:spLocks noGrp="1"/>
@@ -7226,7 +8915,7 @@
 </p:sld>
 </file>
 
-<file path=ppt/slides/slide5.xml><?xml version="1.0" encoding="utf-8"?>
+<file path=ppt/slides/slide7.xml><?xml version="1.0" encoding="utf-8"?>
 <p:sld xmlns:a="http://schemas.openxmlformats.org/drawingml/2006/main" xmlns:r="http://schemas.openxmlformats.org/officeDocument/2006/relationships" xmlns:p="http://schemas.openxmlformats.org/presentationml/2006/main">
   <p:cSld>
     <p:spTree>
@@ -9472,7 +11161,7 @@
 </p:sld>
 </file>
 
-<file path=ppt/slides/slide6.xml><?xml version="1.0" encoding="utf-8"?>
+<file path=ppt/slides/slide8.xml><?xml version="1.0" encoding="utf-8"?>
 <p:sld xmlns:a="http://schemas.openxmlformats.org/drawingml/2006/main" xmlns:r="http://schemas.openxmlformats.org/officeDocument/2006/relationships" xmlns:p="http://schemas.openxmlformats.org/presentationml/2006/main">
   <p:cSld>
     <p:spTree>
@@ -11778,7 +13467,7 @@
 </p:sld>
 </file>
 
-<file path=ppt/slides/slide7.xml><?xml version="1.0" encoding="utf-8"?>
+<file path=ppt/slides/slide9.xml><?xml version="1.0" encoding="utf-8"?>
 <p:sld xmlns:a="http://schemas.openxmlformats.org/drawingml/2006/main" xmlns:r="http://schemas.openxmlformats.org/officeDocument/2006/relationships" xmlns:p="http://schemas.openxmlformats.org/presentationml/2006/main">
   <p:cSld>
     <p:spTree>
@@ -11978,568 +13667,6 @@
     <p:bldLst>
       <p:bldP spid="2" grpId="0" animBg="1"/>
     </p:bldLst>
-  </p:timing>
-</p:sld>
-</file>
-
-<file path=ppt/slides/slide8.xml><?xml version="1.0" encoding="utf-8"?>
-<p:sld xmlns:a="http://schemas.openxmlformats.org/drawingml/2006/main" xmlns:r="http://schemas.openxmlformats.org/officeDocument/2006/relationships" xmlns:p="http://schemas.openxmlformats.org/presentationml/2006/main">
-  <p:cSld>
-    <p:spTree>
-      <p:nvGrpSpPr>
-        <p:cNvPr id="1" name=""/>
-        <p:cNvGrpSpPr/>
-        <p:nvPr/>
-      </p:nvGrpSpPr>
-      <p:grpSpPr>
-        <a:xfrm>
-          <a:off x="0" y="0"/>
-          <a:ext cx="0" cy="0"/>
-          <a:chOff x="0" y="0"/>
-          <a:chExt cx="0" cy="0"/>
-        </a:xfrm>
-      </p:grpSpPr>
-      <p:sp>
-        <p:nvSpPr>
-          <p:cNvPr id="2" name="Titel 1"/>
-          <p:cNvSpPr>
-            <a:spLocks noGrp="1"/>
-          </p:cNvSpPr>
-          <p:nvPr>
-            <p:ph type="title"/>
-          </p:nvPr>
-        </p:nvSpPr>
-        <p:spPr>
-          <a:xfrm>
-            <a:off x="907810" y="356623"/>
-            <a:ext cx="10058400" cy="1295062"/>
-          </a:xfrm>
-        </p:spPr>
-        <p:txBody>
-          <a:bodyPr/>
-          <a:lstStyle/>
-          <a:p>
-            <a:r>
-              <a:rPr lang="nl-BE" dirty="0" smtClean="0"/>
-              <a:t>Homepagina</a:t>
-            </a:r>
-            <a:endParaRPr lang="nl-BE" dirty="0"/>
-          </a:p>
-        </p:txBody>
-      </p:sp>
-      <p:pic>
-        <p:nvPicPr>
-          <p:cNvPr id="4" name="Tijdelijke aanduiding voor inhoud 3"/>
-          <p:cNvPicPr>
-            <a:picLocks noGrp="1"/>
-          </p:cNvPicPr>
-          <p:nvPr>
-            <p:ph idx="1"/>
-          </p:nvPr>
-        </p:nvPicPr>
-        <p:blipFill>
-          <a:blip r:embed="rId2">
-            <a:extLst>
-              <a:ext uri="{28A0092B-C50C-407E-A947-70E740481C1C}">
-                <a14:useLocalDpi xmlns:a14="http://schemas.microsoft.com/office/drawing/2010/main" val="0"/>
-              </a:ext>
-            </a:extLst>
-          </a:blip>
-          <a:stretch>
-            <a:fillRect/>
-          </a:stretch>
-        </p:blipFill>
-        <p:spPr>
-          <a:xfrm>
-            <a:off x="683740" y="2125361"/>
-            <a:ext cx="4695567" cy="3220995"/>
-          </a:xfrm>
-          <a:prstGeom prst="rect">
-            <a:avLst/>
-          </a:prstGeom>
-        </p:spPr>
-      </p:pic>
-      <p:cxnSp>
-        <p:nvCxnSpPr>
-          <p:cNvPr id="6" name="Rechte verbindingslijn 5"/>
-          <p:cNvCxnSpPr/>
-          <p:nvPr/>
-        </p:nvCxnSpPr>
-        <p:spPr>
-          <a:xfrm flipH="1">
-            <a:off x="5667633" y="1890582"/>
-            <a:ext cx="8237" cy="3690551"/>
-          </a:xfrm>
-          <a:prstGeom prst="line">
-            <a:avLst/>
-          </a:prstGeom>
-        </p:spPr>
-        <p:style>
-          <a:lnRef idx="1">
-            <a:schemeClr val="dk1"/>
-          </a:lnRef>
-          <a:fillRef idx="0">
-            <a:schemeClr val="dk1"/>
-          </a:fillRef>
-          <a:effectRef idx="0">
-            <a:schemeClr val="dk1"/>
-          </a:effectRef>
-          <a:fontRef idx="minor">
-            <a:schemeClr val="tx1"/>
-          </a:fontRef>
-        </p:style>
-      </p:cxnSp>
-      <p:pic>
-        <p:nvPicPr>
-          <p:cNvPr id="3" name="Afbeelding 2"/>
-          <p:cNvPicPr>
-            <a:picLocks noChangeAspect="1"/>
-          </p:cNvPicPr>
-          <p:nvPr/>
-        </p:nvPicPr>
-        <p:blipFill>
-          <a:blip r:embed="rId3"/>
-          <a:stretch>
-            <a:fillRect/>
-          </a:stretch>
-        </p:blipFill>
-        <p:spPr>
-          <a:xfrm>
-            <a:off x="5964196" y="2125359"/>
-            <a:ext cx="5047620" cy="3220995"/>
-          </a:xfrm>
-          <a:prstGeom prst="rect">
-            <a:avLst/>
-          </a:prstGeom>
-        </p:spPr>
-      </p:pic>
-    </p:spTree>
-    <p:extLst>
-      <p:ext uri="{BB962C8B-B14F-4D97-AF65-F5344CB8AC3E}">
-        <p14:creationId xmlns:p14="http://schemas.microsoft.com/office/powerpoint/2010/main" val="903604988"/>
-      </p:ext>
-    </p:extLst>
-  </p:cSld>
-  <p:clrMapOvr>
-    <a:masterClrMapping/>
-  </p:clrMapOvr>
-  <p:timing>
-    <p:tnLst>
-      <p:par>
-        <p:cTn id="1" dur="indefinite" restart="never" nodeType="tmRoot">
-          <p:childTnLst>
-            <p:seq concurrent="1" nextAc="seek">
-              <p:cTn id="2" dur="indefinite" nodeType="mainSeq">
-                <p:childTnLst>
-                  <p:par>
-                    <p:cTn id="3" fill="hold">
-                      <p:stCondLst>
-                        <p:cond delay="indefinite"/>
-                        <p:cond evt="onBegin" delay="0">
-                          <p:tn val="2"/>
-                        </p:cond>
-                      </p:stCondLst>
-                      <p:childTnLst>
-                        <p:par>
-                          <p:cTn id="4" fill="hold">
-                            <p:stCondLst>
-                              <p:cond delay="0"/>
-                            </p:stCondLst>
-                            <p:childTnLst>
-                              <p:par>
-                                <p:cTn id="5" presetID="10" presetClass="entr" presetSubtype="0" fill="hold" nodeType="afterEffect">
-                                  <p:stCondLst>
-                                    <p:cond delay="0"/>
-                                  </p:stCondLst>
-                                  <p:childTnLst>
-                                    <p:set>
-                                      <p:cBhvr>
-                                        <p:cTn id="6" dur="1" fill="hold">
-                                          <p:stCondLst>
-                                            <p:cond delay="0"/>
-                                          </p:stCondLst>
-                                        </p:cTn>
-                                        <p:tgtEl>
-                                          <p:spTgt spid="4"/>
-                                        </p:tgtEl>
-                                        <p:attrNameLst>
-                                          <p:attrName>style.visibility</p:attrName>
-                                        </p:attrNameLst>
-                                      </p:cBhvr>
-                                      <p:to>
-                                        <p:strVal val="visible"/>
-                                      </p:to>
-                                    </p:set>
-                                    <p:animEffect transition="in" filter="fade">
-                                      <p:cBhvr>
-                                        <p:cTn id="7" dur="750"/>
-                                        <p:tgtEl>
-                                          <p:spTgt spid="4"/>
-                                        </p:tgtEl>
-                                      </p:cBhvr>
-                                    </p:animEffect>
-                                  </p:childTnLst>
-                                </p:cTn>
-                              </p:par>
-                            </p:childTnLst>
-                          </p:cTn>
-                        </p:par>
-                      </p:childTnLst>
-                    </p:cTn>
-                  </p:par>
-                  <p:par>
-                    <p:cTn id="8" fill="hold">
-                      <p:stCondLst>
-                        <p:cond delay="indefinite"/>
-                      </p:stCondLst>
-                      <p:childTnLst>
-                        <p:par>
-                          <p:cTn id="9" fill="hold">
-                            <p:stCondLst>
-                              <p:cond delay="0"/>
-                            </p:stCondLst>
-                            <p:childTnLst>
-                              <p:par>
-                                <p:cTn id="10" presetID="10" presetClass="entr" presetSubtype="0" fill="hold" nodeType="clickEffect">
-                                  <p:stCondLst>
-                                    <p:cond delay="0"/>
-                                  </p:stCondLst>
-                                  <p:childTnLst>
-                                    <p:set>
-                                      <p:cBhvr>
-                                        <p:cTn id="11" dur="1" fill="hold">
-                                          <p:stCondLst>
-                                            <p:cond delay="0"/>
-                                          </p:stCondLst>
-                                        </p:cTn>
-                                        <p:tgtEl>
-                                          <p:spTgt spid="3"/>
-                                        </p:tgtEl>
-                                        <p:attrNameLst>
-                                          <p:attrName>style.visibility</p:attrName>
-                                        </p:attrNameLst>
-                                      </p:cBhvr>
-                                      <p:to>
-                                        <p:strVal val="visible"/>
-                                      </p:to>
-                                    </p:set>
-                                    <p:animEffect transition="in" filter="fade">
-                                      <p:cBhvr>
-                                        <p:cTn id="12" dur="750"/>
-                                        <p:tgtEl>
-                                          <p:spTgt spid="3"/>
-                                        </p:tgtEl>
-                                      </p:cBhvr>
-                                    </p:animEffect>
-                                  </p:childTnLst>
-                                </p:cTn>
-                              </p:par>
-                            </p:childTnLst>
-                          </p:cTn>
-                        </p:par>
-                      </p:childTnLst>
-                    </p:cTn>
-                  </p:par>
-                </p:childTnLst>
-              </p:cTn>
-              <p:prevCondLst>
-                <p:cond evt="onPrev" delay="0">
-                  <p:tgtEl>
-                    <p:sldTgt/>
-                  </p:tgtEl>
-                </p:cond>
-              </p:prevCondLst>
-              <p:nextCondLst>
-                <p:cond evt="onNext" delay="0">
-                  <p:tgtEl>
-                    <p:sldTgt/>
-                  </p:tgtEl>
-                </p:cond>
-              </p:nextCondLst>
-            </p:seq>
-          </p:childTnLst>
-        </p:cTn>
-      </p:par>
-    </p:tnLst>
-  </p:timing>
-</p:sld>
-</file>
-
-<file path=ppt/slides/slide9.xml><?xml version="1.0" encoding="utf-8"?>
-<p:sld xmlns:a="http://schemas.openxmlformats.org/drawingml/2006/main" xmlns:r="http://schemas.openxmlformats.org/officeDocument/2006/relationships" xmlns:p="http://schemas.openxmlformats.org/presentationml/2006/main">
-  <p:cSld>
-    <p:spTree>
-      <p:nvGrpSpPr>
-        <p:cNvPr id="1" name=""/>
-        <p:cNvGrpSpPr/>
-        <p:nvPr/>
-      </p:nvGrpSpPr>
-      <p:grpSpPr>
-        <a:xfrm>
-          <a:off x="0" y="0"/>
-          <a:ext cx="0" cy="0"/>
-          <a:chOff x="0" y="0"/>
-          <a:chExt cx="0" cy="0"/>
-        </a:xfrm>
-      </p:grpSpPr>
-      <p:sp>
-        <p:nvSpPr>
-          <p:cNvPr id="2" name="Titel 1"/>
-          <p:cNvSpPr>
-            <a:spLocks noGrp="1"/>
-          </p:cNvSpPr>
-          <p:nvPr>
-            <p:ph type="title"/>
-          </p:nvPr>
-        </p:nvSpPr>
-        <p:spPr>
-          <a:xfrm>
-            <a:off x="907810" y="356623"/>
-            <a:ext cx="10058400" cy="1295062"/>
-          </a:xfrm>
-        </p:spPr>
-        <p:txBody>
-          <a:bodyPr/>
-          <a:lstStyle/>
-          <a:p>
-            <a:r>
-              <a:rPr lang="nl-BE" dirty="0" smtClean="0"/>
-              <a:t>Registreren &amp; Inloggen</a:t>
-            </a:r>
-            <a:endParaRPr lang="nl-BE" dirty="0"/>
-          </a:p>
-        </p:txBody>
-      </p:sp>
-      <p:cxnSp>
-        <p:nvCxnSpPr>
-          <p:cNvPr id="6" name="Rechte verbindingslijn 5"/>
-          <p:cNvCxnSpPr/>
-          <p:nvPr/>
-        </p:nvCxnSpPr>
-        <p:spPr>
-          <a:xfrm flipH="1">
-            <a:off x="5667633" y="1890582"/>
-            <a:ext cx="8237" cy="3690551"/>
-          </a:xfrm>
-          <a:prstGeom prst="line">
-            <a:avLst/>
-          </a:prstGeom>
-        </p:spPr>
-        <p:style>
-          <a:lnRef idx="1">
-            <a:schemeClr val="dk1"/>
-          </a:lnRef>
-          <a:fillRef idx="0">
-            <a:schemeClr val="dk1"/>
-          </a:fillRef>
-          <a:effectRef idx="0">
-            <a:schemeClr val="dk1"/>
-          </a:effectRef>
-          <a:fontRef idx="minor">
-            <a:schemeClr val="tx1"/>
-          </a:fontRef>
-        </p:style>
-      </p:cxnSp>
-      <p:pic>
-        <p:nvPicPr>
-          <p:cNvPr id="7" name="Afbeelding 6"/>
-          <p:cNvPicPr/>
-          <p:nvPr/>
-        </p:nvPicPr>
-        <p:blipFill>
-          <a:blip r:embed="rId2">
-            <a:extLst>
-              <a:ext uri="{28A0092B-C50C-407E-A947-70E740481C1C}">
-                <a14:useLocalDpi xmlns:a14="http://schemas.microsoft.com/office/drawing/2010/main" val="0"/>
-              </a:ext>
-            </a:extLst>
-          </a:blip>
-          <a:stretch>
-            <a:fillRect/>
-          </a:stretch>
-        </p:blipFill>
-        <p:spPr>
-          <a:xfrm>
-            <a:off x="595052" y="2125359"/>
-            <a:ext cx="4695567" cy="3220995"/>
-          </a:xfrm>
-          <a:prstGeom prst="rect">
-            <a:avLst/>
-          </a:prstGeom>
-        </p:spPr>
-      </p:pic>
-      <p:pic>
-        <p:nvPicPr>
-          <p:cNvPr id="9" name="Afbeelding 8"/>
-          <p:cNvPicPr>
-            <a:picLocks noChangeAspect="1"/>
-          </p:cNvPicPr>
-          <p:nvPr/>
-        </p:nvPicPr>
-        <p:blipFill>
-          <a:blip r:embed="rId3"/>
-          <a:stretch>
-            <a:fillRect/>
-          </a:stretch>
-        </p:blipFill>
-        <p:spPr>
-          <a:xfrm>
-            <a:off x="6052884" y="2125358"/>
-            <a:ext cx="5037162" cy="3220995"/>
-          </a:xfrm>
-          <a:prstGeom prst="rect">
-            <a:avLst/>
-          </a:prstGeom>
-        </p:spPr>
-      </p:pic>
-    </p:spTree>
-    <p:extLst>
-      <p:ext uri="{BB962C8B-B14F-4D97-AF65-F5344CB8AC3E}">
-        <p14:creationId xmlns:p14="http://schemas.microsoft.com/office/powerpoint/2010/main" val="1410933059"/>
-      </p:ext>
-    </p:extLst>
-  </p:cSld>
-  <p:clrMapOvr>
-    <a:masterClrMapping/>
-  </p:clrMapOvr>
-  <p:timing>
-    <p:tnLst>
-      <p:par>
-        <p:cTn id="1" dur="indefinite" restart="never" nodeType="tmRoot">
-          <p:childTnLst>
-            <p:seq concurrent="1" nextAc="seek">
-              <p:cTn id="2" dur="indefinite" nodeType="mainSeq">
-                <p:childTnLst>
-                  <p:par>
-                    <p:cTn id="3" fill="hold">
-                      <p:stCondLst>
-                        <p:cond delay="indefinite"/>
-                        <p:cond evt="onBegin" delay="0">
-                          <p:tn val="2"/>
-                        </p:cond>
-                      </p:stCondLst>
-                      <p:childTnLst>
-                        <p:par>
-                          <p:cTn id="4" fill="hold">
-                            <p:stCondLst>
-                              <p:cond delay="0"/>
-                            </p:stCondLst>
-                            <p:childTnLst>
-                              <p:par>
-                                <p:cTn id="5" presetID="10" presetClass="entr" presetSubtype="0" fill="hold" nodeType="afterEffect">
-                                  <p:stCondLst>
-                                    <p:cond delay="0"/>
-                                  </p:stCondLst>
-                                  <p:childTnLst>
-                                    <p:set>
-                                      <p:cBhvr>
-                                        <p:cTn id="6" dur="1" fill="hold">
-                                          <p:stCondLst>
-                                            <p:cond delay="0"/>
-                                          </p:stCondLst>
-                                        </p:cTn>
-                                        <p:tgtEl>
-                                          <p:spTgt spid="7"/>
-                                        </p:tgtEl>
-                                        <p:attrNameLst>
-                                          <p:attrName>style.visibility</p:attrName>
-                                        </p:attrNameLst>
-                                      </p:cBhvr>
-                                      <p:to>
-                                        <p:strVal val="visible"/>
-                                      </p:to>
-                                    </p:set>
-                                    <p:animEffect transition="in" filter="fade">
-                                      <p:cBhvr>
-                                        <p:cTn id="7" dur="750"/>
-                                        <p:tgtEl>
-                                          <p:spTgt spid="7"/>
-                                        </p:tgtEl>
-                                      </p:cBhvr>
-                                    </p:animEffect>
-                                  </p:childTnLst>
-                                </p:cTn>
-                              </p:par>
-                            </p:childTnLst>
-                          </p:cTn>
-                        </p:par>
-                      </p:childTnLst>
-                    </p:cTn>
-                  </p:par>
-                  <p:par>
-                    <p:cTn id="8" fill="hold">
-                      <p:stCondLst>
-                        <p:cond delay="indefinite"/>
-                      </p:stCondLst>
-                      <p:childTnLst>
-                        <p:par>
-                          <p:cTn id="9" fill="hold">
-                            <p:stCondLst>
-                              <p:cond delay="0"/>
-                            </p:stCondLst>
-                            <p:childTnLst>
-                              <p:par>
-                                <p:cTn id="10" presetID="10" presetClass="entr" presetSubtype="0" fill="hold" nodeType="clickEffect">
-                                  <p:stCondLst>
-                                    <p:cond delay="0"/>
-                                  </p:stCondLst>
-                                  <p:childTnLst>
-                                    <p:set>
-                                      <p:cBhvr>
-                                        <p:cTn id="11" dur="1" fill="hold">
-                                          <p:stCondLst>
-                                            <p:cond delay="0"/>
-                                          </p:stCondLst>
-                                        </p:cTn>
-                                        <p:tgtEl>
-                                          <p:spTgt spid="9"/>
-                                        </p:tgtEl>
-                                        <p:attrNameLst>
-                                          <p:attrName>style.visibility</p:attrName>
-                                        </p:attrNameLst>
-                                      </p:cBhvr>
-                                      <p:to>
-                                        <p:strVal val="visible"/>
-                                      </p:to>
-                                    </p:set>
-                                    <p:animEffect transition="in" filter="fade">
-                                      <p:cBhvr>
-                                        <p:cTn id="12" dur="750"/>
-                                        <p:tgtEl>
-                                          <p:spTgt spid="9"/>
-                                        </p:tgtEl>
-                                      </p:cBhvr>
-                                    </p:animEffect>
-                                  </p:childTnLst>
-                                </p:cTn>
-                              </p:par>
-                            </p:childTnLst>
-                          </p:cTn>
-                        </p:par>
-                      </p:childTnLst>
-                    </p:cTn>
-                  </p:par>
-                </p:childTnLst>
-              </p:cTn>
-              <p:prevCondLst>
-                <p:cond evt="onPrev" delay="0">
-                  <p:tgtEl>
-                    <p:sldTgt/>
-                  </p:tgtEl>
-                </p:cond>
-              </p:prevCondLst>
-              <p:nextCondLst>
-                <p:cond evt="onNext" delay="0">
-                  <p:tgtEl>
-                    <p:sldTgt/>
-                  </p:tgtEl>
-                </p:cond>
-              </p:nextCondLst>
-            </p:seq>
-          </p:childTnLst>
-        </p:cTn>
-      </p:par>
-    </p:tnLst>
   </p:timing>
 </p:sld>
 </file>
@@ -12851,7 +13978,21 @@
 </Control>
 </file>
 
+<file path=customXml/item5.xml><?xml version="1.0" encoding="utf-8"?>
+<Control xmlns="http://schemas.microsoft.com/VisualStudio/2011/storyboarding/control">
+  <Id Name="System.Storyboarding.Annotation.AnimatedBanner" Revision="1" Stencil="System.Storyboarding.Annotation" StencilVersion="0.1"/>
+</Control>
+</file>
+
 <file path=customXml/itemProps1.xml><?xml version="1.0" encoding="utf-8"?>
+<ds:datastoreItem xmlns:ds="http://schemas.openxmlformats.org/officeDocument/2006/customXml" ds:itemID="{17E92F0F-E05F-4BA6-9129-94999FE09AD2}">
+  <ds:schemaRefs>
+    <ds:schemaRef ds:uri="http://schemas.microsoft.com/VisualStudio/2011/storyboarding/control"/>
+  </ds:schemaRefs>
+</ds:datastoreItem>
+</file>
+
+<file path=customXml/itemProps2.xml><?xml version="1.0" encoding="utf-8"?>
 <ds:datastoreItem xmlns:ds="http://schemas.openxmlformats.org/officeDocument/2006/customXml" ds:itemID="{D7CD5E9E-2B0A-49A7-9EE3-B6B588328107}">
   <ds:schemaRefs>
     <ds:schemaRef ds:uri="http://schemas.microsoft.com/VisualStudio/2011/storyboarding/control"/>
@@ -12859,15 +14000,15 @@
 </ds:datastoreItem>
 </file>
 
-<file path=customXml/itemProps2.xml><?xml version="1.0" encoding="utf-8"?>
-<ds:datastoreItem xmlns:ds="http://schemas.openxmlformats.org/officeDocument/2006/customXml" ds:itemID="{17E92F0F-E05F-4BA6-9129-94999FE09AD2}">
+<file path=customXml/itemProps3.xml><?xml version="1.0" encoding="utf-8"?>
+<ds:datastoreItem xmlns:ds="http://schemas.openxmlformats.org/officeDocument/2006/customXml" ds:itemID="{CD5E1FAB-ACA4-4BD0-AEC5-381E28EC8851}">
   <ds:schemaRefs>
     <ds:schemaRef ds:uri="http://schemas.microsoft.com/VisualStudio/2011/storyboarding/control"/>
   </ds:schemaRefs>
 </ds:datastoreItem>
 </file>
 
-<file path=customXml/itemProps3.xml><?xml version="1.0" encoding="utf-8"?>
+<file path=customXml/itemProps4.xml><?xml version="1.0" encoding="utf-8"?>
 <ds:datastoreItem xmlns:ds="http://schemas.openxmlformats.org/officeDocument/2006/customXml" ds:itemID="{278508B5-BC7B-471E-9E3D-2FF2D3DE55A0}">
   <ds:schemaRefs>
     <ds:schemaRef ds:uri="http://schemas.microsoft.com/VisualStudio/2011/storyboarding/control"/>
@@ -12875,8 +14016,8 @@
 </ds:datastoreItem>
 </file>
 
-<file path=customXml/itemProps4.xml><?xml version="1.0" encoding="utf-8"?>
-<ds:datastoreItem xmlns:ds="http://schemas.openxmlformats.org/officeDocument/2006/customXml" ds:itemID="{CD5E1FAB-ACA4-4BD0-AEC5-381E28EC8851}">
+<file path=customXml/itemProps5.xml><?xml version="1.0" encoding="utf-8"?>
+<ds:datastoreItem xmlns:ds="http://schemas.openxmlformats.org/officeDocument/2006/customXml" ds:itemID="{64B5D093-FA4C-4AC5-A799-F952A50D63B5}">
   <ds:schemaRefs>
     <ds:schemaRef ds:uri="http://schemas.microsoft.com/VisualStudio/2011/storyboarding/control"/>
   </ds:schemaRefs>

--- a/doc/Presentatie.pptx
+++ b/doc/Presentatie.pptx
@@ -2,28 +2,30 @@
 <file path=ppt/presentation.xml><?xml version="1.0" encoding="utf-8"?>
 <p:presentation xmlns:a="http://schemas.openxmlformats.org/drawingml/2006/main" xmlns:r="http://schemas.openxmlformats.org/officeDocument/2006/relationships" xmlns:p="http://schemas.openxmlformats.org/presentationml/2006/main" saveSubsetFonts="1">
   <p:sldMasterIdLst>
-    <p:sldMasterId id="2147483780" r:id="rId6"/>
+    <p:sldMasterId id="2147483780" r:id="rId7"/>
   </p:sldMasterIdLst>
   <p:sldIdLst>
-    <p:sldId id="256" r:id="rId7"/>
-    <p:sldId id="257" r:id="rId8"/>
-    <p:sldId id="281" r:id="rId9"/>
-    <p:sldId id="282" r:id="rId10"/>
-    <p:sldId id="275" r:id="rId11"/>
-    <p:sldId id="258" r:id="rId12"/>
-    <p:sldId id="272" r:id="rId13"/>
-    <p:sldId id="274" r:id="rId14"/>
-    <p:sldId id="276" r:id="rId15"/>
-    <p:sldId id="260" r:id="rId16"/>
-    <p:sldId id="266" r:id="rId17"/>
-    <p:sldId id="268" r:id="rId18"/>
-    <p:sldId id="269" r:id="rId19"/>
-    <p:sldId id="270" r:id="rId20"/>
-    <p:sldId id="271" r:id="rId21"/>
-    <p:sldId id="277" r:id="rId22"/>
-    <p:sldId id="278" r:id="rId23"/>
-    <p:sldId id="279" r:id="rId24"/>
-    <p:sldId id="280" r:id="rId25"/>
+    <p:sldId id="256" r:id="rId8"/>
+    <p:sldId id="257" r:id="rId9"/>
+    <p:sldId id="281" r:id="rId10"/>
+    <p:sldId id="282" r:id="rId11"/>
+    <p:sldId id="276" r:id="rId12"/>
+    <p:sldId id="260" r:id="rId13"/>
+    <p:sldId id="266" r:id="rId14"/>
+    <p:sldId id="268" r:id="rId15"/>
+    <p:sldId id="269" r:id="rId16"/>
+    <p:sldId id="270" r:id="rId17"/>
+    <p:sldId id="271" r:id="rId18"/>
+    <p:sldId id="275" r:id="rId19"/>
+    <p:sldId id="258" r:id="rId20"/>
+    <p:sldId id="272" r:id="rId21"/>
+    <p:sldId id="274" r:id="rId22"/>
+    <p:sldId id="277" r:id="rId23"/>
+    <p:sldId id="285" r:id="rId24"/>
+    <p:sldId id="283" r:id="rId25"/>
+    <p:sldId id="278" r:id="rId26"/>
+    <p:sldId id="279" r:id="rId27"/>
+    <p:sldId id="280" r:id="rId28"/>
   </p:sldIdLst>
   <p:sldSz cx="12192000" cy="6858000"/>
   <p:notesSz cx="6858000" cy="9144000"/>
@@ -3945,1126 +3947,6 @@
           <a:p>
             <a:r>
               <a:rPr lang="nl-BE" dirty="0" smtClean="0"/>
-              <a:t>Homepagina</a:t>
-            </a:r>
-            <a:endParaRPr lang="nl-BE" dirty="0"/>
-          </a:p>
-        </p:txBody>
-      </p:sp>
-      <p:pic>
-        <p:nvPicPr>
-          <p:cNvPr id="4" name="Tijdelijke aanduiding voor inhoud 3"/>
-          <p:cNvPicPr>
-            <a:picLocks noGrp="1"/>
-          </p:cNvPicPr>
-          <p:nvPr>
-            <p:ph idx="1"/>
-          </p:nvPr>
-        </p:nvPicPr>
-        <p:blipFill>
-          <a:blip r:embed="rId2">
-            <a:extLst>
-              <a:ext uri="{28A0092B-C50C-407E-A947-70E740481C1C}">
-                <a14:useLocalDpi xmlns:a14="http://schemas.microsoft.com/office/drawing/2010/main" val="0"/>
-              </a:ext>
-            </a:extLst>
-          </a:blip>
-          <a:stretch>
-            <a:fillRect/>
-          </a:stretch>
-        </p:blipFill>
-        <p:spPr>
-          <a:xfrm>
-            <a:off x="683740" y="2125361"/>
-            <a:ext cx="4695567" cy="3220995"/>
-          </a:xfrm>
-          <a:prstGeom prst="rect">
-            <a:avLst/>
-          </a:prstGeom>
-        </p:spPr>
-      </p:pic>
-      <p:cxnSp>
-        <p:nvCxnSpPr>
-          <p:cNvPr id="6" name="Rechte verbindingslijn 5"/>
-          <p:cNvCxnSpPr/>
-          <p:nvPr/>
-        </p:nvCxnSpPr>
-        <p:spPr>
-          <a:xfrm flipH="1">
-            <a:off x="5667633" y="1890582"/>
-            <a:ext cx="8237" cy="3690551"/>
-          </a:xfrm>
-          <a:prstGeom prst="line">
-            <a:avLst/>
-          </a:prstGeom>
-        </p:spPr>
-        <p:style>
-          <a:lnRef idx="1">
-            <a:schemeClr val="dk1"/>
-          </a:lnRef>
-          <a:fillRef idx="0">
-            <a:schemeClr val="dk1"/>
-          </a:fillRef>
-          <a:effectRef idx="0">
-            <a:schemeClr val="dk1"/>
-          </a:effectRef>
-          <a:fontRef idx="minor">
-            <a:schemeClr val="tx1"/>
-          </a:fontRef>
-        </p:style>
-      </p:cxnSp>
-      <p:pic>
-        <p:nvPicPr>
-          <p:cNvPr id="3" name="Afbeelding 2"/>
-          <p:cNvPicPr>
-            <a:picLocks noChangeAspect="1"/>
-          </p:cNvPicPr>
-          <p:nvPr/>
-        </p:nvPicPr>
-        <p:blipFill>
-          <a:blip r:embed="rId3"/>
-          <a:stretch>
-            <a:fillRect/>
-          </a:stretch>
-        </p:blipFill>
-        <p:spPr>
-          <a:xfrm>
-            <a:off x="5964196" y="2125359"/>
-            <a:ext cx="5047620" cy="3220995"/>
-          </a:xfrm>
-          <a:prstGeom prst="rect">
-            <a:avLst/>
-          </a:prstGeom>
-        </p:spPr>
-      </p:pic>
-    </p:spTree>
-    <p:extLst>
-      <p:ext uri="{BB962C8B-B14F-4D97-AF65-F5344CB8AC3E}">
-        <p14:creationId xmlns:p14="http://schemas.microsoft.com/office/powerpoint/2010/main" val="903604988"/>
-      </p:ext>
-    </p:extLst>
-  </p:cSld>
-  <p:clrMapOvr>
-    <a:masterClrMapping/>
-  </p:clrMapOvr>
-  <p:timing>
-    <p:tnLst>
-      <p:par>
-        <p:cTn id="1" dur="indefinite" restart="never" nodeType="tmRoot">
-          <p:childTnLst>
-            <p:seq concurrent="1" nextAc="seek">
-              <p:cTn id="2" dur="indefinite" nodeType="mainSeq">
-                <p:childTnLst>
-                  <p:par>
-                    <p:cTn id="3" fill="hold">
-                      <p:stCondLst>
-                        <p:cond delay="indefinite"/>
-                        <p:cond evt="onBegin" delay="0">
-                          <p:tn val="2"/>
-                        </p:cond>
-                      </p:stCondLst>
-                      <p:childTnLst>
-                        <p:par>
-                          <p:cTn id="4" fill="hold">
-                            <p:stCondLst>
-                              <p:cond delay="0"/>
-                            </p:stCondLst>
-                            <p:childTnLst>
-                              <p:par>
-                                <p:cTn id="5" presetID="10" presetClass="entr" presetSubtype="0" fill="hold" nodeType="afterEffect">
-                                  <p:stCondLst>
-                                    <p:cond delay="0"/>
-                                  </p:stCondLst>
-                                  <p:childTnLst>
-                                    <p:set>
-                                      <p:cBhvr>
-                                        <p:cTn id="6" dur="1" fill="hold">
-                                          <p:stCondLst>
-                                            <p:cond delay="0"/>
-                                          </p:stCondLst>
-                                        </p:cTn>
-                                        <p:tgtEl>
-                                          <p:spTgt spid="4"/>
-                                        </p:tgtEl>
-                                        <p:attrNameLst>
-                                          <p:attrName>style.visibility</p:attrName>
-                                        </p:attrNameLst>
-                                      </p:cBhvr>
-                                      <p:to>
-                                        <p:strVal val="visible"/>
-                                      </p:to>
-                                    </p:set>
-                                    <p:animEffect transition="in" filter="fade">
-                                      <p:cBhvr>
-                                        <p:cTn id="7" dur="750"/>
-                                        <p:tgtEl>
-                                          <p:spTgt spid="4"/>
-                                        </p:tgtEl>
-                                      </p:cBhvr>
-                                    </p:animEffect>
-                                  </p:childTnLst>
-                                </p:cTn>
-                              </p:par>
-                            </p:childTnLst>
-                          </p:cTn>
-                        </p:par>
-                      </p:childTnLst>
-                    </p:cTn>
-                  </p:par>
-                  <p:par>
-                    <p:cTn id="8" fill="hold">
-                      <p:stCondLst>
-                        <p:cond delay="indefinite"/>
-                      </p:stCondLst>
-                      <p:childTnLst>
-                        <p:par>
-                          <p:cTn id="9" fill="hold">
-                            <p:stCondLst>
-                              <p:cond delay="0"/>
-                            </p:stCondLst>
-                            <p:childTnLst>
-                              <p:par>
-                                <p:cTn id="10" presetID="10" presetClass="entr" presetSubtype="0" fill="hold" nodeType="clickEffect">
-                                  <p:stCondLst>
-                                    <p:cond delay="0"/>
-                                  </p:stCondLst>
-                                  <p:childTnLst>
-                                    <p:set>
-                                      <p:cBhvr>
-                                        <p:cTn id="11" dur="1" fill="hold">
-                                          <p:stCondLst>
-                                            <p:cond delay="0"/>
-                                          </p:stCondLst>
-                                        </p:cTn>
-                                        <p:tgtEl>
-                                          <p:spTgt spid="3"/>
-                                        </p:tgtEl>
-                                        <p:attrNameLst>
-                                          <p:attrName>style.visibility</p:attrName>
-                                        </p:attrNameLst>
-                                      </p:cBhvr>
-                                      <p:to>
-                                        <p:strVal val="visible"/>
-                                      </p:to>
-                                    </p:set>
-                                    <p:animEffect transition="in" filter="fade">
-                                      <p:cBhvr>
-                                        <p:cTn id="12" dur="750"/>
-                                        <p:tgtEl>
-                                          <p:spTgt spid="3"/>
-                                        </p:tgtEl>
-                                      </p:cBhvr>
-                                    </p:animEffect>
-                                  </p:childTnLst>
-                                </p:cTn>
-                              </p:par>
-                            </p:childTnLst>
-                          </p:cTn>
-                        </p:par>
-                      </p:childTnLst>
-                    </p:cTn>
-                  </p:par>
-                </p:childTnLst>
-              </p:cTn>
-              <p:prevCondLst>
-                <p:cond evt="onPrev" delay="0">
-                  <p:tgtEl>
-                    <p:sldTgt/>
-                  </p:tgtEl>
-                </p:cond>
-              </p:prevCondLst>
-              <p:nextCondLst>
-                <p:cond evt="onNext" delay="0">
-                  <p:tgtEl>
-                    <p:sldTgt/>
-                  </p:tgtEl>
-                </p:cond>
-              </p:nextCondLst>
-            </p:seq>
-          </p:childTnLst>
-        </p:cTn>
-      </p:par>
-    </p:tnLst>
-  </p:timing>
-</p:sld>
-</file>
-
-<file path=ppt/slides/slide11.xml><?xml version="1.0" encoding="utf-8"?>
-<p:sld xmlns:a="http://schemas.openxmlformats.org/drawingml/2006/main" xmlns:r="http://schemas.openxmlformats.org/officeDocument/2006/relationships" xmlns:p="http://schemas.openxmlformats.org/presentationml/2006/main">
-  <p:cSld>
-    <p:spTree>
-      <p:nvGrpSpPr>
-        <p:cNvPr id="1" name=""/>
-        <p:cNvGrpSpPr/>
-        <p:nvPr/>
-      </p:nvGrpSpPr>
-      <p:grpSpPr>
-        <a:xfrm>
-          <a:off x="0" y="0"/>
-          <a:ext cx="0" cy="0"/>
-          <a:chOff x="0" y="0"/>
-          <a:chExt cx="0" cy="0"/>
-        </a:xfrm>
-      </p:grpSpPr>
-      <p:sp>
-        <p:nvSpPr>
-          <p:cNvPr id="2" name="Titel 1"/>
-          <p:cNvSpPr>
-            <a:spLocks noGrp="1"/>
-          </p:cNvSpPr>
-          <p:nvPr>
-            <p:ph type="title"/>
-          </p:nvPr>
-        </p:nvSpPr>
-        <p:spPr>
-          <a:xfrm>
-            <a:off x="907810" y="356623"/>
-            <a:ext cx="10058400" cy="1295062"/>
-          </a:xfrm>
-        </p:spPr>
-        <p:txBody>
-          <a:bodyPr/>
-          <a:lstStyle/>
-          <a:p>
-            <a:r>
-              <a:rPr lang="nl-BE" dirty="0" smtClean="0"/>
-              <a:t>Registreren &amp; Inloggen</a:t>
-            </a:r>
-            <a:endParaRPr lang="nl-BE" dirty="0"/>
-          </a:p>
-        </p:txBody>
-      </p:sp>
-      <p:cxnSp>
-        <p:nvCxnSpPr>
-          <p:cNvPr id="6" name="Rechte verbindingslijn 5"/>
-          <p:cNvCxnSpPr/>
-          <p:nvPr/>
-        </p:nvCxnSpPr>
-        <p:spPr>
-          <a:xfrm flipH="1">
-            <a:off x="5667633" y="1890582"/>
-            <a:ext cx="8237" cy="3690551"/>
-          </a:xfrm>
-          <a:prstGeom prst="line">
-            <a:avLst/>
-          </a:prstGeom>
-        </p:spPr>
-        <p:style>
-          <a:lnRef idx="1">
-            <a:schemeClr val="dk1"/>
-          </a:lnRef>
-          <a:fillRef idx="0">
-            <a:schemeClr val="dk1"/>
-          </a:fillRef>
-          <a:effectRef idx="0">
-            <a:schemeClr val="dk1"/>
-          </a:effectRef>
-          <a:fontRef idx="minor">
-            <a:schemeClr val="tx1"/>
-          </a:fontRef>
-        </p:style>
-      </p:cxnSp>
-      <p:pic>
-        <p:nvPicPr>
-          <p:cNvPr id="7" name="Afbeelding 6"/>
-          <p:cNvPicPr/>
-          <p:nvPr/>
-        </p:nvPicPr>
-        <p:blipFill>
-          <a:blip r:embed="rId2">
-            <a:extLst>
-              <a:ext uri="{28A0092B-C50C-407E-A947-70E740481C1C}">
-                <a14:useLocalDpi xmlns:a14="http://schemas.microsoft.com/office/drawing/2010/main" val="0"/>
-              </a:ext>
-            </a:extLst>
-          </a:blip>
-          <a:stretch>
-            <a:fillRect/>
-          </a:stretch>
-        </p:blipFill>
-        <p:spPr>
-          <a:xfrm>
-            <a:off x="595052" y="2125359"/>
-            <a:ext cx="4695567" cy="3220995"/>
-          </a:xfrm>
-          <a:prstGeom prst="rect">
-            <a:avLst/>
-          </a:prstGeom>
-        </p:spPr>
-      </p:pic>
-      <p:pic>
-        <p:nvPicPr>
-          <p:cNvPr id="9" name="Afbeelding 8"/>
-          <p:cNvPicPr>
-            <a:picLocks noChangeAspect="1"/>
-          </p:cNvPicPr>
-          <p:nvPr/>
-        </p:nvPicPr>
-        <p:blipFill>
-          <a:blip r:embed="rId3"/>
-          <a:stretch>
-            <a:fillRect/>
-          </a:stretch>
-        </p:blipFill>
-        <p:spPr>
-          <a:xfrm>
-            <a:off x="6052884" y="2125358"/>
-            <a:ext cx="5037162" cy="3220995"/>
-          </a:xfrm>
-          <a:prstGeom prst="rect">
-            <a:avLst/>
-          </a:prstGeom>
-        </p:spPr>
-      </p:pic>
-    </p:spTree>
-    <p:extLst>
-      <p:ext uri="{BB962C8B-B14F-4D97-AF65-F5344CB8AC3E}">
-        <p14:creationId xmlns:p14="http://schemas.microsoft.com/office/powerpoint/2010/main" val="1410933059"/>
-      </p:ext>
-    </p:extLst>
-  </p:cSld>
-  <p:clrMapOvr>
-    <a:masterClrMapping/>
-  </p:clrMapOvr>
-  <p:timing>
-    <p:tnLst>
-      <p:par>
-        <p:cTn id="1" dur="indefinite" restart="never" nodeType="tmRoot">
-          <p:childTnLst>
-            <p:seq concurrent="1" nextAc="seek">
-              <p:cTn id="2" dur="indefinite" nodeType="mainSeq">
-                <p:childTnLst>
-                  <p:par>
-                    <p:cTn id="3" fill="hold">
-                      <p:stCondLst>
-                        <p:cond delay="indefinite"/>
-                        <p:cond evt="onBegin" delay="0">
-                          <p:tn val="2"/>
-                        </p:cond>
-                      </p:stCondLst>
-                      <p:childTnLst>
-                        <p:par>
-                          <p:cTn id="4" fill="hold">
-                            <p:stCondLst>
-                              <p:cond delay="0"/>
-                            </p:stCondLst>
-                            <p:childTnLst>
-                              <p:par>
-                                <p:cTn id="5" presetID="10" presetClass="entr" presetSubtype="0" fill="hold" nodeType="afterEffect">
-                                  <p:stCondLst>
-                                    <p:cond delay="0"/>
-                                  </p:stCondLst>
-                                  <p:childTnLst>
-                                    <p:set>
-                                      <p:cBhvr>
-                                        <p:cTn id="6" dur="1" fill="hold">
-                                          <p:stCondLst>
-                                            <p:cond delay="0"/>
-                                          </p:stCondLst>
-                                        </p:cTn>
-                                        <p:tgtEl>
-                                          <p:spTgt spid="7"/>
-                                        </p:tgtEl>
-                                        <p:attrNameLst>
-                                          <p:attrName>style.visibility</p:attrName>
-                                        </p:attrNameLst>
-                                      </p:cBhvr>
-                                      <p:to>
-                                        <p:strVal val="visible"/>
-                                      </p:to>
-                                    </p:set>
-                                    <p:animEffect transition="in" filter="fade">
-                                      <p:cBhvr>
-                                        <p:cTn id="7" dur="750"/>
-                                        <p:tgtEl>
-                                          <p:spTgt spid="7"/>
-                                        </p:tgtEl>
-                                      </p:cBhvr>
-                                    </p:animEffect>
-                                  </p:childTnLst>
-                                </p:cTn>
-                              </p:par>
-                            </p:childTnLst>
-                          </p:cTn>
-                        </p:par>
-                      </p:childTnLst>
-                    </p:cTn>
-                  </p:par>
-                  <p:par>
-                    <p:cTn id="8" fill="hold">
-                      <p:stCondLst>
-                        <p:cond delay="indefinite"/>
-                      </p:stCondLst>
-                      <p:childTnLst>
-                        <p:par>
-                          <p:cTn id="9" fill="hold">
-                            <p:stCondLst>
-                              <p:cond delay="0"/>
-                            </p:stCondLst>
-                            <p:childTnLst>
-                              <p:par>
-                                <p:cTn id="10" presetID="10" presetClass="entr" presetSubtype="0" fill="hold" nodeType="clickEffect">
-                                  <p:stCondLst>
-                                    <p:cond delay="0"/>
-                                  </p:stCondLst>
-                                  <p:childTnLst>
-                                    <p:set>
-                                      <p:cBhvr>
-                                        <p:cTn id="11" dur="1" fill="hold">
-                                          <p:stCondLst>
-                                            <p:cond delay="0"/>
-                                          </p:stCondLst>
-                                        </p:cTn>
-                                        <p:tgtEl>
-                                          <p:spTgt spid="9"/>
-                                        </p:tgtEl>
-                                        <p:attrNameLst>
-                                          <p:attrName>style.visibility</p:attrName>
-                                        </p:attrNameLst>
-                                      </p:cBhvr>
-                                      <p:to>
-                                        <p:strVal val="visible"/>
-                                      </p:to>
-                                    </p:set>
-                                    <p:animEffect transition="in" filter="fade">
-                                      <p:cBhvr>
-                                        <p:cTn id="12" dur="750"/>
-                                        <p:tgtEl>
-                                          <p:spTgt spid="9"/>
-                                        </p:tgtEl>
-                                      </p:cBhvr>
-                                    </p:animEffect>
-                                  </p:childTnLst>
-                                </p:cTn>
-                              </p:par>
-                            </p:childTnLst>
-                          </p:cTn>
-                        </p:par>
-                      </p:childTnLst>
-                    </p:cTn>
-                  </p:par>
-                </p:childTnLst>
-              </p:cTn>
-              <p:prevCondLst>
-                <p:cond evt="onPrev" delay="0">
-                  <p:tgtEl>
-                    <p:sldTgt/>
-                  </p:tgtEl>
-                </p:cond>
-              </p:prevCondLst>
-              <p:nextCondLst>
-                <p:cond evt="onNext" delay="0">
-                  <p:tgtEl>
-                    <p:sldTgt/>
-                  </p:tgtEl>
-                </p:cond>
-              </p:nextCondLst>
-            </p:seq>
-          </p:childTnLst>
-        </p:cTn>
-      </p:par>
-    </p:tnLst>
-  </p:timing>
-</p:sld>
-</file>
-
-<file path=ppt/slides/slide12.xml><?xml version="1.0" encoding="utf-8"?>
-<p:sld xmlns:a="http://schemas.openxmlformats.org/drawingml/2006/main" xmlns:r="http://schemas.openxmlformats.org/officeDocument/2006/relationships" xmlns:p="http://schemas.openxmlformats.org/presentationml/2006/main">
-  <p:cSld>
-    <p:spTree>
-      <p:nvGrpSpPr>
-        <p:cNvPr id="1" name=""/>
-        <p:cNvGrpSpPr/>
-        <p:nvPr/>
-      </p:nvGrpSpPr>
-      <p:grpSpPr>
-        <a:xfrm>
-          <a:off x="0" y="0"/>
-          <a:ext cx="0" cy="0"/>
-          <a:chOff x="0" y="0"/>
-          <a:chExt cx="0" cy="0"/>
-        </a:xfrm>
-      </p:grpSpPr>
-      <p:sp>
-        <p:nvSpPr>
-          <p:cNvPr id="2" name="Titel 1"/>
-          <p:cNvSpPr>
-            <a:spLocks noGrp="1"/>
-          </p:cNvSpPr>
-          <p:nvPr>
-            <p:ph type="title"/>
-          </p:nvPr>
-        </p:nvSpPr>
-        <p:spPr>
-          <a:xfrm>
-            <a:off x="907810" y="356623"/>
-            <a:ext cx="10058400" cy="1295062"/>
-          </a:xfrm>
-        </p:spPr>
-        <p:txBody>
-          <a:bodyPr/>
-          <a:lstStyle/>
-          <a:p>
-            <a:r>
-              <a:rPr lang="nl-BE" dirty="0" err="1" smtClean="0"/>
-              <a:t>Paymentpagina</a:t>
-            </a:r>
-            <a:endParaRPr lang="nl-BE" dirty="0"/>
-          </a:p>
-        </p:txBody>
-      </p:sp>
-      <p:cxnSp>
-        <p:nvCxnSpPr>
-          <p:cNvPr id="6" name="Rechte verbindingslijn 5"/>
-          <p:cNvCxnSpPr/>
-          <p:nvPr/>
-        </p:nvCxnSpPr>
-        <p:spPr>
-          <a:xfrm flipH="1">
-            <a:off x="5667633" y="1890582"/>
-            <a:ext cx="8237" cy="3690551"/>
-          </a:xfrm>
-          <a:prstGeom prst="line">
-            <a:avLst/>
-          </a:prstGeom>
-        </p:spPr>
-        <p:style>
-          <a:lnRef idx="1">
-            <a:schemeClr val="dk1"/>
-          </a:lnRef>
-          <a:fillRef idx="0">
-            <a:schemeClr val="dk1"/>
-          </a:fillRef>
-          <a:effectRef idx="0">
-            <a:schemeClr val="dk1"/>
-          </a:effectRef>
-          <a:fontRef idx="minor">
-            <a:schemeClr val="tx1"/>
-          </a:fontRef>
-        </p:style>
-      </p:cxnSp>
-      <p:pic>
-        <p:nvPicPr>
-          <p:cNvPr id="8" name="Afbeelding 7"/>
-          <p:cNvPicPr/>
-          <p:nvPr/>
-        </p:nvPicPr>
-        <p:blipFill>
-          <a:blip r:embed="rId2">
-            <a:extLst>
-              <a:ext uri="{28A0092B-C50C-407E-A947-70E740481C1C}">
-                <a14:useLocalDpi xmlns:a14="http://schemas.microsoft.com/office/drawing/2010/main" val="0"/>
-              </a:ext>
-            </a:extLst>
-          </a:blip>
-          <a:stretch>
-            <a:fillRect/>
-          </a:stretch>
-        </p:blipFill>
-        <p:spPr>
-          <a:xfrm>
-            <a:off x="683740" y="2125359"/>
-            <a:ext cx="4695567" cy="3220995"/>
-          </a:xfrm>
-          <a:prstGeom prst="rect">
-            <a:avLst/>
-          </a:prstGeom>
-        </p:spPr>
-      </p:pic>
-      <p:pic>
-        <p:nvPicPr>
-          <p:cNvPr id="9" name="Afbeelding 8"/>
-          <p:cNvPicPr>
-            <a:picLocks noChangeAspect="1"/>
-          </p:cNvPicPr>
-          <p:nvPr/>
-        </p:nvPicPr>
-        <p:blipFill>
-          <a:blip r:embed="rId3"/>
-          <a:stretch>
-            <a:fillRect/>
-          </a:stretch>
-        </p:blipFill>
-        <p:spPr>
-          <a:xfrm>
-            <a:off x="5964196" y="2125358"/>
-            <a:ext cx="5038680" cy="3220995"/>
-          </a:xfrm>
-          <a:prstGeom prst="rect">
-            <a:avLst/>
-          </a:prstGeom>
-        </p:spPr>
-      </p:pic>
-    </p:spTree>
-    <p:extLst>
-      <p:ext uri="{BB962C8B-B14F-4D97-AF65-F5344CB8AC3E}">
-        <p14:creationId xmlns:p14="http://schemas.microsoft.com/office/powerpoint/2010/main" val="1656114218"/>
-      </p:ext>
-    </p:extLst>
-  </p:cSld>
-  <p:clrMapOvr>
-    <a:masterClrMapping/>
-  </p:clrMapOvr>
-  <p:timing>
-    <p:tnLst>
-      <p:par>
-        <p:cTn id="1" dur="indefinite" restart="never" nodeType="tmRoot">
-          <p:childTnLst>
-            <p:seq concurrent="1" nextAc="seek">
-              <p:cTn id="2" dur="indefinite" nodeType="mainSeq">
-                <p:childTnLst>
-                  <p:par>
-                    <p:cTn id="3" fill="hold">
-                      <p:stCondLst>
-                        <p:cond delay="indefinite"/>
-                        <p:cond evt="onBegin" delay="0">
-                          <p:tn val="2"/>
-                        </p:cond>
-                      </p:stCondLst>
-                      <p:childTnLst>
-                        <p:par>
-                          <p:cTn id="4" fill="hold">
-                            <p:stCondLst>
-                              <p:cond delay="0"/>
-                            </p:stCondLst>
-                            <p:childTnLst>
-                              <p:par>
-                                <p:cTn id="5" presetID="10" presetClass="entr" presetSubtype="0" fill="hold" nodeType="afterEffect">
-                                  <p:stCondLst>
-                                    <p:cond delay="0"/>
-                                  </p:stCondLst>
-                                  <p:childTnLst>
-                                    <p:set>
-                                      <p:cBhvr>
-                                        <p:cTn id="6" dur="1" fill="hold">
-                                          <p:stCondLst>
-                                            <p:cond delay="0"/>
-                                          </p:stCondLst>
-                                        </p:cTn>
-                                        <p:tgtEl>
-                                          <p:spTgt spid="8"/>
-                                        </p:tgtEl>
-                                        <p:attrNameLst>
-                                          <p:attrName>style.visibility</p:attrName>
-                                        </p:attrNameLst>
-                                      </p:cBhvr>
-                                      <p:to>
-                                        <p:strVal val="visible"/>
-                                      </p:to>
-                                    </p:set>
-                                    <p:animEffect transition="in" filter="fade">
-                                      <p:cBhvr>
-                                        <p:cTn id="7" dur="750"/>
-                                        <p:tgtEl>
-                                          <p:spTgt spid="8"/>
-                                        </p:tgtEl>
-                                      </p:cBhvr>
-                                    </p:animEffect>
-                                  </p:childTnLst>
-                                </p:cTn>
-                              </p:par>
-                            </p:childTnLst>
-                          </p:cTn>
-                        </p:par>
-                      </p:childTnLst>
-                    </p:cTn>
-                  </p:par>
-                  <p:par>
-                    <p:cTn id="8" fill="hold">
-                      <p:stCondLst>
-                        <p:cond delay="indefinite"/>
-                      </p:stCondLst>
-                      <p:childTnLst>
-                        <p:par>
-                          <p:cTn id="9" fill="hold">
-                            <p:stCondLst>
-                              <p:cond delay="0"/>
-                            </p:stCondLst>
-                            <p:childTnLst>
-                              <p:par>
-                                <p:cTn id="10" presetID="10" presetClass="entr" presetSubtype="0" fill="hold" nodeType="clickEffect">
-                                  <p:stCondLst>
-                                    <p:cond delay="0"/>
-                                  </p:stCondLst>
-                                  <p:childTnLst>
-                                    <p:set>
-                                      <p:cBhvr>
-                                        <p:cTn id="11" dur="1" fill="hold">
-                                          <p:stCondLst>
-                                            <p:cond delay="0"/>
-                                          </p:stCondLst>
-                                        </p:cTn>
-                                        <p:tgtEl>
-                                          <p:spTgt spid="9"/>
-                                        </p:tgtEl>
-                                        <p:attrNameLst>
-                                          <p:attrName>style.visibility</p:attrName>
-                                        </p:attrNameLst>
-                                      </p:cBhvr>
-                                      <p:to>
-                                        <p:strVal val="visible"/>
-                                      </p:to>
-                                    </p:set>
-                                    <p:animEffect transition="in" filter="fade">
-                                      <p:cBhvr>
-                                        <p:cTn id="12" dur="750"/>
-                                        <p:tgtEl>
-                                          <p:spTgt spid="9"/>
-                                        </p:tgtEl>
-                                      </p:cBhvr>
-                                    </p:animEffect>
-                                  </p:childTnLst>
-                                </p:cTn>
-                              </p:par>
-                            </p:childTnLst>
-                          </p:cTn>
-                        </p:par>
-                      </p:childTnLst>
-                    </p:cTn>
-                  </p:par>
-                </p:childTnLst>
-              </p:cTn>
-              <p:prevCondLst>
-                <p:cond evt="onPrev" delay="0">
-                  <p:tgtEl>
-                    <p:sldTgt/>
-                  </p:tgtEl>
-                </p:cond>
-              </p:prevCondLst>
-              <p:nextCondLst>
-                <p:cond evt="onNext" delay="0">
-                  <p:tgtEl>
-                    <p:sldTgt/>
-                  </p:tgtEl>
-                </p:cond>
-              </p:nextCondLst>
-            </p:seq>
-          </p:childTnLst>
-        </p:cTn>
-      </p:par>
-    </p:tnLst>
-  </p:timing>
-</p:sld>
-</file>
-
-<file path=ppt/slides/slide13.xml><?xml version="1.0" encoding="utf-8"?>
-<p:sld xmlns:a="http://schemas.openxmlformats.org/drawingml/2006/main" xmlns:r="http://schemas.openxmlformats.org/officeDocument/2006/relationships" xmlns:p="http://schemas.openxmlformats.org/presentationml/2006/main">
-  <p:cSld>
-    <p:spTree>
-      <p:nvGrpSpPr>
-        <p:cNvPr id="1" name=""/>
-        <p:cNvGrpSpPr/>
-        <p:nvPr/>
-      </p:nvGrpSpPr>
-      <p:grpSpPr>
-        <a:xfrm>
-          <a:off x="0" y="0"/>
-          <a:ext cx="0" cy="0"/>
-          <a:chOff x="0" y="0"/>
-          <a:chExt cx="0" cy="0"/>
-        </a:xfrm>
-      </p:grpSpPr>
-      <p:sp>
-        <p:nvSpPr>
-          <p:cNvPr id="2" name="Titel 1"/>
-          <p:cNvSpPr>
-            <a:spLocks noGrp="1"/>
-          </p:cNvSpPr>
-          <p:nvPr>
-            <p:ph type="title"/>
-          </p:nvPr>
-        </p:nvSpPr>
-        <p:spPr>
-          <a:xfrm>
-            <a:off x="907810" y="356623"/>
-            <a:ext cx="10058400" cy="1295062"/>
-          </a:xfrm>
-        </p:spPr>
-        <p:txBody>
-          <a:bodyPr/>
-          <a:lstStyle/>
-          <a:p>
-            <a:r>
-              <a:rPr lang="nl-BE" dirty="0" err="1" smtClean="0"/>
-              <a:t>FileOverview</a:t>
-            </a:r>
-            <a:endParaRPr lang="nl-BE" dirty="0"/>
-          </a:p>
-        </p:txBody>
-      </p:sp>
-      <p:cxnSp>
-        <p:nvCxnSpPr>
-          <p:cNvPr id="6" name="Rechte verbindingslijn 5"/>
-          <p:cNvCxnSpPr/>
-          <p:nvPr/>
-        </p:nvCxnSpPr>
-        <p:spPr>
-          <a:xfrm flipH="1">
-            <a:off x="5667633" y="1890582"/>
-            <a:ext cx="8237" cy="3690551"/>
-          </a:xfrm>
-          <a:prstGeom prst="line">
-            <a:avLst/>
-          </a:prstGeom>
-        </p:spPr>
-        <p:style>
-          <a:lnRef idx="1">
-            <a:schemeClr val="dk1"/>
-          </a:lnRef>
-          <a:fillRef idx="0">
-            <a:schemeClr val="dk1"/>
-          </a:fillRef>
-          <a:effectRef idx="0">
-            <a:schemeClr val="dk1"/>
-          </a:effectRef>
-          <a:fontRef idx="minor">
-            <a:schemeClr val="tx1"/>
-          </a:fontRef>
-        </p:style>
-      </p:cxnSp>
-      <p:pic>
-        <p:nvPicPr>
-          <p:cNvPr id="8" name="Afbeelding 7"/>
-          <p:cNvPicPr/>
-          <p:nvPr/>
-        </p:nvPicPr>
-        <p:blipFill>
-          <a:blip r:embed="rId2">
-            <a:extLst>
-              <a:ext uri="{28A0092B-C50C-407E-A947-70E740481C1C}">
-                <a14:useLocalDpi xmlns:a14="http://schemas.microsoft.com/office/drawing/2010/main" val="0"/>
-              </a:ext>
-            </a:extLst>
-          </a:blip>
-          <a:stretch>
-            <a:fillRect/>
-          </a:stretch>
-        </p:blipFill>
-        <p:spPr>
-          <a:xfrm>
-            <a:off x="646828" y="2125358"/>
-            <a:ext cx="4695567" cy="3220995"/>
-          </a:xfrm>
-          <a:prstGeom prst="rect">
-            <a:avLst/>
-          </a:prstGeom>
-        </p:spPr>
-      </p:pic>
-      <p:pic>
-        <p:nvPicPr>
-          <p:cNvPr id="9" name="Afbeelding 8"/>
-          <p:cNvPicPr>
-            <a:picLocks noChangeAspect="1"/>
-          </p:cNvPicPr>
-          <p:nvPr/>
-        </p:nvPicPr>
-        <p:blipFill>
-          <a:blip r:embed="rId3"/>
-          <a:stretch>
-            <a:fillRect/>
-          </a:stretch>
-        </p:blipFill>
-        <p:spPr>
-          <a:xfrm>
-            <a:off x="6052884" y="2125359"/>
-            <a:ext cx="5029761" cy="3220995"/>
-          </a:xfrm>
-          <a:prstGeom prst="rect">
-            <a:avLst/>
-          </a:prstGeom>
-        </p:spPr>
-      </p:pic>
-    </p:spTree>
-    <p:extLst>
-      <p:ext uri="{BB962C8B-B14F-4D97-AF65-F5344CB8AC3E}">
-        <p14:creationId xmlns:p14="http://schemas.microsoft.com/office/powerpoint/2010/main" val="1079373523"/>
-      </p:ext>
-    </p:extLst>
-  </p:cSld>
-  <p:clrMapOvr>
-    <a:masterClrMapping/>
-  </p:clrMapOvr>
-  <p:timing>
-    <p:tnLst>
-      <p:par>
-        <p:cTn id="1" dur="indefinite" restart="never" nodeType="tmRoot">
-          <p:childTnLst>
-            <p:seq concurrent="1" nextAc="seek">
-              <p:cTn id="2" dur="indefinite" nodeType="mainSeq">
-                <p:childTnLst>
-                  <p:par>
-                    <p:cTn id="3" fill="hold">
-                      <p:stCondLst>
-                        <p:cond delay="indefinite"/>
-                        <p:cond evt="onBegin" delay="0">
-                          <p:tn val="2"/>
-                        </p:cond>
-                      </p:stCondLst>
-                      <p:childTnLst>
-                        <p:par>
-                          <p:cTn id="4" fill="hold">
-                            <p:stCondLst>
-                              <p:cond delay="0"/>
-                            </p:stCondLst>
-                            <p:childTnLst>
-                              <p:par>
-                                <p:cTn id="5" presetID="10" presetClass="entr" presetSubtype="0" fill="hold" nodeType="afterEffect">
-                                  <p:stCondLst>
-                                    <p:cond delay="0"/>
-                                  </p:stCondLst>
-                                  <p:childTnLst>
-                                    <p:set>
-                                      <p:cBhvr>
-                                        <p:cTn id="6" dur="1" fill="hold">
-                                          <p:stCondLst>
-                                            <p:cond delay="0"/>
-                                          </p:stCondLst>
-                                        </p:cTn>
-                                        <p:tgtEl>
-                                          <p:spTgt spid="8"/>
-                                        </p:tgtEl>
-                                        <p:attrNameLst>
-                                          <p:attrName>style.visibility</p:attrName>
-                                        </p:attrNameLst>
-                                      </p:cBhvr>
-                                      <p:to>
-                                        <p:strVal val="visible"/>
-                                      </p:to>
-                                    </p:set>
-                                    <p:animEffect transition="in" filter="fade">
-                                      <p:cBhvr>
-                                        <p:cTn id="7" dur="750"/>
-                                        <p:tgtEl>
-                                          <p:spTgt spid="8"/>
-                                        </p:tgtEl>
-                                      </p:cBhvr>
-                                    </p:animEffect>
-                                  </p:childTnLst>
-                                </p:cTn>
-                              </p:par>
-                            </p:childTnLst>
-                          </p:cTn>
-                        </p:par>
-                      </p:childTnLst>
-                    </p:cTn>
-                  </p:par>
-                  <p:par>
-                    <p:cTn id="8" fill="hold">
-                      <p:stCondLst>
-                        <p:cond delay="indefinite"/>
-                      </p:stCondLst>
-                      <p:childTnLst>
-                        <p:par>
-                          <p:cTn id="9" fill="hold">
-                            <p:stCondLst>
-                              <p:cond delay="0"/>
-                            </p:stCondLst>
-                            <p:childTnLst>
-                              <p:par>
-                                <p:cTn id="10" presetID="10" presetClass="entr" presetSubtype="0" fill="hold" nodeType="clickEffect">
-                                  <p:stCondLst>
-                                    <p:cond delay="0"/>
-                                  </p:stCondLst>
-                                  <p:childTnLst>
-                                    <p:set>
-                                      <p:cBhvr>
-                                        <p:cTn id="11" dur="1" fill="hold">
-                                          <p:stCondLst>
-                                            <p:cond delay="0"/>
-                                          </p:stCondLst>
-                                        </p:cTn>
-                                        <p:tgtEl>
-                                          <p:spTgt spid="9"/>
-                                        </p:tgtEl>
-                                        <p:attrNameLst>
-                                          <p:attrName>style.visibility</p:attrName>
-                                        </p:attrNameLst>
-                                      </p:cBhvr>
-                                      <p:to>
-                                        <p:strVal val="visible"/>
-                                      </p:to>
-                                    </p:set>
-                                    <p:animEffect transition="in" filter="fade">
-                                      <p:cBhvr>
-                                        <p:cTn id="12" dur="750"/>
-                                        <p:tgtEl>
-                                          <p:spTgt spid="9"/>
-                                        </p:tgtEl>
-                                      </p:cBhvr>
-                                    </p:animEffect>
-                                  </p:childTnLst>
-                                </p:cTn>
-                              </p:par>
-                            </p:childTnLst>
-                          </p:cTn>
-                        </p:par>
-                      </p:childTnLst>
-                    </p:cTn>
-                  </p:par>
-                </p:childTnLst>
-              </p:cTn>
-              <p:prevCondLst>
-                <p:cond evt="onPrev" delay="0">
-                  <p:tgtEl>
-                    <p:sldTgt/>
-                  </p:tgtEl>
-                </p:cond>
-              </p:prevCondLst>
-              <p:nextCondLst>
-                <p:cond evt="onNext" delay="0">
-                  <p:tgtEl>
-                    <p:sldTgt/>
-                  </p:tgtEl>
-                </p:cond>
-              </p:nextCondLst>
-            </p:seq>
-          </p:childTnLst>
-        </p:cTn>
-      </p:par>
-    </p:tnLst>
-  </p:timing>
-</p:sld>
-</file>
-
-<file path=ppt/slides/slide14.xml><?xml version="1.0" encoding="utf-8"?>
-<p:sld xmlns:a="http://schemas.openxmlformats.org/drawingml/2006/main" xmlns:r="http://schemas.openxmlformats.org/officeDocument/2006/relationships" xmlns:p="http://schemas.openxmlformats.org/presentationml/2006/main">
-  <p:cSld>
-    <p:spTree>
-      <p:nvGrpSpPr>
-        <p:cNvPr id="1" name=""/>
-        <p:cNvGrpSpPr/>
-        <p:nvPr/>
-      </p:nvGrpSpPr>
-      <p:grpSpPr>
-        <a:xfrm>
-          <a:off x="0" y="0"/>
-          <a:ext cx="0" cy="0"/>
-          <a:chOff x="0" y="0"/>
-          <a:chExt cx="0" cy="0"/>
-        </a:xfrm>
-      </p:grpSpPr>
-      <p:sp>
-        <p:nvSpPr>
-          <p:cNvPr id="2" name="Titel 1"/>
-          <p:cNvSpPr>
-            <a:spLocks noGrp="1"/>
-          </p:cNvSpPr>
-          <p:nvPr>
-            <p:ph type="title"/>
-          </p:nvPr>
-        </p:nvSpPr>
-        <p:spPr>
-          <a:xfrm>
-            <a:off x="907810" y="356623"/>
-            <a:ext cx="10058400" cy="1295062"/>
-          </a:xfrm>
-        </p:spPr>
-        <p:txBody>
-          <a:bodyPr/>
-          <a:lstStyle/>
-          <a:p>
-            <a:r>
-              <a:rPr lang="nl-BE" dirty="0" smtClean="0"/>
               <a:t>Upload</a:t>
             </a:r>
             <a:endParaRPr lang="nl-BE" dirty="0"/>
@@ -5305,7 +4187,7 @@
 </p:sld>
 </file>
 
-<file path=ppt/slides/slide15.xml><?xml version="1.0" encoding="utf-8"?>
+<file path=ppt/slides/slide11.xml><?xml version="1.0" encoding="utf-8"?>
 <p:sld xmlns:a="http://schemas.openxmlformats.org/drawingml/2006/main" xmlns:r="http://schemas.openxmlformats.org/officeDocument/2006/relationships" xmlns:p="http://schemas.openxmlformats.org/presentationml/2006/main">
   <p:cSld>
     <p:spTree>
@@ -5584,7 +4466,7 @@
 </p:sld>
 </file>
 
-<file path=ppt/slides/slide16.xml><?xml version="1.0" encoding="utf-8"?>
+<file path=ppt/slides/slide12.xml><?xml version="1.0" encoding="utf-8"?>
 <p:sld xmlns:a="http://schemas.openxmlformats.org/drawingml/2006/main" xmlns:r="http://schemas.openxmlformats.org/officeDocument/2006/relationships" xmlns:p="http://schemas.openxmlformats.org/presentationml/2006/main">
   <p:cSld>
     <p:spTree>
@@ -5661,2705 +4543,6 @@
               <a:tabLst/>
             </a:pPr>
             <a:r>
-              <a:rPr lang="en-US" sz="6600" kern="0" dirty="0" smtClean="0">
-                <a:solidFill>
-                  <a:srgbClr val="FFFFFF"/>
-                </a:solidFill>
-                <a:latin typeface="Segoe UI"/>
-              </a:rPr>
-              <a:t>Deployment Schema</a:t>
-            </a:r>
-            <a:endParaRPr kumimoji="0" lang="en-US" sz="6600" b="0" i="0" u="none" strike="noStrike" kern="0" cap="none" spc="0" normalizeH="0" baseline="0" noProof="0" dirty="0" smtClean="0">
-              <a:ln>
-                <a:noFill/>
-              </a:ln>
-              <a:solidFill>
-                <a:srgbClr val="FFFFFF"/>
-              </a:solidFill>
-              <a:effectLst/>
-              <a:uLnTx/>
-              <a:uFillTx/>
-              <a:latin typeface="Segoe UI"/>
-              <a:ea typeface="+mn-ea"/>
-              <a:cs typeface="+mn-cs"/>
-            </a:endParaRPr>
-          </a:p>
-        </p:txBody>
-      </p:sp>
-    </p:spTree>
-    <p:extLst>
-      <p:ext uri="{BB962C8B-B14F-4D97-AF65-F5344CB8AC3E}">
-        <p14:creationId xmlns:p14="http://schemas.microsoft.com/office/powerpoint/2010/main" val="2039195390"/>
-      </p:ext>
-    </p:extLst>
-  </p:cSld>
-  <p:clrMapOvr>
-    <a:masterClrMapping/>
-  </p:clrMapOvr>
-  <p:timing>
-    <p:tnLst>
-      <p:par>
-        <p:cTn id="1" dur="indefinite" restart="never" nodeType="tmRoot">
-          <p:childTnLst>
-            <p:seq concurrent="1" nextAc="seek">
-              <p:cTn id="2" dur="indefinite" nodeType="mainSeq">
-                <p:childTnLst>
-                  <p:par>
-                    <p:cTn id="3" fill="hold">
-                      <p:stCondLst>
-                        <p:cond delay="indefinite"/>
-                        <p:cond evt="onBegin" delay="0">
-                          <p:tn val="2"/>
-                        </p:cond>
-                      </p:stCondLst>
-                      <p:childTnLst>
-                        <p:par>
-                          <p:cTn id="4" fill="hold">
-                            <p:stCondLst>
-                              <p:cond delay="0"/>
-                            </p:stCondLst>
-                            <p:childTnLst>
-                              <p:par>
-                                <p:cTn id="5" presetID="10" presetClass="entr" presetSubtype="0" fill="hold" grpId="0" nodeType="afterEffect">
-                                  <p:stCondLst>
-                                    <p:cond delay="0"/>
-                                  </p:stCondLst>
-                                  <p:childTnLst>
-                                    <p:set>
-                                      <p:cBhvr>
-                                        <p:cTn id="6" dur="1" fill="hold">
-                                          <p:stCondLst>
-                                            <p:cond delay="0"/>
-                                          </p:stCondLst>
-                                        </p:cTn>
-                                        <p:tgtEl>
-                                          <p:spTgt spid="2"/>
-                                        </p:tgtEl>
-                                        <p:attrNameLst>
-                                          <p:attrName>style.visibility</p:attrName>
-                                        </p:attrNameLst>
-                                      </p:cBhvr>
-                                      <p:to>
-                                        <p:strVal val="visible"/>
-                                      </p:to>
-                                    </p:set>
-                                    <p:animEffect transition="in" filter="fade">
-                                      <p:cBhvr>
-                                        <p:cTn id="7" dur="500"/>
-                                        <p:tgtEl>
-                                          <p:spTgt spid="2"/>
-                                        </p:tgtEl>
-                                      </p:cBhvr>
-                                    </p:animEffect>
-                                  </p:childTnLst>
-                                </p:cTn>
-                              </p:par>
-                            </p:childTnLst>
-                          </p:cTn>
-                        </p:par>
-                      </p:childTnLst>
-                    </p:cTn>
-                  </p:par>
-                </p:childTnLst>
-              </p:cTn>
-              <p:prevCondLst>
-                <p:cond evt="onPrev" delay="0">
-                  <p:tgtEl>
-                    <p:sldTgt/>
-                  </p:tgtEl>
-                </p:cond>
-              </p:prevCondLst>
-              <p:nextCondLst>
-                <p:cond evt="onNext" delay="0">
-                  <p:tgtEl>
-                    <p:sldTgt/>
-                  </p:tgtEl>
-                </p:cond>
-              </p:nextCondLst>
-            </p:seq>
-          </p:childTnLst>
-        </p:cTn>
-      </p:par>
-    </p:tnLst>
-    <p:bldLst>
-      <p:bldP spid="2" grpId="0" animBg="1"/>
-    </p:bldLst>
-  </p:timing>
-</p:sld>
-</file>
-
-<file path=ppt/slides/slide17.xml><?xml version="1.0" encoding="utf-8"?>
-<p:sld xmlns:a="http://schemas.openxmlformats.org/drawingml/2006/main" xmlns:r="http://schemas.openxmlformats.org/officeDocument/2006/relationships" xmlns:p="http://schemas.openxmlformats.org/presentationml/2006/main">
-  <p:cSld>
-    <p:spTree>
-      <p:nvGrpSpPr>
-        <p:cNvPr id="1" name=""/>
-        <p:cNvGrpSpPr/>
-        <p:nvPr/>
-      </p:nvGrpSpPr>
-      <p:grpSpPr>
-        <a:xfrm>
-          <a:off x="0" y="0"/>
-          <a:ext cx="0" cy="0"/>
-          <a:chOff x="0" y="0"/>
-          <a:chExt cx="0" cy="0"/>
-        </a:xfrm>
-      </p:grpSpPr>
-      <p:pic>
-        <p:nvPicPr>
-          <p:cNvPr id="3" name="Afbeelding 2"/>
-          <p:cNvPicPr>
-            <a:picLocks noChangeAspect="1"/>
-          </p:cNvPicPr>
-          <p:nvPr/>
-        </p:nvPicPr>
-        <p:blipFill>
-          <a:blip r:embed="rId2"/>
-          <a:stretch>
-            <a:fillRect/>
-          </a:stretch>
-        </p:blipFill>
-        <p:spPr>
-          <a:xfrm>
-            <a:off x="771396" y="653492"/>
-            <a:ext cx="10352688" cy="5096519"/>
-          </a:xfrm>
-          <a:prstGeom prst="snip2DiagRect">
-            <a:avLst/>
-          </a:prstGeom>
-          <a:solidFill>
-            <a:srgbClr val="FFFFFF">
-              <a:shade val="85000"/>
-            </a:srgbClr>
-          </a:solidFill>
-          <a:ln w="88900" cap="sq">
-            <a:solidFill>
-              <a:srgbClr val="FFFFFF"/>
-            </a:solidFill>
-            <a:miter lim="800000"/>
-          </a:ln>
-          <a:effectLst>
-            <a:outerShdw blurRad="88900" algn="tl" rotWithShape="0">
-              <a:srgbClr val="000000">
-                <a:alpha val="45000"/>
-              </a:srgbClr>
-            </a:outerShdw>
-          </a:effectLst>
-          <a:scene3d>
-            <a:camera prst="orthographicFront"/>
-            <a:lightRig rig="twoPt" dir="t">
-              <a:rot lat="0" lon="0" rev="7200000"/>
-            </a:lightRig>
-          </a:scene3d>
-          <a:sp3d>
-            <a:bevelT w="25400" h="19050"/>
-            <a:contourClr>
-              <a:srgbClr val="FFFFFF"/>
-            </a:contourClr>
-          </a:sp3d>
-        </p:spPr>
-      </p:pic>
-    </p:spTree>
-    <p:extLst>
-      <p:ext uri="{BB962C8B-B14F-4D97-AF65-F5344CB8AC3E}">
-        <p14:creationId xmlns:p14="http://schemas.microsoft.com/office/powerpoint/2010/main" val="1218779182"/>
-      </p:ext>
-    </p:extLst>
-  </p:cSld>
-  <p:clrMapOvr>
-    <a:masterClrMapping/>
-  </p:clrMapOvr>
-  <p:timing>
-    <p:tnLst>
-      <p:par>
-        <p:cTn id="1" dur="indefinite" restart="never" nodeType="tmRoot">
-          <p:childTnLst>
-            <p:seq concurrent="1" nextAc="seek">
-              <p:cTn id="2" dur="indefinite" nodeType="mainSeq">
-                <p:childTnLst>
-                  <p:par>
-                    <p:cTn id="3" fill="hold">
-                      <p:stCondLst>
-                        <p:cond delay="indefinite"/>
-                        <p:cond evt="onBegin" delay="0">
-                          <p:tn val="2"/>
-                        </p:cond>
-                      </p:stCondLst>
-                      <p:childTnLst>
-                        <p:par>
-                          <p:cTn id="4" fill="hold">
-                            <p:stCondLst>
-                              <p:cond delay="0"/>
-                            </p:stCondLst>
-                            <p:childTnLst>
-                              <p:par>
-                                <p:cTn id="5" presetID="10" presetClass="entr" presetSubtype="0" fill="hold" nodeType="afterEffect">
-                                  <p:stCondLst>
-                                    <p:cond delay="0"/>
-                                  </p:stCondLst>
-                                  <p:childTnLst>
-                                    <p:set>
-                                      <p:cBhvr>
-                                        <p:cTn id="6" dur="1" fill="hold">
-                                          <p:stCondLst>
-                                            <p:cond delay="0"/>
-                                          </p:stCondLst>
-                                        </p:cTn>
-                                        <p:tgtEl>
-                                          <p:spTgt spid="3"/>
-                                        </p:tgtEl>
-                                        <p:attrNameLst>
-                                          <p:attrName>style.visibility</p:attrName>
-                                        </p:attrNameLst>
-                                      </p:cBhvr>
-                                      <p:to>
-                                        <p:strVal val="visible"/>
-                                      </p:to>
-                                    </p:set>
-                                    <p:animEffect transition="in" filter="fade">
-                                      <p:cBhvr>
-                                        <p:cTn id="7" dur="1000"/>
-                                        <p:tgtEl>
-                                          <p:spTgt spid="3"/>
-                                        </p:tgtEl>
-                                      </p:cBhvr>
-                                    </p:animEffect>
-                                  </p:childTnLst>
-                                </p:cTn>
-                              </p:par>
-                            </p:childTnLst>
-                          </p:cTn>
-                        </p:par>
-                      </p:childTnLst>
-                    </p:cTn>
-                  </p:par>
-                </p:childTnLst>
-              </p:cTn>
-              <p:prevCondLst>
-                <p:cond evt="onPrev" delay="0">
-                  <p:tgtEl>
-                    <p:sldTgt/>
-                  </p:tgtEl>
-                </p:cond>
-              </p:prevCondLst>
-              <p:nextCondLst>
-                <p:cond evt="onNext" delay="0">
-                  <p:tgtEl>
-                    <p:sldTgt/>
-                  </p:tgtEl>
-                </p:cond>
-              </p:nextCondLst>
-            </p:seq>
-          </p:childTnLst>
-        </p:cTn>
-      </p:par>
-    </p:tnLst>
-  </p:timing>
-</p:sld>
-</file>
-
-<file path=ppt/slides/slide18.xml><?xml version="1.0" encoding="utf-8"?>
-<p:sld xmlns:a="http://schemas.openxmlformats.org/drawingml/2006/main" xmlns:r="http://schemas.openxmlformats.org/officeDocument/2006/relationships" xmlns:p="http://schemas.openxmlformats.org/presentationml/2006/main">
-  <p:cSld>
-    <p:spTree>
-      <p:nvGrpSpPr>
-        <p:cNvPr id="1" name=""/>
-        <p:cNvGrpSpPr/>
-        <p:nvPr/>
-      </p:nvGrpSpPr>
-      <p:grpSpPr>
-        <a:xfrm>
-          <a:off x="0" y="0"/>
-          <a:ext cx="0" cy="0"/>
-          <a:chOff x="0" y="0"/>
-          <a:chExt cx="0" cy="0"/>
-        </a:xfrm>
-      </p:grpSpPr>
-      <p:sp>
-        <p:nvSpPr>
-          <p:cNvPr id="2" name="Content"/>
-          <p:cNvSpPr/>
-          <p:nvPr>
-            <p:custDataLst>
-              <p:custData r:id="rId1"/>
-            </p:custDataLst>
-          </p:nvPr>
-        </p:nvSpPr>
-        <p:spPr>
-          <a:xfrm>
-            <a:off x="0" y="2188723"/>
-            <a:ext cx="8929991" cy="1994170"/>
-          </a:xfrm>
-          <a:prstGeom prst="rect">
-            <a:avLst/>
-          </a:prstGeom>
-          <a:solidFill>
-            <a:srgbClr val="000000">
-              <a:alpha val="75000"/>
-            </a:srgbClr>
-          </a:solidFill>
-          <a:ln w="12700" cap="flat" cmpd="sng" algn="ctr">
-            <a:solidFill>
-              <a:sysClr val="windowText" lastClr="000000">
-                <a:lumMod val="75000"/>
-                <a:lumOff val="25000"/>
-              </a:sysClr>
-            </a:solidFill>
-            <a:prstDash val="solid"/>
-          </a:ln>
-          <a:effectLst/>
-        </p:spPr>
-        <p:txBody>
-          <a:bodyPr rot="0" spcFirstLastPara="0" vertOverflow="overflow" horzOverflow="overflow" vert="horz" wrap="square" lIns="45720" tIns="45720" rIns="91440" bIns="45720" numCol="1" spcCol="0" rtlCol="0" fromWordArt="0" anchor="ctr" anchorCtr="0" forceAA="0" compatLnSpc="1">
-            <a:prstTxWarp prst="textNoShape">
-              <a:avLst/>
-            </a:prstTxWarp>
-            <a:noAutofit/>
-          </a:bodyPr>
-          <a:lstStyle/>
-          <a:p>
-            <a:pPr marL="0" marR="0" indent="0" algn="ctr" defTabSz="914400" eaLnBrk="1" fontAlgn="auto" latinLnBrk="0" hangingPunct="1">
-              <a:lnSpc>
-                <a:spcPct val="100000"/>
-              </a:lnSpc>
-              <a:spcBef>
-                <a:spcPts val="0"/>
-              </a:spcBef>
-              <a:spcAft>
-                <a:spcPts val="0"/>
-              </a:spcAft>
-              <a:buClrTx/>
-              <a:buSzTx/>
-              <a:buFontTx/>
-              <a:buNone/>
-              <a:tabLst/>
-            </a:pPr>
-            <a:r>
-              <a:rPr lang="en-US" sz="6600" kern="0" dirty="0" smtClean="0">
-                <a:solidFill>
-                  <a:srgbClr val="FFFFFF"/>
-                </a:solidFill>
-                <a:latin typeface="Segoe UI"/>
-              </a:rPr>
-              <a:t>Demo</a:t>
-            </a:r>
-            <a:endParaRPr kumimoji="0" lang="en-US" sz="6600" b="0" i="0" u="none" strike="noStrike" kern="0" cap="none" spc="0" normalizeH="0" baseline="0" noProof="0" dirty="0" smtClean="0">
-              <a:ln>
-                <a:noFill/>
-              </a:ln>
-              <a:solidFill>
-                <a:srgbClr val="FFFFFF"/>
-              </a:solidFill>
-              <a:effectLst/>
-              <a:uLnTx/>
-              <a:uFillTx/>
-              <a:latin typeface="Segoe UI"/>
-              <a:ea typeface="+mn-ea"/>
-              <a:cs typeface="+mn-cs"/>
-            </a:endParaRPr>
-          </a:p>
-        </p:txBody>
-      </p:sp>
-    </p:spTree>
-    <p:extLst>
-      <p:ext uri="{BB962C8B-B14F-4D97-AF65-F5344CB8AC3E}">
-        <p14:creationId xmlns:p14="http://schemas.microsoft.com/office/powerpoint/2010/main" val="3925766324"/>
-      </p:ext>
-    </p:extLst>
-  </p:cSld>
-  <p:clrMapOvr>
-    <a:masterClrMapping/>
-  </p:clrMapOvr>
-  <p:timing>
-    <p:tnLst>
-      <p:par>
-        <p:cTn id="1" dur="indefinite" restart="never" nodeType="tmRoot">
-          <p:childTnLst>
-            <p:seq concurrent="1" nextAc="seek">
-              <p:cTn id="2" dur="indefinite" nodeType="mainSeq">
-                <p:childTnLst>
-                  <p:par>
-                    <p:cTn id="3" fill="hold">
-                      <p:stCondLst>
-                        <p:cond delay="indefinite"/>
-                        <p:cond evt="onBegin" delay="0">
-                          <p:tn val="2"/>
-                        </p:cond>
-                      </p:stCondLst>
-                      <p:childTnLst>
-                        <p:par>
-                          <p:cTn id="4" fill="hold">
-                            <p:stCondLst>
-                              <p:cond delay="0"/>
-                            </p:stCondLst>
-                            <p:childTnLst>
-                              <p:par>
-                                <p:cTn id="5" presetID="10" presetClass="entr" presetSubtype="0" fill="hold" grpId="0" nodeType="afterEffect">
-                                  <p:stCondLst>
-                                    <p:cond delay="0"/>
-                                  </p:stCondLst>
-                                  <p:childTnLst>
-                                    <p:set>
-                                      <p:cBhvr>
-                                        <p:cTn id="6" dur="1" fill="hold">
-                                          <p:stCondLst>
-                                            <p:cond delay="0"/>
-                                          </p:stCondLst>
-                                        </p:cTn>
-                                        <p:tgtEl>
-                                          <p:spTgt spid="2"/>
-                                        </p:tgtEl>
-                                        <p:attrNameLst>
-                                          <p:attrName>style.visibility</p:attrName>
-                                        </p:attrNameLst>
-                                      </p:cBhvr>
-                                      <p:to>
-                                        <p:strVal val="visible"/>
-                                      </p:to>
-                                    </p:set>
-                                    <p:animEffect transition="in" filter="fade">
-                                      <p:cBhvr>
-                                        <p:cTn id="7" dur="500"/>
-                                        <p:tgtEl>
-                                          <p:spTgt spid="2"/>
-                                        </p:tgtEl>
-                                      </p:cBhvr>
-                                    </p:animEffect>
-                                  </p:childTnLst>
-                                </p:cTn>
-                              </p:par>
-                            </p:childTnLst>
-                          </p:cTn>
-                        </p:par>
-                      </p:childTnLst>
-                    </p:cTn>
-                  </p:par>
-                </p:childTnLst>
-              </p:cTn>
-              <p:prevCondLst>
-                <p:cond evt="onPrev" delay="0">
-                  <p:tgtEl>
-                    <p:sldTgt/>
-                  </p:tgtEl>
-                </p:cond>
-              </p:prevCondLst>
-              <p:nextCondLst>
-                <p:cond evt="onNext" delay="0">
-                  <p:tgtEl>
-                    <p:sldTgt/>
-                  </p:tgtEl>
-                </p:cond>
-              </p:nextCondLst>
-            </p:seq>
-          </p:childTnLst>
-        </p:cTn>
-      </p:par>
-    </p:tnLst>
-    <p:bldLst>
-      <p:bldP spid="2" grpId="0" animBg="1"/>
-    </p:bldLst>
-  </p:timing>
-</p:sld>
-</file>
-
-<file path=ppt/slides/slide19.xml><?xml version="1.0" encoding="utf-8"?>
-<p:sld xmlns:a="http://schemas.openxmlformats.org/drawingml/2006/main" xmlns:r="http://schemas.openxmlformats.org/officeDocument/2006/relationships" xmlns:p="http://schemas.openxmlformats.org/presentationml/2006/main">
-  <p:cSld>
-    <p:spTree>
-      <p:nvGrpSpPr>
-        <p:cNvPr id="1" name=""/>
-        <p:cNvGrpSpPr/>
-        <p:nvPr/>
-      </p:nvGrpSpPr>
-      <p:grpSpPr>
-        <a:xfrm>
-          <a:off x="0" y="0"/>
-          <a:ext cx="0" cy="0"/>
-          <a:chOff x="0" y="0"/>
-          <a:chExt cx="0" cy="0"/>
-        </a:xfrm>
-      </p:grpSpPr>
-      <p:sp>
-        <p:nvSpPr>
-          <p:cNvPr id="2" name="Tekstvak 1"/>
-          <p:cNvSpPr txBox="1"/>
-          <p:nvPr/>
-        </p:nvSpPr>
-        <p:spPr>
-          <a:xfrm>
-            <a:off x="681318" y="1013012"/>
-            <a:ext cx="10829365" cy="1200329"/>
-          </a:xfrm>
-          <a:prstGeom prst="rect">
-            <a:avLst/>
-          </a:prstGeom>
-          <a:noFill/>
-        </p:spPr>
-        <p:txBody>
-          <a:bodyPr wrap="square" rtlCol="0">
-            <a:spAutoFit/>
-          </a:bodyPr>
-          <a:lstStyle/>
-          <a:p>
-            <a:r>
-              <a:rPr lang="nl-BE" sz="2400" dirty="0" smtClean="0"/>
-              <a:t>GitHub </a:t>
-            </a:r>
-            <a:r>
-              <a:rPr lang="nl-BE" sz="2400" dirty="0" err="1" smtClean="0"/>
-              <a:t>repository</a:t>
-            </a:r>
-            <a:r>
-              <a:rPr lang="nl-BE" sz="2400" dirty="0"/>
-              <a:t>: </a:t>
-            </a:r>
-            <a:r>
-              <a:rPr lang="nl-BE" sz="2400" dirty="0">
-                <a:hlinkClick r:id="rId2"/>
-              </a:rPr>
-              <a:t>https://github.com/Levi--</a:t>
-            </a:r>
-            <a:r>
-              <a:rPr lang="nl-BE" sz="2400" dirty="0" smtClean="0">
-                <a:hlinkClick r:id="rId2"/>
-              </a:rPr>
-              <a:t>G/CA-Paperless-Office-LHS</a:t>
-            </a:r>
-            <a:r>
-              <a:rPr lang="nl-BE" sz="2400" dirty="0" smtClean="0"/>
-              <a:t> </a:t>
-            </a:r>
-          </a:p>
-          <a:p>
-            <a:endParaRPr lang="nl-BE" sz="2400" dirty="0"/>
-          </a:p>
-          <a:p>
-            <a:r>
-              <a:rPr lang="nl-BE" sz="2400" dirty="0" smtClean="0"/>
-              <a:t>Website: </a:t>
-            </a:r>
-            <a:r>
-              <a:rPr lang="nl-BE" sz="2400" dirty="0">
-                <a:hlinkClick r:id="rId3"/>
-              </a:rPr>
-              <a:t>https://</a:t>
-            </a:r>
-            <a:r>
-              <a:rPr lang="nl-BE" sz="2400" dirty="0" smtClean="0">
-                <a:hlinkClick r:id="rId3"/>
-              </a:rPr>
-              <a:t>paperlesslhs.azurewebsites.net</a:t>
-            </a:r>
-            <a:r>
-              <a:rPr lang="nl-BE" sz="2400" dirty="0" smtClean="0"/>
-              <a:t> </a:t>
-            </a:r>
-            <a:endParaRPr lang="nl-BE" sz="2400" dirty="0"/>
-          </a:p>
-        </p:txBody>
-      </p:sp>
-    </p:spTree>
-    <p:extLst>
-      <p:ext uri="{BB962C8B-B14F-4D97-AF65-F5344CB8AC3E}">
-        <p14:creationId xmlns:p14="http://schemas.microsoft.com/office/powerpoint/2010/main" val="1927160566"/>
-      </p:ext>
-    </p:extLst>
-  </p:cSld>
-  <p:clrMapOvr>
-    <a:masterClrMapping/>
-  </p:clrMapOvr>
-  <p:timing>
-    <p:tnLst>
-      <p:par>
-        <p:cTn id="1" dur="indefinite" restart="never" nodeType="tmRoot">
-          <p:childTnLst>
-            <p:seq concurrent="1" nextAc="seek">
-              <p:cTn id="2" dur="indefinite" nodeType="mainSeq">
-                <p:childTnLst>
-                  <p:par>
-                    <p:cTn id="3" fill="hold">
-                      <p:stCondLst>
-                        <p:cond delay="indefinite"/>
-                        <p:cond evt="onBegin" delay="0">
-                          <p:tn val="2"/>
-                        </p:cond>
-                      </p:stCondLst>
-                      <p:childTnLst>
-                        <p:par>
-                          <p:cTn id="4" fill="hold">
-                            <p:stCondLst>
-                              <p:cond delay="0"/>
-                            </p:stCondLst>
-                            <p:childTnLst>
-                              <p:par>
-                                <p:cTn id="5" presetID="2" presetClass="entr" presetSubtype="8" fill="hold" nodeType="afterEffect">
-                                  <p:stCondLst>
-                                    <p:cond delay="0"/>
-                                  </p:stCondLst>
-                                  <p:childTnLst>
-                                    <p:set>
-                                      <p:cBhvr>
-                                        <p:cTn id="6" dur="1" fill="hold">
-                                          <p:stCondLst>
-                                            <p:cond delay="0"/>
-                                          </p:stCondLst>
-                                        </p:cTn>
-                                        <p:tgtEl>
-                                          <p:spTgt spid="2">
-                                            <p:txEl>
-                                              <p:pRg st="0" end="0"/>
-                                            </p:txEl>
-                                          </p:spTgt>
-                                        </p:tgtEl>
-                                        <p:attrNameLst>
-                                          <p:attrName>style.visibility</p:attrName>
-                                        </p:attrNameLst>
-                                      </p:cBhvr>
-                                      <p:to>
-                                        <p:strVal val="visible"/>
-                                      </p:to>
-                                    </p:set>
-                                    <p:anim calcmode="lin" valueType="num">
-                                      <p:cBhvr additive="base">
-                                        <p:cTn id="7" dur="1000" fill="hold"/>
-                                        <p:tgtEl>
-                                          <p:spTgt spid="2">
-                                            <p:txEl>
-                                              <p:pRg st="0" end="0"/>
-                                            </p:txEl>
-                                          </p:spTgt>
-                                        </p:tgtEl>
-                                        <p:attrNameLst>
-                                          <p:attrName>ppt_x</p:attrName>
-                                        </p:attrNameLst>
-                                      </p:cBhvr>
-                                      <p:tavLst>
-                                        <p:tav tm="0">
-                                          <p:val>
-                                            <p:strVal val="0-#ppt_w/2"/>
-                                          </p:val>
-                                        </p:tav>
-                                        <p:tav tm="100000">
-                                          <p:val>
-                                            <p:strVal val="#ppt_x"/>
-                                          </p:val>
-                                        </p:tav>
-                                      </p:tavLst>
-                                    </p:anim>
-                                    <p:anim calcmode="lin" valueType="num">
-                                      <p:cBhvr additive="base">
-                                        <p:cTn id="8" dur="1000" fill="hold"/>
-                                        <p:tgtEl>
-                                          <p:spTgt spid="2">
-                                            <p:txEl>
-                                              <p:pRg st="0" end="0"/>
-                                            </p:txEl>
-                                          </p:spTgt>
-                                        </p:tgtEl>
-                                        <p:attrNameLst>
-                                          <p:attrName>ppt_y</p:attrName>
-                                        </p:attrNameLst>
-                                      </p:cBhvr>
-                                      <p:tavLst>
-                                        <p:tav tm="0">
-                                          <p:val>
-                                            <p:strVal val="#ppt_y"/>
-                                          </p:val>
-                                        </p:tav>
-                                        <p:tav tm="100000">
-                                          <p:val>
-                                            <p:strVal val="#ppt_y"/>
-                                          </p:val>
-                                        </p:tav>
-                                      </p:tavLst>
-                                    </p:anim>
-                                  </p:childTnLst>
-                                </p:cTn>
-                              </p:par>
-                            </p:childTnLst>
-                          </p:cTn>
-                        </p:par>
-                        <p:par>
-                          <p:cTn id="9" fill="hold">
-                            <p:stCondLst>
-                              <p:cond delay="1000"/>
-                            </p:stCondLst>
-                            <p:childTnLst>
-                              <p:par>
-                                <p:cTn id="10" presetID="2" presetClass="entr" presetSubtype="8" fill="hold" nodeType="afterEffect">
-                                  <p:stCondLst>
-                                    <p:cond delay="500"/>
-                                  </p:stCondLst>
-                                  <p:childTnLst>
-                                    <p:set>
-                                      <p:cBhvr>
-                                        <p:cTn id="11" dur="1" fill="hold">
-                                          <p:stCondLst>
-                                            <p:cond delay="0"/>
-                                          </p:stCondLst>
-                                        </p:cTn>
-                                        <p:tgtEl>
-                                          <p:spTgt spid="2">
-                                            <p:txEl>
-                                              <p:pRg st="2" end="2"/>
-                                            </p:txEl>
-                                          </p:spTgt>
-                                        </p:tgtEl>
-                                        <p:attrNameLst>
-                                          <p:attrName>style.visibility</p:attrName>
-                                        </p:attrNameLst>
-                                      </p:cBhvr>
-                                      <p:to>
-                                        <p:strVal val="visible"/>
-                                      </p:to>
-                                    </p:set>
-                                    <p:anim calcmode="lin" valueType="num">
-                                      <p:cBhvr additive="base">
-                                        <p:cTn id="12" dur="1000" fill="hold"/>
-                                        <p:tgtEl>
-                                          <p:spTgt spid="2">
-                                            <p:txEl>
-                                              <p:pRg st="2" end="2"/>
-                                            </p:txEl>
-                                          </p:spTgt>
-                                        </p:tgtEl>
-                                        <p:attrNameLst>
-                                          <p:attrName>ppt_x</p:attrName>
-                                        </p:attrNameLst>
-                                      </p:cBhvr>
-                                      <p:tavLst>
-                                        <p:tav tm="0">
-                                          <p:val>
-                                            <p:strVal val="0-#ppt_w/2"/>
-                                          </p:val>
-                                        </p:tav>
-                                        <p:tav tm="100000">
-                                          <p:val>
-                                            <p:strVal val="#ppt_x"/>
-                                          </p:val>
-                                        </p:tav>
-                                      </p:tavLst>
-                                    </p:anim>
-                                    <p:anim calcmode="lin" valueType="num">
-                                      <p:cBhvr additive="base">
-                                        <p:cTn id="13" dur="1000" fill="hold"/>
-                                        <p:tgtEl>
-                                          <p:spTgt spid="2">
-                                            <p:txEl>
-                                              <p:pRg st="2" end="2"/>
-                                            </p:txEl>
-                                          </p:spTgt>
-                                        </p:tgtEl>
-                                        <p:attrNameLst>
-                                          <p:attrName>ppt_y</p:attrName>
-                                        </p:attrNameLst>
-                                      </p:cBhvr>
-                                      <p:tavLst>
-                                        <p:tav tm="0">
-                                          <p:val>
-                                            <p:strVal val="#ppt_y"/>
-                                          </p:val>
-                                        </p:tav>
-                                        <p:tav tm="100000">
-                                          <p:val>
-                                            <p:strVal val="#ppt_y"/>
-                                          </p:val>
-                                        </p:tav>
-                                      </p:tavLst>
-                                    </p:anim>
-                                  </p:childTnLst>
-                                </p:cTn>
-                              </p:par>
-                            </p:childTnLst>
-                          </p:cTn>
-                        </p:par>
-                      </p:childTnLst>
-                    </p:cTn>
-                  </p:par>
-                </p:childTnLst>
-              </p:cTn>
-              <p:prevCondLst>
-                <p:cond evt="onPrev" delay="0">
-                  <p:tgtEl>
-                    <p:sldTgt/>
-                  </p:tgtEl>
-                </p:cond>
-              </p:prevCondLst>
-              <p:nextCondLst>
-                <p:cond evt="onNext" delay="0">
-                  <p:tgtEl>
-                    <p:sldTgt/>
-                  </p:tgtEl>
-                </p:cond>
-              </p:nextCondLst>
-            </p:seq>
-          </p:childTnLst>
-        </p:cTn>
-      </p:par>
-    </p:tnLst>
-  </p:timing>
-</p:sld>
-</file>
-
-<file path=ppt/slides/slide2.xml><?xml version="1.0" encoding="utf-8"?>
-<p:sld xmlns:a="http://schemas.openxmlformats.org/drawingml/2006/main" xmlns:r="http://schemas.openxmlformats.org/officeDocument/2006/relationships" xmlns:p="http://schemas.openxmlformats.org/presentationml/2006/main">
-  <p:cSld>
-    <p:spTree>
-      <p:nvGrpSpPr>
-        <p:cNvPr id="1" name=""/>
-        <p:cNvGrpSpPr/>
-        <p:nvPr/>
-      </p:nvGrpSpPr>
-      <p:grpSpPr>
-        <a:xfrm>
-          <a:off x="0" y="0"/>
-          <a:ext cx="0" cy="0"/>
-          <a:chOff x="0" y="0"/>
-          <a:chExt cx="0" cy="0"/>
-        </a:xfrm>
-      </p:grpSpPr>
-      <p:sp>
-        <p:nvSpPr>
-          <p:cNvPr id="2" name="Titel 1"/>
-          <p:cNvSpPr>
-            <a:spLocks noGrp="1"/>
-          </p:cNvSpPr>
-          <p:nvPr>
-            <p:ph type="title"/>
-          </p:nvPr>
-        </p:nvSpPr>
-        <p:spPr/>
-        <p:txBody>
-          <a:bodyPr/>
-          <a:lstStyle/>
-          <a:p>
-            <a:r>
-              <a:rPr lang="nl-BE" dirty="0" smtClean="0"/>
-              <a:t>Inhoud</a:t>
-            </a:r>
-            <a:endParaRPr lang="nl-BE" dirty="0"/>
-          </a:p>
-        </p:txBody>
-      </p:sp>
-      <p:sp>
-        <p:nvSpPr>
-          <p:cNvPr id="3" name="Tijdelijke aanduiding voor inhoud 2"/>
-          <p:cNvSpPr>
-            <a:spLocks noGrp="1"/>
-          </p:cNvSpPr>
-          <p:nvPr>
-            <p:ph idx="1"/>
-          </p:nvPr>
-        </p:nvSpPr>
-        <p:spPr/>
-        <p:txBody>
-          <a:bodyPr/>
-          <a:lstStyle/>
-          <a:p>
-            <a:r>
-              <a:rPr lang="nl-BE" dirty="0" smtClean="0"/>
-              <a:t>Wat is het project?</a:t>
-            </a:r>
-          </a:p>
-          <a:p>
-            <a:r>
-              <a:rPr lang="nl-BE" dirty="0" smtClean="0"/>
-              <a:t>User </a:t>
-            </a:r>
-            <a:r>
-              <a:rPr lang="nl-BE" dirty="0" err="1"/>
-              <a:t>s</a:t>
-            </a:r>
-            <a:r>
-              <a:rPr lang="nl-BE" dirty="0" err="1" smtClean="0"/>
-              <a:t>tories</a:t>
-            </a:r>
-            <a:endParaRPr lang="nl-BE" dirty="0" smtClean="0"/>
-          </a:p>
-          <a:p>
-            <a:r>
-              <a:rPr lang="nl-BE" dirty="0" err="1" smtClean="0"/>
-              <a:t>Mockups</a:t>
-            </a:r>
-            <a:endParaRPr lang="nl-BE" dirty="0" smtClean="0"/>
-          </a:p>
-          <a:p>
-            <a:r>
-              <a:rPr lang="nl-BE" dirty="0" smtClean="0"/>
-              <a:t>Deployment schema</a:t>
-            </a:r>
-          </a:p>
-          <a:p>
-            <a:r>
-              <a:rPr lang="nl-BE" dirty="0" smtClean="0"/>
-              <a:t>Demo</a:t>
-            </a:r>
-          </a:p>
-          <a:p>
-            <a:r>
-              <a:rPr lang="nl-BE" dirty="0" smtClean="0"/>
-              <a:t>Toelichten code</a:t>
-            </a:r>
-          </a:p>
-          <a:p>
-            <a:endParaRPr lang="nl-BE" dirty="0"/>
-          </a:p>
-        </p:txBody>
-      </p:sp>
-    </p:spTree>
-    <p:extLst>
-      <p:ext uri="{BB962C8B-B14F-4D97-AF65-F5344CB8AC3E}">
-        <p14:creationId xmlns:p14="http://schemas.microsoft.com/office/powerpoint/2010/main" val="2654965838"/>
-      </p:ext>
-    </p:extLst>
-  </p:cSld>
-  <p:clrMapOvr>
-    <a:masterClrMapping/>
-  </p:clrMapOvr>
-  <p:timing>
-    <p:tnLst>
-      <p:par>
-        <p:cTn id="1" dur="indefinite" restart="never" nodeType="tmRoot">
-          <p:childTnLst>
-            <p:seq concurrent="1" nextAc="seek">
-              <p:cTn id="2" dur="indefinite" nodeType="mainSeq">
-                <p:childTnLst>
-                  <p:par>
-                    <p:cTn id="3" fill="hold">
-                      <p:stCondLst>
-                        <p:cond delay="indefinite"/>
-                      </p:stCondLst>
-                      <p:childTnLst>
-                        <p:par>
-                          <p:cTn id="4" fill="hold">
-                            <p:stCondLst>
-                              <p:cond delay="0"/>
-                            </p:stCondLst>
-                            <p:childTnLst>
-                              <p:par>
-                                <p:cTn id="5" presetID="2" presetClass="entr" presetSubtype="8" fill="hold" nodeType="clickEffect">
-                                  <p:stCondLst>
-                                    <p:cond delay="0"/>
-                                  </p:stCondLst>
-                                  <p:childTnLst>
-                                    <p:set>
-                                      <p:cBhvr>
-                                        <p:cTn id="6" dur="1" fill="hold">
-                                          <p:stCondLst>
-                                            <p:cond delay="0"/>
-                                          </p:stCondLst>
-                                        </p:cTn>
-                                        <p:tgtEl>
-                                          <p:spTgt spid="3">
-                                            <p:txEl>
-                                              <p:pRg st="0" end="0"/>
-                                            </p:txEl>
-                                          </p:spTgt>
-                                        </p:tgtEl>
-                                        <p:attrNameLst>
-                                          <p:attrName>style.visibility</p:attrName>
-                                        </p:attrNameLst>
-                                      </p:cBhvr>
-                                      <p:to>
-                                        <p:strVal val="visible"/>
-                                      </p:to>
-                                    </p:set>
-                                    <p:anim calcmode="lin" valueType="num">
-                                      <p:cBhvr additive="base">
-                                        <p:cTn id="7" dur="750" fill="hold"/>
-                                        <p:tgtEl>
-                                          <p:spTgt spid="3">
-                                            <p:txEl>
-                                              <p:pRg st="0" end="0"/>
-                                            </p:txEl>
-                                          </p:spTgt>
-                                        </p:tgtEl>
-                                        <p:attrNameLst>
-                                          <p:attrName>ppt_x</p:attrName>
-                                        </p:attrNameLst>
-                                      </p:cBhvr>
-                                      <p:tavLst>
-                                        <p:tav tm="0">
-                                          <p:val>
-                                            <p:strVal val="0-#ppt_w/2"/>
-                                          </p:val>
-                                        </p:tav>
-                                        <p:tav tm="100000">
-                                          <p:val>
-                                            <p:strVal val="#ppt_x"/>
-                                          </p:val>
-                                        </p:tav>
-                                      </p:tavLst>
-                                    </p:anim>
-                                    <p:anim calcmode="lin" valueType="num">
-                                      <p:cBhvr additive="base">
-                                        <p:cTn id="8" dur="750" fill="hold"/>
-                                        <p:tgtEl>
-                                          <p:spTgt spid="3">
-                                            <p:txEl>
-                                              <p:pRg st="0" end="0"/>
-                                            </p:txEl>
-                                          </p:spTgt>
-                                        </p:tgtEl>
-                                        <p:attrNameLst>
-                                          <p:attrName>ppt_y</p:attrName>
-                                        </p:attrNameLst>
-                                      </p:cBhvr>
-                                      <p:tavLst>
-                                        <p:tav tm="0">
-                                          <p:val>
-                                            <p:strVal val="#ppt_y"/>
-                                          </p:val>
-                                        </p:tav>
-                                        <p:tav tm="100000">
-                                          <p:val>
-                                            <p:strVal val="#ppt_y"/>
-                                          </p:val>
-                                        </p:tav>
-                                      </p:tavLst>
-                                    </p:anim>
-                                  </p:childTnLst>
-                                </p:cTn>
-                              </p:par>
-                            </p:childTnLst>
-                          </p:cTn>
-                        </p:par>
-                      </p:childTnLst>
-                    </p:cTn>
-                  </p:par>
-                  <p:par>
-                    <p:cTn id="9" fill="hold">
-                      <p:stCondLst>
-                        <p:cond delay="indefinite"/>
-                      </p:stCondLst>
-                      <p:childTnLst>
-                        <p:par>
-                          <p:cTn id="10" fill="hold">
-                            <p:stCondLst>
-                              <p:cond delay="0"/>
-                            </p:stCondLst>
-                            <p:childTnLst>
-                              <p:par>
-                                <p:cTn id="11" presetID="2" presetClass="entr" presetSubtype="8" fill="hold" nodeType="clickEffect">
-                                  <p:stCondLst>
-                                    <p:cond delay="0"/>
-                                  </p:stCondLst>
-                                  <p:childTnLst>
-                                    <p:set>
-                                      <p:cBhvr>
-                                        <p:cTn id="12" dur="1" fill="hold">
-                                          <p:stCondLst>
-                                            <p:cond delay="0"/>
-                                          </p:stCondLst>
-                                        </p:cTn>
-                                        <p:tgtEl>
-                                          <p:spTgt spid="3">
-                                            <p:txEl>
-                                              <p:pRg st="1" end="1"/>
-                                            </p:txEl>
-                                          </p:spTgt>
-                                        </p:tgtEl>
-                                        <p:attrNameLst>
-                                          <p:attrName>style.visibility</p:attrName>
-                                        </p:attrNameLst>
-                                      </p:cBhvr>
-                                      <p:to>
-                                        <p:strVal val="visible"/>
-                                      </p:to>
-                                    </p:set>
-                                    <p:anim calcmode="lin" valueType="num">
-                                      <p:cBhvr additive="base">
-                                        <p:cTn id="13" dur="750" fill="hold"/>
-                                        <p:tgtEl>
-                                          <p:spTgt spid="3">
-                                            <p:txEl>
-                                              <p:pRg st="1" end="1"/>
-                                            </p:txEl>
-                                          </p:spTgt>
-                                        </p:tgtEl>
-                                        <p:attrNameLst>
-                                          <p:attrName>ppt_x</p:attrName>
-                                        </p:attrNameLst>
-                                      </p:cBhvr>
-                                      <p:tavLst>
-                                        <p:tav tm="0">
-                                          <p:val>
-                                            <p:strVal val="0-#ppt_w/2"/>
-                                          </p:val>
-                                        </p:tav>
-                                        <p:tav tm="100000">
-                                          <p:val>
-                                            <p:strVal val="#ppt_x"/>
-                                          </p:val>
-                                        </p:tav>
-                                      </p:tavLst>
-                                    </p:anim>
-                                    <p:anim calcmode="lin" valueType="num">
-                                      <p:cBhvr additive="base">
-                                        <p:cTn id="14" dur="750" fill="hold"/>
-                                        <p:tgtEl>
-                                          <p:spTgt spid="3">
-                                            <p:txEl>
-                                              <p:pRg st="1" end="1"/>
-                                            </p:txEl>
-                                          </p:spTgt>
-                                        </p:tgtEl>
-                                        <p:attrNameLst>
-                                          <p:attrName>ppt_y</p:attrName>
-                                        </p:attrNameLst>
-                                      </p:cBhvr>
-                                      <p:tavLst>
-                                        <p:tav tm="0">
-                                          <p:val>
-                                            <p:strVal val="#ppt_y"/>
-                                          </p:val>
-                                        </p:tav>
-                                        <p:tav tm="100000">
-                                          <p:val>
-                                            <p:strVal val="#ppt_y"/>
-                                          </p:val>
-                                        </p:tav>
-                                      </p:tavLst>
-                                    </p:anim>
-                                  </p:childTnLst>
-                                </p:cTn>
-                              </p:par>
-                            </p:childTnLst>
-                          </p:cTn>
-                        </p:par>
-                      </p:childTnLst>
-                    </p:cTn>
-                  </p:par>
-                  <p:par>
-                    <p:cTn id="15" fill="hold">
-                      <p:stCondLst>
-                        <p:cond delay="indefinite"/>
-                      </p:stCondLst>
-                      <p:childTnLst>
-                        <p:par>
-                          <p:cTn id="16" fill="hold">
-                            <p:stCondLst>
-                              <p:cond delay="0"/>
-                            </p:stCondLst>
-                            <p:childTnLst>
-                              <p:par>
-                                <p:cTn id="17" presetID="2" presetClass="entr" presetSubtype="8" fill="hold" nodeType="clickEffect">
-                                  <p:stCondLst>
-                                    <p:cond delay="0"/>
-                                  </p:stCondLst>
-                                  <p:childTnLst>
-                                    <p:set>
-                                      <p:cBhvr>
-                                        <p:cTn id="18" dur="1" fill="hold">
-                                          <p:stCondLst>
-                                            <p:cond delay="0"/>
-                                          </p:stCondLst>
-                                        </p:cTn>
-                                        <p:tgtEl>
-                                          <p:spTgt spid="3">
-                                            <p:txEl>
-                                              <p:pRg st="2" end="2"/>
-                                            </p:txEl>
-                                          </p:spTgt>
-                                        </p:tgtEl>
-                                        <p:attrNameLst>
-                                          <p:attrName>style.visibility</p:attrName>
-                                        </p:attrNameLst>
-                                      </p:cBhvr>
-                                      <p:to>
-                                        <p:strVal val="visible"/>
-                                      </p:to>
-                                    </p:set>
-                                    <p:anim calcmode="lin" valueType="num">
-                                      <p:cBhvr additive="base">
-                                        <p:cTn id="19" dur="750" fill="hold"/>
-                                        <p:tgtEl>
-                                          <p:spTgt spid="3">
-                                            <p:txEl>
-                                              <p:pRg st="2" end="2"/>
-                                            </p:txEl>
-                                          </p:spTgt>
-                                        </p:tgtEl>
-                                        <p:attrNameLst>
-                                          <p:attrName>ppt_x</p:attrName>
-                                        </p:attrNameLst>
-                                      </p:cBhvr>
-                                      <p:tavLst>
-                                        <p:tav tm="0">
-                                          <p:val>
-                                            <p:strVal val="0-#ppt_w/2"/>
-                                          </p:val>
-                                        </p:tav>
-                                        <p:tav tm="100000">
-                                          <p:val>
-                                            <p:strVal val="#ppt_x"/>
-                                          </p:val>
-                                        </p:tav>
-                                      </p:tavLst>
-                                    </p:anim>
-                                    <p:anim calcmode="lin" valueType="num">
-                                      <p:cBhvr additive="base">
-                                        <p:cTn id="20" dur="750" fill="hold"/>
-                                        <p:tgtEl>
-                                          <p:spTgt spid="3">
-                                            <p:txEl>
-                                              <p:pRg st="2" end="2"/>
-                                            </p:txEl>
-                                          </p:spTgt>
-                                        </p:tgtEl>
-                                        <p:attrNameLst>
-                                          <p:attrName>ppt_y</p:attrName>
-                                        </p:attrNameLst>
-                                      </p:cBhvr>
-                                      <p:tavLst>
-                                        <p:tav tm="0">
-                                          <p:val>
-                                            <p:strVal val="#ppt_y"/>
-                                          </p:val>
-                                        </p:tav>
-                                        <p:tav tm="100000">
-                                          <p:val>
-                                            <p:strVal val="#ppt_y"/>
-                                          </p:val>
-                                        </p:tav>
-                                      </p:tavLst>
-                                    </p:anim>
-                                  </p:childTnLst>
-                                </p:cTn>
-                              </p:par>
-                            </p:childTnLst>
-                          </p:cTn>
-                        </p:par>
-                      </p:childTnLst>
-                    </p:cTn>
-                  </p:par>
-                  <p:par>
-                    <p:cTn id="21" fill="hold">
-                      <p:stCondLst>
-                        <p:cond delay="indefinite"/>
-                      </p:stCondLst>
-                      <p:childTnLst>
-                        <p:par>
-                          <p:cTn id="22" fill="hold">
-                            <p:stCondLst>
-                              <p:cond delay="0"/>
-                            </p:stCondLst>
-                            <p:childTnLst>
-                              <p:par>
-                                <p:cTn id="23" presetID="2" presetClass="entr" presetSubtype="8" fill="hold" nodeType="clickEffect">
-                                  <p:stCondLst>
-                                    <p:cond delay="0"/>
-                                  </p:stCondLst>
-                                  <p:childTnLst>
-                                    <p:set>
-                                      <p:cBhvr>
-                                        <p:cTn id="24" dur="1" fill="hold">
-                                          <p:stCondLst>
-                                            <p:cond delay="0"/>
-                                          </p:stCondLst>
-                                        </p:cTn>
-                                        <p:tgtEl>
-                                          <p:spTgt spid="3">
-                                            <p:txEl>
-                                              <p:pRg st="3" end="3"/>
-                                            </p:txEl>
-                                          </p:spTgt>
-                                        </p:tgtEl>
-                                        <p:attrNameLst>
-                                          <p:attrName>style.visibility</p:attrName>
-                                        </p:attrNameLst>
-                                      </p:cBhvr>
-                                      <p:to>
-                                        <p:strVal val="visible"/>
-                                      </p:to>
-                                    </p:set>
-                                    <p:anim calcmode="lin" valueType="num">
-                                      <p:cBhvr additive="base">
-                                        <p:cTn id="25" dur="750" fill="hold"/>
-                                        <p:tgtEl>
-                                          <p:spTgt spid="3">
-                                            <p:txEl>
-                                              <p:pRg st="3" end="3"/>
-                                            </p:txEl>
-                                          </p:spTgt>
-                                        </p:tgtEl>
-                                        <p:attrNameLst>
-                                          <p:attrName>ppt_x</p:attrName>
-                                        </p:attrNameLst>
-                                      </p:cBhvr>
-                                      <p:tavLst>
-                                        <p:tav tm="0">
-                                          <p:val>
-                                            <p:strVal val="0-#ppt_w/2"/>
-                                          </p:val>
-                                        </p:tav>
-                                        <p:tav tm="100000">
-                                          <p:val>
-                                            <p:strVal val="#ppt_x"/>
-                                          </p:val>
-                                        </p:tav>
-                                      </p:tavLst>
-                                    </p:anim>
-                                    <p:anim calcmode="lin" valueType="num">
-                                      <p:cBhvr additive="base">
-                                        <p:cTn id="26" dur="750" fill="hold"/>
-                                        <p:tgtEl>
-                                          <p:spTgt spid="3">
-                                            <p:txEl>
-                                              <p:pRg st="3" end="3"/>
-                                            </p:txEl>
-                                          </p:spTgt>
-                                        </p:tgtEl>
-                                        <p:attrNameLst>
-                                          <p:attrName>ppt_y</p:attrName>
-                                        </p:attrNameLst>
-                                      </p:cBhvr>
-                                      <p:tavLst>
-                                        <p:tav tm="0">
-                                          <p:val>
-                                            <p:strVal val="#ppt_y"/>
-                                          </p:val>
-                                        </p:tav>
-                                        <p:tav tm="100000">
-                                          <p:val>
-                                            <p:strVal val="#ppt_y"/>
-                                          </p:val>
-                                        </p:tav>
-                                      </p:tavLst>
-                                    </p:anim>
-                                  </p:childTnLst>
-                                </p:cTn>
-                              </p:par>
-                            </p:childTnLst>
-                          </p:cTn>
-                        </p:par>
-                      </p:childTnLst>
-                    </p:cTn>
-                  </p:par>
-                  <p:par>
-                    <p:cTn id="27" fill="hold">
-                      <p:stCondLst>
-                        <p:cond delay="indefinite"/>
-                      </p:stCondLst>
-                      <p:childTnLst>
-                        <p:par>
-                          <p:cTn id="28" fill="hold">
-                            <p:stCondLst>
-                              <p:cond delay="0"/>
-                            </p:stCondLst>
-                            <p:childTnLst>
-                              <p:par>
-                                <p:cTn id="29" presetID="2" presetClass="entr" presetSubtype="8" fill="hold" nodeType="clickEffect">
-                                  <p:stCondLst>
-                                    <p:cond delay="0"/>
-                                  </p:stCondLst>
-                                  <p:childTnLst>
-                                    <p:set>
-                                      <p:cBhvr>
-                                        <p:cTn id="30" dur="1" fill="hold">
-                                          <p:stCondLst>
-                                            <p:cond delay="0"/>
-                                          </p:stCondLst>
-                                        </p:cTn>
-                                        <p:tgtEl>
-                                          <p:spTgt spid="3">
-                                            <p:txEl>
-                                              <p:pRg st="4" end="4"/>
-                                            </p:txEl>
-                                          </p:spTgt>
-                                        </p:tgtEl>
-                                        <p:attrNameLst>
-                                          <p:attrName>style.visibility</p:attrName>
-                                        </p:attrNameLst>
-                                      </p:cBhvr>
-                                      <p:to>
-                                        <p:strVal val="visible"/>
-                                      </p:to>
-                                    </p:set>
-                                    <p:anim calcmode="lin" valueType="num">
-                                      <p:cBhvr additive="base">
-                                        <p:cTn id="31" dur="750" fill="hold"/>
-                                        <p:tgtEl>
-                                          <p:spTgt spid="3">
-                                            <p:txEl>
-                                              <p:pRg st="4" end="4"/>
-                                            </p:txEl>
-                                          </p:spTgt>
-                                        </p:tgtEl>
-                                        <p:attrNameLst>
-                                          <p:attrName>ppt_x</p:attrName>
-                                        </p:attrNameLst>
-                                      </p:cBhvr>
-                                      <p:tavLst>
-                                        <p:tav tm="0">
-                                          <p:val>
-                                            <p:strVal val="0-#ppt_w/2"/>
-                                          </p:val>
-                                        </p:tav>
-                                        <p:tav tm="100000">
-                                          <p:val>
-                                            <p:strVal val="#ppt_x"/>
-                                          </p:val>
-                                        </p:tav>
-                                      </p:tavLst>
-                                    </p:anim>
-                                    <p:anim calcmode="lin" valueType="num">
-                                      <p:cBhvr additive="base">
-                                        <p:cTn id="32" dur="750" fill="hold"/>
-                                        <p:tgtEl>
-                                          <p:spTgt spid="3">
-                                            <p:txEl>
-                                              <p:pRg st="4" end="4"/>
-                                            </p:txEl>
-                                          </p:spTgt>
-                                        </p:tgtEl>
-                                        <p:attrNameLst>
-                                          <p:attrName>ppt_y</p:attrName>
-                                        </p:attrNameLst>
-                                      </p:cBhvr>
-                                      <p:tavLst>
-                                        <p:tav tm="0">
-                                          <p:val>
-                                            <p:strVal val="#ppt_y"/>
-                                          </p:val>
-                                        </p:tav>
-                                        <p:tav tm="100000">
-                                          <p:val>
-                                            <p:strVal val="#ppt_y"/>
-                                          </p:val>
-                                        </p:tav>
-                                      </p:tavLst>
-                                    </p:anim>
-                                  </p:childTnLst>
-                                </p:cTn>
-                              </p:par>
-                            </p:childTnLst>
-                          </p:cTn>
-                        </p:par>
-                      </p:childTnLst>
-                    </p:cTn>
-                  </p:par>
-                  <p:par>
-                    <p:cTn id="33" fill="hold">
-                      <p:stCondLst>
-                        <p:cond delay="indefinite"/>
-                      </p:stCondLst>
-                      <p:childTnLst>
-                        <p:par>
-                          <p:cTn id="34" fill="hold">
-                            <p:stCondLst>
-                              <p:cond delay="0"/>
-                            </p:stCondLst>
-                            <p:childTnLst>
-                              <p:par>
-                                <p:cTn id="35" presetID="2" presetClass="entr" presetSubtype="8" fill="hold" nodeType="clickEffect">
-                                  <p:stCondLst>
-                                    <p:cond delay="0"/>
-                                  </p:stCondLst>
-                                  <p:childTnLst>
-                                    <p:set>
-                                      <p:cBhvr>
-                                        <p:cTn id="36" dur="1" fill="hold">
-                                          <p:stCondLst>
-                                            <p:cond delay="0"/>
-                                          </p:stCondLst>
-                                        </p:cTn>
-                                        <p:tgtEl>
-                                          <p:spTgt spid="3">
-                                            <p:txEl>
-                                              <p:pRg st="5" end="5"/>
-                                            </p:txEl>
-                                          </p:spTgt>
-                                        </p:tgtEl>
-                                        <p:attrNameLst>
-                                          <p:attrName>style.visibility</p:attrName>
-                                        </p:attrNameLst>
-                                      </p:cBhvr>
-                                      <p:to>
-                                        <p:strVal val="visible"/>
-                                      </p:to>
-                                    </p:set>
-                                    <p:anim calcmode="lin" valueType="num">
-                                      <p:cBhvr additive="base">
-                                        <p:cTn id="37" dur="750" fill="hold"/>
-                                        <p:tgtEl>
-                                          <p:spTgt spid="3">
-                                            <p:txEl>
-                                              <p:pRg st="5" end="5"/>
-                                            </p:txEl>
-                                          </p:spTgt>
-                                        </p:tgtEl>
-                                        <p:attrNameLst>
-                                          <p:attrName>ppt_x</p:attrName>
-                                        </p:attrNameLst>
-                                      </p:cBhvr>
-                                      <p:tavLst>
-                                        <p:tav tm="0">
-                                          <p:val>
-                                            <p:strVal val="0-#ppt_w/2"/>
-                                          </p:val>
-                                        </p:tav>
-                                        <p:tav tm="100000">
-                                          <p:val>
-                                            <p:strVal val="#ppt_x"/>
-                                          </p:val>
-                                        </p:tav>
-                                      </p:tavLst>
-                                    </p:anim>
-                                    <p:anim calcmode="lin" valueType="num">
-                                      <p:cBhvr additive="base">
-                                        <p:cTn id="38" dur="750" fill="hold"/>
-                                        <p:tgtEl>
-                                          <p:spTgt spid="3">
-                                            <p:txEl>
-                                              <p:pRg st="5" end="5"/>
-                                            </p:txEl>
-                                          </p:spTgt>
-                                        </p:tgtEl>
-                                        <p:attrNameLst>
-                                          <p:attrName>ppt_y</p:attrName>
-                                        </p:attrNameLst>
-                                      </p:cBhvr>
-                                      <p:tavLst>
-                                        <p:tav tm="0">
-                                          <p:val>
-                                            <p:strVal val="#ppt_y"/>
-                                          </p:val>
-                                        </p:tav>
-                                        <p:tav tm="100000">
-                                          <p:val>
-                                            <p:strVal val="#ppt_y"/>
-                                          </p:val>
-                                        </p:tav>
-                                      </p:tavLst>
-                                    </p:anim>
-                                  </p:childTnLst>
-                                </p:cTn>
-                              </p:par>
-                            </p:childTnLst>
-                          </p:cTn>
-                        </p:par>
-                      </p:childTnLst>
-                    </p:cTn>
-                  </p:par>
-                </p:childTnLst>
-              </p:cTn>
-              <p:prevCondLst>
-                <p:cond evt="onPrev" delay="0">
-                  <p:tgtEl>
-                    <p:sldTgt/>
-                  </p:tgtEl>
-                </p:cond>
-              </p:prevCondLst>
-              <p:nextCondLst>
-                <p:cond evt="onNext" delay="0">
-                  <p:tgtEl>
-                    <p:sldTgt/>
-                  </p:tgtEl>
-                </p:cond>
-              </p:nextCondLst>
-            </p:seq>
-          </p:childTnLst>
-        </p:cTn>
-      </p:par>
-    </p:tnLst>
-  </p:timing>
-</p:sld>
-</file>
-
-<file path=ppt/slides/slide3.xml><?xml version="1.0" encoding="utf-8"?>
-<p:sld xmlns:a="http://schemas.openxmlformats.org/drawingml/2006/main" xmlns:r="http://schemas.openxmlformats.org/officeDocument/2006/relationships" xmlns:p="http://schemas.openxmlformats.org/presentationml/2006/main">
-  <p:cSld>
-    <p:spTree>
-      <p:nvGrpSpPr>
-        <p:cNvPr id="1" name=""/>
-        <p:cNvGrpSpPr/>
-        <p:nvPr/>
-      </p:nvGrpSpPr>
-      <p:grpSpPr>
-        <a:xfrm>
-          <a:off x="0" y="0"/>
-          <a:ext cx="0" cy="0"/>
-          <a:chOff x="0" y="0"/>
-          <a:chExt cx="0" cy="0"/>
-        </a:xfrm>
-      </p:grpSpPr>
-      <p:sp>
-        <p:nvSpPr>
-          <p:cNvPr id="2" name="Content"/>
-          <p:cNvSpPr/>
-          <p:nvPr>
-            <p:custDataLst>
-              <p:custData r:id="rId1"/>
-            </p:custDataLst>
-          </p:nvPr>
-        </p:nvSpPr>
-        <p:spPr>
-          <a:xfrm>
-            <a:off x="0" y="2188723"/>
-            <a:ext cx="8929991" cy="1994170"/>
-          </a:xfrm>
-          <a:prstGeom prst="rect">
-            <a:avLst/>
-          </a:prstGeom>
-          <a:solidFill>
-            <a:srgbClr val="000000">
-              <a:alpha val="75000"/>
-            </a:srgbClr>
-          </a:solidFill>
-          <a:ln w="12700" cap="flat" cmpd="sng" algn="ctr">
-            <a:solidFill>
-              <a:sysClr val="windowText" lastClr="000000">
-                <a:lumMod val="75000"/>
-                <a:lumOff val="25000"/>
-              </a:sysClr>
-            </a:solidFill>
-            <a:prstDash val="solid"/>
-          </a:ln>
-          <a:effectLst/>
-        </p:spPr>
-        <p:txBody>
-          <a:bodyPr rot="0" spcFirstLastPara="0" vertOverflow="overflow" horzOverflow="overflow" vert="horz" wrap="square" lIns="45720" tIns="45720" rIns="91440" bIns="45720" numCol="1" spcCol="0" rtlCol="0" fromWordArt="0" anchor="ctr" anchorCtr="0" forceAA="0" compatLnSpc="1">
-            <a:prstTxWarp prst="textNoShape">
-              <a:avLst/>
-            </a:prstTxWarp>
-            <a:noAutofit/>
-          </a:bodyPr>
-          <a:lstStyle/>
-          <a:p>
-            <a:pPr marL="0" marR="0" indent="0" algn="ctr" defTabSz="914400" eaLnBrk="1" fontAlgn="auto" latinLnBrk="0" hangingPunct="1">
-              <a:lnSpc>
-                <a:spcPct val="100000"/>
-              </a:lnSpc>
-              <a:spcBef>
-                <a:spcPts val="0"/>
-              </a:spcBef>
-              <a:spcAft>
-                <a:spcPts val="0"/>
-              </a:spcAft>
-              <a:buClrTx/>
-              <a:buSzTx/>
-              <a:buFontTx/>
-              <a:buNone/>
-              <a:tabLst/>
-            </a:pPr>
-            <a:r>
-              <a:rPr kumimoji="0" lang="en-US" sz="6600" b="0" i="0" u="none" strike="noStrike" kern="0" cap="none" spc="0" normalizeH="0" baseline="0" noProof="0" dirty="0" smtClean="0">
-                <a:ln>
-                  <a:noFill/>
-                </a:ln>
-                <a:solidFill>
-                  <a:srgbClr val="FFFFFF"/>
-                </a:solidFill>
-                <a:effectLst/>
-                <a:uLnTx/>
-                <a:uFillTx/>
-                <a:latin typeface="Segoe UI"/>
-                <a:ea typeface="+mn-ea"/>
-                <a:cs typeface="+mn-cs"/>
-              </a:rPr>
-              <a:t>Wat is het project?</a:t>
-            </a:r>
-            <a:endParaRPr kumimoji="0" lang="en-US" sz="6600" b="0" i="0" u="none" strike="noStrike" kern="0" cap="none" spc="0" normalizeH="0" baseline="0" noProof="0" dirty="0" smtClean="0">
-              <a:ln>
-                <a:noFill/>
-              </a:ln>
-              <a:solidFill>
-                <a:srgbClr val="FFFFFF"/>
-              </a:solidFill>
-              <a:effectLst/>
-              <a:uLnTx/>
-              <a:uFillTx/>
-              <a:latin typeface="Segoe UI"/>
-              <a:ea typeface="+mn-ea"/>
-              <a:cs typeface="+mn-cs"/>
-            </a:endParaRPr>
-          </a:p>
-        </p:txBody>
-      </p:sp>
-    </p:spTree>
-    <p:extLst>
-      <p:ext uri="{BB962C8B-B14F-4D97-AF65-F5344CB8AC3E}">
-        <p14:creationId xmlns:p14="http://schemas.microsoft.com/office/powerpoint/2010/main" val="3174858081"/>
-      </p:ext>
-    </p:extLst>
-  </p:cSld>
-  <p:clrMapOvr>
-    <a:masterClrMapping/>
-  </p:clrMapOvr>
-  <p:timing>
-    <p:tnLst>
-      <p:par>
-        <p:cTn id="1" dur="indefinite" restart="never" nodeType="tmRoot">
-          <p:childTnLst>
-            <p:seq concurrent="1" nextAc="seek">
-              <p:cTn id="2" dur="indefinite" nodeType="mainSeq">
-                <p:childTnLst>
-                  <p:par>
-                    <p:cTn id="3" fill="hold">
-                      <p:stCondLst>
-                        <p:cond delay="indefinite"/>
-                        <p:cond evt="onBegin" delay="0">
-                          <p:tn val="2"/>
-                        </p:cond>
-                      </p:stCondLst>
-                      <p:childTnLst>
-                        <p:par>
-                          <p:cTn id="4" fill="hold">
-                            <p:stCondLst>
-                              <p:cond delay="0"/>
-                            </p:stCondLst>
-                            <p:childTnLst>
-                              <p:par>
-                                <p:cTn id="5" presetID="10" presetClass="entr" presetSubtype="0" fill="hold" grpId="0" nodeType="afterEffect">
-                                  <p:stCondLst>
-                                    <p:cond delay="0"/>
-                                  </p:stCondLst>
-                                  <p:childTnLst>
-                                    <p:set>
-                                      <p:cBhvr>
-                                        <p:cTn id="6" dur="1" fill="hold">
-                                          <p:stCondLst>
-                                            <p:cond delay="0"/>
-                                          </p:stCondLst>
-                                        </p:cTn>
-                                        <p:tgtEl>
-                                          <p:spTgt spid="2"/>
-                                        </p:tgtEl>
-                                        <p:attrNameLst>
-                                          <p:attrName>style.visibility</p:attrName>
-                                        </p:attrNameLst>
-                                      </p:cBhvr>
-                                      <p:to>
-                                        <p:strVal val="visible"/>
-                                      </p:to>
-                                    </p:set>
-                                    <p:animEffect transition="in" filter="fade">
-                                      <p:cBhvr>
-                                        <p:cTn id="7" dur="500"/>
-                                        <p:tgtEl>
-                                          <p:spTgt spid="2"/>
-                                        </p:tgtEl>
-                                      </p:cBhvr>
-                                    </p:animEffect>
-                                  </p:childTnLst>
-                                </p:cTn>
-                              </p:par>
-                            </p:childTnLst>
-                          </p:cTn>
-                        </p:par>
-                      </p:childTnLst>
-                    </p:cTn>
-                  </p:par>
-                </p:childTnLst>
-              </p:cTn>
-              <p:prevCondLst>
-                <p:cond evt="onPrev" delay="0">
-                  <p:tgtEl>
-                    <p:sldTgt/>
-                  </p:tgtEl>
-                </p:cond>
-              </p:prevCondLst>
-              <p:nextCondLst>
-                <p:cond evt="onNext" delay="0">
-                  <p:tgtEl>
-                    <p:sldTgt/>
-                  </p:tgtEl>
-                </p:cond>
-              </p:nextCondLst>
-            </p:seq>
-          </p:childTnLst>
-        </p:cTn>
-      </p:par>
-    </p:tnLst>
-    <p:bldLst>
-      <p:bldP spid="2" grpId="0" animBg="1"/>
-    </p:bldLst>
-  </p:timing>
-</p:sld>
-</file>
-
-<file path=ppt/slides/slide4.xml><?xml version="1.0" encoding="utf-8"?>
-<p:sld xmlns:a="http://schemas.openxmlformats.org/drawingml/2006/main" xmlns:r="http://schemas.openxmlformats.org/officeDocument/2006/relationships" xmlns:p="http://schemas.openxmlformats.org/presentationml/2006/main">
-  <p:cSld>
-    <p:spTree>
-      <p:nvGrpSpPr>
-        <p:cNvPr id="1" name=""/>
-        <p:cNvGrpSpPr/>
-        <p:nvPr/>
-      </p:nvGrpSpPr>
-      <p:grpSpPr>
-        <a:xfrm>
-          <a:off x="0" y="0"/>
-          <a:ext cx="0" cy="0"/>
-          <a:chOff x="0" y="0"/>
-          <a:chExt cx="0" cy="0"/>
-        </a:xfrm>
-      </p:grpSpPr>
-      <p:sp>
-        <p:nvSpPr>
-          <p:cNvPr id="2" name="Tekstvak 1"/>
-          <p:cNvSpPr txBox="1"/>
-          <p:nvPr/>
-        </p:nvSpPr>
-        <p:spPr>
-          <a:xfrm>
-            <a:off x="1201271" y="1246095"/>
-            <a:ext cx="10990729" cy="4062651"/>
-          </a:xfrm>
-          <a:prstGeom prst="rect">
-            <a:avLst/>
-          </a:prstGeom>
-          <a:noFill/>
-        </p:spPr>
-        <p:txBody>
-          <a:bodyPr wrap="square" rtlCol="0">
-            <a:spAutoFit/>
-          </a:bodyPr>
-          <a:lstStyle/>
-          <a:p>
-            <a:r>
-              <a:rPr lang="nl-BE" sz="2000" dirty="0" smtClean="0"/>
-              <a:t>Onnodige papierberg</a:t>
-            </a:r>
-          </a:p>
-          <a:p>
-            <a:endParaRPr lang="nl-BE" sz="2000" dirty="0"/>
-          </a:p>
-          <a:p>
-            <a:r>
-              <a:rPr lang="nl-BE" sz="2000" dirty="0" smtClean="0"/>
-              <a:t>Eenvoudig beheren</a:t>
-            </a:r>
-          </a:p>
-          <a:p>
-            <a:endParaRPr lang="nl-BE" sz="2000" dirty="0"/>
-          </a:p>
-          <a:p>
-            <a:r>
-              <a:rPr lang="nl-BE" sz="2000" dirty="0" smtClean="0"/>
-              <a:t>Online platform</a:t>
-            </a:r>
-          </a:p>
-          <a:p>
-            <a:endParaRPr lang="nl-BE" sz="2000" dirty="0"/>
-          </a:p>
-          <a:p>
-            <a:r>
-              <a:rPr lang="nl-BE" sz="2000" dirty="0" smtClean="0"/>
-              <a:t>Uploaden en downloaden van documenten</a:t>
-            </a:r>
-          </a:p>
-          <a:p>
-            <a:endParaRPr lang="nl-BE" sz="2000" dirty="0"/>
-          </a:p>
-          <a:p>
-            <a:r>
-              <a:rPr lang="nl-BE" sz="2000" dirty="0" smtClean="0"/>
-              <a:t>Filteren en sorteren</a:t>
-            </a:r>
-          </a:p>
-          <a:p>
-            <a:endParaRPr lang="nl-BE" sz="2000" dirty="0"/>
-          </a:p>
-          <a:p>
-            <a:endParaRPr lang="nl-BE" sz="2000" dirty="0"/>
-          </a:p>
-          <a:p>
-            <a:r>
-              <a:rPr lang="nl-BE" sz="2000" dirty="0" smtClean="0"/>
-              <a:t>Oplossing: PAPERLESS OFFICE</a:t>
-            </a:r>
-          </a:p>
-          <a:p>
-            <a:endParaRPr lang="nl-BE" dirty="0"/>
-          </a:p>
-        </p:txBody>
-      </p:sp>
-    </p:spTree>
-    <p:extLst>
-      <p:ext uri="{BB962C8B-B14F-4D97-AF65-F5344CB8AC3E}">
-        <p14:creationId xmlns:p14="http://schemas.microsoft.com/office/powerpoint/2010/main" val="1931639158"/>
-      </p:ext>
-    </p:extLst>
-  </p:cSld>
-  <p:clrMapOvr>
-    <a:masterClrMapping/>
-  </p:clrMapOvr>
-  <p:timing>
-    <p:tnLst>
-      <p:par>
-        <p:cTn id="1" dur="indefinite" restart="never" nodeType="tmRoot">
-          <p:childTnLst>
-            <p:seq concurrent="1" nextAc="seek">
-              <p:cTn id="2" dur="indefinite" nodeType="mainSeq">
-                <p:childTnLst>
-                  <p:par>
-                    <p:cTn id="3" fill="hold">
-                      <p:stCondLst>
-                        <p:cond delay="indefinite"/>
-                        <p:cond evt="onBegin" delay="0">
-                          <p:tn val="2"/>
-                        </p:cond>
-                      </p:stCondLst>
-                      <p:childTnLst>
-                        <p:par>
-                          <p:cTn id="4" fill="hold">
-                            <p:stCondLst>
-                              <p:cond delay="0"/>
-                            </p:stCondLst>
-                            <p:childTnLst>
-                              <p:par>
-                                <p:cTn id="5" presetID="2" presetClass="entr" presetSubtype="8" fill="hold" nodeType="afterEffect">
-                                  <p:stCondLst>
-                                    <p:cond delay="0"/>
-                                  </p:stCondLst>
-                                  <p:childTnLst>
-                                    <p:set>
-                                      <p:cBhvr>
-                                        <p:cTn id="6" dur="1" fill="hold">
-                                          <p:stCondLst>
-                                            <p:cond delay="0"/>
-                                          </p:stCondLst>
-                                        </p:cTn>
-                                        <p:tgtEl>
-                                          <p:spTgt spid="2">
-                                            <p:txEl>
-                                              <p:pRg st="0" end="0"/>
-                                            </p:txEl>
-                                          </p:spTgt>
-                                        </p:tgtEl>
-                                        <p:attrNameLst>
-                                          <p:attrName>style.visibility</p:attrName>
-                                        </p:attrNameLst>
-                                      </p:cBhvr>
-                                      <p:to>
-                                        <p:strVal val="visible"/>
-                                      </p:to>
-                                    </p:set>
-                                    <p:anim calcmode="lin" valueType="num">
-                                      <p:cBhvr additive="base">
-                                        <p:cTn id="7" dur="750" fill="hold"/>
-                                        <p:tgtEl>
-                                          <p:spTgt spid="2">
-                                            <p:txEl>
-                                              <p:pRg st="0" end="0"/>
-                                            </p:txEl>
-                                          </p:spTgt>
-                                        </p:tgtEl>
-                                        <p:attrNameLst>
-                                          <p:attrName>ppt_x</p:attrName>
-                                        </p:attrNameLst>
-                                      </p:cBhvr>
-                                      <p:tavLst>
-                                        <p:tav tm="0">
-                                          <p:val>
-                                            <p:strVal val="0-#ppt_w/2"/>
-                                          </p:val>
-                                        </p:tav>
-                                        <p:tav tm="100000">
-                                          <p:val>
-                                            <p:strVal val="#ppt_x"/>
-                                          </p:val>
-                                        </p:tav>
-                                      </p:tavLst>
-                                    </p:anim>
-                                    <p:anim calcmode="lin" valueType="num">
-                                      <p:cBhvr additive="base">
-                                        <p:cTn id="8" dur="750" fill="hold"/>
-                                        <p:tgtEl>
-                                          <p:spTgt spid="2">
-                                            <p:txEl>
-                                              <p:pRg st="0" end="0"/>
-                                            </p:txEl>
-                                          </p:spTgt>
-                                        </p:tgtEl>
-                                        <p:attrNameLst>
-                                          <p:attrName>ppt_y</p:attrName>
-                                        </p:attrNameLst>
-                                      </p:cBhvr>
-                                      <p:tavLst>
-                                        <p:tav tm="0">
-                                          <p:val>
-                                            <p:strVal val="#ppt_y"/>
-                                          </p:val>
-                                        </p:tav>
-                                        <p:tav tm="100000">
-                                          <p:val>
-                                            <p:strVal val="#ppt_y"/>
-                                          </p:val>
-                                        </p:tav>
-                                      </p:tavLst>
-                                    </p:anim>
-                                  </p:childTnLst>
-                                </p:cTn>
-                              </p:par>
-                            </p:childTnLst>
-                          </p:cTn>
-                        </p:par>
-                      </p:childTnLst>
-                    </p:cTn>
-                  </p:par>
-                  <p:par>
-                    <p:cTn id="9" fill="hold">
-                      <p:stCondLst>
-                        <p:cond delay="indefinite"/>
-                      </p:stCondLst>
-                      <p:childTnLst>
-                        <p:par>
-                          <p:cTn id="10" fill="hold">
-                            <p:stCondLst>
-                              <p:cond delay="0"/>
-                            </p:stCondLst>
-                            <p:childTnLst>
-                              <p:par>
-                                <p:cTn id="11" presetID="2" presetClass="entr" presetSubtype="8" fill="hold" nodeType="clickEffect">
-                                  <p:stCondLst>
-                                    <p:cond delay="0"/>
-                                  </p:stCondLst>
-                                  <p:childTnLst>
-                                    <p:set>
-                                      <p:cBhvr>
-                                        <p:cTn id="12" dur="1" fill="hold">
-                                          <p:stCondLst>
-                                            <p:cond delay="0"/>
-                                          </p:stCondLst>
-                                        </p:cTn>
-                                        <p:tgtEl>
-                                          <p:spTgt spid="2">
-                                            <p:txEl>
-                                              <p:pRg st="2" end="2"/>
-                                            </p:txEl>
-                                          </p:spTgt>
-                                        </p:tgtEl>
-                                        <p:attrNameLst>
-                                          <p:attrName>style.visibility</p:attrName>
-                                        </p:attrNameLst>
-                                      </p:cBhvr>
-                                      <p:to>
-                                        <p:strVal val="visible"/>
-                                      </p:to>
-                                    </p:set>
-                                    <p:anim calcmode="lin" valueType="num">
-                                      <p:cBhvr additive="base">
-                                        <p:cTn id="13" dur="750" fill="hold"/>
-                                        <p:tgtEl>
-                                          <p:spTgt spid="2">
-                                            <p:txEl>
-                                              <p:pRg st="2" end="2"/>
-                                            </p:txEl>
-                                          </p:spTgt>
-                                        </p:tgtEl>
-                                        <p:attrNameLst>
-                                          <p:attrName>ppt_x</p:attrName>
-                                        </p:attrNameLst>
-                                      </p:cBhvr>
-                                      <p:tavLst>
-                                        <p:tav tm="0">
-                                          <p:val>
-                                            <p:strVal val="0-#ppt_w/2"/>
-                                          </p:val>
-                                        </p:tav>
-                                        <p:tav tm="100000">
-                                          <p:val>
-                                            <p:strVal val="#ppt_x"/>
-                                          </p:val>
-                                        </p:tav>
-                                      </p:tavLst>
-                                    </p:anim>
-                                    <p:anim calcmode="lin" valueType="num">
-                                      <p:cBhvr additive="base">
-                                        <p:cTn id="14" dur="750" fill="hold"/>
-                                        <p:tgtEl>
-                                          <p:spTgt spid="2">
-                                            <p:txEl>
-                                              <p:pRg st="2" end="2"/>
-                                            </p:txEl>
-                                          </p:spTgt>
-                                        </p:tgtEl>
-                                        <p:attrNameLst>
-                                          <p:attrName>ppt_y</p:attrName>
-                                        </p:attrNameLst>
-                                      </p:cBhvr>
-                                      <p:tavLst>
-                                        <p:tav tm="0">
-                                          <p:val>
-                                            <p:strVal val="#ppt_y"/>
-                                          </p:val>
-                                        </p:tav>
-                                        <p:tav tm="100000">
-                                          <p:val>
-                                            <p:strVal val="#ppt_y"/>
-                                          </p:val>
-                                        </p:tav>
-                                      </p:tavLst>
-                                    </p:anim>
-                                  </p:childTnLst>
-                                </p:cTn>
-                              </p:par>
-                            </p:childTnLst>
-                          </p:cTn>
-                        </p:par>
-                      </p:childTnLst>
-                    </p:cTn>
-                  </p:par>
-                  <p:par>
-                    <p:cTn id="15" fill="hold">
-                      <p:stCondLst>
-                        <p:cond delay="indefinite"/>
-                      </p:stCondLst>
-                      <p:childTnLst>
-                        <p:par>
-                          <p:cTn id="16" fill="hold">
-                            <p:stCondLst>
-                              <p:cond delay="0"/>
-                            </p:stCondLst>
-                            <p:childTnLst>
-                              <p:par>
-                                <p:cTn id="17" presetID="2" presetClass="entr" presetSubtype="8" fill="hold" nodeType="clickEffect">
-                                  <p:stCondLst>
-                                    <p:cond delay="0"/>
-                                  </p:stCondLst>
-                                  <p:childTnLst>
-                                    <p:set>
-                                      <p:cBhvr>
-                                        <p:cTn id="18" dur="1" fill="hold">
-                                          <p:stCondLst>
-                                            <p:cond delay="0"/>
-                                          </p:stCondLst>
-                                        </p:cTn>
-                                        <p:tgtEl>
-                                          <p:spTgt spid="2">
-                                            <p:txEl>
-                                              <p:pRg st="4" end="4"/>
-                                            </p:txEl>
-                                          </p:spTgt>
-                                        </p:tgtEl>
-                                        <p:attrNameLst>
-                                          <p:attrName>style.visibility</p:attrName>
-                                        </p:attrNameLst>
-                                      </p:cBhvr>
-                                      <p:to>
-                                        <p:strVal val="visible"/>
-                                      </p:to>
-                                    </p:set>
-                                    <p:anim calcmode="lin" valueType="num">
-                                      <p:cBhvr additive="base">
-                                        <p:cTn id="19" dur="750" fill="hold"/>
-                                        <p:tgtEl>
-                                          <p:spTgt spid="2">
-                                            <p:txEl>
-                                              <p:pRg st="4" end="4"/>
-                                            </p:txEl>
-                                          </p:spTgt>
-                                        </p:tgtEl>
-                                        <p:attrNameLst>
-                                          <p:attrName>ppt_x</p:attrName>
-                                        </p:attrNameLst>
-                                      </p:cBhvr>
-                                      <p:tavLst>
-                                        <p:tav tm="0">
-                                          <p:val>
-                                            <p:strVal val="0-#ppt_w/2"/>
-                                          </p:val>
-                                        </p:tav>
-                                        <p:tav tm="100000">
-                                          <p:val>
-                                            <p:strVal val="#ppt_x"/>
-                                          </p:val>
-                                        </p:tav>
-                                      </p:tavLst>
-                                    </p:anim>
-                                    <p:anim calcmode="lin" valueType="num">
-                                      <p:cBhvr additive="base">
-                                        <p:cTn id="20" dur="750" fill="hold"/>
-                                        <p:tgtEl>
-                                          <p:spTgt spid="2">
-                                            <p:txEl>
-                                              <p:pRg st="4" end="4"/>
-                                            </p:txEl>
-                                          </p:spTgt>
-                                        </p:tgtEl>
-                                        <p:attrNameLst>
-                                          <p:attrName>ppt_y</p:attrName>
-                                        </p:attrNameLst>
-                                      </p:cBhvr>
-                                      <p:tavLst>
-                                        <p:tav tm="0">
-                                          <p:val>
-                                            <p:strVal val="#ppt_y"/>
-                                          </p:val>
-                                        </p:tav>
-                                        <p:tav tm="100000">
-                                          <p:val>
-                                            <p:strVal val="#ppt_y"/>
-                                          </p:val>
-                                        </p:tav>
-                                      </p:tavLst>
-                                    </p:anim>
-                                  </p:childTnLst>
-                                </p:cTn>
-                              </p:par>
-                            </p:childTnLst>
-                          </p:cTn>
-                        </p:par>
-                      </p:childTnLst>
-                    </p:cTn>
-                  </p:par>
-                  <p:par>
-                    <p:cTn id="21" fill="hold">
-                      <p:stCondLst>
-                        <p:cond delay="indefinite"/>
-                      </p:stCondLst>
-                      <p:childTnLst>
-                        <p:par>
-                          <p:cTn id="22" fill="hold">
-                            <p:stCondLst>
-                              <p:cond delay="0"/>
-                            </p:stCondLst>
-                            <p:childTnLst>
-                              <p:par>
-                                <p:cTn id="23" presetID="2" presetClass="entr" presetSubtype="8" fill="hold" nodeType="clickEffect">
-                                  <p:stCondLst>
-                                    <p:cond delay="0"/>
-                                  </p:stCondLst>
-                                  <p:childTnLst>
-                                    <p:set>
-                                      <p:cBhvr>
-                                        <p:cTn id="24" dur="1" fill="hold">
-                                          <p:stCondLst>
-                                            <p:cond delay="0"/>
-                                          </p:stCondLst>
-                                        </p:cTn>
-                                        <p:tgtEl>
-                                          <p:spTgt spid="2">
-                                            <p:txEl>
-                                              <p:pRg st="6" end="6"/>
-                                            </p:txEl>
-                                          </p:spTgt>
-                                        </p:tgtEl>
-                                        <p:attrNameLst>
-                                          <p:attrName>style.visibility</p:attrName>
-                                        </p:attrNameLst>
-                                      </p:cBhvr>
-                                      <p:to>
-                                        <p:strVal val="visible"/>
-                                      </p:to>
-                                    </p:set>
-                                    <p:anim calcmode="lin" valueType="num">
-                                      <p:cBhvr additive="base">
-                                        <p:cTn id="25" dur="1000" fill="hold"/>
-                                        <p:tgtEl>
-                                          <p:spTgt spid="2">
-                                            <p:txEl>
-                                              <p:pRg st="6" end="6"/>
-                                            </p:txEl>
-                                          </p:spTgt>
-                                        </p:tgtEl>
-                                        <p:attrNameLst>
-                                          <p:attrName>ppt_x</p:attrName>
-                                        </p:attrNameLst>
-                                      </p:cBhvr>
-                                      <p:tavLst>
-                                        <p:tav tm="0">
-                                          <p:val>
-                                            <p:strVal val="0-#ppt_w/2"/>
-                                          </p:val>
-                                        </p:tav>
-                                        <p:tav tm="100000">
-                                          <p:val>
-                                            <p:strVal val="#ppt_x"/>
-                                          </p:val>
-                                        </p:tav>
-                                      </p:tavLst>
-                                    </p:anim>
-                                    <p:anim calcmode="lin" valueType="num">
-                                      <p:cBhvr additive="base">
-                                        <p:cTn id="26" dur="1000" fill="hold"/>
-                                        <p:tgtEl>
-                                          <p:spTgt spid="2">
-                                            <p:txEl>
-                                              <p:pRg st="6" end="6"/>
-                                            </p:txEl>
-                                          </p:spTgt>
-                                        </p:tgtEl>
-                                        <p:attrNameLst>
-                                          <p:attrName>ppt_y</p:attrName>
-                                        </p:attrNameLst>
-                                      </p:cBhvr>
-                                      <p:tavLst>
-                                        <p:tav tm="0">
-                                          <p:val>
-                                            <p:strVal val="#ppt_y"/>
-                                          </p:val>
-                                        </p:tav>
-                                        <p:tav tm="100000">
-                                          <p:val>
-                                            <p:strVal val="#ppt_y"/>
-                                          </p:val>
-                                        </p:tav>
-                                      </p:tavLst>
-                                    </p:anim>
-                                  </p:childTnLst>
-                                </p:cTn>
-                              </p:par>
-                            </p:childTnLst>
-                          </p:cTn>
-                        </p:par>
-                      </p:childTnLst>
-                    </p:cTn>
-                  </p:par>
-                  <p:par>
-                    <p:cTn id="27" fill="hold">
-                      <p:stCondLst>
-                        <p:cond delay="indefinite"/>
-                      </p:stCondLst>
-                      <p:childTnLst>
-                        <p:par>
-                          <p:cTn id="28" fill="hold">
-                            <p:stCondLst>
-                              <p:cond delay="0"/>
-                            </p:stCondLst>
-                            <p:childTnLst>
-                              <p:par>
-                                <p:cTn id="29" presetID="2" presetClass="entr" presetSubtype="8" fill="hold" nodeType="clickEffect">
-                                  <p:stCondLst>
-                                    <p:cond delay="0"/>
-                                  </p:stCondLst>
-                                  <p:childTnLst>
-                                    <p:set>
-                                      <p:cBhvr>
-                                        <p:cTn id="30" dur="1" fill="hold">
-                                          <p:stCondLst>
-                                            <p:cond delay="0"/>
-                                          </p:stCondLst>
-                                        </p:cTn>
-                                        <p:tgtEl>
-                                          <p:spTgt spid="2">
-                                            <p:txEl>
-                                              <p:pRg st="8" end="8"/>
-                                            </p:txEl>
-                                          </p:spTgt>
-                                        </p:tgtEl>
-                                        <p:attrNameLst>
-                                          <p:attrName>style.visibility</p:attrName>
-                                        </p:attrNameLst>
-                                      </p:cBhvr>
-                                      <p:to>
-                                        <p:strVal val="visible"/>
-                                      </p:to>
-                                    </p:set>
-                                    <p:anim calcmode="lin" valueType="num">
-                                      <p:cBhvr additive="base">
-                                        <p:cTn id="31" dur="750" fill="hold"/>
-                                        <p:tgtEl>
-                                          <p:spTgt spid="2">
-                                            <p:txEl>
-                                              <p:pRg st="8" end="8"/>
-                                            </p:txEl>
-                                          </p:spTgt>
-                                        </p:tgtEl>
-                                        <p:attrNameLst>
-                                          <p:attrName>ppt_x</p:attrName>
-                                        </p:attrNameLst>
-                                      </p:cBhvr>
-                                      <p:tavLst>
-                                        <p:tav tm="0">
-                                          <p:val>
-                                            <p:strVal val="0-#ppt_w/2"/>
-                                          </p:val>
-                                        </p:tav>
-                                        <p:tav tm="100000">
-                                          <p:val>
-                                            <p:strVal val="#ppt_x"/>
-                                          </p:val>
-                                        </p:tav>
-                                      </p:tavLst>
-                                    </p:anim>
-                                    <p:anim calcmode="lin" valueType="num">
-                                      <p:cBhvr additive="base">
-                                        <p:cTn id="32" dur="750" fill="hold"/>
-                                        <p:tgtEl>
-                                          <p:spTgt spid="2">
-                                            <p:txEl>
-                                              <p:pRg st="8" end="8"/>
-                                            </p:txEl>
-                                          </p:spTgt>
-                                        </p:tgtEl>
-                                        <p:attrNameLst>
-                                          <p:attrName>ppt_y</p:attrName>
-                                        </p:attrNameLst>
-                                      </p:cBhvr>
-                                      <p:tavLst>
-                                        <p:tav tm="0">
-                                          <p:val>
-                                            <p:strVal val="#ppt_y"/>
-                                          </p:val>
-                                        </p:tav>
-                                        <p:tav tm="100000">
-                                          <p:val>
-                                            <p:strVal val="#ppt_y"/>
-                                          </p:val>
-                                        </p:tav>
-                                      </p:tavLst>
-                                    </p:anim>
-                                  </p:childTnLst>
-                                </p:cTn>
-                              </p:par>
-                            </p:childTnLst>
-                          </p:cTn>
-                        </p:par>
-                      </p:childTnLst>
-                    </p:cTn>
-                  </p:par>
-                  <p:par>
-                    <p:cTn id="33" fill="hold">
-                      <p:stCondLst>
-                        <p:cond delay="indefinite"/>
-                      </p:stCondLst>
-                      <p:childTnLst>
-                        <p:par>
-                          <p:cTn id="34" fill="hold">
-                            <p:stCondLst>
-                              <p:cond delay="0"/>
-                            </p:stCondLst>
-                            <p:childTnLst>
-                              <p:par>
-                                <p:cTn id="35" presetID="2" presetClass="entr" presetSubtype="8" fill="hold" nodeType="clickEffect">
-                                  <p:stCondLst>
-                                    <p:cond delay="0"/>
-                                  </p:stCondLst>
-                                  <p:childTnLst>
-                                    <p:set>
-                                      <p:cBhvr>
-                                        <p:cTn id="36" dur="1" fill="hold">
-                                          <p:stCondLst>
-                                            <p:cond delay="0"/>
-                                          </p:stCondLst>
-                                        </p:cTn>
-                                        <p:tgtEl>
-                                          <p:spTgt spid="2">
-                                            <p:txEl>
-                                              <p:pRg st="11" end="11"/>
-                                            </p:txEl>
-                                          </p:spTgt>
-                                        </p:tgtEl>
-                                        <p:attrNameLst>
-                                          <p:attrName>style.visibility</p:attrName>
-                                        </p:attrNameLst>
-                                      </p:cBhvr>
-                                      <p:to>
-                                        <p:strVal val="visible"/>
-                                      </p:to>
-                                    </p:set>
-                                    <p:anim calcmode="lin" valueType="num">
-                                      <p:cBhvr additive="base">
-                                        <p:cTn id="37" dur="750" fill="hold"/>
-                                        <p:tgtEl>
-                                          <p:spTgt spid="2">
-                                            <p:txEl>
-                                              <p:pRg st="11" end="11"/>
-                                            </p:txEl>
-                                          </p:spTgt>
-                                        </p:tgtEl>
-                                        <p:attrNameLst>
-                                          <p:attrName>ppt_x</p:attrName>
-                                        </p:attrNameLst>
-                                      </p:cBhvr>
-                                      <p:tavLst>
-                                        <p:tav tm="0">
-                                          <p:val>
-                                            <p:strVal val="0-#ppt_w/2"/>
-                                          </p:val>
-                                        </p:tav>
-                                        <p:tav tm="100000">
-                                          <p:val>
-                                            <p:strVal val="#ppt_x"/>
-                                          </p:val>
-                                        </p:tav>
-                                      </p:tavLst>
-                                    </p:anim>
-                                    <p:anim calcmode="lin" valueType="num">
-                                      <p:cBhvr additive="base">
-                                        <p:cTn id="38" dur="750" fill="hold"/>
-                                        <p:tgtEl>
-                                          <p:spTgt spid="2">
-                                            <p:txEl>
-                                              <p:pRg st="11" end="11"/>
-                                            </p:txEl>
-                                          </p:spTgt>
-                                        </p:tgtEl>
-                                        <p:attrNameLst>
-                                          <p:attrName>ppt_y</p:attrName>
-                                        </p:attrNameLst>
-                                      </p:cBhvr>
-                                      <p:tavLst>
-                                        <p:tav tm="0">
-                                          <p:val>
-                                            <p:strVal val="#ppt_y"/>
-                                          </p:val>
-                                        </p:tav>
-                                        <p:tav tm="100000">
-                                          <p:val>
-                                            <p:strVal val="#ppt_y"/>
-                                          </p:val>
-                                        </p:tav>
-                                      </p:tavLst>
-                                    </p:anim>
-                                  </p:childTnLst>
-                                </p:cTn>
-                              </p:par>
-                            </p:childTnLst>
-                          </p:cTn>
-                        </p:par>
-                        <p:par>
-                          <p:cTn id="39" fill="hold">
-                            <p:stCondLst>
-                              <p:cond delay="750"/>
-                            </p:stCondLst>
-                            <p:childTnLst>
-                              <p:par>
-                                <p:cTn id="40" presetID="26" presetClass="emph" presetSubtype="0" fill="hold" nodeType="afterEffect">
-                                  <p:stCondLst>
-                                    <p:cond delay="250"/>
-                                  </p:stCondLst>
-                                  <p:childTnLst>
-                                    <p:animEffect transition="out" filter="fade">
-                                      <p:cBhvr>
-                                        <p:cTn id="41" dur="1500" tmFilter="0, 0; .2, .5; .8, .5; 1, 0"/>
-                                        <p:tgtEl>
-                                          <p:spTgt spid="2">
-                                            <p:txEl>
-                                              <p:pRg st="11" end="11"/>
-                                            </p:txEl>
-                                          </p:spTgt>
-                                        </p:tgtEl>
-                                      </p:cBhvr>
-                                    </p:animEffect>
-                                    <p:animScale>
-                                      <p:cBhvr>
-                                        <p:cTn id="42" dur="750" autoRev="1" fill="hold"/>
-                                        <p:tgtEl>
-                                          <p:spTgt spid="2">
-                                            <p:txEl>
-                                              <p:pRg st="11" end="11"/>
-                                            </p:txEl>
-                                          </p:spTgt>
-                                        </p:tgtEl>
-                                      </p:cBhvr>
-                                      <p:by x="105000" y="105000"/>
-                                    </p:animScale>
-                                  </p:childTnLst>
-                                </p:cTn>
-                              </p:par>
-                            </p:childTnLst>
-                          </p:cTn>
-                        </p:par>
-                      </p:childTnLst>
-                    </p:cTn>
-                  </p:par>
-                </p:childTnLst>
-              </p:cTn>
-              <p:prevCondLst>
-                <p:cond evt="onPrev" delay="0">
-                  <p:tgtEl>
-                    <p:sldTgt/>
-                  </p:tgtEl>
-                </p:cond>
-              </p:prevCondLst>
-              <p:nextCondLst>
-                <p:cond evt="onNext" delay="0">
-                  <p:tgtEl>
-                    <p:sldTgt/>
-                  </p:tgtEl>
-                </p:cond>
-              </p:nextCondLst>
-            </p:seq>
-          </p:childTnLst>
-        </p:cTn>
-      </p:par>
-    </p:tnLst>
-  </p:timing>
-</p:sld>
-</file>
-
-<file path=ppt/slides/slide5.xml><?xml version="1.0" encoding="utf-8"?>
-<p:sld xmlns:a="http://schemas.openxmlformats.org/drawingml/2006/main" xmlns:r="http://schemas.openxmlformats.org/officeDocument/2006/relationships" xmlns:p="http://schemas.openxmlformats.org/presentationml/2006/main">
-  <p:cSld>
-    <p:spTree>
-      <p:nvGrpSpPr>
-        <p:cNvPr id="1" name=""/>
-        <p:cNvGrpSpPr/>
-        <p:nvPr/>
-      </p:nvGrpSpPr>
-      <p:grpSpPr>
-        <a:xfrm>
-          <a:off x="0" y="0"/>
-          <a:ext cx="0" cy="0"/>
-          <a:chOff x="0" y="0"/>
-          <a:chExt cx="0" cy="0"/>
-        </a:xfrm>
-      </p:grpSpPr>
-      <p:sp>
-        <p:nvSpPr>
-          <p:cNvPr id="2" name="Content"/>
-          <p:cNvSpPr/>
-          <p:nvPr>
-            <p:custDataLst>
-              <p:custData r:id="rId1"/>
-            </p:custDataLst>
-          </p:nvPr>
-        </p:nvSpPr>
-        <p:spPr>
-          <a:xfrm>
-            <a:off x="0" y="2188723"/>
-            <a:ext cx="8929991" cy="1994170"/>
-          </a:xfrm>
-          <a:prstGeom prst="rect">
-            <a:avLst/>
-          </a:prstGeom>
-          <a:solidFill>
-            <a:srgbClr val="000000">
-              <a:alpha val="75000"/>
-            </a:srgbClr>
-          </a:solidFill>
-          <a:ln w="12700" cap="flat" cmpd="sng" algn="ctr">
-            <a:solidFill>
-              <a:sysClr val="windowText" lastClr="000000">
-                <a:lumMod val="75000"/>
-                <a:lumOff val="25000"/>
-              </a:sysClr>
-            </a:solidFill>
-            <a:prstDash val="solid"/>
-          </a:ln>
-          <a:effectLst/>
-        </p:spPr>
-        <p:txBody>
-          <a:bodyPr rot="0" spcFirstLastPara="0" vertOverflow="overflow" horzOverflow="overflow" vert="horz" wrap="square" lIns="45720" tIns="45720" rIns="91440" bIns="45720" numCol="1" spcCol="0" rtlCol="0" fromWordArt="0" anchor="ctr" anchorCtr="0" forceAA="0" compatLnSpc="1">
-            <a:prstTxWarp prst="textNoShape">
-              <a:avLst/>
-            </a:prstTxWarp>
-            <a:noAutofit/>
-          </a:bodyPr>
-          <a:lstStyle/>
-          <a:p>
-            <a:pPr marL="0" marR="0" indent="0" algn="ctr" defTabSz="914400" eaLnBrk="1" fontAlgn="auto" latinLnBrk="0" hangingPunct="1">
-              <a:lnSpc>
-                <a:spcPct val="100000"/>
-              </a:lnSpc>
-              <a:spcBef>
-                <a:spcPts val="0"/>
-              </a:spcBef>
-              <a:spcAft>
-                <a:spcPts val="0"/>
-              </a:spcAft>
-              <a:buClrTx/>
-              <a:buSzTx/>
-              <a:buFontTx/>
-              <a:buNone/>
-              <a:tabLst/>
-            </a:pPr>
-            <a:r>
               <a:rPr kumimoji="0" lang="en-US" sz="6600" b="0" i="0" u="none" strike="noStrike" kern="0" cap="none" spc="0" normalizeH="0" baseline="0" noProof="0" dirty="0" smtClean="0">
                 <a:ln>
                   <a:noFill/>
@@ -8481,7 +4664,7 @@
 </p:sld>
 </file>
 
-<file path=ppt/slides/slide6.xml><?xml version="1.0" encoding="utf-8"?>
+<file path=ppt/slides/slide13.xml><?xml version="1.0" encoding="utf-8"?>
 <p:sld xmlns:a="http://schemas.openxmlformats.org/drawingml/2006/main" xmlns:r="http://schemas.openxmlformats.org/officeDocument/2006/relationships" xmlns:p="http://schemas.openxmlformats.org/presentationml/2006/main">
   <p:cSld>
     <p:spTree>
@@ -8915,7 +5098,7 @@
 </p:sld>
 </file>
 
-<file path=ppt/slides/slide7.xml><?xml version="1.0" encoding="utf-8"?>
+<file path=ppt/slides/slide14.xml><?xml version="1.0" encoding="utf-8"?>
 <p:sld xmlns:a="http://schemas.openxmlformats.org/drawingml/2006/main" xmlns:r="http://schemas.openxmlformats.org/officeDocument/2006/relationships" xmlns:p="http://schemas.openxmlformats.org/presentationml/2006/main">
   <p:cSld>
     <p:spTree>
@@ -11161,7 +7344,7 @@
 </p:sld>
 </file>
 
-<file path=ppt/slides/slide8.xml><?xml version="1.0" encoding="utf-8"?>
+<file path=ppt/slides/slide15.xml><?xml version="1.0" encoding="utf-8"?>
 <p:sld xmlns:a="http://schemas.openxmlformats.org/drawingml/2006/main" xmlns:r="http://schemas.openxmlformats.org/officeDocument/2006/relationships" xmlns:p="http://schemas.openxmlformats.org/presentationml/2006/main">
   <p:cSld>
     <p:spTree>
@@ -13467,7 +9650,7 @@
 </p:sld>
 </file>
 
-<file path=ppt/slides/slide9.xml><?xml version="1.0" encoding="utf-8"?>
+<file path=ppt/slides/slide16.xml><?xml version="1.0" encoding="utf-8"?>
 <p:sld xmlns:a="http://schemas.openxmlformats.org/drawingml/2006/main" xmlns:r="http://schemas.openxmlformats.org/officeDocument/2006/relationships" xmlns:p="http://schemas.openxmlformats.org/presentationml/2006/main">
   <p:cSld>
     <p:spTree>
@@ -13544,6 +9727,3177 @@
               <a:tabLst/>
             </a:pPr>
             <a:r>
+              <a:rPr lang="en-US" sz="6600" kern="0" noProof="0" dirty="0" err="1" smtClean="0">
+                <a:solidFill>
+                  <a:srgbClr val="FFFFFF"/>
+                </a:solidFill>
+                <a:latin typeface="Segoe UI"/>
+              </a:rPr>
+              <a:t>Mobiele</a:t>
+            </a:r>
+            <a:r>
+              <a:rPr lang="en-US" sz="6600" kern="0" noProof="0" dirty="0" smtClean="0">
+                <a:solidFill>
+                  <a:srgbClr val="FFFFFF"/>
+                </a:solidFill>
+                <a:latin typeface="Segoe UI"/>
+              </a:rPr>
+              <a:t> App</a:t>
+            </a:r>
+            <a:endParaRPr kumimoji="0" lang="en-US" sz="6600" b="0" i="0" u="none" strike="noStrike" kern="0" cap="none" spc="0" normalizeH="0" baseline="0" noProof="0" dirty="0" smtClean="0">
+              <a:ln>
+                <a:noFill/>
+              </a:ln>
+              <a:solidFill>
+                <a:srgbClr val="FFFFFF"/>
+              </a:solidFill>
+              <a:effectLst/>
+              <a:uLnTx/>
+              <a:uFillTx/>
+              <a:latin typeface="Segoe UI"/>
+              <a:ea typeface="+mn-ea"/>
+              <a:cs typeface="+mn-cs"/>
+            </a:endParaRPr>
+          </a:p>
+        </p:txBody>
+      </p:sp>
+    </p:spTree>
+    <p:extLst>
+      <p:ext uri="{BB962C8B-B14F-4D97-AF65-F5344CB8AC3E}">
+        <p14:creationId xmlns:p14="http://schemas.microsoft.com/office/powerpoint/2010/main" val="2039195390"/>
+      </p:ext>
+    </p:extLst>
+  </p:cSld>
+  <p:clrMapOvr>
+    <a:masterClrMapping/>
+  </p:clrMapOvr>
+  <p:timing>
+    <p:tnLst>
+      <p:par>
+        <p:cTn id="1" dur="indefinite" restart="never" nodeType="tmRoot">
+          <p:childTnLst>
+            <p:seq concurrent="1" nextAc="seek">
+              <p:cTn id="2" dur="indefinite" nodeType="mainSeq">
+                <p:childTnLst>
+                  <p:par>
+                    <p:cTn id="3" fill="hold">
+                      <p:stCondLst>
+                        <p:cond delay="indefinite"/>
+                        <p:cond evt="onBegin" delay="0">
+                          <p:tn val="2"/>
+                        </p:cond>
+                      </p:stCondLst>
+                      <p:childTnLst>
+                        <p:par>
+                          <p:cTn id="4" fill="hold">
+                            <p:stCondLst>
+                              <p:cond delay="0"/>
+                            </p:stCondLst>
+                            <p:childTnLst>
+                              <p:par>
+                                <p:cTn id="5" presetID="10" presetClass="entr" presetSubtype="0" fill="hold" grpId="0" nodeType="afterEffect">
+                                  <p:stCondLst>
+                                    <p:cond delay="0"/>
+                                  </p:stCondLst>
+                                  <p:childTnLst>
+                                    <p:set>
+                                      <p:cBhvr>
+                                        <p:cTn id="6" dur="1" fill="hold">
+                                          <p:stCondLst>
+                                            <p:cond delay="0"/>
+                                          </p:stCondLst>
+                                        </p:cTn>
+                                        <p:tgtEl>
+                                          <p:spTgt spid="2"/>
+                                        </p:tgtEl>
+                                        <p:attrNameLst>
+                                          <p:attrName>style.visibility</p:attrName>
+                                        </p:attrNameLst>
+                                      </p:cBhvr>
+                                      <p:to>
+                                        <p:strVal val="visible"/>
+                                      </p:to>
+                                    </p:set>
+                                    <p:animEffect transition="in" filter="fade">
+                                      <p:cBhvr>
+                                        <p:cTn id="7" dur="500"/>
+                                        <p:tgtEl>
+                                          <p:spTgt spid="2"/>
+                                        </p:tgtEl>
+                                      </p:cBhvr>
+                                    </p:animEffect>
+                                  </p:childTnLst>
+                                </p:cTn>
+                              </p:par>
+                            </p:childTnLst>
+                          </p:cTn>
+                        </p:par>
+                      </p:childTnLst>
+                    </p:cTn>
+                  </p:par>
+                </p:childTnLst>
+              </p:cTn>
+              <p:prevCondLst>
+                <p:cond evt="onPrev" delay="0">
+                  <p:tgtEl>
+                    <p:sldTgt/>
+                  </p:tgtEl>
+                </p:cond>
+              </p:prevCondLst>
+              <p:nextCondLst>
+                <p:cond evt="onNext" delay="0">
+                  <p:tgtEl>
+                    <p:sldTgt/>
+                  </p:tgtEl>
+                </p:cond>
+              </p:nextCondLst>
+            </p:seq>
+          </p:childTnLst>
+        </p:cTn>
+      </p:par>
+    </p:tnLst>
+    <p:bldLst>
+      <p:bldP spid="2" grpId="0" animBg="1"/>
+    </p:bldLst>
+  </p:timing>
+</p:sld>
+</file>
+
+<file path=ppt/slides/slide17.xml><?xml version="1.0" encoding="utf-8"?>
+<p:sld xmlns:a="http://schemas.openxmlformats.org/drawingml/2006/main" xmlns:r="http://schemas.openxmlformats.org/officeDocument/2006/relationships" xmlns:p="http://schemas.openxmlformats.org/presentationml/2006/main">
+  <p:cSld>
+    <p:spTree>
+      <p:nvGrpSpPr>
+        <p:cNvPr id="1" name=""/>
+        <p:cNvGrpSpPr/>
+        <p:nvPr/>
+      </p:nvGrpSpPr>
+      <p:grpSpPr>
+        <a:xfrm>
+          <a:off x="0" y="0"/>
+          <a:ext cx="0" cy="0"/>
+          <a:chOff x="0" y="0"/>
+          <a:chExt cx="0" cy="0"/>
+        </a:xfrm>
+      </p:grpSpPr>
+      <p:sp>
+        <p:nvSpPr>
+          <p:cNvPr id="2" name="Titel 1"/>
+          <p:cNvSpPr>
+            <a:spLocks noGrp="1"/>
+          </p:cNvSpPr>
+          <p:nvPr>
+            <p:ph type="title"/>
+          </p:nvPr>
+        </p:nvSpPr>
+        <p:spPr/>
+        <p:txBody>
+          <a:bodyPr/>
+          <a:lstStyle/>
+          <a:p>
+            <a:r>
+              <a:rPr lang="nl-BE" dirty="0" err="1" smtClean="0"/>
+              <a:t>Responsive</a:t>
+            </a:r>
+            <a:r>
+              <a:rPr lang="nl-BE" dirty="0" smtClean="0"/>
+              <a:t> design</a:t>
+            </a:r>
+            <a:endParaRPr lang="nl-BE" dirty="0"/>
+          </a:p>
+        </p:txBody>
+      </p:sp>
+      <p:pic>
+        <p:nvPicPr>
+          <p:cNvPr id="3" name="Afbeelding 2"/>
+          <p:cNvPicPr>
+            <a:picLocks noChangeAspect="1"/>
+          </p:cNvPicPr>
+          <p:nvPr/>
+        </p:nvPicPr>
+        <p:blipFill>
+          <a:blip r:embed="rId2"/>
+          <a:stretch>
+            <a:fillRect/>
+          </a:stretch>
+        </p:blipFill>
+        <p:spPr>
+          <a:xfrm>
+            <a:off x="1580549" y="1816349"/>
+            <a:ext cx="2319097" cy="4432051"/>
+          </a:xfrm>
+          <a:prstGeom prst="rect">
+            <a:avLst/>
+          </a:prstGeom>
+        </p:spPr>
+      </p:pic>
+    </p:spTree>
+    <p:extLst>
+      <p:ext uri="{BB962C8B-B14F-4D97-AF65-F5344CB8AC3E}">
+        <p14:creationId xmlns:p14="http://schemas.microsoft.com/office/powerpoint/2010/main" val="4218054392"/>
+      </p:ext>
+    </p:extLst>
+  </p:cSld>
+  <p:clrMapOvr>
+    <a:masterClrMapping/>
+  </p:clrMapOvr>
+  <p:timing>
+    <p:tnLst>
+      <p:par>
+        <p:cTn id="1" dur="indefinite" restart="never" nodeType="tmRoot">
+          <p:childTnLst>
+            <p:seq concurrent="1" nextAc="seek">
+              <p:cTn id="2" dur="indefinite" nodeType="mainSeq">
+                <p:childTnLst>
+                  <p:par>
+                    <p:cTn id="3" fill="hold">
+                      <p:stCondLst>
+                        <p:cond delay="indefinite"/>
+                        <p:cond evt="onBegin" delay="0">
+                          <p:tn val="2"/>
+                        </p:cond>
+                      </p:stCondLst>
+                      <p:childTnLst>
+                        <p:par>
+                          <p:cTn id="4" fill="hold">
+                            <p:stCondLst>
+                              <p:cond delay="0"/>
+                            </p:stCondLst>
+                            <p:childTnLst>
+                              <p:par>
+                                <p:cTn id="5" presetID="10" presetClass="entr" presetSubtype="0" fill="hold" nodeType="afterEffect">
+                                  <p:stCondLst>
+                                    <p:cond delay="0"/>
+                                  </p:stCondLst>
+                                  <p:childTnLst>
+                                    <p:set>
+                                      <p:cBhvr>
+                                        <p:cTn id="6" dur="1" fill="hold">
+                                          <p:stCondLst>
+                                            <p:cond delay="0"/>
+                                          </p:stCondLst>
+                                        </p:cTn>
+                                        <p:tgtEl>
+                                          <p:spTgt spid="3"/>
+                                        </p:tgtEl>
+                                        <p:attrNameLst>
+                                          <p:attrName>style.visibility</p:attrName>
+                                        </p:attrNameLst>
+                                      </p:cBhvr>
+                                      <p:to>
+                                        <p:strVal val="visible"/>
+                                      </p:to>
+                                    </p:set>
+                                    <p:animEffect transition="in" filter="fade">
+                                      <p:cBhvr>
+                                        <p:cTn id="7" dur="750"/>
+                                        <p:tgtEl>
+                                          <p:spTgt spid="3"/>
+                                        </p:tgtEl>
+                                      </p:cBhvr>
+                                    </p:animEffect>
+                                  </p:childTnLst>
+                                </p:cTn>
+                              </p:par>
+                            </p:childTnLst>
+                          </p:cTn>
+                        </p:par>
+                      </p:childTnLst>
+                    </p:cTn>
+                  </p:par>
+                </p:childTnLst>
+              </p:cTn>
+              <p:prevCondLst>
+                <p:cond evt="onPrev" delay="0">
+                  <p:tgtEl>
+                    <p:sldTgt/>
+                  </p:tgtEl>
+                </p:cond>
+              </p:prevCondLst>
+              <p:nextCondLst>
+                <p:cond evt="onNext" delay="0">
+                  <p:tgtEl>
+                    <p:sldTgt/>
+                  </p:tgtEl>
+                </p:cond>
+              </p:nextCondLst>
+            </p:seq>
+          </p:childTnLst>
+        </p:cTn>
+      </p:par>
+    </p:tnLst>
+  </p:timing>
+</p:sld>
+</file>
+
+<file path=ppt/slides/slide18.xml><?xml version="1.0" encoding="utf-8"?>
+<p:sld xmlns:a="http://schemas.openxmlformats.org/drawingml/2006/main" xmlns:r="http://schemas.openxmlformats.org/officeDocument/2006/relationships" xmlns:p="http://schemas.openxmlformats.org/presentationml/2006/main">
+  <p:cSld>
+    <p:spTree>
+      <p:nvGrpSpPr>
+        <p:cNvPr id="1" name=""/>
+        <p:cNvGrpSpPr/>
+        <p:nvPr/>
+      </p:nvGrpSpPr>
+      <p:grpSpPr>
+        <a:xfrm>
+          <a:off x="0" y="0"/>
+          <a:ext cx="0" cy="0"/>
+          <a:chOff x="0" y="0"/>
+          <a:chExt cx="0" cy="0"/>
+        </a:xfrm>
+      </p:grpSpPr>
+      <p:sp>
+        <p:nvSpPr>
+          <p:cNvPr id="2" name="Content"/>
+          <p:cNvSpPr/>
+          <p:nvPr>
+            <p:custDataLst>
+              <p:custData r:id="rId1"/>
+            </p:custDataLst>
+          </p:nvPr>
+        </p:nvSpPr>
+        <p:spPr>
+          <a:xfrm>
+            <a:off x="0" y="2188723"/>
+            <a:ext cx="8929991" cy="1994170"/>
+          </a:xfrm>
+          <a:prstGeom prst="rect">
+            <a:avLst/>
+          </a:prstGeom>
+          <a:solidFill>
+            <a:srgbClr val="000000">
+              <a:alpha val="75000"/>
+            </a:srgbClr>
+          </a:solidFill>
+          <a:ln w="12700" cap="flat" cmpd="sng" algn="ctr">
+            <a:solidFill>
+              <a:sysClr val="windowText" lastClr="000000">
+                <a:lumMod val="75000"/>
+                <a:lumOff val="25000"/>
+              </a:sysClr>
+            </a:solidFill>
+            <a:prstDash val="solid"/>
+          </a:ln>
+          <a:effectLst/>
+        </p:spPr>
+        <p:txBody>
+          <a:bodyPr rot="0" spcFirstLastPara="0" vertOverflow="overflow" horzOverflow="overflow" vert="horz" wrap="square" lIns="45720" tIns="45720" rIns="91440" bIns="45720" numCol="1" spcCol="0" rtlCol="0" fromWordArt="0" anchor="ctr" anchorCtr="0" forceAA="0" compatLnSpc="1">
+            <a:prstTxWarp prst="textNoShape">
+              <a:avLst/>
+            </a:prstTxWarp>
+            <a:noAutofit/>
+          </a:bodyPr>
+          <a:lstStyle/>
+          <a:p>
+            <a:pPr marL="0" marR="0" indent="0" algn="ctr" defTabSz="914400" eaLnBrk="1" fontAlgn="auto" latinLnBrk="0" hangingPunct="1">
+              <a:lnSpc>
+                <a:spcPct val="100000"/>
+              </a:lnSpc>
+              <a:spcBef>
+                <a:spcPts val="0"/>
+              </a:spcBef>
+              <a:spcAft>
+                <a:spcPts val="0"/>
+              </a:spcAft>
+              <a:buClrTx/>
+              <a:buSzTx/>
+              <a:buFontTx/>
+              <a:buNone/>
+              <a:tabLst/>
+            </a:pPr>
+            <a:r>
+              <a:rPr lang="en-US" sz="6600" kern="0" dirty="0" smtClean="0">
+                <a:solidFill>
+                  <a:srgbClr val="FFFFFF"/>
+                </a:solidFill>
+                <a:latin typeface="Segoe UI"/>
+              </a:rPr>
+              <a:t>Deployment Schema</a:t>
+            </a:r>
+            <a:endParaRPr kumimoji="0" lang="en-US" sz="6600" b="0" i="0" u="none" strike="noStrike" kern="0" cap="none" spc="0" normalizeH="0" baseline="0" noProof="0" dirty="0" smtClean="0">
+              <a:ln>
+                <a:noFill/>
+              </a:ln>
+              <a:solidFill>
+                <a:srgbClr val="FFFFFF"/>
+              </a:solidFill>
+              <a:effectLst/>
+              <a:uLnTx/>
+              <a:uFillTx/>
+              <a:latin typeface="Segoe UI"/>
+              <a:ea typeface="+mn-ea"/>
+              <a:cs typeface="+mn-cs"/>
+            </a:endParaRPr>
+          </a:p>
+        </p:txBody>
+      </p:sp>
+    </p:spTree>
+    <p:extLst>
+      <p:ext uri="{BB962C8B-B14F-4D97-AF65-F5344CB8AC3E}">
+        <p14:creationId xmlns:p14="http://schemas.microsoft.com/office/powerpoint/2010/main" val="1508924646"/>
+      </p:ext>
+    </p:extLst>
+  </p:cSld>
+  <p:clrMapOvr>
+    <a:masterClrMapping/>
+  </p:clrMapOvr>
+  <p:timing>
+    <p:tnLst>
+      <p:par>
+        <p:cTn id="1" dur="indefinite" restart="never" nodeType="tmRoot">
+          <p:childTnLst>
+            <p:seq concurrent="1" nextAc="seek">
+              <p:cTn id="2" dur="indefinite" nodeType="mainSeq">
+                <p:childTnLst>
+                  <p:par>
+                    <p:cTn id="3" fill="hold">
+                      <p:stCondLst>
+                        <p:cond delay="indefinite"/>
+                        <p:cond evt="onBegin" delay="0">
+                          <p:tn val="2"/>
+                        </p:cond>
+                      </p:stCondLst>
+                      <p:childTnLst>
+                        <p:par>
+                          <p:cTn id="4" fill="hold">
+                            <p:stCondLst>
+                              <p:cond delay="0"/>
+                            </p:stCondLst>
+                            <p:childTnLst>
+                              <p:par>
+                                <p:cTn id="5" presetID="10" presetClass="entr" presetSubtype="0" fill="hold" grpId="0" nodeType="afterEffect">
+                                  <p:stCondLst>
+                                    <p:cond delay="0"/>
+                                  </p:stCondLst>
+                                  <p:childTnLst>
+                                    <p:set>
+                                      <p:cBhvr>
+                                        <p:cTn id="6" dur="1" fill="hold">
+                                          <p:stCondLst>
+                                            <p:cond delay="0"/>
+                                          </p:stCondLst>
+                                        </p:cTn>
+                                        <p:tgtEl>
+                                          <p:spTgt spid="2"/>
+                                        </p:tgtEl>
+                                        <p:attrNameLst>
+                                          <p:attrName>style.visibility</p:attrName>
+                                        </p:attrNameLst>
+                                      </p:cBhvr>
+                                      <p:to>
+                                        <p:strVal val="visible"/>
+                                      </p:to>
+                                    </p:set>
+                                    <p:animEffect transition="in" filter="fade">
+                                      <p:cBhvr>
+                                        <p:cTn id="7" dur="500"/>
+                                        <p:tgtEl>
+                                          <p:spTgt spid="2"/>
+                                        </p:tgtEl>
+                                      </p:cBhvr>
+                                    </p:animEffect>
+                                  </p:childTnLst>
+                                </p:cTn>
+                              </p:par>
+                            </p:childTnLst>
+                          </p:cTn>
+                        </p:par>
+                      </p:childTnLst>
+                    </p:cTn>
+                  </p:par>
+                </p:childTnLst>
+              </p:cTn>
+              <p:prevCondLst>
+                <p:cond evt="onPrev" delay="0">
+                  <p:tgtEl>
+                    <p:sldTgt/>
+                  </p:tgtEl>
+                </p:cond>
+              </p:prevCondLst>
+              <p:nextCondLst>
+                <p:cond evt="onNext" delay="0">
+                  <p:tgtEl>
+                    <p:sldTgt/>
+                  </p:tgtEl>
+                </p:cond>
+              </p:nextCondLst>
+            </p:seq>
+          </p:childTnLst>
+        </p:cTn>
+      </p:par>
+    </p:tnLst>
+    <p:bldLst>
+      <p:bldP spid="2" grpId="0" animBg="1"/>
+    </p:bldLst>
+  </p:timing>
+</p:sld>
+</file>
+
+<file path=ppt/slides/slide19.xml><?xml version="1.0" encoding="utf-8"?>
+<p:sld xmlns:a="http://schemas.openxmlformats.org/drawingml/2006/main" xmlns:r="http://schemas.openxmlformats.org/officeDocument/2006/relationships" xmlns:p="http://schemas.openxmlformats.org/presentationml/2006/main">
+  <p:cSld>
+    <p:spTree>
+      <p:nvGrpSpPr>
+        <p:cNvPr id="1" name=""/>
+        <p:cNvGrpSpPr/>
+        <p:nvPr/>
+      </p:nvGrpSpPr>
+      <p:grpSpPr>
+        <a:xfrm>
+          <a:off x="0" y="0"/>
+          <a:ext cx="0" cy="0"/>
+          <a:chOff x="0" y="0"/>
+          <a:chExt cx="0" cy="0"/>
+        </a:xfrm>
+      </p:grpSpPr>
+      <p:pic>
+        <p:nvPicPr>
+          <p:cNvPr id="3" name="Afbeelding 2"/>
+          <p:cNvPicPr>
+            <a:picLocks noChangeAspect="1"/>
+          </p:cNvPicPr>
+          <p:nvPr/>
+        </p:nvPicPr>
+        <p:blipFill>
+          <a:blip r:embed="rId2"/>
+          <a:stretch>
+            <a:fillRect/>
+          </a:stretch>
+        </p:blipFill>
+        <p:spPr>
+          <a:xfrm>
+            <a:off x="771396" y="653492"/>
+            <a:ext cx="10352688" cy="5096519"/>
+          </a:xfrm>
+          <a:prstGeom prst="snip2DiagRect">
+            <a:avLst/>
+          </a:prstGeom>
+          <a:solidFill>
+            <a:srgbClr val="FFFFFF">
+              <a:shade val="85000"/>
+            </a:srgbClr>
+          </a:solidFill>
+          <a:ln w="88900" cap="sq">
+            <a:solidFill>
+              <a:srgbClr val="FFFFFF"/>
+            </a:solidFill>
+            <a:miter lim="800000"/>
+          </a:ln>
+          <a:effectLst>
+            <a:outerShdw blurRad="88900" algn="tl" rotWithShape="0">
+              <a:srgbClr val="000000">
+                <a:alpha val="45000"/>
+              </a:srgbClr>
+            </a:outerShdw>
+          </a:effectLst>
+          <a:scene3d>
+            <a:camera prst="orthographicFront"/>
+            <a:lightRig rig="twoPt" dir="t">
+              <a:rot lat="0" lon="0" rev="7200000"/>
+            </a:lightRig>
+          </a:scene3d>
+          <a:sp3d>
+            <a:bevelT w="25400" h="19050"/>
+            <a:contourClr>
+              <a:srgbClr val="FFFFFF"/>
+            </a:contourClr>
+          </a:sp3d>
+        </p:spPr>
+      </p:pic>
+    </p:spTree>
+    <p:extLst>
+      <p:ext uri="{BB962C8B-B14F-4D97-AF65-F5344CB8AC3E}">
+        <p14:creationId xmlns:p14="http://schemas.microsoft.com/office/powerpoint/2010/main" val="1218779182"/>
+      </p:ext>
+    </p:extLst>
+  </p:cSld>
+  <p:clrMapOvr>
+    <a:masterClrMapping/>
+  </p:clrMapOvr>
+  <p:timing>
+    <p:tnLst>
+      <p:par>
+        <p:cTn id="1" dur="indefinite" restart="never" nodeType="tmRoot">
+          <p:childTnLst>
+            <p:seq concurrent="1" nextAc="seek">
+              <p:cTn id="2" dur="indefinite" nodeType="mainSeq">
+                <p:childTnLst>
+                  <p:par>
+                    <p:cTn id="3" fill="hold">
+                      <p:stCondLst>
+                        <p:cond delay="indefinite"/>
+                        <p:cond evt="onBegin" delay="0">
+                          <p:tn val="2"/>
+                        </p:cond>
+                      </p:stCondLst>
+                      <p:childTnLst>
+                        <p:par>
+                          <p:cTn id="4" fill="hold">
+                            <p:stCondLst>
+                              <p:cond delay="0"/>
+                            </p:stCondLst>
+                            <p:childTnLst>
+                              <p:par>
+                                <p:cTn id="5" presetID="10" presetClass="entr" presetSubtype="0" fill="hold" nodeType="afterEffect">
+                                  <p:stCondLst>
+                                    <p:cond delay="0"/>
+                                  </p:stCondLst>
+                                  <p:childTnLst>
+                                    <p:set>
+                                      <p:cBhvr>
+                                        <p:cTn id="6" dur="1" fill="hold">
+                                          <p:stCondLst>
+                                            <p:cond delay="0"/>
+                                          </p:stCondLst>
+                                        </p:cTn>
+                                        <p:tgtEl>
+                                          <p:spTgt spid="3"/>
+                                        </p:tgtEl>
+                                        <p:attrNameLst>
+                                          <p:attrName>style.visibility</p:attrName>
+                                        </p:attrNameLst>
+                                      </p:cBhvr>
+                                      <p:to>
+                                        <p:strVal val="visible"/>
+                                      </p:to>
+                                    </p:set>
+                                    <p:animEffect transition="in" filter="fade">
+                                      <p:cBhvr>
+                                        <p:cTn id="7" dur="1000"/>
+                                        <p:tgtEl>
+                                          <p:spTgt spid="3"/>
+                                        </p:tgtEl>
+                                      </p:cBhvr>
+                                    </p:animEffect>
+                                  </p:childTnLst>
+                                </p:cTn>
+                              </p:par>
+                            </p:childTnLst>
+                          </p:cTn>
+                        </p:par>
+                      </p:childTnLst>
+                    </p:cTn>
+                  </p:par>
+                </p:childTnLst>
+              </p:cTn>
+              <p:prevCondLst>
+                <p:cond evt="onPrev" delay="0">
+                  <p:tgtEl>
+                    <p:sldTgt/>
+                  </p:tgtEl>
+                </p:cond>
+              </p:prevCondLst>
+              <p:nextCondLst>
+                <p:cond evt="onNext" delay="0">
+                  <p:tgtEl>
+                    <p:sldTgt/>
+                  </p:tgtEl>
+                </p:cond>
+              </p:nextCondLst>
+            </p:seq>
+          </p:childTnLst>
+        </p:cTn>
+      </p:par>
+    </p:tnLst>
+  </p:timing>
+</p:sld>
+</file>
+
+<file path=ppt/slides/slide2.xml><?xml version="1.0" encoding="utf-8"?>
+<p:sld xmlns:a="http://schemas.openxmlformats.org/drawingml/2006/main" xmlns:r="http://schemas.openxmlformats.org/officeDocument/2006/relationships" xmlns:p="http://schemas.openxmlformats.org/presentationml/2006/main">
+  <p:cSld>
+    <p:spTree>
+      <p:nvGrpSpPr>
+        <p:cNvPr id="1" name=""/>
+        <p:cNvGrpSpPr/>
+        <p:nvPr/>
+      </p:nvGrpSpPr>
+      <p:grpSpPr>
+        <a:xfrm>
+          <a:off x="0" y="0"/>
+          <a:ext cx="0" cy="0"/>
+          <a:chOff x="0" y="0"/>
+          <a:chExt cx="0" cy="0"/>
+        </a:xfrm>
+      </p:grpSpPr>
+      <p:sp>
+        <p:nvSpPr>
+          <p:cNvPr id="2" name="Titel 1"/>
+          <p:cNvSpPr>
+            <a:spLocks noGrp="1"/>
+          </p:cNvSpPr>
+          <p:nvPr>
+            <p:ph type="title"/>
+          </p:nvPr>
+        </p:nvSpPr>
+        <p:spPr/>
+        <p:txBody>
+          <a:bodyPr/>
+          <a:lstStyle/>
+          <a:p>
+            <a:r>
+              <a:rPr lang="nl-BE" dirty="0" smtClean="0"/>
+              <a:t>Inhoud</a:t>
+            </a:r>
+            <a:endParaRPr lang="nl-BE" dirty="0"/>
+          </a:p>
+        </p:txBody>
+      </p:sp>
+      <p:sp>
+        <p:nvSpPr>
+          <p:cNvPr id="3" name="Tijdelijke aanduiding voor inhoud 2"/>
+          <p:cNvSpPr>
+            <a:spLocks noGrp="1"/>
+          </p:cNvSpPr>
+          <p:nvPr>
+            <p:ph idx="1"/>
+          </p:nvPr>
+        </p:nvSpPr>
+        <p:spPr/>
+        <p:txBody>
+          <a:bodyPr/>
+          <a:lstStyle/>
+          <a:p>
+            <a:r>
+              <a:rPr lang="nl-BE" dirty="0" smtClean="0"/>
+              <a:t>Wat is het project?</a:t>
+            </a:r>
+          </a:p>
+          <a:p>
+            <a:r>
+              <a:rPr lang="nl-BE" dirty="0" err="1" smtClean="0"/>
+              <a:t>Mockups</a:t>
+            </a:r>
+            <a:endParaRPr lang="nl-BE" dirty="0" smtClean="0"/>
+          </a:p>
+          <a:p>
+            <a:r>
+              <a:rPr lang="nl-BE" dirty="0" smtClean="0"/>
+              <a:t>User </a:t>
+            </a:r>
+            <a:r>
+              <a:rPr lang="nl-BE" dirty="0" err="1" smtClean="0"/>
+              <a:t>stories</a:t>
+            </a:r>
+            <a:endParaRPr lang="nl-BE" dirty="0" smtClean="0"/>
+          </a:p>
+          <a:p>
+            <a:r>
+              <a:rPr lang="nl-BE" dirty="0" smtClean="0"/>
+              <a:t>Mobiele App</a:t>
+            </a:r>
+            <a:endParaRPr lang="nl-BE" dirty="0" smtClean="0"/>
+          </a:p>
+          <a:p>
+            <a:r>
+              <a:rPr lang="nl-BE" dirty="0" smtClean="0"/>
+              <a:t>Deployment schema</a:t>
+            </a:r>
+          </a:p>
+          <a:p>
+            <a:r>
+              <a:rPr lang="nl-BE" dirty="0" smtClean="0"/>
+              <a:t>Demo</a:t>
+            </a:r>
+          </a:p>
+          <a:p>
+            <a:r>
+              <a:rPr lang="nl-BE" dirty="0" smtClean="0"/>
+              <a:t>Toelichten code</a:t>
+            </a:r>
+          </a:p>
+          <a:p>
+            <a:endParaRPr lang="nl-BE" dirty="0"/>
+          </a:p>
+        </p:txBody>
+      </p:sp>
+    </p:spTree>
+    <p:extLst>
+      <p:ext uri="{BB962C8B-B14F-4D97-AF65-F5344CB8AC3E}">
+        <p14:creationId xmlns:p14="http://schemas.microsoft.com/office/powerpoint/2010/main" val="2654965838"/>
+      </p:ext>
+    </p:extLst>
+  </p:cSld>
+  <p:clrMapOvr>
+    <a:masterClrMapping/>
+  </p:clrMapOvr>
+  <p:timing>
+    <p:tnLst>
+      <p:par>
+        <p:cTn id="1" dur="indefinite" restart="never" nodeType="tmRoot">
+          <p:childTnLst>
+            <p:seq concurrent="1" nextAc="seek">
+              <p:cTn id="2" dur="indefinite" nodeType="mainSeq">
+                <p:childTnLst>
+                  <p:par>
+                    <p:cTn id="3" fill="hold">
+                      <p:stCondLst>
+                        <p:cond delay="indefinite"/>
+                      </p:stCondLst>
+                      <p:childTnLst>
+                        <p:par>
+                          <p:cTn id="4" fill="hold">
+                            <p:stCondLst>
+                              <p:cond delay="0"/>
+                            </p:stCondLst>
+                            <p:childTnLst>
+                              <p:par>
+                                <p:cTn id="5" presetID="2" presetClass="entr" presetSubtype="8" fill="hold" nodeType="clickEffect">
+                                  <p:stCondLst>
+                                    <p:cond delay="0"/>
+                                  </p:stCondLst>
+                                  <p:childTnLst>
+                                    <p:set>
+                                      <p:cBhvr>
+                                        <p:cTn id="6" dur="1" fill="hold">
+                                          <p:stCondLst>
+                                            <p:cond delay="0"/>
+                                          </p:stCondLst>
+                                        </p:cTn>
+                                        <p:tgtEl>
+                                          <p:spTgt spid="3">
+                                            <p:txEl>
+                                              <p:pRg st="0" end="0"/>
+                                            </p:txEl>
+                                          </p:spTgt>
+                                        </p:tgtEl>
+                                        <p:attrNameLst>
+                                          <p:attrName>style.visibility</p:attrName>
+                                        </p:attrNameLst>
+                                      </p:cBhvr>
+                                      <p:to>
+                                        <p:strVal val="visible"/>
+                                      </p:to>
+                                    </p:set>
+                                    <p:anim calcmode="lin" valueType="num">
+                                      <p:cBhvr additive="base">
+                                        <p:cTn id="7" dur="750" fill="hold"/>
+                                        <p:tgtEl>
+                                          <p:spTgt spid="3">
+                                            <p:txEl>
+                                              <p:pRg st="0" end="0"/>
+                                            </p:txEl>
+                                          </p:spTgt>
+                                        </p:tgtEl>
+                                        <p:attrNameLst>
+                                          <p:attrName>ppt_x</p:attrName>
+                                        </p:attrNameLst>
+                                      </p:cBhvr>
+                                      <p:tavLst>
+                                        <p:tav tm="0">
+                                          <p:val>
+                                            <p:strVal val="0-#ppt_w/2"/>
+                                          </p:val>
+                                        </p:tav>
+                                        <p:tav tm="100000">
+                                          <p:val>
+                                            <p:strVal val="#ppt_x"/>
+                                          </p:val>
+                                        </p:tav>
+                                      </p:tavLst>
+                                    </p:anim>
+                                    <p:anim calcmode="lin" valueType="num">
+                                      <p:cBhvr additive="base">
+                                        <p:cTn id="8" dur="750" fill="hold"/>
+                                        <p:tgtEl>
+                                          <p:spTgt spid="3">
+                                            <p:txEl>
+                                              <p:pRg st="0" end="0"/>
+                                            </p:txEl>
+                                          </p:spTgt>
+                                        </p:tgtEl>
+                                        <p:attrNameLst>
+                                          <p:attrName>ppt_y</p:attrName>
+                                        </p:attrNameLst>
+                                      </p:cBhvr>
+                                      <p:tavLst>
+                                        <p:tav tm="0">
+                                          <p:val>
+                                            <p:strVal val="#ppt_y"/>
+                                          </p:val>
+                                        </p:tav>
+                                        <p:tav tm="100000">
+                                          <p:val>
+                                            <p:strVal val="#ppt_y"/>
+                                          </p:val>
+                                        </p:tav>
+                                      </p:tavLst>
+                                    </p:anim>
+                                  </p:childTnLst>
+                                </p:cTn>
+                              </p:par>
+                            </p:childTnLst>
+                          </p:cTn>
+                        </p:par>
+                      </p:childTnLst>
+                    </p:cTn>
+                  </p:par>
+                  <p:par>
+                    <p:cTn id="9" fill="hold">
+                      <p:stCondLst>
+                        <p:cond delay="indefinite"/>
+                      </p:stCondLst>
+                      <p:childTnLst>
+                        <p:par>
+                          <p:cTn id="10" fill="hold">
+                            <p:stCondLst>
+                              <p:cond delay="0"/>
+                            </p:stCondLst>
+                            <p:childTnLst>
+                              <p:par>
+                                <p:cTn id="11" presetID="2" presetClass="entr" presetSubtype="8" fill="hold" nodeType="clickEffect">
+                                  <p:stCondLst>
+                                    <p:cond delay="0"/>
+                                  </p:stCondLst>
+                                  <p:childTnLst>
+                                    <p:set>
+                                      <p:cBhvr>
+                                        <p:cTn id="12" dur="1" fill="hold">
+                                          <p:stCondLst>
+                                            <p:cond delay="0"/>
+                                          </p:stCondLst>
+                                        </p:cTn>
+                                        <p:tgtEl>
+                                          <p:spTgt spid="3">
+                                            <p:txEl>
+                                              <p:pRg st="1" end="1"/>
+                                            </p:txEl>
+                                          </p:spTgt>
+                                        </p:tgtEl>
+                                        <p:attrNameLst>
+                                          <p:attrName>style.visibility</p:attrName>
+                                        </p:attrNameLst>
+                                      </p:cBhvr>
+                                      <p:to>
+                                        <p:strVal val="visible"/>
+                                      </p:to>
+                                    </p:set>
+                                    <p:anim calcmode="lin" valueType="num">
+                                      <p:cBhvr additive="base">
+                                        <p:cTn id="13" dur="750" fill="hold"/>
+                                        <p:tgtEl>
+                                          <p:spTgt spid="3">
+                                            <p:txEl>
+                                              <p:pRg st="1" end="1"/>
+                                            </p:txEl>
+                                          </p:spTgt>
+                                        </p:tgtEl>
+                                        <p:attrNameLst>
+                                          <p:attrName>ppt_x</p:attrName>
+                                        </p:attrNameLst>
+                                      </p:cBhvr>
+                                      <p:tavLst>
+                                        <p:tav tm="0">
+                                          <p:val>
+                                            <p:strVal val="0-#ppt_w/2"/>
+                                          </p:val>
+                                        </p:tav>
+                                        <p:tav tm="100000">
+                                          <p:val>
+                                            <p:strVal val="#ppt_x"/>
+                                          </p:val>
+                                        </p:tav>
+                                      </p:tavLst>
+                                    </p:anim>
+                                    <p:anim calcmode="lin" valueType="num">
+                                      <p:cBhvr additive="base">
+                                        <p:cTn id="14" dur="750" fill="hold"/>
+                                        <p:tgtEl>
+                                          <p:spTgt spid="3">
+                                            <p:txEl>
+                                              <p:pRg st="1" end="1"/>
+                                            </p:txEl>
+                                          </p:spTgt>
+                                        </p:tgtEl>
+                                        <p:attrNameLst>
+                                          <p:attrName>ppt_y</p:attrName>
+                                        </p:attrNameLst>
+                                      </p:cBhvr>
+                                      <p:tavLst>
+                                        <p:tav tm="0">
+                                          <p:val>
+                                            <p:strVal val="#ppt_y"/>
+                                          </p:val>
+                                        </p:tav>
+                                        <p:tav tm="100000">
+                                          <p:val>
+                                            <p:strVal val="#ppt_y"/>
+                                          </p:val>
+                                        </p:tav>
+                                      </p:tavLst>
+                                    </p:anim>
+                                  </p:childTnLst>
+                                </p:cTn>
+                              </p:par>
+                            </p:childTnLst>
+                          </p:cTn>
+                        </p:par>
+                      </p:childTnLst>
+                    </p:cTn>
+                  </p:par>
+                  <p:par>
+                    <p:cTn id="15" fill="hold">
+                      <p:stCondLst>
+                        <p:cond delay="indefinite"/>
+                      </p:stCondLst>
+                      <p:childTnLst>
+                        <p:par>
+                          <p:cTn id="16" fill="hold">
+                            <p:stCondLst>
+                              <p:cond delay="0"/>
+                            </p:stCondLst>
+                            <p:childTnLst>
+                              <p:par>
+                                <p:cTn id="17" presetID="2" presetClass="entr" presetSubtype="8" fill="hold" nodeType="clickEffect">
+                                  <p:stCondLst>
+                                    <p:cond delay="0"/>
+                                  </p:stCondLst>
+                                  <p:childTnLst>
+                                    <p:set>
+                                      <p:cBhvr>
+                                        <p:cTn id="18" dur="1" fill="hold">
+                                          <p:stCondLst>
+                                            <p:cond delay="0"/>
+                                          </p:stCondLst>
+                                        </p:cTn>
+                                        <p:tgtEl>
+                                          <p:spTgt spid="3">
+                                            <p:txEl>
+                                              <p:pRg st="2" end="2"/>
+                                            </p:txEl>
+                                          </p:spTgt>
+                                        </p:tgtEl>
+                                        <p:attrNameLst>
+                                          <p:attrName>style.visibility</p:attrName>
+                                        </p:attrNameLst>
+                                      </p:cBhvr>
+                                      <p:to>
+                                        <p:strVal val="visible"/>
+                                      </p:to>
+                                    </p:set>
+                                    <p:anim calcmode="lin" valueType="num">
+                                      <p:cBhvr additive="base">
+                                        <p:cTn id="19" dur="750" fill="hold"/>
+                                        <p:tgtEl>
+                                          <p:spTgt spid="3">
+                                            <p:txEl>
+                                              <p:pRg st="2" end="2"/>
+                                            </p:txEl>
+                                          </p:spTgt>
+                                        </p:tgtEl>
+                                        <p:attrNameLst>
+                                          <p:attrName>ppt_x</p:attrName>
+                                        </p:attrNameLst>
+                                      </p:cBhvr>
+                                      <p:tavLst>
+                                        <p:tav tm="0">
+                                          <p:val>
+                                            <p:strVal val="0-#ppt_w/2"/>
+                                          </p:val>
+                                        </p:tav>
+                                        <p:tav tm="100000">
+                                          <p:val>
+                                            <p:strVal val="#ppt_x"/>
+                                          </p:val>
+                                        </p:tav>
+                                      </p:tavLst>
+                                    </p:anim>
+                                    <p:anim calcmode="lin" valueType="num">
+                                      <p:cBhvr additive="base">
+                                        <p:cTn id="20" dur="750" fill="hold"/>
+                                        <p:tgtEl>
+                                          <p:spTgt spid="3">
+                                            <p:txEl>
+                                              <p:pRg st="2" end="2"/>
+                                            </p:txEl>
+                                          </p:spTgt>
+                                        </p:tgtEl>
+                                        <p:attrNameLst>
+                                          <p:attrName>ppt_y</p:attrName>
+                                        </p:attrNameLst>
+                                      </p:cBhvr>
+                                      <p:tavLst>
+                                        <p:tav tm="0">
+                                          <p:val>
+                                            <p:strVal val="#ppt_y"/>
+                                          </p:val>
+                                        </p:tav>
+                                        <p:tav tm="100000">
+                                          <p:val>
+                                            <p:strVal val="#ppt_y"/>
+                                          </p:val>
+                                        </p:tav>
+                                      </p:tavLst>
+                                    </p:anim>
+                                  </p:childTnLst>
+                                </p:cTn>
+                              </p:par>
+                            </p:childTnLst>
+                          </p:cTn>
+                        </p:par>
+                      </p:childTnLst>
+                    </p:cTn>
+                  </p:par>
+                  <p:par>
+                    <p:cTn id="21" fill="hold">
+                      <p:stCondLst>
+                        <p:cond delay="indefinite"/>
+                      </p:stCondLst>
+                      <p:childTnLst>
+                        <p:par>
+                          <p:cTn id="22" fill="hold">
+                            <p:stCondLst>
+                              <p:cond delay="0"/>
+                            </p:stCondLst>
+                            <p:childTnLst>
+                              <p:par>
+                                <p:cTn id="23" presetID="2" presetClass="entr" presetSubtype="8" fill="hold" nodeType="clickEffect">
+                                  <p:stCondLst>
+                                    <p:cond delay="0"/>
+                                  </p:stCondLst>
+                                  <p:childTnLst>
+                                    <p:set>
+                                      <p:cBhvr>
+                                        <p:cTn id="24" dur="1" fill="hold">
+                                          <p:stCondLst>
+                                            <p:cond delay="0"/>
+                                          </p:stCondLst>
+                                        </p:cTn>
+                                        <p:tgtEl>
+                                          <p:spTgt spid="3">
+                                            <p:txEl>
+                                              <p:pRg st="3" end="3"/>
+                                            </p:txEl>
+                                          </p:spTgt>
+                                        </p:tgtEl>
+                                        <p:attrNameLst>
+                                          <p:attrName>style.visibility</p:attrName>
+                                        </p:attrNameLst>
+                                      </p:cBhvr>
+                                      <p:to>
+                                        <p:strVal val="visible"/>
+                                      </p:to>
+                                    </p:set>
+                                    <p:anim calcmode="lin" valueType="num">
+                                      <p:cBhvr additive="base">
+                                        <p:cTn id="25" dur="750" fill="hold"/>
+                                        <p:tgtEl>
+                                          <p:spTgt spid="3">
+                                            <p:txEl>
+                                              <p:pRg st="3" end="3"/>
+                                            </p:txEl>
+                                          </p:spTgt>
+                                        </p:tgtEl>
+                                        <p:attrNameLst>
+                                          <p:attrName>ppt_x</p:attrName>
+                                        </p:attrNameLst>
+                                      </p:cBhvr>
+                                      <p:tavLst>
+                                        <p:tav tm="0">
+                                          <p:val>
+                                            <p:strVal val="0-#ppt_w/2"/>
+                                          </p:val>
+                                        </p:tav>
+                                        <p:tav tm="100000">
+                                          <p:val>
+                                            <p:strVal val="#ppt_x"/>
+                                          </p:val>
+                                        </p:tav>
+                                      </p:tavLst>
+                                    </p:anim>
+                                    <p:anim calcmode="lin" valueType="num">
+                                      <p:cBhvr additive="base">
+                                        <p:cTn id="26" dur="750" fill="hold"/>
+                                        <p:tgtEl>
+                                          <p:spTgt spid="3">
+                                            <p:txEl>
+                                              <p:pRg st="3" end="3"/>
+                                            </p:txEl>
+                                          </p:spTgt>
+                                        </p:tgtEl>
+                                        <p:attrNameLst>
+                                          <p:attrName>ppt_y</p:attrName>
+                                        </p:attrNameLst>
+                                      </p:cBhvr>
+                                      <p:tavLst>
+                                        <p:tav tm="0">
+                                          <p:val>
+                                            <p:strVal val="#ppt_y"/>
+                                          </p:val>
+                                        </p:tav>
+                                        <p:tav tm="100000">
+                                          <p:val>
+                                            <p:strVal val="#ppt_y"/>
+                                          </p:val>
+                                        </p:tav>
+                                      </p:tavLst>
+                                    </p:anim>
+                                  </p:childTnLst>
+                                </p:cTn>
+                              </p:par>
+                            </p:childTnLst>
+                          </p:cTn>
+                        </p:par>
+                      </p:childTnLst>
+                    </p:cTn>
+                  </p:par>
+                  <p:par>
+                    <p:cTn id="27" fill="hold">
+                      <p:stCondLst>
+                        <p:cond delay="indefinite"/>
+                      </p:stCondLst>
+                      <p:childTnLst>
+                        <p:par>
+                          <p:cTn id="28" fill="hold">
+                            <p:stCondLst>
+                              <p:cond delay="0"/>
+                            </p:stCondLst>
+                            <p:childTnLst>
+                              <p:par>
+                                <p:cTn id="29" presetID="2" presetClass="entr" presetSubtype="8" fill="hold" nodeType="clickEffect">
+                                  <p:stCondLst>
+                                    <p:cond delay="0"/>
+                                  </p:stCondLst>
+                                  <p:childTnLst>
+                                    <p:set>
+                                      <p:cBhvr>
+                                        <p:cTn id="30" dur="1" fill="hold">
+                                          <p:stCondLst>
+                                            <p:cond delay="0"/>
+                                          </p:stCondLst>
+                                        </p:cTn>
+                                        <p:tgtEl>
+                                          <p:spTgt spid="3">
+                                            <p:txEl>
+                                              <p:pRg st="4" end="4"/>
+                                            </p:txEl>
+                                          </p:spTgt>
+                                        </p:tgtEl>
+                                        <p:attrNameLst>
+                                          <p:attrName>style.visibility</p:attrName>
+                                        </p:attrNameLst>
+                                      </p:cBhvr>
+                                      <p:to>
+                                        <p:strVal val="visible"/>
+                                      </p:to>
+                                    </p:set>
+                                    <p:anim calcmode="lin" valueType="num">
+                                      <p:cBhvr additive="base">
+                                        <p:cTn id="31" dur="750" fill="hold"/>
+                                        <p:tgtEl>
+                                          <p:spTgt spid="3">
+                                            <p:txEl>
+                                              <p:pRg st="4" end="4"/>
+                                            </p:txEl>
+                                          </p:spTgt>
+                                        </p:tgtEl>
+                                        <p:attrNameLst>
+                                          <p:attrName>ppt_x</p:attrName>
+                                        </p:attrNameLst>
+                                      </p:cBhvr>
+                                      <p:tavLst>
+                                        <p:tav tm="0">
+                                          <p:val>
+                                            <p:strVal val="0-#ppt_w/2"/>
+                                          </p:val>
+                                        </p:tav>
+                                        <p:tav tm="100000">
+                                          <p:val>
+                                            <p:strVal val="#ppt_x"/>
+                                          </p:val>
+                                        </p:tav>
+                                      </p:tavLst>
+                                    </p:anim>
+                                    <p:anim calcmode="lin" valueType="num">
+                                      <p:cBhvr additive="base">
+                                        <p:cTn id="32" dur="750" fill="hold"/>
+                                        <p:tgtEl>
+                                          <p:spTgt spid="3">
+                                            <p:txEl>
+                                              <p:pRg st="4" end="4"/>
+                                            </p:txEl>
+                                          </p:spTgt>
+                                        </p:tgtEl>
+                                        <p:attrNameLst>
+                                          <p:attrName>ppt_y</p:attrName>
+                                        </p:attrNameLst>
+                                      </p:cBhvr>
+                                      <p:tavLst>
+                                        <p:tav tm="0">
+                                          <p:val>
+                                            <p:strVal val="#ppt_y"/>
+                                          </p:val>
+                                        </p:tav>
+                                        <p:tav tm="100000">
+                                          <p:val>
+                                            <p:strVal val="#ppt_y"/>
+                                          </p:val>
+                                        </p:tav>
+                                      </p:tavLst>
+                                    </p:anim>
+                                  </p:childTnLst>
+                                </p:cTn>
+                              </p:par>
+                            </p:childTnLst>
+                          </p:cTn>
+                        </p:par>
+                      </p:childTnLst>
+                    </p:cTn>
+                  </p:par>
+                  <p:par>
+                    <p:cTn id="33" fill="hold">
+                      <p:stCondLst>
+                        <p:cond delay="indefinite"/>
+                      </p:stCondLst>
+                      <p:childTnLst>
+                        <p:par>
+                          <p:cTn id="34" fill="hold">
+                            <p:stCondLst>
+                              <p:cond delay="0"/>
+                            </p:stCondLst>
+                            <p:childTnLst>
+                              <p:par>
+                                <p:cTn id="35" presetID="2" presetClass="entr" presetSubtype="8" fill="hold" nodeType="clickEffect">
+                                  <p:stCondLst>
+                                    <p:cond delay="0"/>
+                                  </p:stCondLst>
+                                  <p:childTnLst>
+                                    <p:set>
+                                      <p:cBhvr>
+                                        <p:cTn id="36" dur="1" fill="hold">
+                                          <p:stCondLst>
+                                            <p:cond delay="0"/>
+                                          </p:stCondLst>
+                                        </p:cTn>
+                                        <p:tgtEl>
+                                          <p:spTgt spid="3">
+                                            <p:txEl>
+                                              <p:pRg st="5" end="5"/>
+                                            </p:txEl>
+                                          </p:spTgt>
+                                        </p:tgtEl>
+                                        <p:attrNameLst>
+                                          <p:attrName>style.visibility</p:attrName>
+                                        </p:attrNameLst>
+                                      </p:cBhvr>
+                                      <p:to>
+                                        <p:strVal val="visible"/>
+                                      </p:to>
+                                    </p:set>
+                                    <p:anim calcmode="lin" valueType="num">
+                                      <p:cBhvr additive="base">
+                                        <p:cTn id="37" dur="750" fill="hold"/>
+                                        <p:tgtEl>
+                                          <p:spTgt spid="3">
+                                            <p:txEl>
+                                              <p:pRg st="5" end="5"/>
+                                            </p:txEl>
+                                          </p:spTgt>
+                                        </p:tgtEl>
+                                        <p:attrNameLst>
+                                          <p:attrName>ppt_x</p:attrName>
+                                        </p:attrNameLst>
+                                      </p:cBhvr>
+                                      <p:tavLst>
+                                        <p:tav tm="0">
+                                          <p:val>
+                                            <p:strVal val="0-#ppt_w/2"/>
+                                          </p:val>
+                                        </p:tav>
+                                        <p:tav tm="100000">
+                                          <p:val>
+                                            <p:strVal val="#ppt_x"/>
+                                          </p:val>
+                                        </p:tav>
+                                      </p:tavLst>
+                                    </p:anim>
+                                    <p:anim calcmode="lin" valueType="num">
+                                      <p:cBhvr additive="base">
+                                        <p:cTn id="38" dur="750" fill="hold"/>
+                                        <p:tgtEl>
+                                          <p:spTgt spid="3">
+                                            <p:txEl>
+                                              <p:pRg st="5" end="5"/>
+                                            </p:txEl>
+                                          </p:spTgt>
+                                        </p:tgtEl>
+                                        <p:attrNameLst>
+                                          <p:attrName>ppt_y</p:attrName>
+                                        </p:attrNameLst>
+                                      </p:cBhvr>
+                                      <p:tavLst>
+                                        <p:tav tm="0">
+                                          <p:val>
+                                            <p:strVal val="#ppt_y"/>
+                                          </p:val>
+                                        </p:tav>
+                                        <p:tav tm="100000">
+                                          <p:val>
+                                            <p:strVal val="#ppt_y"/>
+                                          </p:val>
+                                        </p:tav>
+                                      </p:tavLst>
+                                    </p:anim>
+                                  </p:childTnLst>
+                                </p:cTn>
+                              </p:par>
+                            </p:childTnLst>
+                          </p:cTn>
+                        </p:par>
+                      </p:childTnLst>
+                    </p:cTn>
+                  </p:par>
+                  <p:par>
+                    <p:cTn id="39" fill="hold">
+                      <p:stCondLst>
+                        <p:cond delay="indefinite"/>
+                      </p:stCondLst>
+                      <p:childTnLst>
+                        <p:par>
+                          <p:cTn id="40" fill="hold">
+                            <p:stCondLst>
+                              <p:cond delay="0"/>
+                            </p:stCondLst>
+                            <p:childTnLst>
+                              <p:par>
+                                <p:cTn id="41" presetID="2" presetClass="entr" presetSubtype="8" fill="hold" nodeType="clickEffect">
+                                  <p:stCondLst>
+                                    <p:cond delay="0"/>
+                                  </p:stCondLst>
+                                  <p:childTnLst>
+                                    <p:set>
+                                      <p:cBhvr>
+                                        <p:cTn id="42" dur="1" fill="hold">
+                                          <p:stCondLst>
+                                            <p:cond delay="0"/>
+                                          </p:stCondLst>
+                                        </p:cTn>
+                                        <p:tgtEl>
+                                          <p:spTgt spid="3">
+                                            <p:txEl>
+                                              <p:pRg st="6" end="6"/>
+                                            </p:txEl>
+                                          </p:spTgt>
+                                        </p:tgtEl>
+                                        <p:attrNameLst>
+                                          <p:attrName>style.visibility</p:attrName>
+                                        </p:attrNameLst>
+                                      </p:cBhvr>
+                                      <p:to>
+                                        <p:strVal val="visible"/>
+                                      </p:to>
+                                    </p:set>
+                                    <p:anim calcmode="lin" valueType="num">
+                                      <p:cBhvr additive="base">
+                                        <p:cTn id="43" dur="750" fill="hold"/>
+                                        <p:tgtEl>
+                                          <p:spTgt spid="3">
+                                            <p:txEl>
+                                              <p:pRg st="6" end="6"/>
+                                            </p:txEl>
+                                          </p:spTgt>
+                                        </p:tgtEl>
+                                        <p:attrNameLst>
+                                          <p:attrName>ppt_x</p:attrName>
+                                        </p:attrNameLst>
+                                      </p:cBhvr>
+                                      <p:tavLst>
+                                        <p:tav tm="0">
+                                          <p:val>
+                                            <p:strVal val="0-#ppt_w/2"/>
+                                          </p:val>
+                                        </p:tav>
+                                        <p:tav tm="100000">
+                                          <p:val>
+                                            <p:strVal val="#ppt_x"/>
+                                          </p:val>
+                                        </p:tav>
+                                      </p:tavLst>
+                                    </p:anim>
+                                    <p:anim calcmode="lin" valueType="num">
+                                      <p:cBhvr additive="base">
+                                        <p:cTn id="44" dur="750" fill="hold"/>
+                                        <p:tgtEl>
+                                          <p:spTgt spid="3">
+                                            <p:txEl>
+                                              <p:pRg st="6" end="6"/>
+                                            </p:txEl>
+                                          </p:spTgt>
+                                        </p:tgtEl>
+                                        <p:attrNameLst>
+                                          <p:attrName>ppt_y</p:attrName>
+                                        </p:attrNameLst>
+                                      </p:cBhvr>
+                                      <p:tavLst>
+                                        <p:tav tm="0">
+                                          <p:val>
+                                            <p:strVal val="#ppt_y"/>
+                                          </p:val>
+                                        </p:tav>
+                                        <p:tav tm="100000">
+                                          <p:val>
+                                            <p:strVal val="#ppt_y"/>
+                                          </p:val>
+                                        </p:tav>
+                                      </p:tavLst>
+                                    </p:anim>
+                                  </p:childTnLst>
+                                </p:cTn>
+                              </p:par>
+                            </p:childTnLst>
+                          </p:cTn>
+                        </p:par>
+                      </p:childTnLst>
+                    </p:cTn>
+                  </p:par>
+                </p:childTnLst>
+              </p:cTn>
+              <p:prevCondLst>
+                <p:cond evt="onPrev" delay="0">
+                  <p:tgtEl>
+                    <p:sldTgt/>
+                  </p:tgtEl>
+                </p:cond>
+              </p:prevCondLst>
+              <p:nextCondLst>
+                <p:cond evt="onNext" delay="0">
+                  <p:tgtEl>
+                    <p:sldTgt/>
+                  </p:tgtEl>
+                </p:cond>
+              </p:nextCondLst>
+            </p:seq>
+          </p:childTnLst>
+        </p:cTn>
+      </p:par>
+    </p:tnLst>
+  </p:timing>
+</p:sld>
+</file>
+
+<file path=ppt/slides/slide20.xml><?xml version="1.0" encoding="utf-8"?>
+<p:sld xmlns:a="http://schemas.openxmlformats.org/drawingml/2006/main" xmlns:r="http://schemas.openxmlformats.org/officeDocument/2006/relationships" xmlns:p="http://schemas.openxmlformats.org/presentationml/2006/main">
+  <p:cSld>
+    <p:spTree>
+      <p:nvGrpSpPr>
+        <p:cNvPr id="1" name=""/>
+        <p:cNvGrpSpPr/>
+        <p:nvPr/>
+      </p:nvGrpSpPr>
+      <p:grpSpPr>
+        <a:xfrm>
+          <a:off x="0" y="0"/>
+          <a:ext cx="0" cy="0"/>
+          <a:chOff x="0" y="0"/>
+          <a:chExt cx="0" cy="0"/>
+        </a:xfrm>
+      </p:grpSpPr>
+      <p:sp>
+        <p:nvSpPr>
+          <p:cNvPr id="2" name="Content"/>
+          <p:cNvSpPr/>
+          <p:nvPr>
+            <p:custDataLst>
+              <p:custData r:id="rId1"/>
+            </p:custDataLst>
+          </p:nvPr>
+        </p:nvSpPr>
+        <p:spPr>
+          <a:xfrm>
+            <a:off x="0" y="2188723"/>
+            <a:ext cx="8929991" cy="1994170"/>
+          </a:xfrm>
+          <a:prstGeom prst="rect">
+            <a:avLst/>
+          </a:prstGeom>
+          <a:solidFill>
+            <a:srgbClr val="000000">
+              <a:alpha val="75000"/>
+            </a:srgbClr>
+          </a:solidFill>
+          <a:ln w="12700" cap="flat" cmpd="sng" algn="ctr">
+            <a:solidFill>
+              <a:sysClr val="windowText" lastClr="000000">
+                <a:lumMod val="75000"/>
+                <a:lumOff val="25000"/>
+              </a:sysClr>
+            </a:solidFill>
+            <a:prstDash val="solid"/>
+          </a:ln>
+          <a:effectLst/>
+        </p:spPr>
+        <p:txBody>
+          <a:bodyPr rot="0" spcFirstLastPara="0" vertOverflow="overflow" horzOverflow="overflow" vert="horz" wrap="square" lIns="45720" tIns="45720" rIns="91440" bIns="45720" numCol="1" spcCol="0" rtlCol="0" fromWordArt="0" anchor="ctr" anchorCtr="0" forceAA="0" compatLnSpc="1">
+            <a:prstTxWarp prst="textNoShape">
+              <a:avLst/>
+            </a:prstTxWarp>
+            <a:noAutofit/>
+          </a:bodyPr>
+          <a:lstStyle/>
+          <a:p>
+            <a:pPr marL="0" marR="0" indent="0" algn="ctr" defTabSz="914400" eaLnBrk="1" fontAlgn="auto" latinLnBrk="0" hangingPunct="1">
+              <a:lnSpc>
+                <a:spcPct val="100000"/>
+              </a:lnSpc>
+              <a:spcBef>
+                <a:spcPts val="0"/>
+              </a:spcBef>
+              <a:spcAft>
+                <a:spcPts val="0"/>
+              </a:spcAft>
+              <a:buClrTx/>
+              <a:buSzTx/>
+              <a:buFontTx/>
+              <a:buNone/>
+              <a:tabLst/>
+            </a:pPr>
+            <a:r>
+              <a:rPr lang="en-US" sz="6600" kern="0" dirty="0" smtClean="0">
+                <a:solidFill>
+                  <a:srgbClr val="FFFFFF"/>
+                </a:solidFill>
+                <a:latin typeface="Segoe UI"/>
+              </a:rPr>
+              <a:t>Demo</a:t>
+            </a:r>
+            <a:endParaRPr kumimoji="0" lang="en-US" sz="6600" b="0" i="0" u="none" strike="noStrike" kern="0" cap="none" spc="0" normalizeH="0" baseline="0" noProof="0" dirty="0" smtClean="0">
+              <a:ln>
+                <a:noFill/>
+              </a:ln>
+              <a:solidFill>
+                <a:srgbClr val="FFFFFF"/>
+              </a:solidFill>
+              <a:effectLst/>
+              <a:uLnTx/>
+              <a:uFillTx/>
+              <a:latin typeface="Segoe UI"/>
+              <a:ea typeface="+mn-ea"/>
+              <a:cs typeface="+mn-cs"/>
+            </a:endParaRPr>
+          </a:p>
+        </p:txBody>
+      </p:sp>
+    </p:spTree>
+    <p:extLst>
+      <p:ext uri="{BB962C8B-B14F-4D97-AF65-F5344CB8AC3E}">
+        <p14:creationId xmlns:p14="http://schemas.microsoft.com/office/powerpoint/2010/main" val="3925766324"/>
+      </p:ext>
+    </p:extLst>
+  </p:cSld>
+  <p:clrMapOvr>
+    <a:masterClrMapping/>
+  </p:clrMapOvr>
+  <p:timing>
+    <p:tnLst>
+      <p:par>
+        <p:cTn id="1" dur="indefinite" restart="never" nodeType="tmRoot">
+          <p:childTnLst>
+            <p:seq concurrent="1" nextAc="seek">
+              <p:cTn id="2" dur="indefinite" nodeType="mainSeq">
+                <p:childTnLst>
+                  <p:par>
+                    <p:cTn id="3" fill="hold">
+                      <p:stCondLst>
+                        <p:cond delay="indefinite"/>
+                        <p:cond evt="onBegin" delay="0">
+                          <p:tn val="2"/>
+                        </p:cond>
+                      </p:stCondLst>
+                      <p:childTnLst>
+                        <p:par>
+                          <p:cTn id="4" fill="hold">
+                            <p:stCondLst>
+                              <p:cond delay="0"/>
+                            </p:stCondLst>
+                            <p:childTnLst>
+                              <p:par>
+                                <p:cTn id="5" presetID="10" presetClass="entr" presetSubtype="0" fill="hold" grpId="0" nodeType="afterEffect">
+                                  <p:stCondLst>
+                                    <p:cond delay="0"/>
+                                  </p:stCondLst>
+                                  <p:childTnLst>
+                                    <p:set>
+                                      <p:cBhvr>
+                                        <p:cTn id="6" dur="1" fill="hold">
+                                          <p:stCondLst>
+                                            <p:cond delay="0"/>
+                                          </p:stCondLst>
+                                        </p:cTn>
+                                        <p:tgtEl>
+                                          <p:spTgt spid="2"/>
+                                        </p:tgtEl>
+                                        <p:attrNameLst>
+                                          <p:attrName>style.visibility</p:attrName>
+                                        </p:attrNameLst>
+                                      </p:cBhvr>
+                                      <p:to>
+                                        <p:strVal val="visible"/>
+                                      </p:to>
+                                    </p:set>
+                                    <p:animEffect transition="in" filter="fade">
+                                      <p:cBhvr>
+                                        <p:cTn id="7" dur="500"/>
+                                        <p:tgtEl>
+                                          <p:spTgt spid="2"/>
+                                        </p:tgtEl>
+                                      </p:cBhvr>
+                                    </p:animEffect>
+                                  </p:childTnLst>
+                                </p:cTn>
+                              </p:par>
+                            </p:childTnLst>
+                          </p:cTn>
+                        </p:par>
+                      </p:childTnLst>
+                    </p:cTn>
+                  </p:par>
+                </p:childTnLst>
+              </p:cTn>
+              <p:prevCondLst>
+                <p:cond evt="onPrev" delay="0">
+                  <p:tgtEl>
+                    <p:sldTgt/>
+                  </p:tgtEl>
+                </p:cond>
+              </p:prevCondLst>
+              <p:nextCondLst>
+                <p:cond evt="onNext" delay="0">
+                  <p:tgtEl>
+                    <p:sldTgt/>
+                  </p:tgtEl>
+                </p:cond>
+              </p:nextCondLst>
+            </p:seq>
+          </p:childTnLst>
+        </p:cTn>
+      </p:par>
+    </p:tnLst>
+    <p:bldLst>
+      <p:bldP spid="2" grpId="0" animBg="1"/>
+    </p:bldLst>
+  </p:timing>
+</p:sld>
+</file>
+
+<file path=ppt/slides/slide21.xml><?xml version="1.0" encoding="utf-8"?>
+<p:sld xmlns:a="http://schemas.openxmlformats.org/drawingml/2006/main" xmlns:r="http://schemas.openxmlformats.org/officeDocument/2006/relationships" xmlns:p="http://schemas.openxmlformats.org/presentationml/2006/main">
+  <p:cSld>
+    <p:spTree>
+      <p:nvGrpSpPr>
+        <p:cNvPr id="1" name=""/>
+        <p:cNvGrpSpPr/>
+        <p:nvPr/>
+      </p:nvGrpSpPr>
+      <p:grpSpPr>
+        <a:xfrm>
+          <a:off x="0" y="0"/>
+          <a:ext cx="0" cy="0"/>
+          <a:chOff x="0" y="0"/>
+          <a:chExt cx="0" cy="0"/>
+        </a:xfrm>
+      </p:grpSpPr>
+      <p:sp>
+        <p:nvSpPr>
+          <p:cNvPr id="2" name="Tekstvak 1"/>
+          <p:cNvSpPr txBox="1"/>
+          <p:nvPr/>
+        </p:nvSpPr>
+        <p:spPr>
+          <a:xfrm>
+            <a:off x="681318" y="1013012"/>
+            <a:ext cx="10829365" cy="1200329"/>
+          </a:xfrm>
+          <a:prstGeom prst="rect">
+            <a:avLst/>
+          </a:prstGeom>
+          <a:noFill/>
+        </p:spPr>
+        <p:txBody>
+          <a:bodyPr wrap="square" rtlCol="0">
+            <a:spAutoFit/>
+          </a:bodyPr>
+          <a:lstStyle/>
+          <a:p>
+            <a:r>
+              <a:rPr lang="nl-BE" sz="2400" dirty="0" smtClean="0"/>
+              <a:t>GitHub </a:t>
+            </a:r>
+            <a:r>
+              <a:rPr lang="nl-BE" sz="2400" dirty="0" err="1" smtClean="0"/>
+              <a:t>repository</a:t>
+            </a:r>
+            <a:r>
+              <a:rPr lang="nl-BE" sz="2400" dirty="0"/>
+              <a:t>: </a:t>
+            </a:r>
+            <a:r>
+              <a:rPr lang="nl-BE" sz="2400" dirty="0">
+                <a:hlinkClick r:id="rId2"/>
+              </a:rPr>
+              <a:t>https://github.com/Levi--</a:t>
+            </a:r>
+            <a:r>
+              <a:rPr lang="nl-BE" sz="2400" dirty="0" smtClean="0">
+                <a:hlinkClick r:id="rId2"/>
+              </a:rPr>
+              <a:t>G/CA-Paperless-Office-LHS</a:t>
+            </a:r>
+            <a:r>
+              <a:rPr lang="nl-BE" sz="2400" dirty="0" smtClean="0"/>
+              <a:t> </a:t>
+            </a:r>
+          </a:p>
+          <a:p>
+            <a:endParaRPr lang="nl-BE" sz="2400" dirty="0"/>
+          </a:p>
+          <a:p>
+            <a:r>
+              <a:rPr lang="nl-BE" sz="2400" dirty="0" smtClean="0"/>
+              <a:t>Website: </a:t>
+            </a:r>
+            <a:r>
+              <a:rPr lang="nl-BE" sz="2400" dirty="0">
+                <a:hlinkClick r:id="rId3"/>
+              </a:rPr>
+              <a:t>https://</a:t>
+            </a:r>
+            <a:r>
+              <a:rPr lang="nl-BE" sz="2400" dirty="0" smtClean="0">
+                <a:hlinkClick r:id="rId3"/>
+              </a:rPr>
+              <a:t>paperlesslhs.azurewebsites.net</a:t>
+            </a:r>
+            <a:r>
+              <a:rPr lang="nl-BE" sz="2400" dirty="0" smtClean="0"/>
+              <a:t> </a:t>
+            </a:r>
+            <a:endParaRPr lang="nl-BE" sz="2400" dirty="0"/>
+          </a:p>
+        </p:txBody>
+      </p:sp>
+    </p:spTree>
+    <p:extLst>
+      <p:ext uri="{BB962C8B-B14F-4D97-AF65-F5344CB8AC3E}">
+        <p14:creationId xmlns:p14="http://schemas.microsoft.com/office/powerpoint/2010/main" val="1927160566"/>
+      </p:ext>
+    </p:extLst>
+  </p:cSld>
+  <p:clrMapOvr>
+    <a:masterClrMapping/>
+  </p:clrMapOvr>
+  <p:timing>
+    <p:tnLst>
+      <p:par>
+        <p:cTn id="1" dur="indefinite" restart="never" nodeType="tmRoot">
+          <p:childTnLst>
+            <p:seq concurrent="1" nextAc="seek">
+              <p:cTn id="2" dur="indefinite" nodeType="mainSeq">
+                <p:childTnLst>
+                  <p:par>
+                    <p:cTn id="3" fill="hold">
+                      <p:stCondLst>
+                        <p:cond delay="indefinite"/>
+                        <p:cond evt="onBegin" delay="0">
+                          <p:tn val="2"/>
+                        </p:cond>
+                      </p:stCondLst>
+                      <p:childTnLst>
+                        <p:par>
+                          <p:cTn id="4" fill="hold">
+                            <p:stCondLst>
+                              <p:cond delay="0"/>
+                            </p:stCondLst>
+                            <p:childTnLst>
+                              <p:par>
+                                <p:cTn id="5" presetID="2" presetClass="entr" presetSubtype="8" fill="hold" nodeType="afterEffect">
+                                  <p:stCondLst>
+                                    <p:cond delay="0"/>
+                                  </p:stCondLst>
+                                  <p:childTnLst>
+                                    <p:set>
+                                      <p:cBhvr>
+                                        <p:cTn id="6" dur="1" fill="hold">
+                                          <p:stCondLst>
+                                            <p:cond delay="0"/>
+                                          </p:stCondLst>
+                                        </p:cTn>
+                                        <p:tgtEl>
+                                          <p:spTgt spid="2">
+                                            <p:txEl>
+                                              <p:pRg st="0" end="0"/>
+                                            </p:txEl>
+                                          </p:spTgt>
+                                        </p:tgtEl>
+                                        <p:attrNameLst>
+                                          <p:attrName>style.visibility</p:attrName>
+                                        </p:attrNameLst>
+                                      </p:cBhvr>
+                                      <p:to>
+                                        <p:strVal val="visible"/>
+                                      </p:to>
+                                    </p:set>
+                                    <p:anim calcmode="lin" valueType="num">
+                                      <p:cBhvr additive="base">
+                                        <p:cTn id="7" dur="1000" fill="hold"/>
+                                        <p:tgtEl>
+                                          <p:spTgt spid="2">
+                                            <p:txEl>
+                                              <p:pRg st="0" end="0"/>
+                                            </p:txEl>
+                                          </p:spTgt>
+                                        </p:tgtEl>
+                                        <p:attrNameLst>
+                                          <p:attrName>ppt_x</p:attrName>
+                                        </p:attrNameLst>
+                                      </p:cBhvr>
+                                      <p:tavLst>
+                                        <p:tav tm="0">
+                                          <p:val>
+                                            <p:strVal val="0-#ppt_w/2"/>
+                                          </p:val>
+                                        </p:tav>
+                                        <p:tav tm="100000">
+                                          <p:val>
+                                            <p:strVal val="#ppt_x"/>
+                                          </p:val>
+                                        </p:tav>
+                                      </p:tavLst>
+                                    </p:anim>
+                                    <p:anim calcmode="lin" valueType="num">
+                                      <p:cBhvr additive="base">
+                                        <p:cTn id="8" dur="1000" fill="hold"/>
+                                        <p:tgtEl>
+                                          <p:spTgt spid="2">
+                                            <p:txEl>
+                                              <p:pRg st="0" end="0"/>
+                                            </p:txEl>
+                                          </p:spTgt>
+                                        </p:tgtEl>
+                                        <p:attrNameLst>
+                                          <p:attrName>ppt_y</p:attrName>
+                                        </p:attrNameLst>
+                                      </p:cBhvr>
+                                      <p:tavLst>
+                                        <p:tav tm="0">
+                                          <p:val>
+                                            <p:strVal val="#ppt_y"/>
+                                          </p:val>
+                                        </p:tav>
+                                        <p:tav tm="100000">
+                                          <p:val>
+                                            <p:strVal val="#ppt_y"/>
+                                          </p:val>
+                                        </p:tav>
+                                      </p:tavLst>
+                                    </p:anim>
+                                  </p:childTnLst>
+                                </p:cTn>
+                              </p:par>
+                            </p:childTnLst>
+                          </p:cTn>
+                        </p:par>
+                        <p:par>
+                          <p:cTn id="9" fill="hold">
+                            <p:stCondLst>
+                              <p:cond delay="1000"/>
+                            </p:stCondLst>
+                            <p:childTnLst>
+                              <p:par>
+                                <p:cTn id="10" presetID="2" presetClass="entr" presetSubtype="8" fill="hold" nodeType="afterEffect">
+                                  <p:stCondLst>
+                                    <p:cond delay="500"/>
+                                  </p:stCondLst>
+                                  <p:childTnLst>
+                                    <p:set>
+                                      <p:cBhvr>
+                                        <p:cTn id="11" dur="1" fill="hold">
+                                          <p:stCondLst>
+                                            <p:cond delay="0"/>
+                                          </p:stCondLst>
+                                        </p:cTn>
+                                        <p:tgtEl>
+                                          <p:spTgt spid="2">
+                                            <p:txEl>
+                                              <p:pRg st="2" end="2"/>
+                                            </p:txEl>
+                                          </p:spTgt>
+                                        </p:tgtEl>
+                                        <p:attrNameLst>
+                                          <p:attrName>style.visibility</p:attrName>
+                                        </p:attrNameLst>
+                                      </p:cBhvr>
+                                      <p:to>
+                                        <p:strVal val="visible"/>
+                                      </p:to>
+                                    </p:set>
+                                    <p:anim calcmode="lin" valueType="num">
+                                      <p:cBhvr additive="base">
+                                        <p:cTn id="12" dur="1000" fill="hold"/>
+                                        <p:tgtEl>
+                                          <p:spTgt spid="2">
+                                            <p:txEl>
+                                              <p:pRg st="2" end="2"/>
+                                            </p:txEl>
+                                          </p:spTgt>
+                                        </p:tgtEl>
+                                        <p:attrNameLst>
+                                          <p:attrName>ppt_x</p:attrName>
+                                        </p:attrNameLst>
+                                      </p:cBhvr>
+                                      <p:tavLst>
+                                        <p:tav tm="0">
+                                          <p:val>
+                                            <p:strVal val="0-#ppt_w/2"/>
+                                          </p:val>
+                                        </p:tav>
+                                        <p:tav tm="100000">
+                                          <p:val>
+                                            <p:strVal val="#ppt_x"/>
+                                          </p:val>
+                                        </p:tav>
+                                      </p:tavLst>
+                                    </p:anim>
+                                    <p:anim calcmode="lin" valueType="num">
+                                      <p:cBhvr additive="base">
+                                        <p:cTn id="13" dur="1000" fill="hold"/>
+                                        <p:tgtEl>
+                                          <p:spTgt spid="2">
+                                            <p:txEl>
+                                              <p:pRg st="2" end="2"/>
+                                            </p:txEl>
+                                          </p:spTgt>
+                                        </p:tgtEl>
+                                        <p:attrNameLst>
+                                          <p:attrName>ppt_y</p:attrName>
+                                        </p:attrNameLst>
+                                      </p:cBhvr>
+                                      <p:tavLst>
+                                        <p:tav tm="0">
+                                          <p:val>
+                                            <p:strVal val="#ppt_y"/>
+                                          </p:val>
+                                        </p:tav>
+                                        <p:tav tm="100000">
+                                          <p:val>
+                                            <p:strVal val="#ppt_y"/>
+                                          </p:val>
+                                        </p:tav>
+                                      </p:tavLst>
+                                    </p:anim>
+                                  </p:childTnLst>
+                                </p:cTn>
+                              </p:par>
+                            </p:childTnLst>
+                          </p:cTn>
+                        </p:par>
+                      </p:childTnLst>
+                    </p:cTn>
+                  </p:par>
+                </p:childTnLst>
+              </p:cTn>
+              <p:prevCondLst>
+                <p:cond evt="onPrev" delay="0">
+                  <p:tgtEl>
+                    <p:sldTgt/>
+                  </p:tgtEl>
+                </p:cond>
+              </p:prevCondLst>
+              <p:nextCondLst>
+                <p:cond evt="onNext" delay="0">
+                  <p:tgtEl>
+                    <p:sldTgt/>
+                  </p:tgtEl>
+                </p:cond>
+              </p:nextCondLst>
+            </p:seq>
+          </p:childTnLst>
+        </p:cTn>
+      </p:par>
+    </p:tnLst>
+  </p:timing>
+</p:sld>
+</file>
+
+<file path=ppt/slides/slide3.xml><?xml version="1.0" encoding="utf-8"?>
+<p:sld xmlns:a="http://schemas.openxmlformats.org/drawingml/2006/main" xmlns:r="http://schemas.openxmlformats.org/officeDocument/2006/relationships" xmlns:p="http://schemas.openxmlformats.org/presentationml/2006/main">
+  <p:cSld>
+    <p:spTree>
+      <p:nvGrpSpPr>
+        <p:cNvPr id="1" name=""/>
+        <p:cNvGrpSpPr/>
+        <p:nvPr/>
+      </p:nvGrpSpPr>
+      <p:grpSpPr>
+        <a:xfrm>
+          <a:off x="0" y="0"/>
+          <a:ext cx="0" cy="0"/>
+          <a:chOff x="0" y="0"/>
+          <a:chExt cx="0" cy="0"/>
+        </a:xfrm>
+      </p:grpSpPr>
+      <p:sp>
+        <p:nvSpPr>
+          <p:cNvPr id="2" name="Content"/>
+          <p:cNvSpPr/>
+          <p:nvPr>
+            <p:custDataLst>
+              <p:custData r:id="rId1"/>
+            </p:custDataLst>
+          </p:nvPr>
+        </p:nvSpPr>
+        <p:spPr>
+          <a:xfrm>
+            <a:off x="0" y="2188723"/>
+            <a:ext cx="8929991" cy="1994170"/>
+          </a:xfrm>
+          <a:prstGeom prst="rect">
+            <a:avLst/>
+          </a:prstGeom>
+          <a:solidFill>
+            <a:srgbClr val="000000">
+              <a:alpha val="75000"/>
+            </a:srgbClr>
+          </a:solidFill>
+          <a:ln w="12700" cap="flat" cmpd="sng" algn="ctr">
+            <a:solidFill>
+              <a:sysClr val="windowText" lastClr="000000">
+                <a:lumMod val="75000"/>
+                <a:lumOff val="25000"/>
+              </a:sysClr>
+            </a:solidFill>
+            <a:prstDash val="solid"/>
+          </a:ln>
+          <a:effectLst/>
+        </p:spPr>
+        <p:txBody>
+          <a:bodyPr rot="0" spcFirstLastPara="0" vertOverflow="overflow" horzOverflow="overflow" vert="horz" wrap="square" lIns="45720" tIns="45720" rIns="91440" bIns="45720" numCol="1" spcCol="0" rtlCol="0" fromWordArt="0" anchor="ctr" anchorCtr="0" forceAA="0" compatLnSpc="1">
+            <a:prstTxWarp prst="textNoShape">
+              <a:avLst/>
+            </a:prstTxWarp>
+            <a:noAutofit/>
+          </a:bodyPr>
+          <a:lstStyle/>
+          <a:p>
+            <a:pPr marL="0" marR="0" indent="0" algn="ctr" defTabSz="914400" eaLnBrk="1" fontAlgn="auto" latinLnBrk="0" hangingPunct="1">
+              <a:lnSpc>
+                <a:spcPct val="100000"/>
+              </a:lnSpc>
+              <a:spcBef>
+                <a:spcPts val="0"/>
+              </a:spcBef>
+              <a:spcAft>
+                <a:spcPts val="0"/>
+              </a:spcAft>
+              <a:buClrTx/>
+              <a:buSzTx/>
+              <a:buFontTx/>
+              <a:buNone/>
+              <a:tabLst/>
+            </a:pPr>
+            <a:r>
+              <a:rPr kumimoji="0" lang="en-US" sz="6600" b="0" i="0" u="none" strike="noStrike" kern="0" cap="none" spc="0" normalizeH="0" baseline="0" noProof="0" dirty="0" smtClean="0">
+                <a:ln>
+                  <a:noFill/>
+                </a:ln>
+                <a:solidFill>
+                  <a:srgbClr val="FFFFFF"/>
+                </a:solidFill>
+                <a:effectLst/>
+                <a:uLnTx/>
+                <a:uFillTx/>
+                <a:latin typeface="Segoe UI"/>
+                <a:ea typeface="+mn-ea"/>
+                <a:cs typeface="+mn-cs"/>
+              </a:rPr>
+              <a:t>Wat is het project?</a:t>
+            </a:r>
+          </a:p>
+        </p:txBody>
+      </p:sp>
+    </p:spTree>
+    <p:extLst>
+      <p:ext uri="{BB962C8B-B14F-4D97-AF65-F5344CB8AC3E}">
+        <p14:creationId xmlns:p14="http://schemas.microsoft.com/office/powerpoint/2010/main" val="3174858081"/>
+      </p:ext>
+    </p:extLst>
+  </p:cSld>
+  <p:clrMapOvr>
+    <a:masterClrMapping/>
+  </p:clrMapOvr>
+  <p:timing>
+    <p:tnLst>
+      <p:par>
+        <p:cTn id="1" dur="indefinite" restart="never" nodeType="tmRoot">
+          <p:childTnLst>
+            <p:seq concurrent="1" nextAc="seek">
+              <p:cTn id="2" dur="indefinite" nodeType="mainSeq">
+                <p:childTnLst>
+                  <p:par>
+                    <p:cTn id="3" fill="hold">
+                      <p:stCondLst>
+                        <p:cond delay="indefinite"/>
+                        <p:cond evt="onBegin" delay="0">
+                          <p:tn val="2"/>
+                        </p:cond>
+                      </p:stCondLst>
+                      <p:childTnLst>
+                        <p:par>
+                          <p:cTn id="4" fill="hold">
+                            <p:stCondLst>
+                              <p:cond delay="0"/>
+                            </p:stCondLst>
+                            <p:childTnLst>
+                              <p:par>
+                                <p:cTn id="5" presetID="10" presetClass="entr" presetSubtype="0" fill="hold" grpId="0" nodeType="afterEffect">
+                                  <p:stCondLst>
+                                    <p:cond delay="0"/>
+                                  </p:stCondLst>
+                                  <p:childTnLst>
+                                    <p:set>
+                                      <p:cBhvr>
+                                        <p:cTn id="6" dur="1" fill="hold">
+                                          <p:stCondLst>
+                                            <p:cond delay="0"/>
+                                          </p:stCondLst>
+                                        </p:cTn>
+                                        <p:tgtEl>
+                                          <p:spTgt spid="2"/>
+                                        </p:tgtEl>
+                                        <p:attrNameLst>
+                                          <p:attrName>style.visibility</p:attrName>
+                                        </p:attrNameLst>
+                                      </p:cBhvr>
+                                      <p:to>
+                                        <p:strVal val="visible"/>
+                                      </p:to>
+                                    </p:set>
+                                    <p:animEffect transition="in" filter="fade">
+                                      <p:cBhvr>
+                                        <p:cTn id="7" dur="500"/>
+                                        <p:tgtEl>
+                                          <p:spTgt spid="2"/>
+                                        </p:tgtEl>
+                                      </p:cBhvr>
+                                    </p:animEffect>
+                                  </p:childTnLst>
+                                </p:cTn>
+                              </p:par>
+                            </p:childTnLst>
+                          </p:cTn>
+                        </p:par>
+                      </p:childTnLst>
+                    </p:cTn>
+                  </p:par>
+                </p:childTnLst>
+              </p:cTn>
+              <p:prevCondLst>
+                <p:cond evt="onPrev" delay="0">
+                  <p:tgtEl>
+                    <p:sldTgt/>
+                  </p:tgtEl>
+                </p:cond>
+              </p:prevCondLst>
+              <p:nextCondLst>
+                <p:cond evt="onNext" delay="0">
+                  <p:tgtEl>
+                    <p:sldTgt/>
+                  </p:tgtEl>
+                </p:cond>
+              </p:nextCondLst>
+            </p:seq>
+          </p:childTnLst>
+        </p:cTn>
+      </p:par>
+    </p:tnLst>
+    <p:bldLst>
+      <p:bldP spid="2" grpId="0" animBg="1"/>
+    </p:bldLst>
+  </p:timing>
+</p:sld>
+</file>
+
+<file path=ppt/slides/slide4.xml><?xml version="1.0" encoding="utf-8"?>
+<p:sld xmlns:a="http://schemas.openxmlformats.org/drawingml/2006/main" xmlns:r="http://schemas.openxmlformats.org/officeDocument/2006/relationships" xmlns:p="http://schemas.openxmlformats.org/presentationml/2006/main">
+  <p:cSld>
+    <p:spTree>
+      <p:nvGrpSpPr>
+        <p:cNvPr id="1" name=""/>
+        <p:cNvGrpSpPr/>
+        <p:nvPr/>
+      </p:nvGrpSpPr>
+      <p:grpSpPr>
+        <a:xfrm>
+          <a:off x="0" y="0"/>
+          <a:ext cx="0" cy="0"/>
+          <a:chOff x="0" y="0"/>
+          <a:chExt cx="0" cy="0"/>
+        </a:xfrm>
+      </p:grpSpPr>
+      <p:sp>
+        <p:nvSpPr>
+          <p:cNvPr id="2" name="Tekstvak 1"/>
+          <p:cNvSpPr txBox="1"/>
+          <p:nvPr/>
+        </p:nvSpPr>
+        <p:spPr>
+          <a:xfrm>
+            <a:off x="1201271" y="1246095"/>
+            <a:ext cx="10990729" cy="4062651"/>
+          </a:xfrm>
+          <a:prstGeom prst="rect">
+            <a:avLst/>
+          </a:prstGeom>
+          <a:noFill/>
+        </p:spPr>
+        <p:txBody>
+          <a:bodyPr wrap="square" rtlCol="0">
+            <a:spAutoFit/>
+          </a:bodyPr>
+          <a:lstStyle/>
+          <a:p>
+            <a:r>
+              <a:rPr lang="nl-BE" sz="2000" dirty="0" smtClean="0"/>
+              <a:t>Onnodige papierberg</a:t>
+            </a:r>
+          </a:p>
+          <a:p>
+            <a:endParaRPr lang="nl-BE" sz="2000" dirty="0"/>
+          </a:p>
+          <a:p>
+            <a:r>
+              <a:rPr lang="nl-BE" sz="2000" dirty="0" smtClean="0"/>
+              <a:t>Eenvoudig beheren</a:t>
+            </a:r>
+          </a:p>
+          <a:p>
+            <a:endParaRPr lang="nl-BE" sz="2000" dirty="0"/>
+          </a:p>
+          <a:p>
+            <a:r>
+              <a:rPr lang="nl-BE" sz="2000" dirty="0" smtClean="0"/>
+              <a:t>Online platform</a:t>
+            </a:r>
+          </a:p>
+          <a:p>
+            <a:endParaRPr lang="nl-BE" sz="2000" dirty="0"/>
+          </a:p>
+          <a:p>
+            <a:r>
+              <a:rPr lang="nl-BE" sz="2000" dirty="0" smtClean="0"/>
+              <a:t>Uploaden en downloaden van documenten</a:t>
+            </a:r>
+          </a:p>
+          <a:p>
+            <a:endParaRPr lang="nl-BE" sz="2000" dirty="0"/>
+          </a:p>
+          <a:p>
+            <a:r>
+              <a:rPr lang="nl-BE" sz="2000" dirty="0" smtClean="0"/>
+              <a:t>Filteren en sorteren</a:t>
+            </a:r>
+          </a:p>
+          <a:p>
+            <a:endParaRPr lang="nl-BE" sz="2000" dirty="0"/>
+          </a:p>
+          <a:p>
+            <a:endParaRPr lang="nl-BE" sz="2000" dirty="0"/>
+          </a:p>
+          <a:p>
+            <a:r>
+              <a:rPr lang="nl-BE" sz="2000" dirty="0" smtClean="0"/>
+              <a:t>Oplossing: PAPERLESS OFFICE</a:t>
+            </a:r>
+          </a:p>
+          <a:p>
+            <a:endParaRPr lang="nl-BE" dirty="0"/>
+          </a:p>
+        </p:txBody>
+      </p:sp>
+    </p:spTree>
+    <p:extLst>
+      <p:ext uri="{BB962C8B-B14F-4D97-AF65-F5344CB8AC3E}">
+        <p14:creationId xmlns:p14="http://schemas.microsoft.com/office/powerpoint/2010/main" val="1931639158"/>
+      </p:ext>
+    </p:extLst>
+  </p:cSld>
+  <p:clrMapOvr>
+    <a:masterClrMapping/>
+  </p:clrMapOvr>
+  <p:timing>
+    <p:tnLst>
+      <p:par>
+        <p:cTn id="1" dur="indefinite" restart="never" nodeType="tmRoot">
+          <p:childTnLst>
+            <p:seq concurrent="1" nextAc="seek">
+              <p:cTn id="2" dur="indefinite" nodeType="mainSeq">
+                <p:childTnLst>
+                  <p:par>
+                    <p:cTn id="3" fill="hold">
+                      <p:stCondLst>
+                        <p:cond delay="indefinite"/>
+                        <p:cond evt="onBegin" delay="0">
+                          <p:tn val="2"/>
+                        </p:cond>
+                      </p:stCondLst>
+                      <p:childTnLst>
+                        <p:par>
+                          <p:cTn id="4" fill="hold">
+                            <p:stCondLst>
+                              <p:cond delay="0"/>
+                            </p:stCondLst>
+                            <p:childTnLst>
+                              <p:par>
+                                <p:cTn id="5" presetID="2" presetClass="entr" presetSubtype="8" fill="hold" nodeType="afterEffect">
+                                  <p:stCondLst>
+                                    <p:cond delay="0"/>
+                                  </p:stCondLst>
+                                  <p:childTnLst>
+                                    <p:set>
+                                      <p:cBhvr>
+                                        <p:cTn id="6" dur="1" fill="hold">
+                                          <p:stCondLst>
+                                            <p:cond delay="0"/>
+                                          </p:stCondLst>
+                                        </p:cTn>
+                                        <p:tgtEl>
+                                          <p:spTgt spid="2">
+                                            <p:txEl>
+                                              <p:pRg st="0" end="0"/>
+                                            </p:txEl>
+                                          </p:spTgt>
+                                        </p:tgtEl>
+                                        <p:attrNameLst>
+                                          <p:attrName>style.visibility</p:attrName>
+                                        </p:attrNameLst>
+                                      </p:cBhvr>
+                                      <p:to>
+                                        <p:strVal val="visible"/>
+                                      </p:to>
+                                    </p:set>
+                                    <p:anim calcmode="lin" valueType="num">
+                                      <p:cBhvr additive="base">
+                                        <p:cTn id="7" dur="750" fill="hold"/>
+                                        <p:tgtEl>
+                                          <p:spTgt spid="2">
+                                            <p:txEl>
+                                              <p:pRg st="0" end="0"/>
+                                            </p:txEl>
+                                          </p:spTgt>
+                                        </p:tgtEl>
+                                        <p:attrNameLst>
+                                          <p:attrName>ppt_x</p:attrName>
+                                        </p:attrNameLst>
+                                      </p:cBhvr>
+                                      <p:tavLst>
+                                        <p:tav tm="0">
+                                          <p:val>
+                                            <p:strVal val="0-#ppt_w/2"/>
+                                          </p:val>
+                                        </p:tav>
+                                        <p:tav tm="100000">
+                                          <p:val>
+                                            <p:strVal val="#ppt_x"/>
+                                          </p:val>
+                                        </p:tav>
+                                      </p:tavLst>
+                                    </p:anim>
+                                    <p:anim calcmode="lin" valueType="num">
+                                      <p:cBhvr additive="base">
+                                        <p:cTn id="8" dur="750" fill="hold"/>
+                                        <p:tgtEl>
+                                          <p:spTgt spid="2">
+                                            <p:txEl>
+                                              <p:pRg st="0" end="0"/>
+                                            </p:txEl>
+                                          </p:spTgt>
+                                        </p:tgtEl>
+                                        <p:attrNameLst>
+                                          <p:attrName>ppt_y</p:attrName>
+                                        </p:attrNameLst>
+                                      </p:cBhvr>
+                                      <p:tavLst>
+                                        <p:tav tm="0">
+                                          <p:val>
+                                            <p:strVal val="#ppt_y"/>
+                                          </p:val>
+                                        </p:tav>
+                                        <p:tav tm="100000">
+                                          <p:val>
+                                            <p:strVal val="#ppt_y"/>
+                                          </p:val>
+                                        </p:tav>
+                                      </p:tavLst>
+                                    </p:anim>
+                                  </p:childTnLst>
+                                </p:cTn>
+                              </p:par>
+                            </p:childTnLst>
+                          </p:cTn>
+                        </p:par>
+                      </p:childTnLst>
+                    </p:cTn>
+                  </p:par>
+                  <p:par>
+                    <p:cTn id="9" fill="hold">
+                      <p:stCondLst>
+                        <p:cond delay="indefinite"/>
+                      </p:stCondLst>
+                      <p:childTnLst>
+                        <p:par>
+                          <p:cTn id="10" fill="hold">
+                            <p:stCondLst>
+                              <p:cond delay="0"/>
+                            </p:stCondLst>
+                            <p:childTnLst>
+                              <p:par>
+                                <p:cTn id="11" presetID="2" presetClass="entr" presetSubtype="8" fill="hold" nodeType="clickEffect">
+                                  <p:stCondLst>
+                                    <p:cond delay="0"/>
+                                  </p:stCondLst>
+                                  <p:childTnLst>
+                                    <p:set>
+                                      <p:cBhvr>
+                                        <p:cTn id="12" dur="1" fill="hold">
+                                          <p:stCondLst>
+                                            <p:cond delay="0"/>
+                                          </p:stCondLst>
+                                        </p:cTn>
+                                        <p:tgtEl>
+                                          <p:spTgt spid="2">
+                                            <p:txEl>
+                                              <p:pRg st="2" end="2"/>
+                                            </p:txEl>
+                                          </p:spTgt>
+                                        </p:tgtEl>
+                                        <p:attrNameLst>
+                                          <p:attrName>style.visibility</p:attrName>
+                                        </p:attrNameLst>
+                                      </p:cBhvr>
+                                      <p:to>
+                                        <p:strVal val="visible"/>
+                                      </p:to>
+                                    </p:set>
+                                    <p:anim calcmode="lin" valueType="num">
+                                      <p:cBhvr additive="base">
+                                        <p:cTn id="13" dur="750" fill="hold"/>
+                                        <p:tgtEl>
+                                          <p:spTgt spid="2">
+                                            <p:txEl>
+                                              <p:pRg st="2" end="2"/>
+                                            </p:txEl>
+                                          </p:spTgt>
+                                        </p:tgtEl>
+                                        <p:attrNameLst>
+                                          <p:attrName>ppt_x</p:attrName>
+                                        </p:attrNameLst>
+                                      </p:cBhvr>
+                                      <p:tavLst>
+                                        <p:tav tm="0">
+                                          <p:val>
+                                            <p:strVal val="0-#ppt_w/2"/>
+                                          </p:val>
+                                        </p:tav>
+                                        <p:tav tm="100000">
+                                          <p:val>
+                                            <p:strVal val="#ppt_x"/>
+                                          </p:val>
+                                        </p:tav>
+                                      </p:tavLst>
+                                    </p:anim>
+                                    <p:anim calcmode="lin" valueType="num">
+                                      <p:cBhvr additive="base">
+                                        <p:cTn id="14" dur="750" fill="hold"/>
+                                        <p:tgtEl>
+                                          <p:spTgt spid="2">
+                                            <p:txEl>
+                                              <p:pRg st="2" end="2"/>
+                                            </p:txEl>
+                                          </p:spTgt>
+                                        </p:tgtEl>
+                                        <p:attrNameLst>
+                                          <p:attrName>ppt_y</p:attrName>
+                                        </p:attrNameLst>
+                                      </p:cBhvr>
+                                      <p:tavLst>
+                                        <p:tav tm="0">
+                                          <p:val>
+                                            <p:strVal val="#ppt_y"/>
+                                          </p:val>
+                                        </p:tav>
+                                        <p:tav tm="100000">
+                                          <p:val>
+                                            <p:strVal val="#ppt_y"/>
+                                          </p:val>
+                                        </p:tav>
+                                      </p:tavLst>
+                                    </p:anim>
+                                  </p:childTnLst>
+                                </p:cTn>
+                              </p:par>
+                            </p:childTnLst>
+                          </p:cTn>
+                        </p:par>
+                      </p:childTnLst>
+                    </p:cTn>
+                  </p:par>
+                  <p:par>
+                    <p:cTn id="15" fill="hold">
+                      <p:stCondLst>
+                        <p:cond delay="indefinite"/>
+                      </p:stCondLst>
+                      <p:childTnLst>
+                        <p:par>
+                          <p:cTn id="16" fill="hold">
+                            <p:stCondLst>
+                              <p:cond delay="0"/>
+                            </p:stCondLst>
+                            <p:childTnLst>
+                              <p:par>
+                                <p:cTn id="17" presetID="2" presetClass="entr" presetSubtype="8" fill="hold" nodeType="clickEffect">
+                                  <p:stCondLst>
+                                    <p:cond delay="0"/>
+                                  </p:stCondLst>
+                                  <p:childTnLst>
+                                    <p:set>
+                                      <p:cBhvr>
+                                        <p:cTn id="18" dur="1" fill="hold">
+                                          <p:stCondLst>
+                                            <p:cond delay="0"/>
+                                          </p:stCondLst>
+                                        </p:cTn>
+                                        <p:tgtEl>
+                                          <p:spTgt spid="2">
+                                            <p:txEl>
+                                              <p:pRg st="4" end="4"/>
+                                            </p:txEl>
+                                          </p:spTgt>
+                                        </p:tgtEl>
+                                        <p:attrNameLst>
+                                          <p:attrName>style.visibility</p:attrName>
+                                        </p:attrNameLst>
+                                      </p:cBhvr>
+                                      <p:to>
+                                        <p:strVal val="visible"/>
+                                      </p:to>
+                                    </p:set>
+                                    <p:anim calcmode="lin" valueType="num">
+                                      <p:cBhvr additive="base">
+                                        <p:cTn id="19" dur="750" fill="hold"/>
+                                        <p:tgtEl>
+                                          <p:spTgt spid="2">
+                                            <p:txEl>
+                                              <p:pRg st="4" end="4"/>
+                                            </p:txEl>
+                                          </p:spTgt>
+                                        </p:tgtEl>
+                                        <p:attrNameLst>
+                                          <p:attrName>ppt_x</p:attrName>
+                                        </p:attrNameLst>
+                                      </p:cBhvr>
+                                      <p:tavLst>
+                                        <p:tav tm="0">
+                                          <p:val>
+                                            <p:strVal val="0-#ppt_w/2"/>
+                                          </p:val>
+                                        </p:tav>
+                                        <p:tav tm="100000">
+                                          <p:val>
+                                            <p:strVal val="#ppt_x"/>
+                                          </p:val>
+                                        </p:tav>
+                                      </p:tavLst>
+                                    </p:anim>
+                                    <p:anim calcmode="lin" valueType="num">
+                                      <p:cBhvr additive="base">
+                                        <p:cTn id="20" dur="750" fill="hold"/>
+                                        <p:tgtEl>
+                                          <p:spTgt spid="2">
+                                            <p:txEl>
+                                              <p:pRg st="4" end="4"/>
+                                            </p:txEl>
+                                          </p:spTgt>
+                                        </p:tgtEl>
+                                        <p:attrNameLst>
+                                          <p:attrName>ppt_y</p:attrName>
+                                        </p:attrNameLst>
+                                      </p:cBhvr>
+                                      <p:tavLst>
+                                        <p:tav tm="0">
+                                          <p:val>
+                                            <p:strVal val="#ppt_y"/>
+                                          </p:val>
+                                        </p:tav>
+                                        <p:tav tm="100000">
+                                          <p:val>
+                                            <p:strVal val="#ppt_y"/>
+                                          </p:val>
+                                        </p:tav>
+                                      </p:tavLst>
+                                    </p:anim>
+                                  </p:childTnLst>
+                                </p:cTn>
+                              </p:par>
+                            </p:childTnLst>
+                          </p:cTn>
+                        </p:par>
+                      </p:childTnLst>
+                    </p:cTn>
+                  </p:par>
+                  <p:par>
+                    <p:cTn id="21" fill="hold">
+                      <p:stCondLst>
+                        <p:cond delay="indefinite"/>
+                      </p:stCondLst>
+                      <p:childTnLst>
+                        <p:par>
+                          <p:cTn id="22" fill="hold">
+                            <p:stCondLst>
+                              <p:cond delay="0"/>
+                            </p:stCondLst>
+                            <p:childTnLst>
+                              <p:par>
+                                <p:cTn id="23" presetID="2" presetClass="entr" presetSubtype="8" fill="hold" nodeType="clickEffect">
+                                  <p:stCondLst>
+                                    <p:cond delay="0"/>
+                                  </p:stCondLst>
+                                  <p:childTnLst>
+                                    <p:set>
+                                      <p:cBhvr>
+                                        <p:cTn id="24" dur="1" fill="hold">
+                                          <p:stCondLst>
+                                            <p:cond delay="0"/>
+                                          </p:stCondLst>
+                                        </p:cTn>
+                                        <p:tgtEl>
+                                          <p:spTgt spid="2">
+                                            <p:txEl>
+                                              <p:pRg st="6" end="6"/>
+                                            </p:txEl>
+                                          </p:spTgt>
+                                        </p:tgtEl>
+                                        <p:attrNameLst>
+                                          <p:attrName>style.visibility</p:attrName>
+                                        </p:attrNameLst>
+                                      </p:cBhvr>
+                                      <p:to>
+                                        <p:strVal val="visible"/>
+                                      </p:to>
+                                    </p:set>
+                                    <p:anim calcmode="lin" valueType="num">
+                                      <p:cBhvr additive="base">
+                                        <p:cTn id="25" dur="1000" fill="hold"/>
+                                        <p:tgtEl>
+                                          <p:spTgt spid="2">
+                                            <p:txEl>
+                                              <p:pRg st="6" end="6"/>
+                                            </p:txEl>
+                                          </p:spTgt>
+                                        </p:tgtEl>
+                                        <p:attrNameLst>
+                                          <p:attrName>ppt_x</p:attrName>
+                                        </p:attrNameLst>
+                                      </p:cBhvr>
+                                      <p:tavLst>
+                                        <p:tav tm="0">
+                                          <p:val>
+                                            <p:strVal val="0-#ppt_w/2"/>
+                                          </p:val>
+                                        </p:tav>
+                                        <p:tav tm="100000">
+                                          <p:val>
+                                            <p:strVal val="#ppt_x"/>
+                                          </p:val>
+                                        </p:tav>
+                                      </p:tavLst>
+                                    </p:anim>
+                                    <p:anim calcmode="lin" valueType="num">
+                                      <p:cBhvr additive="base">
+                                        <p:cTn id="26" dur="1000" fill="hold"/>
+                                        <p:tgtEl>
+                                          <p:spTgt spid="2">
+                                            <p:txEl>
+                                              <p:pRg st="6" end="6"/>
+                                            </p:txEl>
+                                          </p:spTgt>
+                                        </p:tgtEl>
+                                        <p:attrNameLst>
+                                          <p:attrName>ppt_y</p:attrName>
+                                        </p:attrNameLst>
+                                      </p:cBhvr>
+                                      <p:tavLst>
+                                        <p:tav tm="0">
+                                          <p:val>
+                                            <p:strVal val="#ppt_y"/>
+                                          </p:val>
+                                        </p:tav>
+                                        <p:tav tm="100000">
+                                          <p:val>
+                                            <p:strVal val="#ppt_y"/>
+                                          </p:val>
+                                        </p:tav>
+                                      </p:tavLst>
+                                    </p:anim>
+                                  </p:childTnLst>
+                                </p:cTn>
+                              </p:par>
+                            </p:childTnLst>
+                          </p:cTn>
+                        </p:par>
+                      </p:childTnLst>
+                    </p:cTn>
+                  </p:par>
+                  <p:par>
+                    <p:cTn id="27" fill="hold">
+                      <p:stCondLst>
+                        <p:cond delay="indefinite"/>
+                      </p:stCondLst>
+                      <p:childTnLst>
+                        <p:par>
+                          <p:cTn id="28" fill="hold">
+                            <p:stCondLst>
+                              <p:cond delay="0"/>
+                            </p:stCondLst>
+                            <p:childTnLst>
+                              <p:par>
+                                <p:cTn id="29" presetID="2" presetClass="entr" presetSubtype="8" fill="hold" nodeType="clickEffect">
+                                  <p:stCondLst>
+                                    <p:cond delay="0"/>
+                                  </p:stCondLst>
+                                  <p:childTnLst>
+                                    <p:set>
+                                      <p:cBhvr>
+                                        <p:cTn id="30" dur="1" fill="hold">
+                                          <p:stCondLst>
+                                            <p:cond delay="0"/>
+                                          </p:stCondLst>
+                                        </p:cTn>
+                                        <p:tgtEl>
+                                          <p:spTgt spid="2">
+                                            <p:txEl>
+                                              <p:pRg st="8" end="8"/>
+                                            </p:txEl>
+                                          </p:spTgt>
+                                        </p:tgtEl>
+                                        <p:attrNameLst>
+                                          <p:attrName>style.visibility</p:attrName>
+                                        </p:attrNameLst>
+                                      </p:cBhvr>
+                                      <p:to>
+                                        <p:strVal val="visible"/>
+                                      </p:to>
+                                    </p:set>
+                                    <p:anim calcmode="lin" valueType="num">
+                                      <p:cBhvr additive="base">
+                                        <p:cTn id="31" dur="750" fill="hold"/>
+                                        <p:tgtEl>
+                                          <p:spTgt spid="2">
+                                            <p:txEl>
+                                              <p:pRg st="8" end="8"/>
+                                            </p:txEl>
+                                          </p:spTgt>
+                                        </p:tgtEl>
+                                        <p:attrNameLst>
+                                          <p:attrName>ppt_x</p:attrName>
+                                        </p:attrNameLst>
+                                      </p:cBhvr>
+                                      <p:tavLst>
+                                        <p:tav tm="0">
+                                          <p:val>
+                                            <p:strVal val="0-#ppt_w/2"/>
+                                          </p:val>
+                                        </p:tav>
+                                        <p:tav tm="100000">
+                                          <p:val>
+                                            <p:strVal val="#ppt_x"/>
+                                          </p:val>
+                                        </p:tav>
+                                      </p:tavLst>
+                                    </p:anim>
+                                    <p:anim calcmode="lin" valueType="num">
+                                      <p:cBhvr additive="base">
+                                        <p:cTn id="32" dur="750" fill="hold"/>
+                                        <p:tgtEl>
+                                          <p:spTgt spid="2">
+                                            <p:txEl>
+                                              <p:pRg st="8" end="8"/>
+                                            </p:txEl>
+                                          </p:spTgt>
+                                        </p:tgtEl>
+                                        <p:attrNameLst>
+                                          <p:attrName>ppt_y</p:attrName>
+                                        </p:attrNameLst>
+                                      </p:cBhvr>
+                                      <p:tavLst>
+                                        <p:tav tm="0">
+                                          <p:val>
+                                            <p:strVal val="#ppt_y"/>
+                                          </p:val>
+                                        </p:tav>
+                                        <p:tav tm="100000">
+                                          <p:val>
+                                            <p:strVal val="#ppt_y"/>
+                                          </p:val>
+                                        </p:tav>
+                                      </p:tavLst>
+                                    </p:anim>
+                                  </p:childTnLst>
+                                </p:cTn>
+                              </p:par>
+                            </p:childTnLst>
+                          </p:cTn>
+                        </p:par>
+                      </p:childTnLst>
+                    </p:cTn>
+                  </p:par>
+                  <p:par>
+                    <p:cTn id="33" fill="hold">
+                      <p:stCondLst>
+                        <p:cond delay="indefinite"/>
+                      </p:stCondLst>
+                      <p:childTnLst>
+                        <p:par>
+                          <p:cTn id="34" fill="hold">
+                            <p:stCondLst>
+                              <p:cond delay="0"/>
+                            </p:stCondLst>
+                            <p:childTnLst>
+                              <p:par>
+                                <p:cTn id="35" presetID="2" presetClass="entr" presetSubtype="8" fill="hold" nodeType="clickEffect">
+                                  <p:stCondLst>
+                                    <p:cond delay="0"/>
+                                  </p:stCondLst>
+                                  <p:childTnLst>
+                                    <p:set>
+                                      <p:cBhvr>
+                                        <p:cTn id="36" dur="1" fill="hold">
+                                          <p:stCondLst>
+                                            <p:cond delay="0"/>
+                                          </p:stCondLst>
+                                        </p:cTn>
+                                        <p:tgtEl>
+                                          <p:spTgt spid="2">
+                                            <p:txEl>
+                                              <p:pRg st="11" end="11"/>
+                                            </p:txEl>
+                                          </p:spTgt>
+                                        </p:tgtEl>
+                                        <p:attrNameLst>
+                                          <p:attrName>style.visibility</p:attrName>
+                                        </p:attrNameLst>
+                                      </p:cBhvr>
+                                      <p:to>
+                                        <p:strVal val="visible"/>
+                                      </p:to>
+                                    </p:set>
+                                    <p:anim calcmode="lin" valueType="num">
+                                      <p:cBhvr additive="base">
+                                        <p:cTn id="37" dur="750" fill="hold"/>
+                                        <p:tgtEl>
+                                          <p:spTgt spid="2">
+                                            <p:txEl>
+                                              <p:pRg st="11" end="11"/>
+                                            </p:txEl>
+                                          </p:spTgt>
+                                        </p:tgtEl>
+                                        <p:attrNameLst>
+                                          <p:attrName>ppt_x</p:attrName>
+                                        </p:attrNameLst>
+                                      </p:cBhvr>
+                                      <p:tavLst>
+                                        <p:tav tm="0">
+                                          <p:val>
+                                            <p:strVal val="0-#ppt_w/2"/>
+                                          </p:val>
+                                        </p:tav>
+                                        <p:tav tm="100000">
+                                          <p:val>
+                                            <p:strVal val="#ppt_x"/>
+                                          </p:val>
+                                        </p:tav>
+                                      </p:tavLst>
+                                    </p:anim>
+                                    <p:anim calcmode="lin" valueType="num">
+                                      <p:cBhvr additive="base">
+                                        <p:cTn id="38" dur="750" fill="hold"/>
+                                        <p:tgtEl>
+                                          <p:spTgt spid="2">
+                                            <p:txEl>
+                                              <p:pRg st="11" end="11"/>
+                                            </p:txEl>
+                                          </p:spTgt>
+                                        </p:tgtEl>
+                                        <p:attrNameLst>
+                                          <p:attrName>ppt_y</p:attrName>
+                                        </p:attrNameLst>
+                                      </p:cBhvr>
+                                      <p:tavLst>
+                                        <p:tav tm="0">
+                                          <p:val>
+                                            <p:strVal val="#ppt_y"/>
+                                          </p:val>
+                                        </p:tav>
+                                        <p:tav tm="100000">
+                                          <p:val>
+                                            <p:strVal val="#ppt_y"/>
+                                          </p:val>
+                                        </p:tav>
+                                      </p:tavLst>
+                                    </p:anim>
+                                  </p:childTnLst>
+                                </p:cTn>
+                              </p:par>
+                            </p:childTnLst>
+                          </p:cTn>
+                        </p:par>
+                        <p:par>
+                          <p:cTn id="39" fill="hold">
+                            <p:stCondLst>
+                              <p:cond delay="750"/>
+                            </p:stCondLst>
+                            <p:childTnLst>
+                              <p:par>
+                                <p:cTn id="40" presetID="26" presetClass="emph" presetSubtype="0" fill="hold" nodeType="afterEffect">
+                                  <p:stCondLst>
+                                    <p:cond delay="250"/>
+                                  </p:stCondLst>
+                                  <p:childTnLst>
+                                    <p:animEffect transition="out" filter="fade">
+                                      <p:cBhvr>
+                                        <p:cTn id="41" dur="1500" tmFilter="0, 0; .2, .5; .8, .5; 1, 0"/>
+                                        <p:tgtEl>
+                                          <p:spTgt spid="2">
+                                            <p:txEl>
+                                              <p:pRg st="11" end="11"/>
+                                            </p:txEl>
+                                          </p:spTgt>
+                                        </p:tgtEl>
+                                      </p:cBhvr>
+                                    </p:animEffect>
+                                    <p:animScale>
+                                      <p:cBhvr>
+                                        <p:cTn id="42" dur="750" autoRev="1" fill="hold"/>
+                                        <p:tgtEl>
+                                          <p:spTgt spid="2">
+                                            <p:txEl>
+                                              <p:pRg st="11" end="11"/>
+                                            </p:txEl>
+                                          </p:spTgt>
+                                        </p:tgtEl>
+                                      </p:cBhvr>
+                                      <p:by x="105000" y="105000"/>
+                                    </p:animScale>
+                                  </p:childTnLst>
+                                </p:cTn>
+                              </p:par>
+                            </p:childTnLst>
+                          </p:cTn>
+                        </p:par>
+                      </p:childTnLst>
+                    </p:cTn>
+                  </p:par>
+                </p:childTnLst>
+              </p:cTn>
+              <p:prevCondLst>
+                <p:cond evt="onPrev" delay="0">
+                  <p:tgtEl>
+                    <p:sldTgt/>
+                  </p:tgtEl>
+                </p:cond>
+              </p:prevCondLst>
+              <p:nextCondLst>
+                <p:cond evt="onNext" delay="0">
+                  <p:tgtEl>
+                    <p:sldTgt/>
+                  </p:tgtEl>
+                </p:cond>
+              </p:nextCondLst>
+            </p:seq>
+          </p:childTnLst>
+        </p:cTn>
+      </p:par>
+    </p:tnLst>
+  </p:timing>
+</p:sld>
+</file>
+
+<file path=ppt/slides/slide5.xml><?xml version="1.0" encoding="utf-8"?>
+<p:sld xmlns:a="http://schemas.openxmlformats.org/drawingml/2006/main" xmlns:r="http://schemas.openxmlformats.org/officeDocument/2006/relationships" xmlns:p="http://schemas.openxmlformats.org/presentationml/2006/main">
+  <p:cSld>
+    <p:spTree>
+      <p:nvGrpSpPr>
+        <p:cNvPr id="1" name=""/>
+        <p:cNvGrpSpPr/>
+        <p:nvPr/>
+      </p:nvGrpSpPr>
+      <p:grpSpPr>
+        <a:xfrm>
+          <a:off x="0" y="0"/>
+          <a:ext cx="0" cy="0"/>
+          <a:chOff x="0" y="0"/>
+          <a:chExt cx="0" cy="0"/>
+        </a:xfrm>
+      </p:grpSpPr>
+      <p:sp>
+        <p:nvSpPr>
+          <p:cNvPr id="2" name="Content"/>
+          <p:cNvSpPr/>
+          <p:nvPr>
+            <p:custDataLst>
+              <p:custData r:id="rId1"/>
+            </p:custDataLst>
+          </p:nvPr>
+        </p:nvSpPr>
+        <p:spPr>
+          <a:xfrm>
+            <a:off x="0" y="2188723"/>
+            <a:ext cx="8929991" cy="1994170"/>
+          </a:xfrm>
+          <a:prstGeom prst="rect">
+            <a:avLst/>
+          </a:prstGeom>
+          <a:solidFill>
+            <a:srgbClr val="000000">
+              <a:alpha val="75000"/>
+            </a:srgbClr>
+          </a:solidFill>
+          <a:ln w="12700" cap="flat" cmpd="sng" algn="ctr">
+            <a:solidFill>
+              <a:sysClr val="windowText" lastClr="000000">
+                <a:lumMod val="75000"/>
+                <a:lumOff val="25000"/>
+              </a:sysClr>
+            </a:solidFill>
+            <a:prstDash val="solid"/>
+          </a:ln>
+          <a:effectLst/>
+        </p:spPr>
+        <p:txBody>
+          <a:bodyPr rot="0" spcFirstLastPara="0" vertOverflow="overflow" horzOverflow="overflow" vert="horz" wrap="square" lIns="45720" tIns="45720" rIns="91440" bIns="45720" numCol="1" spcCol="0" rtlCol="0" fromWordArt="0" anchor="ctr" anchorCtr="0" forceAA="0" compatLnSpc="1">
+            <a:prstTxWarp prst="textNoShape">
+              <a:avLst/>
+            </a:prstTxWarp>
+            <a:noAutofit/>
+          </a:bodyPr>
+          <a:lstStyle/>
+          <a:p>
+            <a:pPr marL="0" marR="0" indent="0" algn="ctr" defTabSz="914400" eaLnBrk="1" fontAlgn="auto" latinLnBrk="0" hangingPunct="1">
+              <a:lnSpc>
+                <a:spcPct val="100000"/>
+              </a:lnSpc>
+              <a:spcBef>
+                <a:spcPts val="0"/>
+              </a:spcBef>
+              <a:spcAft>
+                <a:spcPts val="0"/>
+              </a:spcAft>
+              <a:buClrTx/>
+              <a:buSzTx/>
+              <a:buFontTx/>
+              <a:buNone/>
+              <a:tabLst/>
+            </a:pPr>
+            <a:r>
               <a:rPr lang="en-US" sz="6600" kern="0" dirty="0" smtClean="0">
                 <a:solidFill>
                   <a:srgbClr val="FFFFFF"/>
@@ -13667,6 +13021,1126 @@
     <p:bldLst>
       <p:bldP spid="2" grpId="0" animBg="1"/>
     </p:bldLst>
+  </p:timing>
+</p:sld>
+</file>
+
+<file path=ppt/slides/slide6.xml><?xml version="1.0" encoding="utf-8"?>
+<p:sld xmlns:a="http://schemas.openxmlformats.org/drawingml/2006/main" xmlns:r="http://schemas.openxmlformats.org/officeDocument/2006/relationships" xmlns:p="http://schemas.openxmlformats.org/presentationml/2006/main">
+  <p:cSld>
+    <p:spTree>
+      <p:nvGrpSpPr>
+        <p:cNvPr id="1" name=""/>
+        <p:cNvGrpSpPr/>
+        <p:nvPr/>
+      </p:nvGrpSpPr>
+      <p:grpSpPr>
+        <a:xfrm>
+          <a:off x="0" y="0"/>
+          <a:ext cx="0" cy="0"/>
+          <a:chOff x="0" y="0"/>
+          <a:chExt cx="0" cy="0"/>
+        </a:xfrm>
+      </p:grpSpPr>
+      <p:sp>
+        <p:nvSpPr>
+          <p:cNvPr id="2" name="Titel 1"/>
+          <p:cNvSpPr>
+            <a:spLocks noGrp="1"/>
+          </p:cNvSpPr>
+          <p:nvPr>
+            <p:ph type="title"/>
+          </p:nvPr>
+        </p:nvSpPr>
+        <p:spPr>
+          <a:xfrm>
+            <a:off x="907810" y="356623"/>
+            <a:ext cx="10058400" cy="1295062"/>
+          </a:xfrm>
+        </p:spPr>
+        <p:txBody>
+          <a:bodyPr/>
+          <a:lstStyle/>
+          <a:p>
+            <a:r>
+              <a:rPr lang="nl-BE" dirty="0" smtClean="0"/>
+              <a:t>Homepagina</a:t>
+            </a:r>
+            <a:endParaRPr lang="nl-BE" dirty="0"/>
+          </a:p>
+        </p:txBody>
+      </p:sp>
+      <p:pic>
+        <p:nvPicPr>
+          <p:cNvPr id="4" name="Tijdelijke aanduiding voor inhoud 3"/>
+          <p:cNvPicPr>
+            <a:picLocks noGrp="1"/>
+          </p:cNvPicPr>
+          <p:nvPr>
+            <p:ph idx="1"/>
+          </p:nvPr>
+        </p:nvPicPr>
+        <p:blipFill>
+          <a:blip r:embed="rId2">
+            <a:extLst>
+              <a:ext uri="{28A0092B-C50C-407E-A947-70E740481C1C}">
+                <a14:useLocalDpi xmlns:a14="http://schemas.microsoft.com/office/drawing/2010/main" val="0"/>
+              </a:ext>
+            </a:extLst>
+          </a:blip>
+          <a:stretch>
+            <a:fillRect/>
+          </a:stretch>
+        </p:blipFill>
+        <p:spPr>
+          <a:xfrm>
+            <a:off x="683740" y="2125361"/>
+            <a:ext cx="4695567" cy="3220995"/>
+          </a:xfrm>
+          <a:prstGeom prst="rect">
+            <a:avLst/>
+          </a:prstGeom>
+        </p:spPr>
+      </p:pic>
+      <p:cxnSp>
+        <p:nvCxnSpPr>
+          <p:cNvPr id="6" name="Rechte verbindingslijn 5"/>
+          <p:cNvCxnSpPr/>
+          <p:nvPr/>
+        </p:nvCxnSpPr>
+        <p:spPr>
+          <a:xfrm flipH="1">
+            <a:off x="5667633" y="1890582"/>
+            <a:ext cx="8237" cy="3690551"/>
+          </a:xfrm>
+          <a:prstGeom prst="line">
+            <a:avLst/>
+          </a:prstGeom>
+        </p:spPr>
+        <p:style>
+          <a:lnRef idx="1">
+            <a:schemeClr val="dk1"/>
+          </a:lnRef>
+          <a:fillRef idx="0">
+            <a:schemeClr val="dk1"/>
+          </a:fillRef>
+          <a:effectRef idx="0">
+            <a:schemeClr val="dk1"/>
+          </a:effectRef>
+          <a:fontRef idx="minor">
+            <a:schemeClr val="tx1"/>
+          </a:fontRef>
+        </p:style>
+      </p:cxnSp>
+      <p:pic>
+        <p:nvPicPr>
+          <p:cNvPr id="3" name="Afbeelding 2"/>
+          <p:cNvPicPr>
+            <a:picLocks noChangeAspect="1"/>
+          </p:cNvPicPr>
+          <p:nvPr/>
+        </p:nvPicPr>
+        <p:blipFill>
+          <a:blip r:embed="rId3"/>
+          <a:stretch>
+            <a:fillRect/>
+          </a:stretch>
+        </p:blipFill>
+        <p:spPr>
+          <a:xfrm>
+            <a:off x="5964196" y="2125359"/>
+            <a:ext cx="5047620" cy="3220995"/>
+          </a:xfrm>
+          <a:prstGeom prst="rect">
+            <a:avLst/>
+          </a:prstGeom>
+        </p:spPr>
+      </p:pic>
+    </p:spTree>
+    <p:extLst>
+      <p:ext uri="{BB962C8B-B14F-4D97-AF65-F5344CB8AC3E}">
+        <p14:creationId xmlns:p14="http://schemas.microsoft.com/office/powerpoint/2010/main" val="903604988"/>
+      </p:ext>
+    </p:extLst>
+  </p:cSld>
+  <p:clrMapOvr>
+    <a:masterClrMapping/>
+  </p:clrMapOvr>
+  <p:timing>
+    <p:tnLst>
+      <p:par>
+        <p:cTn id="1" dur="indefinite" restart="never" nodeType="tmRoot">
+          <p:childTnLst>
+            <p:seq concurrent="1" nextAc="seek">
+              <p:cTn id="2" dur="indefinite" nodeType="mainSeq">
+                <p:childTnLst>
+                  <p:par>
+                    <p:cTn id="3" fill="hold">
+                      <p:stCondLst>
+                        <p:cond delay="indefinite"/>
+                        <p:cond evt="onBegin" delay="0">
+                          <p:tn val="2"/>
+                        </p:cond>
+                      </p:stCondLst>
+                      <p:childTnLst>
+                        <p:par>
+                          <p:cTn id="4" fill="hold">
+                            <p:stCondLst>
+                              <p:cond delay="0"/>
+                            </p:stCondLst>
+                            <p:childTnLst>
+                              <p:par>
+                                <p:cTn id="5" presetID="10" presetClass="entr" presetSubtype="0" fill="hold" nodeType="afterEffect">
+                                  <p:stCondLst>
+                                    <p:cond delay="0"/>
+                                  </p:stCondLst>
+                                  <p:childTnLst>
+                                    <p:set>
+                                      <p:cBhvr>
+                                        <p:cTn id="6" dur="1" fill="hold">
+                                          <p:stCondLst>
+                                            <p:cond delay="0"/>
+                                          </p:stCondLst>
+                                        </p:cTn>
+                                        <p:tgtEl>
+                                          <p:spTgt spid="4"/>
+                                        </p:tgtEl>
+                                        <p:attrNameLst>
+                                          <p:attrName>style.visibility</p:attrName>
+                                        </p:attrNameLst>
+                                      </p:cBhvr>
+                                      <p:to>
+                                        <p:strVal val="visible"/>
+                                      </p:to>
+                                    </p:set>
+                                    <p:animEffect transition="in" filter="fade">
+                                      <p:cBhvr>
+                                        <p:cTn id="7" dur="750"/>
+                                        <p:tgtEl>
+                                          <p:spTgt spid="4"/>
+                                        </p:tgtEl>
+                                      </p:cBhvr>
+                                    </p:animEffect>
+                                  </p:childTnLst>
+                                </p:cTn>
+                              </p:par>
+                            </p:childTnLst>
+                          </p:cTn>
+                        </p:par>
+                      </p:childTnLst>
+                    </p:cTn>
+                  </p:par>
+                  <p:par>
+                    <p:cTn id="8" fill="hold">
+                      <p:stCondLst>
+                        <p:cond delay="indefinite"/>
+                      </p:stCondLst>
+                      <p:childTnLst>
+                        <p:par>
+                          <p:cTn id="9" fill="hold">
+                            <p:stCondLst>
+                              <p:cond delay="0"/>
+                            </p:stCondLst>
+                            <p:childTnLst>
+                              <p:par>
+                                <p:cTn id="10" presetID="10" presetClass="entr" presetSubtype="0" fill="hold" nodeType="clickEffect">
+                                  <p:stCondLst>
+                                    <p:cond delay="0"/>
+                                  </p:stCondLst>
+                                  <p:childTnLst>
+                                    <p:set>
+                                      <p:cBhvr>
+                                        <p:cTn id="11" dur="1" fill="hold">
+                                          <p:stCondLst>
+                                            <p:cond delay="0"/>
+                                          </p:stCondLst>
+                                        </p:cTn>
+                                        <p:tgtEl>
+                                          <p:spTgt spid="3"/>
+                                        </p:tgtEl>
+                                        <p:attrNameLst>
+                                          <p:attrName>style.visibility</p:attrName>
+                                        </p:attrNameLst>
+                                      </p:cBhvr>
+                                      <p:to>
+                                        <p:strVal val="visible"/>
+                                      </p:to>
+                                    </p:set>
+                                    <p:animEffect transition="in" filter="fade">
+                                      <p:cBhvr>
+                                        <p:cTn id="12" dur="750"/>
+                                        <p:tgtEl>
+                                          <p:spTgt spid="3"/>
+                                        </p:tgtEl>
+                                      </p:cBhvr>
+                                    </p:animEffect>
+                                  </p:childTnLst>
+                                </p:cTn>
+                              </p:par>
+                            </p:childTnLst>
+                          </p:cTn>
+                        </p:par>
+                      </p:childTnLst>
+                    </p:cTn>
+                  </p:par>
+                </p:childTnLst>
+              </p:cTn>
+              <p:prevCondLst>
+                <p:cond evt="onPrev" delay="0">
+                  <p:tgtEl>
+                    <p:sldTgt/>
+                  </p:tgtEl>
+                </p:cond>
+              </p:prevCondLst>
+              <p:nextCondLst>
+                <p:cond evt="onNext" delay="0">
+                  <p:tgtEl>
+                    <p:sldTgt/>
+                  </p:tgtEl>
+                </p:cond>
+              </p:nextCondLst>
+            </p:seq>
+          </p:childTnLst>
+        </p:cTn>
+      </p:par>
+    </p:tnLst>
+  </p:timing>
+</p:sld>
+</file>
+
+<file path=ppt/slides/slide7.xml><?xml version="1.0" encoding="utf-8"?>
+<p:sld xmlns:a="http://schemas.openxmlformats.org/drawingml/2006/main" xmlns:r="http://schemas.openxmlformats.org/officeDocument/2006/relationships" xmlns:p="http://schemas.openxmlformats.org/presentationml/2006/main">
+  <p:cSld>
+    <p:spTree>
+      <p:nvGrpSpPr>
+        <p:cNvPr id="1" name=""/>
+        <p:cNvGrpSpPr/>
+        <p:nvPr/>
+      </p:nvGrpSpPr>
+      <p:grpSpPr>
+        <a:xfrm>
+          <a:off x="0" y="0"/>
+          <a:ext cx="0" cy="0"/>
+          <a:chOff x="0" y="0"/>
+          <a:chExt cx="0" cy="0"/>
+        </a:xfrm>
+      </p:grpSpPr>
+      <p:sp>
+        <p:nvSpPr>
+          <p:cNvPr id="2" name="Titel 1"/>
+          <p:cNvSpPr>
+            <a:spLocks noGrp="1"/>
+          </p:cNvSpPr>
+          <p:nvPr>
+            <p:ph type="title"/>
+          </p:nvPr>
+        </p:nvSpPr>
+        <p:spPr>
+          <a:xfrm>
+            <a:off x="907810" y="356623"/>
+            <a:ext cx="10058400" cy="1295062"/>
+          </a:xfrm>
+        </p:spPr>
+        <p:txBody>
+          <a:bodyPr/>
+          <a:lstStyle/>
+          <a:p>
+            <a:r>
+              <a:rPr lang="nl-BE" dirty="0" smtClean="0"/>
+              <a:t>Registreren &amp; Inloggen</a:t>
+            </a:r>
+            <a:endParaRPr lang="nl-BE" dirty="0"/>
+          </a:p>
+        </p:txBody>
+      </p:sp>
+      <p:cxnSp>
+        <p:nvCxnSpPr>
+          <p:cNvPr id="6" name="Rechte verbindingslijn 5"/>
+          <p:cNvCxnSpPr/>
+          <p:nvPr/>
+        </p:nvCxnSpPr>
+        <p:spPr>
+          <a:xfrm flipH="1">
+            <a:off x="5667633" y="1890582"/>
+            <a:ext cx="8237" cy="3690551"/>
+          </a:xfrm>
+          <a:prstGeom prst="line">
+            <a:avLst/>
+          </a:prstGeom>
+        </p:spPr>
+        <p:style>
+          <a:lnRef idx="1">
+            <a:schemeClr val="dk1"/>
+          </a:lnRef>
+          <a:fillRef idx="0">
+            <a:schemeClr val="dk1"/>
+          </a:fillRef>
+          <a:effectRef idx="0">
+            <a:schemeClr val="dk1"/>
+          </a:effectRef>
+          <a:fontRef idx="minor">
+            <a:schemeClr val="tx1"/>
+          </a:fontRef>
+        </p:style>
+      </p:cxnSp>
+      <p:pic>
+        <p:nvPicPr>
+          <p:cNvPr id="7" name="Afbeelding 6"/>
+          <p:cNvPicPr/>
+          <p:nvPr/>
+        </p:nvPicPr>
+        <p:blipFill>
+          <a:blip r:embed="rId2">
+            <a:extLst>
+              <a:ext uri="{28A0092B-C50C-407E-A947-70E740481C1C}">
+                <a14:useLocalDpi xmlns:a14="http://schemas.microsoft.com/office/drawing/2010/main" val="0"/>
+              </a:ext>
+            </a:extLst>
+          </a:blip>
+          <a:stretch>
+            <a:fillRect/>
+          </a:stretch>
+        </p:blipFill>
+        <p:spPr>
+          <a:xfrm>
+            <a:off x="595052" y="2125359"/>
+            <a:ext cx="4695567" cy="3220995"/>
+          </a:xfrm>
+          <a:prstGeom prst="rect">
+            <a:avLst/>
+          </a:prstGeom>
+        </p:spPr>
+      </p:pic>
+      <p:pic>
+        <p:nvPicPr>
+          <p:cNvPr id="9" name="Afbeelding 8"/>
+          <p:cNvPicPr>
+            <a:picLocks noChangeAspect="1"/>
+          </p:cNvPicPr>
+          <p:nvPr/>
+        </p:nvPicPr>
+        <p:blipFill>
+          <a:blip r:embed="rId3"/>
+          <a:stretch>
+            <a:fillRect/>
+          </a:stretch>
+        </p:blipFill>
+        <p:spPr>
+          <a:xfrm>
+            <a:off x="6052884" y="2125358"/>
+            <a:ext cx="5037162" cy="3220995"/>
+          </a:xfrm>
+          <a:prstGeom prst="rect">
+            <a:avLst/>
+          </a:prstGeom>
+        </p:spPr>
+      </p:pic>
+    </p:spTree>
+    <p:extLst>
+      <p:ext uri="{BB962C8B-B14F-4D97-AF65-F5344CB8AC3E}">
+        <p14:creationId xmlns:p14="http://schemas.microsoft.com/office/powerpoint/2010/main" val="1410933059"/>
+      </p:ext>
+    </p:extLst>
+  </p:cSld>
+  <p:clrMapOvr>
+    <a:masterClrMapping/>
+  </p:clrMapOvr>
+  <p:timing>
+    <p:tnLst>
+      <p:par>
+        <p:cTn id="1" dur="indefinite" restart="never" nodeType="tmRoot">
+          <p:childTnLst>
+            <p:seq concurrent="1" nextAc="seek">
+              <p:cTn id="2" dur="indefinite" nodeType="mainSeq">
+                <p:childTnLst>
+                  <p:par>
+                    <p:cTn id="3" fill="hold">
+                      <p:stCondLst>
+                        <p:cond delay="indefinite"/>
+                        <p:cond evt="onBegin" delay="0">
+                          <p:tn val="2"/>
+                        </p:cond>
+                      </p:stCondLst>
+                      <p:childTnLst>
+                        <p:par>
+                          <p:cTn id="4" fill="hold">
+                            <p:stCondLst>
+                              <p:cond delay="0"/>
+                            </p:stCondLst>
+                            <p:childTnLst>
+                              <p:par>
+                                <p:cTn id="5" presetID="10" presetClass="entr" presetSubtype="0" fill="hold" nodeType="afterEffect">
+                                  <p:stCondLst>
+                                    <p:cond delay="0"/>
+                                  </p:stCondLst>
+                                  <p:childTnLst>
+                                    <p:set>
+                                      <p:cBhvr>
+                                        <p:cTn id="6" dur="1" fill="hold">
+                                          <p:stCondLst>
+                                            <p:cond delay="0"/>
+                                          </p:stCondLst>
+                                        </p:cTn>
+                                        <p:tgtEl>
+                                          <p:spTgt spid="7"/>
+                                        </p:tgtEl>
+                                        <p:attrNameLst>
+                                          <p:attrName>style.visibility</p:attrName>
+                                        </p:attrNameLst>
+                                      </p:cBhvr>
+                                      <p:to>
+                                        <p:strVal val="visible"/>
+                                      </p:to>
+                                    </p:set>
+                                    <p:animEffect transition="in" filter="fade">
+                                      <p:cBhvr>
+                                        <p:cTn id="7" dur="750"/>
+                                        <p:tgtEl>
+                                          <p:spTgt spid="7"/>
+                                        </p:tgtEl>
+                                      </p:cBhvr>
+                                    </p:animEffect>
+                                  </p:childTnLst>
+                                </p:cTn>
+                              </p:par>
+                            </p:childTnLst>
+                          </p:cTn>
+                        </p:par>
+                      </p:childTnLst>
+                    </p:cTn>
+                  </p:par>
+                  <p:par>
+                    <p:cTn id="8" fill="hold">
+                      <p:stCondLst>
+                        <p:cond delay="indefinite"/>
+                      </p:stCondLst>
+                      <p:childTnLst>
+                        <p:par>
+                          <p:cTn id="9" fill="hold">
+                            <p:stCondLst>
+                              <p:cond delay="0"/>
+                            </p:stCondLst>
+                            <p:childTnLst>
+                              <p:par>
+                                <p:cTn id="10" presetID="10" presetClass="entr" presetSubtype="0" fill="hold" nodeType="clickEffect">
+                                  <p:stCondLst>
+                                    <p:cond delay="0"/>
+                                  </p:stCondLst>
+                                  <p:childTnLst>
+                                    <p:set>
+                                      <p:cBhvr>
+                                        <p:cTn id="11" dur="1" fill="hold">
+                                          <p:stCondLst>
+                                            <p:cond delay="0"/>
+                                          </p:stCondLst>
+                                        </p:cTn>
+                                        <p:tgtEl>
+                                          <p:spTgt spid="9"/>
+                                        </p:tgtEl>
+                                        <p:attrNameLst>
+                                          <p:attrName>style.visibility</p:attrName>
+                                        </p:attrNameLst>
+                                      </p:cBhvr>
+                                      <p:to>
+                                        <p:strVal val="visible"/>
+                                      </p:to>
+                                    </p:set>
+                                    <p:animEffect transition="in" filter="fade">
+                                      <p:cBhvr>
+                                        <p:cTn id="12" dur="750"/>
+                                        <p:tgtEl>
+                                          <p:spTgt spid="9"/>
+                                        </p:tgtEl>
+                                      </p:cBhvr>
+                                    </p:animEffect>
+                                  </p:childTnLst>
+                                </p:cTn>
+                              </p:par>
+                            </p:childTnLst>
+                          </p:cTn>
+                        </p:par>
+                      </p:childTnLst>
+                    </p:cTn>
+                  </p:par>
+                </p:childTnLst>
+              </p:cTn>
+              <p:prevCondLst>
+                <p:cond evt="onPrev" delay="0">
+                  <p:tgtEl>
+                    <p:sldTgt/>
+                  </p:tgtEl>
+                </p:cond>
+              </p:prevCondLst>
+              <p:nextCondLst>
+                <p:cond evt="onNext" delay="0">
+                  <p:tgtEl>
+                    <p:sldTgt/>
+                  </p:tgtEl>
+                </p:cond>
+              </p:nextCondLst>
+            </p:seq>
+          </p:childTnLst>
+        </p:cTn>
+      </p:par>
+    </p:tnLst>
+  </p:timing>
+</p:sld>
+</file>
+
+<file path=ppt/slides/slide8.xml><?xml version="1.0" encoding="utf-8"?>
+<p:sld xmlns:a="http://schemas.openxmlformats.org/drawingml/2006/main" xmlns:r="http://schemas.openxmlformats.org/officeDocument/2006/relationships" xmlns:p="http://schemas.openxmlformats.org/presentationml/2006/main">
+  <p:cSld>
+    <p:spTree>
+      <p:nvGrpSpPr>
+        <p:cNvPr id="1" name=""/>
+        <p:cNvGrpSpPr/>
+        <p:nvPr/>
+      </p:nvGrpSpPr>
+      <p:grpSpPr>
+        <a:xfrm>
+          <a:off x="0" y="0"/>
+          <a:ext cx="0" cy="0"/>
+          <a:chOff x="0" y="0"/>
+          <a:chExt cx="0" cy="0"/>
+        </a:xfrm>
+      </p:grpSpPr>
+      <p:sp>
+        <p:nvSpPr>
+          <p:cNvPr id="2" name="Titel 1"/>
+          <p:cNvSpPr>
+            <a:spLocks noGrp="1"/>
+          </p:cNvSpPr>
+          <p:nvPr>
+            <p:ph type="title"/>
+          </p:nvPr>
+        </p:nvSpPr>
+        <p:spPr>
+          <a:xfrm>
+            <a:off x="907810" y="356623"/>
+            <a:ext cx="10058400" cy="1295062"/>
+          </a:xfrm>
+        </p:spPr>
+        <p:txBody>
+          <a:bodyPr/>
+          <a:lstStyle/>
+          <a:p>
+            <a:r>
+              <a:rPr lang="nl-BE" dirty="0" err="1" smtClean="0"/>
+              <a:t>Paymentpagina</a:t>
+            </a:r>
+            <a:endParaRPr lang="nl-BE" dirty="0"/>
+          </a:p>
+        </p:txBody>
+      </p:sp>
+      <p:cxnSp>
+        <p:nvCxnSpPr>
+          <p:cNvPr id="6" name="Rechte verbindingslijn 5"/>
+          <p:cNvCxnSpPr/>
+          <p:nvPr/>
+        </p:nvCxnSpPr>
+        <p:spPr>
+          <a:xfrm flipH="1">
+            <a:off x="5667633" y="1890582"/>
+            <a:ext cx="8237" cy="3690551"/>
+          </a:xfrm>
+          <a:prstGeom prst="line">
+            <a:avLst/>
+          </a:prstGeom>
+        </p:spPr>
+        <p:style>
+          <a:lnRef idx="1">
+            <a:schemeClr val="dk1"/>
+          </a:lnRef>
+          <a:fillRef idx="0">
+            <a:schemeClr val="dk1"/>
+          </a:fillRef>
+          <a:effectRef idx="0">
+            <a:schemeClr val="dk1"/>
+          </a:effectRef>
+          <a:fontRef idx="minor">
+            <a:schemeClr val="tx1"/>
+          </a:fontRef>
+        </p:style>
+      </p:cxnSp>
+      <p:pic>
+        <p:nvPicPr>
+          <p:cNvPr id="8" name="Afbeelding 7"/>
+          <p:cNvPicPr/>
+          <p:nvPr/>
+        </p:nvPicPr>
+        <p:blipFill>
+          <a:blip r:embed="rId2">
+            <a:extLst>
+              <a:ext uri="{28A0092B-C50C-407E-A947-70E740481C1C}">
+                <a14:useLocalDpi xmlns:a14="http://schemas.microsoft.com/office/drawing/2010/main" val="0"/>
+              </a:ext>
+            </a:extLst>
+          </a:blip>
+          <a:stretch>
+            <a:fillRect/>
+          </a:stretch>
+        </p:blipFill>
+        <p:spPr>
+          <a:xfrm>
+            <a:off x="683740" y="2125359"/>
+            <a:ext cx="4695567" cy="3220995"/>
+          </a:xfrm>
+          <a:prstGeom prst="rect">
+            <a:avLst/>
+          </a:prstGeom>
+        </p:spPr>
+      </p:pic>
+      <p:pic>
+        <p:nvPicPr>
+          <p:cNvPr id="9" name="Afbeelding 8"/>
+          <p:cNvPicPr>
+            <a:picLocks noChangeAspect="1"/>
+          </p:cNvPicPr>
+          <p:nvPr/>
+        </p:nvPicPr>
+        <p:blipFill>
+          <a:blip r:embed="rId3"/>
+          <a:stretch>
+            <a:fillRect/>
+          </a:stretch>
+        </p:blipFill>
+        <p:spPr>
+          <a:xfrm>
+            <a:off x="5964196" y="2125358"/>
+            <a:ext cx="5038680" cy="3220995"/>
+          </a:xfrm>
+          <a:prstGeom prst="rect">
+            <a:avLst/>
+          </a:prstGeom>
+        </p:spPr>
+      </p:pic>
+    </p:spTree>
+    <p:extLst>
+      <p:ext uri="{BB962C8B-B14F-4D97-AF65-F5344CB8AC3E}">
+        <p14:creationId xmlns:p14="http://schemas.microsoft.com/office/powerpoint/2010/main" val="1656114218"/>
+      </p:ext>
+    </p:extLst>
+  </p:cSld>
+  <p:clrMapOvr>
+    <a:masterClrMapping/>
+  </p:clrMapOvr>
+  <p:timing>
+    <p:tnLst>
+      <p:par>
+        <p:cTn id="1" dur="indefinite" restart="never" nodeType="tmRoot">
+          <p:childTnLst>
+            <p:seq concurrent="1" nextAc="seek">
+              <p:cTn id="2" dur="indefinite" nodeType="mainSeq">
+                <p:childTnLst>
+                  <p:par>
+                    <p:cTn id="3" fill="hold">
+                      <p:stCondLst>
+                        <p:cond delay="indefinite"/>
+                        <p:cond evt="onBegin" delay="0">
+                          <p:tn val="2"/>
+                        </p:cond>
+                      </p:stCondLst>
+                      <p:childTnLst>
+                        <p:par>
+                          <p:cTn id="4" fill="hold">
+                            <p:stCondLst>
+                              <p:cond delay="0"/>
+                            </p:stCondLst>
+                            <p:childTnLst>
+                              <p:par>
+                                <p:cTn id="5" presetID="10" presetClass="entr" presetSubtype="0" fill="hold" nodeType="afterEffect">
+                                  <p:stCondLst>
+                                    <p:cond delay="0"/>
+                                  </p:stCondLst>
+                                  <p:childTnLst>
+                                    <p:set>
+                                      <p:cBhvr>
+                                        <p:cTn id="6" dur="1" fill="hold">
+                                          <p:stCondLst>
+                                            <p:cond delay="0"/>
+                                          </p:stCondLst>
+                                        </p:cTn>
+                                        <p:tgtEl>
+                                          <p:spTgt spid="8"/>
+                                        </p:tgtEl>
+                                        <p:attrNameLst>
+                                          <p:attrName>style.visibility</p:attrName>
+                                        </p:attrNameLst>
+                                      </p:cBhvr>
+                                      <p:to>
+                                        <p:strVal val="visible"/>
+                                      </p:to>
+                                    </p:set>
+                                    <p:animEffect transition="in" filter="fade">
+                                      <p:cBhvr>
+                                        <p:cTn id="7" dur="750"/>
+                                        <p:tgtEl>
+                                          <p:spTgt spid="8"/>
+                                        </p:tgtEl>
+                                      </p:cBhvr>
+                                    </p:animEffect>
+                                  </p:childTnLst>
+                                </p:cTn>
+                              </p:par>
+                            </p:childTnLst>
+                          </p:cTn>
+                        </p:par>
+                      </p:childTnLst>
+                    </p:cTn>
+                  </p:par>
+                  <p:par>
+                    <p:cTn id="8" fill="hold">
+                      <p:stCondLst>
+                        <p:cond delay="indefinite"/>
+                      </p:stCondLst>
+                      <p:childTnLst>
+                        <p:par>
+                          <p:cTn id="9" fill="hold">
+                            <p:stCondLst>
+                              <p:cond delay="0"/>
+                            </p:stCondLst>
+                            <p:childTnLst>
+                              <p:par>
+                                <p:cTn id="10" presetID="10" presetClass="entr" presetSubtype="0" fill="hold" nodeType="clickEffect">
+                                  <p:stCondLst>
+                                    <p:cond delay="0"/>
+                                  </p:stCondLst>
+                                  <p:childTnLst>
+                                    <p:set>
+                                      <p:cBhvr>
+                                        <p:cTn id="11" dur="1" fill="hold">
+                                          <p:stCondLst>
+                                            <p:cond delay="0"/>
+                                          </p:stCondLst>
+                                        </p:cTn>
+                                        <p:tgtEl>
+                                          <p:spTgt spid="9"/>
+                                        </p:tgtEl>
+                                        <p:attrNameLst>
+                                          <p:attrName>style.visibility</p:attrName>
+                                        </p:attrNameLst>
+                                      </p:cBhvr>
+                                      <p:to>
+                                        <p:strVal val="visible"/>
+                                      </p:to>
+                                    </p:set>
+                                    <p:animEffect transition="in" filter="fade">
+                                      <p:cBhvr>
+                                        <p:cTn id="12" dur="750"/>
+                                        <p:tgtEl>
+                                          <p:spTgt spid="9"/>
+                                        </p:tgtEl>
+                                      </p:cBhvr>
+                                    </p:animEffect>
+                                  </p:childTnLst>
+                                </p:cTn>
+                              </p:par>
+                            </p:childTnLst>
+                          </p:cTn>
+                        </p:par>
+                      </p:childTnLst>
+                    </p:cTn>
+                  </p:par>
+                </p:childTnLst>
+              </p:cTn>
+              <p:prevCondLst>
+                <p:cond evt="onPrev" delay="0">
+                  <p:tgtEl>
+                    <p:sldTgt/>
+                  </p:tgtEl>
+                </p:cond>
+              </p:prevCondLst>
+              <p:nextCondLst>
+                <p:cond evt="onNext" delay="0">
+                  <p:tgtEl>
+                    <p:sldTgt/>
+                  </p:tgtEl>
+                </p:cond>
+              </p:nextCondLst>
+            </p:seq>
+          </p:childTnLst>
+        </p:cTn>
+      </p:par>
+    </p:tnLst>
+  </p:timing>
+</p:sld>
+</file>
+
+<file path=ppt/slides/slide9.xml><?xml version="1.0" encoding="utf-8"?>
+<p:sld xmlns:a="http://schemas.openxmlformats.org/drawingml/2006/main" xmlns:r="http://schemas.openxmlformats.org/officeDocument/2006/relationships" xmlns:p="http://schemas.openxmlformats.org/presentationml/2006/main">
+  <p:cSld>
+    <p:spTree>
+      <p:nvGrpSpPr>
+        <p:cNvPr id="1" name=""/>
+        <p:cNvGrpSpPr/>
+        <p:nvPr/>
+      </p:nvGrpSpPr>
+      <p:grpSpPr>
+        <a:xfrm>
+          <a:off x="0" y="0"/>
+          <a:ext cx="0" cy="0"/>
+          <a:chOff x="0" y="0"/>
+          <a:chExt cx="0" cy="0"/>
+        </a:xfrm>
+      </p:grpSpPr>
+      <p:sp>
+        <p:nvSpPr>
+          <p:cNvPr id="2" name="Titel 1"/>
+          <p:cNvSpPr>
+            <a:spLocks noGrp="1"/>
+          </p:cNvSpPr>
+          <p:nvPr>
+            <p:ph type="title"/>
+          </p:nvPr>
+        </p:nvSpPr>
+        <p:spPr>
+          <a:xfrm>
+            <a:off x="907810" y="356623"/>
+            <a:ext cx="10058400" cy="1295062"/>
+          </a:xfrm>
+        </p:spPr>
+        <p:txBody>
+          <a:bodyPr/>
+          <a:lstStyle/>
+          <a:p>
+            <a:r>
+              <a:rPr lang="nl-BE" dirty="0" err="1" smtClean="0"/>
+              <a:t>FileOverview</a:t>
+            </a:r>
+            <a:endParaRPr lang="nl-BE" dirty="0"/>
+          </a:p>
+        </p:txBody>
+      </p:sp>
+      <p:cxnSp>
+        <p:nvCxnSpPr>
+          <p:cNvPr id="6" name="Rechte verbindingslijn 5"/>
+          <p:cNvCxnSpPr/>
+          <p:nvPr/>
+        </p:nvCxnSpPr>
+        <p:spPr>
+          <a:xfrm flipH="1">
+            <a:off x="5667633" y="1890582"/>
+            <a:ext cx="8237" cy="3690551"/>
+          </a:xfrm>
+          <a:prstGeom prst="line">
+            <a:avLst/>
+          </a:prstGeom>
+        </p:spPr>
+        <p:style>
+          <a:lnRef idx="1">
+            <a:schemeClr val="dk1"/>
+          </a:lnRef>
+          <a:fillRef idx="0">
+            <a:schemeClr val="dk1"/>
+          </a:fillRef>
+          <a:effectRef idx="0">
+            <a:schemeClr val="dk1"/>
+          </a:effectRef>
+          <a:fontRef idx="minor">
+            <a:schemeClr val="tx1"/>
+          </a:fontRef>
+        </p:style>
+      </p:cxnSp>
+      <p:pic>
+        <p:nvPicPr>
+          <p:cNvPr id="8" name="Afbeelding 7"/>
+          <p:cNvPicPr/>
+          <p:nvPr/>
+        </p:nvPicPr>
+        <p:blipFill>
+          <a:blip r:embed="rId2">
+            <a:extLst>
+              <a:ext uri="{28A0092B-C50C-407E-A947-70E740481C1C}">
+                <a14:useLocalDpi xmlns:a14="http://schemas.microsoft.com/office/drawing/2010/main" val="0"/>
+              </a:ext>
+            </a:extLst>
+          </a:blip>
+          <a:stretch>
+            <a:fillRect/>
+          </a:stretch>
+        </p:blipFill>
+        <p:spPr>
+          <a:xfrm>
+            <a:off x="646828" y="2125358"/>
+            <a:ext cx="4695567" cy="3220995"/>
+          </a:xfrm>
+          <a:prstGeom prst="rect">
+            <a:avLst/>
+          </a:prstGeom>
+        </p:spPr>
+      </p:pic>
+      <p:pic>
+        <p:nvPicPr>
+          <p:cNvPr id="9" name="Afbeelding 8"/>
+          <p:cNvPicPr>
+            <a:picLocks noChangeAspect="1"/>
+          </p:cNvPicPr>
+          <p:nvPr/>
+        </p:nvPicPr>
+        <p:blipFill>
+          <a:blip r:embed="rId3"/>
+          <a:stretch>
+            <a:fillRect/>
+          </a:stretch>
+        </p:blipFill>
+        <p:spPr>
+          <a:xfrm>
+            <a:off x="6052884" y="2125359"/>
+            <a:ext cx="5029761" cy="3220995"/>
+          </a:xfrm>
+          <a:prstGeom prst="rect">
+            <a:avLst/>
+          </a:prstGeom>
+        </p:spPr>
+      </p:pic>
+    </p:spTree>
+    <p:extLst>
+      <p:ext uri="{BB962C8B-B14F-4D97-AF65-F5344CB8AC3E}">
+        <p14:creationId xmlns:p14="http://schemas.microsoft.com/office/powerpoint/2010/main" val="1079373523"/>
+      </p:ext>
+    </p:extLst>
+  </p:cSld>
+  <p:clrMapOvr>
+    <a:masterClrMapping/>
+  </p:clrMapOvr>
+  <p:timing>
+    <p:tnLst>
+      <p:par>
+        <p:cTn id="1" dur="indefinite" restart="never" nodeType="tmRoot">
+          <p:childTnLst>
+            <p:seq concurrent="1" nextAc="seek">
+              <p:cTn id="2" dur="indefinite" nodeType="mainSeq">
+                <p:childTnLst>
+                  <p:par>
+                    <p:cTn id="3" fill="hold">
+                      <p:stCondLst>
+                        <p:cond delay="indefinite"/>
+                        <p:cond evt="onBegin" delay="0">
+                          <p:tn val="2"/>
+                        </p:cond>
+                      </p:stCondLst>
+                      <p:childTnLst>
+                        <p:par>
+                          <p:cTn id="4" fill="hold">
+                            <p:stCondLst>
+                              <p:cond delay="0"/>
+                            </p:stCondLst>
+                            <p:childTnLst>
+                              <p:par>
+                                <p:cTn id="5" presetID="10" presetClass="entr" presetSubtype="0" fill="hold" nodeType="afterEffect">
+                                  <p:stCondLst>
+                                    <p:cond delay="0"/>
+                                  </p:stCondLst>
+                                  <p:childTnLst>
+                                    <p:set>
+                                      <p:cBhvr>
+                                        <p:cTn id="6" dur="1" fill="hold">
+                                          <p:stCondLst>
+                                            <p:cond delay="0"/>
+                                          </p:stCondLst>
+                                        </p:cTn>
+                                        <p:tgtEl>
+                                          <p:spTgt spid="8"/>
+                                        </p:tgtEl>
+                                        <p:attrNameLst>
+                                          <p:attrName>style.visibility</p:attrName>
+                                        </p:attrNameLst>
+                                      </p:cBhvr>
+                                      <p:to>
+                                        <p:strVal val="visible"/>
+                                      </p:to>
+                                    </p:set>
+                                    <p:animEffect transition="in" filter="fade">
+                                      <p:cBhvr>
+                                        <p:cTn id="7" dur="750"/>
+                                        <p:tgtEl>
+                                          <p:spTgt spid="8"/>
+                                        </p:tgtEl>
+                                      </p:cBhvr>
+                                    </p:animEffect>
+                                  </p:childTnLst>
+                                </p:cTn>
+                              </p:par>
+                            </p:childTnLst>
+                          </p:cTn>
+                        </p:par>
+                      </p:childTnLst>
+                    </p:cTn>
+                  </p:par>
+                  <p:par>
+                    <p:cTn id="8" fill="hold">
+                      <p:stCondLst>
+                        <p:cond delay="indefinite"/>
+                      </p:stCondLst>
+                      <p:childTnLst>
+                        <p:par>
+                          <p:cTn id="9" fill="hold">
+                            <p:stCondLst>
+                              <p:cond delay="0"/>
+                            </p:stCondLst>
+                            <p:childTnLst>
+                              <p:par>
+                                <p:cTn id="10" presetID="10" presetClass="entr" presetSubtype="0" fill="hold" nodeType="clickEffect">
+                                  <p:stCondLst>
+                                    <p:cond delay="0"/>
+                                  </p:stCondLst>
+                                  <p:childTnLst>
+                                    <p:set>
+                                      <p:cBhvr>
+                                        <p:cTn id="11" dur="1" fill="hold">
+                                          <p:stCondLst>
+                                            <p:cond delay="0"/>
+                                          </p:stCondLst>
+                                        </p:cTn>
+                                        <p:tgtEl>
+                                          <p:spTgt spid="9"/>
+                                        </p:tgtEl>
+                                        <p:attrNameLst>
+                                          <p:attrName>style.visibility</p:attrName>
+                                        </p:attrNameLst>
+                                      </p:cBhvr>
+                                      <p:to>
+                                        <p:strVal val="visible"/>
+                                      </p:to>
+                                    </p:set>
+                                    <p:animEffect transition="in" filter="fade">
+                                      <p:cBhvr>
+                                        <p:cTn id="12" dur="750"/>
+                                        <p:tgtEl>
+                                          <p:spTgt spid="9"/>
+                                        </p:tgtEl>
+                                      </p:cBhvr>
+                                    </p:animEffect>
+                                  </p:childTnLst>
+                                </p:cTn>
+                              </p:par>
+                            </p:childTnLst>
+                          </p:cTn>
+                        </p:par>
+                      </p:childTnLst>
+                    </p:cTn>
+                  </p:par>
+                </p:childTnLst>
+              </p:cTn>
+              <p:prevCondLst>
+                <p:cond evt="onPrev" delay="0">
+                  <p:tgtEl>
+                    <p:sldTgt/>
+                  </p:tgtEl>
+                </p:cond>
+              </p:prevCondLst>
+              <p:nextCondLst>
+                <p:cond evt="onNext" delay="0">
+                  <p:tgtEl>
+                    <p:sldTgt/>
+                  </p:tgtEl>
+                </p:cond>
+              </p:nextCondLst>
+            </p:seq>
+          </p:childTnLst>
+        </p:cTn>
+      </p:par>
+    </p:tnLst>
   </p:timing>
 </p:sld>
 </file>
@@ -13984,7 +14458,21 @@
 </Control>
 </file>
 
+<file path=customXml/item6.xml><?xml version="1.0" encoding="utf-8"?>
+<Control xmlns="http://schemas.microsoft.com/VisualStudio/2011/storyboarding/control">
+  <Id Name="System.Storyboarding.Annotation.AnimatedBanner" Revision="1" Stencil="System.Storyboarding.Annotation" StencilVersion="0.1"/>
+</Control>
+</file>
+
 <file path=customXml/itemProps1.xml><?xml version="1.0" encoding="utf-8"?>
+<ds:datastoreItem xmlns:ds="http://schemas.openxmlformats.org/officeDocument/2006/customXml" ds:itemID="{D7CD5E9E-2B0A-49A7-9EE3-B6B588328107}">
+  <ds:schemaRefs>
+    <ds:schemaRef ds:uri="http://schemas.microsoft.com/VisualStudio/2011/storyboarding/control"/>
+  </ds:schemaRefs>
+</ds:datastoreItem>
+</file>
+
+<file path=customXml/itemProps2.xml><?xml version="1.0" encoding="utf-8"?>
 <ds:datastoreItem xmlns:ds="http://schemas.openxmlformats.org/officeDocument/2006/customXml" ds:itemID="{17E92F0F-E05F-4BA6-9129-94999FE09AD2}">
   <ds:schemaRefs>
     <ds:schemaRef ds:uri="http://schemas.microsoft.com/VisualStudio/2011/storyboarding/control"/>
@@ -13992,16 +14480,8 @@
 </ds:datastoreItem>
 </file>
 
-<file path=customXml/itemProps2.xml><?xml version="1.0" encoding="utf-8"?>
-<ds:datastoreItem xmlns:ds="http://schemas.openxmlformats.org/officeDocument/2006/customXml" ds:itemID="{D7CD5E9E-2B0A-49A7-9EE3-B6B588328107}">
-  <ds:schemaRefs>
-    <ds:schemaRef ds:uri="http://schemas.microsoft.com/VisualStudio/2011/storyboarding/control"/>
-  </ds:schemaRefs>
-</ds:datastoreItem>
-</file>
-
 <file path=customXml/itemProps3.xml><?xml version="1.0" encoding="utf-8"?>
-<ds:datastoreItem xmlns:ds="http://schemas.openxmlformats.org/officeDocument/2006/customXml" ds:itemID="{CD5E1FAB-ACA4-4BD0-AEC5-381E28EC8851}">
+<ds:datastoreItem xmlns:ds="http://schemas.openxmlformats.org/officeDocument/2006/customXml" ds:itemID="{64B5D093-FA4C-4AC5-A799-F952A50D63B5}">
   <ds:schemaRefs>
     <ds:schemaRef ds:uri="http://schemas.microsoft.com/VisualStudio/2011/storyboarding/control"/>
   </ds:schemaRefs>
@@ -14017,7 +14497,15 @@
 </file>
 
 <file path=customXml/itemProps5.xml><?xml version="1.0" encoding="utf-8"?>
-<ds:datastoreItem xmlns:ds="http://schemas.openxmlformats.org/officeDocument/2006/customXml" ds:itemID="{64B5D093-FA4C-4AC5-A799-F952A50D63B5}">
+<ds:datastoreItem xmlns:ds="http://schemas.openxmlformats.org/officeDocument/2006/customXml" ds:itemID="{CD5E1FAB-ACA4-4BD0-AEC5-381E28EC8851}">
+  <ds:schemaRefs>
+    <ds:schemaRef ds:uri="http://schemas.microsoft.com/VisualStudio/2011/storyboarding/control"/>
+  </ds:schemaRefs>
+</ds:datastoreItem>
+</file>
+
+<file path=customXml/itemProps6.xml><?xml version="1.0" encoding="utf-8"?>
+<ds:datastoreItem xmlns:ds="http://schemas.openxmlformats.org/officeDocument/2006/customXml" ds:itemID="{DA2B88FD-8186-484D-9705-5BF146C27836}">
   <ds:schemaRefs>
     <ds:schemaRef ds:uri="http://schemas.microsoft.com/VisualStudio/2011/storyboarding/control"/>
   </ds:schemaRefs>

--- a/doc/Presentatie.pptx
+++ b/doc/Presentatie.pptx
@@ -22,10 +22,12 @@
     <p:sldId id="274" r:id="rId22"/>
     <p:sldId id="277" r:id="rId23"/>
     <p:sldId id="285" r:id="rId24"/>
-    <p:sldId id="283" r:id="rId25"/>
-    <p:sldId id="278" r:id="rId26"/>
-    <p:sldId id="279" r:id="rId27"/>
-    <p:sldId id="280" r:id="rId28"/>
+    <p:sldId id="286" r:id="rId25"/>
+    <p:sldId id="287" r:id="rId26"/>
+    <p:sldId id="283" r:id="rId27"/>
+    <p:sldId id="278" r:id="rId28"/>
+    <p:sldId id="279" r:id="rId29"/>
+    <p:sldId id="280" r:id="rId30"/>
   </p:sldIdLst>
   <p:sldSz cx="12192000" cy="6858000"/>
   <p:notesSz cx="6858000" cy="9144000"/>
@@ -264,7 +266,7 @@
           </a:lstStyle>
           <a:p>
             <a:r>
-              <a:rPr lang="nl-NL" smtClean="0"/>
+              <a:rPr lang="nl-NL"/>
               <a:t>Klik om de stijl te bewerken</a:t>
             </a:r>
             <a:endParaRPr lang="en-US" dirty="0"/>
@@ -336,7 +338,7 @@
           </a:lstStyle>
           <a:p>
             <a:r>
-              <a:rPr lang="nl-NL" smtClean="0"/>
+              <a:rPr lang="nl-NL"/>
               <a:t>Klik om de ondertitelstijl van het model te bewerken</a:t>
             </a:r>
             <a:endParaRPr lang="en-US" dirty="0"/>
@@ -402,7 +404,7 @@
           <a:p>
             <a:fld id="{991A4FD7-93B3-4A3D-9810-22EC526EE429}" type="slidenum">
               <a:rPr lang="nl-BE" smtClean="0"/>
-              <a:t>‹nr.›</a:t>
+              <a:t>‹#›</a:t>
             </a:fld>
             <a:endParaRPr lang="nl-BE"/>
           </a:p>
@@ -492,7 +494,7 @@
           <a:lstStyle/>
           <a:p>
             <a:r>
-              <a:rPr lang="nl-NL" smtClean="0"/>
+              <a:rPr lang="nl-NL"/>
               <a:t>Klik om de stijl te bewerken</a:t>
             </a:r>
             <a:endParaRPr lang="en-US" dirty="0"/>
@@ -516,35 +518,35 @@
           <a:p>
             <a:pPr lvl="0"/>
             <a:r>
-              <a:rPr lang="nl-NL" smtClean="0"/>
+              <a:rPr lang="nl-NL"/>
               <a:t>Klik om de modelstijlen te bewerken</a:t>
             </a:r>
           </a:p>
           <a:p>
             <a:pPr lvl="1"/>
             <a:r>
-              <a:rPr lang="nl-NL" smtClean="0"/>
+              <a:rPr lang="nl-NL"/>
               <a:t>Tweede niveau</a:t>
             </a:r>
           </a:p>
           <a:p>
             <a:pPr lvl="2"/>
             <a:r>
-              <a:rPr lang="nl-NL" smtClean="0"/>
+              <a:rPr lang="nl-NL"/>
               <a:t>Derde niveau</a:t>
             </a:r>
           </a:p>
           <a:p>
             <a:pPr lvl="3"/>
             <a:r>
-              <a:rPr lang="nl-NL" smtClean="0"/>
+              <a:rPr lang="nl-NL"/>
               <a:t>Vierde niveau</a:t>
             </a:r>
           </a:p>
           <a:p>
             <a:pPr lvl="4"/>
             <a:r>
-              <a:rPr lang="nl-NL" smtClean="0"/>
+              <a:rPr lang="nl-NL"/>
               <a:t>Vijfde niveau</a:t>
             </a:r>
             <a:endParaRPr lang="en-US" dirty="0"/>
@@ -610,7 +612,7 @@
           <a:p>
             <a:fld id="{991A4FD7-93B3-4A3D-9810-22EC526EE429}" type="slidenum">
               <a:rPr lang="nl-BE" smtClean="0"/>
-              <a:t>‹nr.›</a:t>
+              <a:t>‹#›</a:t>
             </a:fld>
             <a:endParaRPr lang="nl-BE"/>
           </a:p>
@@ -745,7 +747,7 @@
           <a:lstStyle/>
           <a:p>
             <a:r>
-              <a:rPr lang="nl-NL" smtClean="0"/>
+              <a:rPr lang="nl-NL"/>
               <a:t>Klik om de stijl te bewerken</a:t>
             </a:r>
             <a:endParaRPr lang="en-US" dirty="0"/>
@@ -774,35 +776,35 @@
           <a:p>
             <a:pPr lvl="0"/>
             <a:r>
-              <a:rPr lang="nl-NL" smtClean="0"/>
+              <a:rPr lang="nl-NL"/>
               <a:t>Klik om de modelstijlen te bewerken</a:t>
             </a:r>
           </a:p>
           <a:p>
             <a:pPr lvl="1"/>
             <a:r>
-              <a:rPr lang="nl-NL" smtClean="0"/>
+              <a:rPr lang="nl-NL"/>
               <a:t>Tweede niveau</a:t>
             </a:r>
           </a:p>
           <a:p>
             <a:pPr lvl="2"/>
             <a:r>
-              <a:rPr lang="nl-NL" smtClean="0"/>
+              <a:rPr lang="nl-NL"/>
               <a:t>Derde niveau</a:t>
             </a:r>
           </a:p>
           <a:p>
             <a:pPr lvl="3"/>
             <a:r>
-              <a:rPr lang="nl-NL" smtClean="0"/>
+              <a:rPr lang="nl-NL"/>
               <a:t>Vierde niveau</a:t>
             </a:r>
           </a:p>
           <a:p>
             <a:pPr lvl="4"/>
             <a:r>
-              <a:rPr lang="nl-NL" smtClean="0"/>
+              <a:rPr lang="nl-NL"/>
               <a:t>Vijfde niveau</a:t>
             </a:r>
             <a:endParaRPr lang="en-US" dirty="0"/>
@@ -868,7 +870,7 @@
           <a:p>
             <a:fld id="{991A4FD7-93B3-4A3D-9810-22EC526EE429}" type="slidenum">
               <a:rPr lang="nl-BE" smtClean="0"/>
-              <a:t>‹nr.›</a:t>
+              <a:t>‹#›</a:t>
             </a:fld>
             <a:endParaRPr lang="nl-BE"/>
           </a:p>
@@ -920,7 +922,7 @@
           <a:lstStyle/>
           <a:p>
             <a:r>
-              <a:rPr lang="nl-NL" smtClean="0"/>
+              <a:rPr lang="nl-NL"/>
               <a:t>Klik om de stijl te bewerken</a:t>
             </a:r>
             <a:endParaRPr lang="en-US" dirty="0"/>
@@ -944,35 +946,35 @@
           <a:p>
             <a:pPr lvl="0"/>
             <a:r>
-              <a:rPr lang="nl-NL" smtClean="0"/>
+              <a:rPr lang="nl-NL"/>
               <a:t>Klik om de modelstijlen te bewerken</a:t>
             </a:r>
           </a:p>
           <a:p>
             <a:pPr lvl="1"/>
             <a:r>
-              <a:rPr lang="nl-NL" smtClean="0"/>
+              <a:rPr lang="nl-NL"/>
               <a:t>Tweede niveau</a:t>
             </a:r>
           </a:p>
           <a:p>
             <a:pPr lvl="2"/>
             <a:r>
-              <a:rPr lang="nl-NL" smtClean="0"/>
+              <a:rPr lang="nl-NL"/>
               <a:t>Derde niveau</a:t>
             </a:r>
           </a:p>
           <a:p>
             <a:pPr lvl="3"/>
             <a:r>
-              <a:rPr lang="nl-NL" smtClean="0"/>
+              <a:rPr lang="nl-NL"/>
               <a:t>Vierde niveau</a:t>
             </a:r>
           </a:p>
           <a:p>
             <a:pPr lvl="4"/>
             <a:r>
-              <a:rPr lang="nl-NL" smtClean="0"/>
+              <a:rPr lang="nl-NL"/>
               <a:t>Vijfde niveau</a:t>
             </a:r>
             <a:endParaRPr lang="en-US" dirty="0"/>
@@ -1038,7 +1040,7 @@
           <a:p>
             <a:fld id="{991A4FD7-93B3-4A3D-9810-22EC526EE429}" type="slidenum">
               <a:rPr lang="nl-BE" smtClean="0"/>
-              <a:t>‹nr.›</a:t>
+              <a:t>‹#›</a:t>
             </a:fld>
             <a:endParaRPr lang="nl-BE"/>
           </a:p>
@@ -1189,7 +1191,7 @@
           </a:lstStyle>
           <a:p>
             <a:r>
-              <a:rPr lang="nl-NL" smtClean="0"/>
+              <a:rPr lang="nl-NL"/>
               <a:t>Klik om de stijl te bewerken</a:t>
             </a:r>
             <a:endParaRPr lang="en-US" dirty="0"/>
@@ -1310,7 +1312,7 @@
           <a:p>
             <a:pPr lvl="0"/>
             <a:r>
-              <a:rPr lang="nl-NL" smtClean="0"/>
+              <a:rPr lang="nl-NL"/>
               <a:t>Klik om de modelstijlen te bewerken</a:t>
             </a:r>
           </a:p>
@@ -1375,7 +1377,7 @@
           <a:p>
             <a:fld id="{991A4FD7-93B3-4A3D-9810-22EC526EE429}" type="slidenum">
               <a:rPr lang="nl-BE" smtClean="0"/>
-              <a:t>‹nr.›</a:t>
+              <a:t>‹#›</a:t>
             </a:fld>
             <a:endParaRPr lang="nl-BE"/>
           </a:p>
@@ -1470,7 +1472,7 @@
           <a:lstStyle/>
           <a:p>
             <a:r>
-              <a:rPr lang="nl-NL" smtClean="0"/>
+              <a:rPr lang="nl-NL"/>
               <a:t>Klik om de stijl te bewerken</a:t>
             </a:r>
             <a:endParaRPr lang="en-US" dirty="0"/>
@@ -1499,35 +1501,35 @@
           <a:p>
             <a:pPr lvl="0"/>
             <a:r>
-              <a:rPr lang="nl-NL" smtClean="0"/>
+              <a:rPr lang="nl-NL"/>
               <a:t>Klik om de modelstijlen te bewerken</a:t>
             </a:r>
           </a:p>
           <a:p>
             <a:pPr lvl="1"/>
             <a:r>
-              <a:rPr lang="nl-NL" smtClean="0"/>
+              <a:rPr lang="nl-NL"/>
               <a:t>Tweede niveau</a:t>
             </a:r>
           </a:p>
           <a:p>
             <a:pPr lvl="2"/>
             <a:r>
-              <a:rPr lang="nl-NL" smtClean="0"/>
+              <a:rPr lang="nl-NL"/>
               <a:t>Derde niveau</a:t>
             </a:r>
           </a:p>
           <a:p>
             <a:pPr lvl="3"/>
             <a:r>
-              <a:rPr lang="nl-NL" smtClean="0"/>
+              <a:rPr lang="nl-NL"/>
               <a:t>Vierde niveau</a:t>
             </a:r>
           </a:p>
           <a:p>
             <a:pPr lvl="4"/>
             <a:r>
-              <a:rPr lang="nl-NL" smtClean="0"/>
+              <a:rPr lang="nl-NL"/>
               <a:t>Vijfde niveau</a:t>
             </a:r>
             <a:endParaRPr lang="en-US" dirty="0"/>
@@ -1556,35 +1558,35 @@
           <a:p>
             <a:pPr lvl="0"/>
             <a:r>
-              <a:rPr lang="nl-NL" smtClean="0"/>
+              <a:rPr lang="nl-NL"/>
               <a:t>Klik om de modelstijlen te bewerken</a:t>
             </a:r>
           </a:p>
           <a:p>
             <a:pPr lvl="1"/>
             <a:r>
-              <a:rPr lang="nl-NL" smtClean="0"/>
+              <a:rPr lang="nl-NL"/>
               <a:t>Tweede niveau</a:t>
             </a:r>
           </a:p>
           <a:p>
             <a:pPr lvl="2"/>
             <a:r>
-              <a:rPr lang="nl-NL" smtClean="0"/>
+              <a:rPr lang="nl-NL"/>
               <a:t>Derde niveau</a:t>
             </a:r>
           </a:p>
           <a:p>
             <a:pPr lvl="3"/>
             <a:r>
-              <a:rPr lang="nl-NL" smtClean="0"/>
+              <a:rPr lang="nl-NL"/>
               <a:t>Vierde niveau</a:t>
             </a:r>
           </a:p>
           <a:p>
             <a:pPr lvl="4"/>
             <a:r>
-              <a:rPr lang="nl-NL" smtClean="0"/>
+              <a:rPr lang="nl-NL"/>
               <a:t>Vijfde niveau</a:t>
             </a:r>
             <a:endParaRPr lang="en-US" dirty="0"/>
@@ -1650,7 +1652,7 @@
           <a:p>
             <a:fld id="{991A4FD7-93B3-4A3D-9810-22EC526EE429}" type="slidenum">
               <a:rPr lang="nl-BE" smtClean="0"/>
-              <a:t>‹nr.›</a:t>
+              <a:t>‹#›</a:t>
             </a:fld>
             <a:endParaRPr lang="nl-BE"/>
           </a:p>
@@ -1707,7 +1709,7 @@
           <a:lstStyle/>
           <a:p>
             <a:r>
-              <a:rPr lang="nl-NL" smtClean="0"/>
+              <a:rPr lang="nl-NL"/>
               <a:t>Klik om de stijl te bewerken</a:t>
             </a:r>
             <a:endParaRPr lang="en-US" dirty="0"/>
@@ -1779,7 +1781,7 @@
           <a:p>
             <a:pPr lvl="0"/>
             <a:r>
-              <a:rPr lang="nl-NL" smtClean="0"/>
+              <a:rPr lang="nl-NL"/>
               <a:t>Klik om de modelstijlen te bewerken</a:t>
             </a:r>
           </a:p>
@@ -1807,35 +1809,35 @@
           <a:p>
             <a:pPr lvl="0"/>
             <a:r>
-              <a:rPr lang="nl-NL" smtClean="0"/>
+              <a:rPr lang="nl-NL"/>
               <a:t>Klik om de modelstijlen te bewerken</a:t>
             </a:r>
           </a:p>
           <a:p>
             <a:pPr lvl="1"/>
             <a:r>
-              <a:rPr lang="nl-NL" smtClean="0"/>
+              <a:rPr lang="nl-NL"/>
               <a:t>Tweede niveau</a:t>
             </a:r>
           </a:p>
           <a:p>
             <a:pPr lvl="2"/>
             <a:r>
-              <a:rPr lang="nl-NL" smtClean="0"/>
+              <a:rPr lang="nl-NL"/>
               <a:t>Derde niveau</a:t>
             </a:r>
           </a:p>
           <a:p>
             <a:pPr lvl="3"/>
             <a:r>
-              <a:rPr lang="nl-NL" smtClean="0"/>
+              <a:rPr lang="nl-NL"/>
               <a:t>Vierde niveau</a:t>
             </a:r>
           </a:p>
           <a:p>
             <a:pPr lvl="4"/>
             <a:r>
-              <a:rPr lang="nl-NL" smtClean="0"/>
+              <a:rPr lang="nl-NL"/>
               <a:t>Vijfde niveau</a:t>
             </a:r>
             <a:endParaRPr lang="en-US" dirty="0"/>
@@ -1907,7 +1909,7 @@
           <a:p>
             <a:pPr lvl="0"/>
             <a:r>
-              <a:rPr lang="nl-NL" smtClean="0"/>
+              <a:rPr lang="nl-NL"/>
               <a:t>Klik om de modelstijlen te bewerken</a:t>
             </a:r>
           </a:p>
@@ -1935,35 +1937,35 @@
           <a:p>
             <a:pPr lvl="0"/>
             <a:r>
-              <a:rPr lang="nl-NL" smtClean="0"/>
+              <a:rPr lang="nl-NL"/>
               <a:t>Klik om de modelstijlen te bewerken</a:t>
             </a:r>
           </a:p>
           <a:p>
             <a:pPr lvl="1"/>
             <a:r>
-              <a:rPr lang="nl-NL" smtClean="0"/>
+              <a:rPr lang="nl-NL"/>
               <a:t>Tweede niveau</a:t>
             </a:r>
           </a:p>
           <a:p>
             <a:pPr lvl="2"/>
             <a:r>
-              <a:rPr lang="nl-NL" smtClean="0"/>
+              <a:rPr lang="nl-NL"/>
               <a:t>Derde niveau</a:t>
             </a:r>
           </a:p>
           <a:p>
             <a:pPr lvl="3"/>
             <a:r>
-              <a:rPr lang="nl-NL" smtClean="0"/>
+              <a:rPr lang="nl-NL"/>
               <a:t>Vierde niveau</a:t>
             </a:r>
           </a:p>
           <a:p>
             <a:pPr lvl="4"/>
             <a:r>
-              <a:rPr lang="nl-NL" smtClean="0"/>
+              <a:rPr lang="nl-NL"/>
               <a:t>Vijfde niveau</a:t>
             </a:r>
             <a:endParaRPr lang="en-US" dirty="0"/>
@@ -2029,7 +2031,7 @@
           <a:p>
             <a:fld id="{991A4FD7-93B3-4A3D-9810-22EC526EE429}" type="slidenum">
               <a:rPr lang="nl-BE" smtClean="0"/>
-              <a:t>‹nr.›</a:t>
+              <a:t>‹#›</a:t>
             </a:fld>
             <a:endParaRPr lang="nl-BE"/>
           </a:p>
@@ -2081,7 +2083,7 @@
           <a:lstStyle/>
           <a:p>
             <a:r>
-              <a:rPr lang="nl-NL" smtClean="0"/>
+              <a:rPr lang="nl-NL"/>
               <a:t>Klik om de stijl te bewerken</a:t>
             </a:r>
             <a:endParaRPr lang="en-US" dirty="0"/>
@@ -2147,7 +2149,7 @@
           <a:p>
             <a:fld id="{991A4FD7-93B3-4A3D-9810-22EC526EE429}" type="slidenum">
               <a:rPr lang="nl-BE" smtClean="0"/>
-              <a:t>‹nr.›</a:t>
+              <a:t>‹#›</a:t>
             </a:fld>
             <a:endParaRPr lang="nl-BE"/>
           </a:p>
@@ -2328,7 +2330,7 @@
           <a:p>
             <a:fld id="{991A4FD7-93B3-4A3D-9810-22EC526EE429}" type="slidenum">
               <a:rPr lang="nl-BE" smtClean="0"/>
-              <a:t>‹nr.›</a:t>
+              <a:t>‹#›</a:t>
             </a:fld>
             <a:endParaRPr lang="nl-BE"/>
           </a:p>
@@ -2473,7 +2475,7 @@
           </a:lstStyle>
           <a:p>
             <a:r>
-              <a:rPr lang="nl-NL" smtClean="0"/>
+              <a:rPr lang="nl-NL"/>
               <a:t>Klik om de stijl te bewerken</a:t>
             </a:r>
             <a:endParaRPr lang="en-US" dirty="0"/>
@@ -2502,35 +2504,35 @@
           <a:p>
             <a:pPr lvl="0"/>
             <a:r>
-              <a:rPr lang="nl-NL" smtClean="0"/>
+              <a:rPr lang="nl-NL"/>
               <a:t>Klik om de modelstijlen te bewerken</a:t>
             </a:r>
           </a:p>
           <a:p>
             <a:pPr lvl="1"/>
             <a:r>
-              <a:rPr lang="nl-NL" smtClean="0"/>
+              <a:rPr lang="nl-NL"/>
               <a:t>Tweede niveau</a:t>
             </a:r>
           </a:p>
           <a:p>
             <a:pPr lvl="2"/>
             <a:r>
-              <a:rPr lang="nl-NL" smtClean="0"/>
+              <a:rPr lang="nl-NL"/>
               <a:t>Derde niveau</a:t>
             </a:r>
           </a:p>
           <a:p>
             <a:pPr lvl="3"/>
             <a:r>
-              <a:rPr lang="nl-NL" smtClean="0"/>
+              <a:rPr lang="nl-NL"/>
               <a:t>Vierde niveau</a:t>
             </a:r>
           </a:p>
           <a:p>
             <a:pPr lvl="4"/>
             <a:r>
-              <a:rPr lang="nl-NL" smtClean="0"/>
+              <a:rPr lang="nl-NL"/>
               <a:t>Vijfde niveau</a:t>
             </a:r>
             <a:endParaRPr lang="en-US" dirty="0"/>
@@ -2602,7 +2604,7 @@
           <a:p>
             <a:pPr lvl="0"/>
             <a:r>
-              <a:rPr lang="nl-NL" smtClean="0"/>
+              <a:rPr lang="nl-NL"/>
               <a:t>Klik om de modelstijlen te bewerken</a:t>
             </a:r>
           </a:p>
@@ -2697,7 +2699,7 @@
           <a:p>
             <a:fld id="{991A4FD7-93B3-4A3D-9810-22EC526EE429}" type="slidenum">
               <a:rPr lang="nl-BE" smtClean="0"/>
-              <a:t>‹nr.›</a:t>
+              <a:t>‹#›</a:t>
             </a:fld>
             <a:endParaRPr lang="nl-BE"/>
           </a:p>
@@ -2842,7 +2844,7 @@
           </a:lstStyle>
           <a:p>
             <a:r>
-              <a:rPr lang="nl-NL" smtClean="0"/>
+              <a:rPr lang="nl-NL"/>
               <a:t>Klik om de stijl te bewerken</a:t>
             </a:r>
             <a:endParaRPr lang="en-US" dirty="0"/>
@@ -2912,7 +2914,7 @@
           </a:lstStyle>
           <a:p>
             <a:r>
-              <a:rPr lang="nl-NL" smtClean="0"/>
+              <a:rPr lang="nl-NL"/>
               <a:t>Klik op het pictogram als u een afbeelding wilt toevoegen</a:t>
             </a:r>
             <a:endParaRPr lang="en-US" dirty="0"/>
@@ -2990,7 +2992,7 @@
           <a:p>
             <a:pPr lvl="0"/>
             <a:r>
-              <a:rPr lang="nl-NL" smtClean="0"/>
+              <a:rPr lang="nl-NL"/>
               <a:t>Klik om de modelstijlen te bewerken</a:t>
             </a:r>
           </a:p>
@@ -3055,7 +3057,7 @@
           <a:p>
             <a:fld id="{991A4FD7-93B3-4A3D-9810-22EC526EE429}" type="slidenum">
               <a:rPr lang="nl-BE" smtClean="0"/>
-              <a:t>‹nr.›</a:t>
+              <a:t>‹#›</a:t>
             </a:fld>
             <a:endParaRPr lang="nl-BE"/>
           </a:p>
@@ -3200,7 +3202,7 @@
           <a:lstStyle/>
           <a:p>
             <a:r>
-              <a:rPr lang="nl-NL" smtClean="0"/>
+              <a:rPr lang="nl-NL"/>
               <a:t>Klik om de stijl te bewerken</a:t>
             </a:r>
             <a:endParaRPr lang="en-US" dirty="0"/>
@@ -3234,35 +3236,35 @@
           <a:p>
             <a:pPr lvl="0"/>
             <a:r>
-              <a:rPr lang="nl-NL" smtClean="0"/>
+              <a:rPr lang="nl-NL"/>
               <a:t>Klik om de modelstijlen te bewerken</a:t>
             </a:r>
           </a:p>
           <a:p>
             <a:pPr lvl="1"/>
             <a:r>
-              <a:rPr lang="nl-NL" smtClean="0"/>
+              <a:rPr lang="nl-NL"/>
               <a:t>Tweede niveau</a:t>
             </a:r>
           </a:p>
           <a:p>
             <a:pPr lvl="2"/>
             <a:r>
-              <a:rPr lang="nl-NL" smtClean="0"/>
+              <a:rPr lang="nl-NL"/>
               <a:t>Derde niveau</a:t>
             </a:r>
           </a:p>
           <a:p>
             <a:pPr lvl="3"/>
             <a:r>
-              <a:rPr lang="nl-NL" smtClean="0"/>
+              <a:rPr lang="nl-NL"/>
               <a:t>Vierde niveau</a:t>
             </a:r>
           </a:p>
           <a:p>
             <a:pPr lvl="4"/>
             <a:r>
-              <a:rPr lang="nl-NL" smtClean="0"/>
+              <a:rPr lang="nl-NL"/>
               <a:t>Vijfde niveau</a:t>
             </a:r>
             <a:endParaRPr lang="en-US" dirty="0"/>
@@ -3376,7 +3378,7 @@
           <a:p>
             <a:fld id="{991A4FD7-93B3-4A3D-9810-22EC526EE429}" type="slidenum">
               <a:rPr lang="nl-BE" smtClean="0"/>
-              <a:t>‹nr.›</a:t>
+              <a:t>‹#›</a:t>
             </a:fld>
             <a:endParaRPr lang="nl-BE"/>
           </a:p>
@@ -3842,14 +3844,13 @@
           <a:lstStyle/>
           <a:p>
             <a:r>
-              <a:rPr lang="nl-BE" dirty="0" err="1" smtClean="0"/>
+              <a:rPr lang="nl-BE" dirty="0" err="1"/>
               <a:t>Paperless</a:t>
             </a:r>
             <a:r>
-              <a:rPr lang="nl-BE" dirty="0" smtClean="0"/>
+              <a:rPr lang="nl-BE" dirty="0"/>
               <a:t> Office</a:t>
             </a:r>
-            <a:endParaRPr lang="nl-BE" dirty="0"/>
           </a:p>
         </p:txBody>
       </p:sp>
@@ -3869,19 +3870,19 @@
           <a:lstStyle/>
           <a:p>
             <a:r>
-              <a:rPr lang="nl-BE" dirty="0" smtClean="0"/>
+              <a:rPr lang="nl-BE" dirty="0"/>
               <a:t>Levi Gillis – Hannelore Peeters – </a:t>
             </a:r>
             <a:r>
-              <a:rPr lang="nl-BE" dirty="0" err="1" smtClean="0"/>
+              <a:rPr lang="nl-BE" dirty="0" err="1"/>
               <a:t>Sverre</a:t>
             </a:r>
             <a:r>
-              <a:rPr lang="nl-BE" dirty="0" smtClean="0"/>
+              <a:rPr lang="nl-BE" dirty="0"/>
               <a:t> </a:t>
             </a:r>
             <a:r>
-              <a:rPr lang="nl-BE" dirty="0" err="1" smtClean="0"/>
+              <a:rPr lang="nl-BE" dirty="0" err="1"/>
               <a:t>Oste</a:t>
             </a:r>
             <a:endParaRPr lang="nl-BE" dirty="0"/>
@@ -3898,13 +3899,6 @@
   <p:clrMapOvr>
     <a:masterClrMapping/>
   </p:clrMapOvr>
-  <p:timing>
-    <p:tnLst>
-      <p:par>
-        <p:cTn id="1" dur="indefinite" restart="never" nodeType="tmRoot"/>
-      </p:par>
-    </p:tnLst>
-  </p:timing>
 </p:sld>
 </file>
 
@@ -3946,10 +3940,9 @@
           <a:lstStyle/>
           <a:p>
             <a:r>
-              <a:rPr lang="nl-BE" dirty="0" smtClean="0"/>
+              <a:rPr lang="nl-BE" dirty="0"/>
               <a:t>Upload</a:t>
             </a:r>
-            <a:endParaRPr lang="nl-BE" dirty="0"/>
           </a:p>
         </p:txBody>
       </p:sp>
@@ -4225,7 +4218,7 @@
           <a:lstStyle/>
           <a:p>
             <a:r>
-              <a:rPr lang="nl-BE" dirty="0" err="1" smtClean="0"/>
+              <a:rPr lang="nl-BE" dirty="0" err="1"/>
               <a:t>DetailView</a:t>
             </a:r>
             <a:endParaRPr lang="nl-BE" dirty="0"/>
@@ -4543,7 +4536,7 @@
               <a:tabLst/>
             </a:pPr>
             <a:r>
-              <a:rPr kumimoji="0" lang="en-US" sz="6600" b="0" i="0" u="none" strike="noStrike" kern="0" cap="none" spc="0" normalizeH="0" baseline="0" noProof="0" dirty="0" smtClean="0">
+              <a:rPr kumimoji="0" lang="en-US" sz="6600" b="0" i="0" u="none" strike="noStrike" kern="0" cap="none" spc="0" normalizeH="0" baseline="0" noProof="0" dirty="0">
                 <a:ln>
                   <a:noFill/>
                 </a:ln>
@@ -4697,10 +4690,9 @@
           <a:lstStyle/>
           <a:p>
             <a:r>
-              <a:rPr lang="nl-BE" dirty="0" smtClean="0"/>
+              <a:rPr lang="nl-BE" dirty="0"/>
               <a:t>Overzicht</a:t>
             </a:r>
-            <a:endParaRPr lang="nl-BE" dirty="0"/>
           </a:p>
         </p:txBody>
       </p:sp>
@@ -4730,23 +4722,14 @@
               <a:buNone/>
             </a:pPr>
             <a:r>
-              <a:rPr lang="nl-BE" sz="2800" dirty="0" smtClean="0"/>
+              <a:rPr lang="nl-BE" sz="2800" dirty="0"/>
               <a:t>18 </a:t>
             </a:r>
             <a:r>
-              <a:rPr lang="nl-BE" sz="2800" dirty="0" err="1" smtClean="0"/>
+              <a:rPr lang="nl-BE" sz="2800" dirty="0" err="1"/>
               <a:t>Epics</a:t>
             </a:r>
-            <a:endParaRPr lang="nl-BE" sz="2800" dirty="0" smtClean="0"/>
-          </a:p>
-          <a:p>
-            <a:pPr marL="0" indent="0">
-              <a:buNone/>
-            </a:pPr>
-            <a:r>
-              <a:rPr lang="nl-BE" sz="2800" dirty="0" smtClean="0"/>
-              <a:t>11 Afgewerkt</a:t>
-            </a:r>
+            <a:endParaRPr lang="nl-BE" sz="2800" dirty="0"/>
           </a:p>
           <a:p>
             <a:pPr marL="0" indent="0">
@@ -4754,13 +4737,17 @@
             </a:pPr>
             <a:r>
               <a:rPr lang="nl-BE" sz="2800" dirty="0"/>
-              <a:t>7</a:t>
+              <a:t>11 Afgewerkt</a:t>
             </a:r>
+          </a:p>
+          <a:p>
+            <a:pPr marL="0" indent="0">
+              <a:buNone/>
+            </a:pPr>
             <a:r>
-              <a:rPr lang="nl-BE" sz="2800" dirty="0" smtClean="0"/>
-              <a:t> Onafgewerkt</a:t>
+              <a:rPr lang="nl-BE" sz="2800" dirty="0"/>
+              <a:t>7 Onafgewerkt</a:t>
             </a:r>
-            <a:endParaRPr lang="nl-BE" sz="2800" dirty="0"/>
           </a:p>
         </p:txBody>
       </p:sp>
@@ -5143,7 +5130,7 @@
               </a:lnSpc>
             </a:pPr>
             <a:r>
-              <a:rPr lang="nl-BE" dirty="0" smtClean="0"/>
+              <a:rPr lang="nl-BE" dirty="0"/>
               <a:t>Als gebruiker wil ik een homepagina om informatie over het product te vinden.</a:t>
             </a:r>
           </a:p>
@@ -5154,7 +5141,7 @@
               </a:lnSpc>
             </a:pPr>
             <a:r>
-              <a:rPr lang="nl-BE" dirty="0" smtClean="0"/>
+              <a:rPr lang="nl-BE" dirty="0"/>
               <a:t>Als gebruiker wil ik kunnen inloggen/registreren.</a:t>
             </a:r>
           </a:p>
@@ -5165,7 +5152,7 @@
               </a:lnSpc>
             </a:pPr>
             <a:r>
-              <a:rPr lang="nl-BE" dirty="0" smtClean="0"/>
+              <a:rPr lang="nl-BE" dirty="0"/>
               <a:t>Als gebruiker wil ik bestanden kunnen uploaden.</a:t>
             </a:r>
           </a:p>
@@ -5176,7 +5163,7 @@
               </a:lnSpc>
             </a:pPr>
             <a:r>
-              <a:rPr lang="nl-BE" dirty="0" smtClean="0"/>
+              <a:rPr lang="nl-BE" dirty="0"/>
               <a:t>Als gebruiker wil ik tags aan mijn geüploade bestanden kunnen toevoegen.</a:t>
             </a:r>
           </a:p>
@@ -5187,7 +5174,7 @@
               </a:lnSpc>
             </a:pPr>
             <a:r>
-              <a:rPr lang="nl-BE" dirty="0" smtClean="0"/>
+              <a:rPr lang="nl-BE" dirty="0"/>
               <a:t>Als gebruiker wil ik de geüploade bestanden kunnen filteren en sorteren op inhoud, datum, tags en naam.</a:t>
             </a:r>
           </a:p>
@@ -5198,7 +5185,7 @@
               </a:lnSpc>
             </a:pPr>
             <a:r>
-              <a:rPr lang="nl-BE" dirty="0" smtClean="0"/>
+              <a:rPr lang="nl-BE" dirty="0"/>
               <a:t>Als gebruiker wil ik mijn documenten online kunnen raadplegen.</a:t>
             </a:r>
           </a:p>
@@ -5209,7 +5196,7 @@
               </a:lnSpc>
             </a:pPr>
             <a:r>
-              <a:rPr lang="nl-BE" dirty="0" smtClean="0"/>
+              <a:rPr lang="nl-BE" dirty="0"/>
               <a:t>Als gebruiker wil ik elk document apart kunnen raadplegen en downloaden.</a:t>
             </a:r>
           </a:p>
@@ -5220,7 +5207,7 @@
               </a:lnSpc>
             </a:pPr>
             <a:r>
-              <a:rPr lang="nl-BE" dirty="0" smtClean="0"/>
+              <a:rPr lang="nl-BE" dirty="0"/>
               <a:t>Als gebruiker wil ik suggesties krijgen bij het geopende document.</a:t>
             </a:r>
           </a:p>
@@ -5231,15 +5218,15 @@
               </a:lnSpc>
             </a:pPr>
             <a:r>
-              <a:rPr lang="nl-BE" dirty="0" smtClean="0"/>
+              <a:rPr lang="nl-BE" dirty="0"/>
               <a:t>Als systeem wil ik </a:t>
             </a:r>
             <a:r>
-              <a:rPr lang="nl-BE" dirty="0" err="1" smtClean="0"/>
+              <a:rPr lang="nl-BE" dirty="0" err="1"/>
               <a:t>thumbnails</a:t>
             </a:r>
             <a:r>
-              <a:rPr lang="nl-BE" dirty="0" smtClean="0"/>
+              <a:rPr lang="nl-BE" dirty="0"/>
               <a:t> kunnen maken van afbeeldingen.</a:t>
             </a:r>
           </a:p>
@@ -5250,7 +5237,7 @@
               </a:lnSpc>
             </a:pPr>
             <a:r>
-              <a:rPr lang="nl-BE" dirty="0" smtClean="0"/>
+              <a:rPr lang="nl-BE" dirty="0"/>
               <a:t>Als systeem wil ik tekst kunnen herkennen in afbeeldingen.</a:t>
             </a:r>
           </a:p>
@@ -5261,7 +5248,7 @@
               </a:lnSpc>
             </a:pPr>
             <a:r>
-              <a:rPr lang="nl-BE" dirty="0" smtClean="0"/>
+              <a:rPr lang="nl-BE" dirty="0"/>
               <a:t>Als systeem wil ik content-tags kunnen genereren uit tekst.</a:t>
             </a:r>
           </a:p>
@@ -7401,11 +7388,7 @@
             </a:pPr>
             <a:r>
               <a:rPr lang="nl-BE" dirty="0"/>
-              <a:t>Als app gebruiker wil ik een foto kunnen nemen met gsm en </a:t>
-            </a:r>
-            <a:r>
-              <a:rPr lang="nl-BE" dirty="0" smtClean="0"/>
-              <a:t>uploaden.</a:t>
+              <a:t>Als app gebruiker wil ik een foto kunnen nemen met gsm en uploaden.</a:t>
             </a:r>
           </a:p>
           <a:p>
@@ -7414,7 +7397,7 @@
                 <a:spcPct val="200000"/>
               </a:lnSpc>
             </a:pPr>
-            <a:endParaRPr lang="nl-BE" dirty="0" smtClean="0"/>
+            <a:endParaRPr lang="nl-BE" dirty="0"/>
           </a:p>
           <a:p>
             <a:pPr>
@@ -7424,11 +7407,7 @@
             </a:pPr>
             <a:r>
               <a:rPr lang="nl-BE" dirty="0"/>
-              <a:t>Als gebruiker wil ik een optie om de beschikbare data uit te breiden</a:t>
-            </a:r>
-            <a:r>
-              <a:rPr lang="nl-BE" dirty="0" smtClean="0"/>
-              <a:t>.</a:t>
+              <a:t>Als gebruiker wil ik een optie om de beschikbare data uit te breiden.</a:t>
             </a:r>
           </a:p>
           <a:p>
@@ -7438,7 +7417,7 @@
               </a:lnSpc>
             </a:pPr>
             <a:r>
-              <a:rPr lang="nl-BE" dirty="0" smtClean="0"/>
+              <a:rPr lang="nl-BE" dirty="0"/>
               <a:t>Als gebruiker wil ik mijn dataverbruik kunnen checken.</a:t>
             </a:r>
           </a:p>
@@ -7449,7 +7428,7 @@
               </a:lnSpc>
             </a:pPr>
             <a:r>
-              <a:rPr lang="nl-BE" dirty="0" smtClean="0"/>
+              <a:rPr lang="nl-BE" dirty="0"/>
               <a:t>Als systeem wil ik controleren of de gebruiker nog beschikbare opslag heeft.</a:t>
             </a:r>
           </a:p>
@@ -7460,7 +7439,7 @@
               </a:lnSpc>
             </a:pPr>
             <a:r>
-              <a:rPr lang="nl-BE" dirty="0" smtClean="0"/>
+              <a:rPr lang="nl-BE" dirty="0"/>
               <a:t>Als provider wil ik klanten inlichten over de voordelen en prijzen van het systeem.</a:t>
             </a:r>
           </a:p>
@@ -7488,13 +7467,8 @@
             </a:r>
             <a:r>
               <a:rPr lang="nl-BE" dirty="0"/>
-              <a:t> kunnen omzetten naar afbeeldingen</a:t>
+              <a:t> kunnen omzetten naar afbeeldingen.</a:t>
             </a:r>
-            <a:r>
-              <a:rPr lang="nl-BE" dirty="0" smtClean="0"/>
-              <a:t>.</a:t>
-            </a:r>
-            <a:endParaRPr lang="nl-BE" dirty="0"/>
           </a:p>
         </p:txBody>
       </p:sp>
@@ -9727,7 +9701,7 @@
               <a:tabLst/>
             </a:pPr>
             <a:r>
-              <a:rPr lang="en-US" sz="6600" kern="0" noProof="0" dirty="0" err="1" smtClean="0">
+              <a:rPr lang="en-US" sz="6600" kern="0" noProof="0" dirty="0" err="1">
                 <a:solidFill>
                   <a:srgbClr val="FFFFFF"/>
                 </a:solidFill>
@@ -9736,7 +9710,7 @@
               <a:t>Mobiele</a:t>
             </a:r>
             <a:r>
-              <a:rPr lang="en-US" sz="6600" kern="0" noProof="0" dirty="0" smtClean="0">
+              <a:rPr lang="en-US" sz="6600" kern="0" noProof="0" dirty="0">
                 <a:solidFill>
                   <a:srgbClr val="FFFFFF"/>
                 </a:solidFill>
@@ -9744,7 +9718,7 @@
               </a:rPr>
               <a:t> App</a:t>
             </a:r>
-            <a:endParaRPr kumimoji="0" lang="en-US" sz="6600" b="0" i="0" u="none" strike="noStrike" kern="0" cap="none" spc="0" normalizeH="0" baseline="0" noProof="0" dirty="0" smtClean="0">
+            <a:endParaRPr kumimoji="0" lang="en-US" sz="6600" b="0" i="0" u="none" strike="noStrike" kern="0" cap="none" spc="0" normalizeH="0" baseline="0" noProof="0" dirty="0">
               <a:ln>
                 <a:noFill/>
               </a:ln>
@@ -9896,14 +9870,13 @@
           <a:lstStyle/>
           <a:p>
             <a:r>
-              <a:rPr lang="nl-BE" dirty="0" err="1" smtClean="0"/>
+              <a:rPr lang="nl-BE" dirty="0" err="1"/>
               <a:t>Responsive</a:t>
             </a:r>
             <a:r>
-              <a:rPr lang="nl-BE" dirty="0" smtClean="0"/>
+              <a:rPr lang="nl-BE" dirty="0"/>
               <a:t> design</a:t>
             </a:r>
-            <a:endParaRPr lang="nl-BE" dirty="0"/>
           </a:p>
         </p:txBody>
       </p:sp>
@@ -9923,8 +9896,32 @@
         </p:blipFill>
         <p:spPr>
           <a:xfrm>
-            <a:off x="1580549" y="1816349"/>
+            <a:off x="3073789" y="1816350"/>
             <a:ext cx="2319097" cy="4432051"/>
+          </a:xfrm>
+          <a:prstGeom prst="rect">
+            <a:avLst/>
+          </a:prstGeom>
+        </p:spPr>
+      </p:pic>
+      <p:pic>
+        <p:nvPicPr>
+          <p:cNvPr id="4" name="Picture 3"/>
+          <p:cNvPicPr>
+            <a:picLocks noChangeAspect="1"/>
+          </p:cNvPicPr>
+          <p:nvPr/>
+        </p:nvPicPr>
+        <p:blipFill>
+          <a:blip r:embed="rId3"/>
+          <a:stretch>
+            <a:fillRect/>
+          </a:stretch>
+        </p:blipFill>
+        <p:spPr>
+          <a:xfrm>
+            <a:off x="6342740" y="1816349"/>
+            <a:ext cx="2319097" cy="4432052"/>
           </a:xfrm>
           <a:prstGeom prst="rect">
             <a:avLst/>
@@ -10031,6 +10028,1176 @@
 </file>
 
 <file path=ppt/slides/slide18.xml><?xml version="1.0" encoding="utf-8"?>
+<p:sld xmlns:a="http://schemas.openxmlformats.org/drawingml/2006/main" xmlns:r="http://schemas.openxmlformats.org/officeDocument/2006/relationships" xmlns:p="http://schemas.openxmlformats.org/presentationml/2006/main">
+  <p:cSld>
+    <p:spTree>
+      <p:nvGrpSpPr>
+        <p:cNvPr id="1" name=""/>
+        <p:cNvGrpSpPr/>
+        <p:nvPr/>
+      </p:nvGrpSpPr>
+      <p:grpSpPr>
+        <a:xfrm>
+          <a:off x="0" y="0"/>
+          <a:ext cx="0" cy="0"/>
+          <a:chOff x="0" y="0"/>
+          <a:chExt cx="0" cy="0"/>
+        </a:xfrm>
+      </p:grpSpPr>
+      <p:sp>
+        <p:nvSpPr>
+          <p:cNvPr id="2" name="Titel 1"/>
+          <p:cNvSpPr>
+            <a:spLocks noGrp="1"/>
+          </p:cNvSpPr>
+          <p:nvPr>
+            <p:ph type="title"/>
+          </p:nvPr>
+        </p:nvSpPr>
+        <p:spPr/>
+        <p:txBody>
+          <a:bodyPr/>
+          <a:lstStyle/>
+          <a:p>
+            <a:r>
+              <a:rPr lang="en-US" dirty="0"/>
+              <a:t>Z</a:t>
+            </a:r>
+            <a:r>
+              <a:rPr lang="nl-BE" dirty="0"/>
+              <a:t>elfde uitzicht en werking</a:t>
+            </a:r>
+          </a:p>
+        </p:txBody>
+      </p:sp>
+      <p:pic>
+        <p:nvPicPr>
+          <p:cNvPr id="4" name="Picture 3"/>
+          <p:cNvPicPr>
+            <a:picLocks noChangeAspect="1"/>
+          </p:cNvPicPr>
+          <p:nvPr/>
+        </p:nvPicPr>
+        <p:blipFill>
+          <a:blip r:embed="rId2"/>
+          <a:stretch>
+            <a:fillRect/>
+          </a:stretch>
+        </p:blipFill>
+        <p:spPr>
+          <a:xfrm>
+            <a:off x="1332248" y="1807960"/>
+            <a:ext cx="2319097" cy="4432052"/>
+          </a:xfrm>
+          <a:prstGeom prst="rect">
+            <a:avLst/>
+          </a:prstGeom>
+        </p:spPr>
+      </p:pic>
+      <p:pic>
+        <p:nvPicPr>
+          <p:cNvPr id="6" name="Picture 5"/>
+          <p:cNvPicPr>
+            <a:picLocks noChangeAspect="1"/>
+          </p:cNvPicPr>
+          <p:nvPr/>
+        </p:nvPicPr>
+        <p:blipFill>
+          <a:blip r:embed="rId3"/>
+          <a:stretch>
+            <a:fillRect/>
+          </a:stretch>
+        </p:blipFill>
+        <p:spPr>
+          <a:xfrm>
+            <a:off x="4441970" y="1807960"/>
+            <a:ext cx="2319097" cy="4432052"/>
+          </a:xfrm>
+          <a:prstGeom prst="rect">
+            <a:avLst/>
+          </a:prstGeom>
+        </p:spPr>
+      </p:pic>
+      <p:pic>
+        <p:nvPicPr>
+          <p:cNvPr id="8" name="Picture 7"/>
+          <p:cNvPicPr>
+            <a:picLocks noChangeAspect="1"/>
+          </p:cNvPicPr>
+          <p:nvPr/>
+        </p:nvPicPr>
+        <p:blipFill>
+          <a:blip r:embed="rId4"/>
+          <a:stretch>
+            <a:fillRect/>
+          </a:stretch>
+        </p:blipFill>
+        <p:spPr>
+          <a:xfrm>
+            <a:off x="7551692" y="1807960"/>
+            <a:ext cx="2319097" cy="4432052"/>
+          </a:xfrm>
+          <a:prstGeom prst="rect">
+            <a:avLst/>
+          </a:prstGeom>
+        </p:spPr>
+      </p:pic>
+    </p:spTree>
+    <p:extLst>
+      <p:ext uri="{BB962C8B-B14F-4D97-AF65-F5344CB8AC3E}">
+        <p14:creationId xmlns:p14="http://schemas.microsoft.com/office/powerpoint/2010/main" val="3038554553"/>
+      </p:ext>
+    </p:extLst>
+  </p:cSld>
+  <p:clrMapOvr>
+    <a:masterClrMapping/>
+  </p:clrMapOvr>
+</p:sld>
+</file>
+
+<file path=ppt/slides/slide19.xml><?xml version="1.0" encoding="utf-8"?>
+<p:sld xmlns:a="http://schemas.openxmlformats.org/drawingml/2006/main" xmlns:r="http://schemas.openxmlformats.org/officeDocument/2006/relationships" xmlns:p="http://schemas.openxmlformats.org/presentationml/2006/main">
+  <p:cSld>
+    <p:spTree>
+      <p:nvGrpSpPr>
+        <p:cNvPr id="1" name=""/>
+        <p:cNvGrpSpPr/>
+        <p:nvPr/>
+      </p:nvGrpSpPr>
+      <p:grpSpPr>
+        <a:xfrm>
+          <a:off x="0" y="0"/>
+          <a:ext cx="0" cy="0"/>
+          <a:chOff x="0" y="0"/>
+          <a:chExt cx="0" cy="0"/>
+        </a:xfrm>
+      </p:grpSpPr>
+      <p:sp>
+        <p:nvSpPr>
+          <p:cNvPr id="2" name="Titel 1"/>
+          <p:cNvSpPr>
+            <a:spLocks noGrp="1"/>
+          </p:cNvSpPr>
+          <p:nvPr>
+            <p:ph type="title"/>
+          </p:nvPr>
+        </p:nvSpPr>
+        <p:spPr/>
+        <p:txBody>
+          <a:bodyPr/>
+          <a:lstStyle/>
+          <a:p>
+            <a:r>
+              <a:rPr lang="nl-BE" dirty="0"/>
+              <a:t>Upload</a:t>
+            </a:r>
+          </a:p>
+        </p:txBody>
+      </p:sp>
+      <p:pic>
+        <p:nvPicPr>
+          <p:cNvPr id="4" name="Picture 3"/>
+          <p:cNvPicPr>
+            <a:picLocks noChangeAspect="1"/>
+          </p:cNvPicPr>
+          <p:nvPr/>
+        </p:nvPicPr>
+        <p:blipFill>
+          <a:blip r:embed="rId2"/>
+          <a:stretch>
+            <a:fillRect/>
+          </a:stretch>
+        </p:blipFill>
+        <p:spPr>
+          <a:xfrm>
+            <a:off x="288019" y="1871563"/>
+            <a:ext cx="2185577" cy="4176879"/>
+          </a:xfrm>
+          <a:prstGeom prst="rect">
+            <a:avLst/>
+          </a:prstGeom>
+        </p:spPr>
+      </p:pic>
+      <p:pic>
+        <p:nvPicPr>
+          <p:cNvPr id="5" name="Picture 4"/>
+          <p:cNvPicPr>
+            <a:picLocks noChangeAspect="1"/>
+          </p:cNvPicPr>
+          <p:nvPr/>
+        </p:nvPicPr>
+        <p:blipFill>
+          <a:blip r:embed="rId3"/>
+          <a:stretch>
+            <a:fillRect/>
+          </a:stretch>
+        </p:blipFill>
+        <p:spPr>
+          <a:xfrm>
+            <a:off x="2634570" y="1871563"/>
+            <a:ext cx="2185576" cy="4176879"/>
+          </a:xfrm>
+          <a:prstGeom prst="rect">
+            <a:avLst/>
+          </a:prstGeom>
+        </p:spPr>
+      </p:pic>
+      <p:pic>
+        <p:nvPicPr>
+          <p:cNvPr id="6" name="Picture 5"/>
+          <p:cNvPicPr>
+            <a:picLocks noChangeAspect="1"/>
+          </p:cNvPicPr>
+          <p:nvPr/>
+        </p:nvPicPr>
+        <p:blipFill>
+          <a:blip r:embed="rId4"/>
+          <a:stretch>
+            <a:fillRect/>
+          </a:stretch>
+        </p:blipFill>
+        <p:spPr>
+          <a:xfrm>
+            <a:off x="4981121" y="1871563"/>
+            <a:ext cx="2185576" cy="4176879"/>
+          </a:xfrm>
+          <a:prstGeom prst="rect">
+            <a:avLst/>
+          </a:prstGeom>
+        </p:spPr>
+      </p:pic>
+      <p:pic>
+        <p:nvPicPr>
+          <p:cNvPr id="7" name="Picture 6"/>
+          <p:cNvPicPr>
+            <a:picLocks noChangeAspect="1"/>
+          </p:cNvPicPr>
+          <p:nvPr/>
+        </p:nvPicPr>
+        <p:blipFill>
+          <a:blip r:embed="rId5"/>
+          <a:stretch>
+            <a:fillRect/>
+          </a:stretch>
+        </p:blipFill>
+        <p:spPr>
+          <a:xfrm>
+            <a:off x="7325401" y="1871562"/>
+            <a:ext cx="2185576" cy="4176879"/>
+          </a:xfrm>
+          <a:prstGeom prst="rect">
+            <a:avLst/>
+          </a:prstGeom>
+        </p:spPr>
+      </p:pic>
+      <p:pic>
+        <p:nvPicPr>
+          <p:cNvPr id="8" name="Picture 7"/>
+          <p:cNvPicPr>
+            <a:picLocks noChangeAspect="1"/>
+          </p:cNvPicPr>
+          <p:nvPr/>
+        </p:nvPicPr>
+        <p:blipFill>
+          <a:blip r:embed="rId6"/>
+          <a:stretch>
+            <a:fillRect/>
+          </a:stretch>
+        </p:blipFill>
+        <p:spPr>
+          <a:xfrm>
+            <a:off x="9671952" y="1871563"/>
+            <a:ext cx="2185576" cy="4176879"/>
+          </a:xfrm>
+          <a:prstGeom prst="rect">
+            <a:avLst/>
+          </a:prstGeom>
+        </p:spPr>
+      </p:pic>
+    </p:spTree>
+    <p:extLst>
+      <p:ext uri="{BB962C8B-B14F-4D97-AF65-F5344CB8AC3E}">
+        <p14:creationId xmlns:p14="http://schemas.microsoft.com/office/powerpoint/2010/main" val="3805612418"/>
+      </p:ext>
+    </p:extLst>
+  </p:cSld>
+  <p:clrMapOvr>
+    <a:masterClrMapping/>
+  </p:clrMapOvr>
+</p:sld>
+</file>
+
+<file path=ppt/slides/slide2.xml><?xml version="1.0" encoding="utf-8"?>
+<p:sld xmlns:a="http://schemas.openxmlformats.org/drawingml/2006/main" xmlns:r="http://schemas.openxmlformats.org/officeDocument/2006/relationships" xmlns:p="http://schemas.openxmlformats.org/presentationml/2006/main">
+  <p:cSld>
+    <p:spTree>
+      <p:nvGrpSpPr>
+        <p:cNvPr id="1" name=""/>
+        <p:cNvGrpSpPr/>
+        <p:nvPr/>
+      </p:nvGrpSpPr>
+      <p:grpSpPr>
+        <a:xfrm>
+          <a:off x="0" y="0"/>
+          <a:ext cx="0" cy="0"/>
+          <a:chOff x="0" y="0"/>
+          <a:chExt cx="0" cy="0"/>
+        </a:xfrm>
+      </p:grpSpPr>
+      <p:sp>
+        <p:nvSpPr>
+          <p:cNvPr id="2" name="Titel 1"/>
+          <p:cNvSpPr>
+            <a:spLocks noGrp="1"/>
+          </p:cNvSpPr>
+          <p:nvPr>
+            <p:ph type="title"/>
+          </p:nvPr>
+        </p:nvSpPr>
+        <p:spPr/>
+        <p:txBody>
+          <a:bodyPr/>
+          <a:lstStyle/>
+          <a:p>
+            <a:r>
+              <a:rPr lang="nl-BE" dirty="0"/>
+              <a:t>Inhoud</a:t>
+            </a:r>
+          </a:p>
+        </p:txBody>
+      </p:sp>
+      <p:sp>
+        <p:nvSpPr>
+          <p:cNvPr id="3" name="Tijdelijke aanduiding voor inhoud 2"/>
+          <p:cNvSpPr>
+            <a:spLocks noGrp="1"/>
+          </p:cNvSpPr>
+          <p:nvPr>
+            <p:ph idx="1"/>
+          </p:nvPr>
+        </p:nvSpPr>
+        <p:spPr/>
+        <p:txBody>
+          <a:bodyPr/>
+          <a:lstStyle/>
+          <a:p>
+            <a:r>
+              <a:rPr lang="nl-BE" dirty="0"/>
+              <a:t>Wat is het project?</a:t>
+            </a:r>
+          </a:p>
+          <a:p>
+            <a:r>
+              <a:rPr lang="nl-BE" dirty="0" err="1"/>
+              <a:t>Mockups</a:t>
+            </a:r>
+            <a:endParaRPr lang="nl-BE" dirty="0"/>
+          </a:p>
+          <a:p>
+            <a:r>
+              <a:rPr lang="nl-BE" dirty="0"/>
+              <a:t>User </a:t>
+            </a:r>
+            <a:r>
+              <a:rPr lang="nl-BE" dirty="0" err="1"/>
+              <a:t>stories</a:t>
+            </a:r>
+            <a:endParaRPr lang="nl-BE" dirty="0"/>
+          </a:p>
+          <a:p>
+            <a:r>
+              <a:rPr lang="nl-BE" dirty="0"/>
+              <a:t>Mobiele App</a:t>
+            </a:r>
+          </a:p>
+          <a:p>
+            <a:r>
+              <a:rPr lang="nl-BE" dirty="0"/>
+              <a:t>Deployment schema</a:t>
+            </a:r>
+          </a:p>
+          <a:p>
+            <a:r>
+              <a:rPr lang="nl-BE" dirty="0"/>
+              <a:t>Demo</a:t>
+            </a:r>
+          </a:p>
+          <a:p>
+            <a:r>
+              <a:rPr lang="nl-BE" dirty="0"/>
+              <a:t>Toelichten code</a:t>
+            </a:r>
+          </a:p>
+          <a:p>
+            <a:endParaRPr lang="nl-BE" dirty="0"/>
+          </a:p>
+        </p:txBody>
+      </p:sp>
+    </p:spTree>
+    <p:extLst>
+      <p:ext uri="{BB962C8B-B14F-4D97-AF65-F5344CB8AC3E}">
+        <p14:creationId xmlns:p14="http://schemas.microsoft.com/office/powerpoint/2010/main" val="2654965838"/>
+      </p:ext>
+    </p:extLst>
+  </p:cSld>
+  <p:clrMapOvr>
+    <a:masterClrMapping/>
+  </p:clrMapOvr>
+  <p:timing>
+    <p:tnLst>
+      <p:par>
+        <p:cTn id="1" dur="indefinite" restart="never" nodeType="tmRoot">
+          <p:childTnLst>
+            <p:seq concurrent="1" nextAc="seek">
+              <p:cTn id="2" dur="indefinite" nodeType="mainSeq">
+                <p:childTnLst>
+                  <p:par>
+                    <p:cTn id="3" fill="hold">
+                      <p:stCondLst>
+                        <p:cond delay="indefinite"/>
+                      </p:stCondLst>
+                      <p:childTnLst>
+                        <p:par>
+                          <p:cTn id="4" fill="hold">
+                            <p:stCondLst>
+                              <p:cond delay="0"/>
+                            </p:stCondLst>
+                            <p:childTnLst>
+                              <p:par>
+                                <p:cTn id="5" presetID="2" presetClass="entr" presetSubtype="8" fill="hold" nodeType="clickEffect">
+                                  <p:stCondLst>
+                                    <p:cond delay="0"/>
+                                  </p:stCondLst>
+                                  <p:childTnLst>
+                                    <p:set>
+                                      <p:cBhvr>
+                                        <p:cTn id="6" dur="1" fill="hold">
+                                          <p:stCondLst>
+                                            <p:cond delay="0"/>
+                                          </p:stCondLst>
+                                        </p:cTn>
+                                        <p:tgtEl>
+                                          <p:spTgt spid="3">
+                                            <p:txEl>
+                                              <p:pRg st="0" end="0"/>
+                                            </p:txEl>
+                                          </p:spTgt>
+                                        </p:tgtEl>
+                                        <p:attrNameLst>
+                                          <p:attrName>style.visibility</p:attrName>
+                                        </p:attrNameLst>
+                                      </p:cBhvr>
+                                      <p:to>
+                                        <p:strVal val="visible"/>
+                                      </p:to>
+                                    </p:set>
+                                    <p:anim calcmode="lin" valueType="num">
+                                      <p:cBhvr additive="base">
+                                        <p:cTn id="7" dur="750" fill="hold"/>
+                                        <p:tgtEl>
+                                          <p:spTgt spid="3">
+                                            <p:txEl>
+                                              <p:pRg st="0" end="0"/>
+                                            </p:txEl>
+                                          </p:spTgt>
+                                        </p:tgtEl>
+                                        <p:attrNameLst>
+                                          <p:attrName>ppt_x</p:attrName>
+                                        </p:attrNameLst>
+                                      </p:cBhvr>
+                                      <p:tavLst>
+                                        <p:tav tm="0">
+                                          <p:val>
+                                            <p:strVal val="0-#ppt_w/2"/>
+                                          </p:val>
+                                        </p:tav>
+                                        <p:tav tm="100000">
+                                          <p:val>
+                                            <p:strVal val="#ppt_x"/>
+                                          </p:val>
+                                        </p:tav>
+                                      </p:tavLst>
+                                    </p:anim>
+                                    <p:anim calcmode="lin" valueType="num">
+                                      <p:cBhvr additive="base">
+                                        <p:cTn id="8" dur="750" fill="hold"/>
+                                        <p:tgtEl>
+                                          <p:spTgt spid="3">
+                                            <p:txEl>
+                                              <p:pRg st="0" end="0"/>
+                                            </p:txEl>
+                                          </p:spTgt>
+                                        </p:tgtEl>
+                                        <p:attrNameLst>
+                                          <p:attrName>ppt_y</p:attrName>
+                                        </p:attrNameLst>
+                                      </p:cBhvr>
+                                      <p:tavLst>
+                                        <p:tav tm="0">
+                                          <p:val>
+                                            <p:strVal val="#ppt_y"/>
+                                          </p:val>
+                                        </p:tav>
+                                        <p:tav tm="100000">
+                                          <p:val>
+                                            <p:strVal val="#ppt_y"/>
+                                          </p:val>
+                                        </p:tav>
+                                      </p:tavLst>
+                                    </p:anim>
+                                  </p:childTnLst>
+                                </p:cTn>
+                              </p:par>
+                            </p:childTnLst>
+                          </p:cTn>
+                        </p:par>
+                      </p:childTnLst>
+                    </p:cTn>
+                  </p:par>
+                  <p:par>
+                    <p:cTn id="9" fill="hold">
+                      <p:stCondLst>
+                        <p:cond delay="indefinite"/>
+                      </p:stCondLst>
+                      <p:childTnLst>
+                        <p:par>
+                          <p:cTn id="10" fill="hold">
+                            <p:stCondLst>
+                              <p:cond delay="0"/>
+                            </p:stCondLst>
+                            <p:childTnLst>
+                              <p:par>
+                                <p:cTn id="11" presetID="2" presetClass="entr" presetSubtype="8" fill="hold" nodeType="clickEffect">
+                                  <p:stCondLst>
+                                    <p:cond delay="0"/>
+                                  </p:stCondLst>
+                                  <p:childTnLst>
+                                    <p:set>
+                                      <p:cBhvr>
+                                        <p:cTn id="12" dur="1" fill="hold">
+                                          <p:stCondLst>
+                                            <p:cond delay="0"/>
+                                          </p:stCondLst>
+                                        </p:cTn>
+                                        <p:tgtEl>
+                                          <p:spTgt spid="3">
+                                            <p:txEl>
+                                              <p:pRg st="1" end="1"/>
+                                            </p:txEl>
+                                          </p:spTgt>
+                                        </p:tgtEl>
+                                        <p:attrNameLst>
+                                          <p:attrName>style.visibility</p:attrName>
+                                        </p:attrNameLst>
+                                      </p:cBhvr>
+                                      <p:to>
+                                        <p:strVal val="visible"/>
+                                      </p:to>
+                                    </p:set>
+                                    <p:anim calcmode="lin" valueType="num">
+                                      <p:cBhvr additive="base">
+                                        <p:cTn id="13" dur="750" fill="hold"/>
+                                        <p:tgtEl>
+                                          <p:spTgt spid="3">
+                                            <p:txEl>
+                                              <p:pRg st="1" end="1"/>
+                                            </p:txEl>
+                                          </p:spTgt>
+                                        </p:tgtEl>
+                                        <p:attrNameLst>
+                                          <p:attrName>ppt_x</p:attrName>
+                                        </p:attrNameLst>
+                                      </p:cBhvr>
+                                      <p:tavLst>
+                                        <p:tav tm="0">
+                                          <p:val>
+                                            <p:strVal val="0-#ppt_w/2"/>
+                                          </p:val>
+                                        </p:tav>
+                                        <p:tav tm="100000">
+                                          <p:val>
+                                            <p:strVal val="#ppt_x"/>
+                                          </p:val>
+                                        </p:tav>
+                                      </p:tavLst>
+                                    </p:anim>
+                                    <p:anim calcmode="lin" valueType="num">
+                                      <p:cBhvr additive="base">
+                                        <p:cTn id="14" dur="750" fill="hold"/>
+                                        <p:tgtEl>
+                                          <p:spTgt spid="3">
+                                            <p:txEl>
+                                              <p:pRg st="1" end="1"/>
+                                            </p:txEl>
+                                          </p:spTgt>
+                                        </p:tgtEl>
+                                        <p:attrNameLst>
+                                          <p:attrName>ppt_y</p:attrName>
+                                        </p:attrNameLst>
+                                      </p:cBhvr>
+                                      <p:tavLst>
+                                        <p:tav tm="0">
+                                          <p:val>
+                                            <p:strVal val="#ppt_y"/>
+                                          </p:val>
+                                        </p:tav>
+                                        <p:tav tm="100000">
+                                          <p:val>
+                                            <p:strVal val="#ppt_y"/>
+                                          </p:val>
+                                        </p:tav>
+                                      </p:tavLst>
+                                    </p:anim>
+                                  </p:childTnLst>
+                                </p:cTn>
+                              </p:par>
+                            </p:childTnLst>
+                          </p:cTn>
+                        </p:par>
+                      </p:childTnLst>
+                    </p:cTn>
+                  </p:par>
+                  <p:par>
+                    <p:cTn id="15" fill="hold">
+                      <p:stCondLst>
+                        <p:cond delay="indefinite"/>
+                      </p:stCondLst>
+                      <p:childTnLst>
+                        <p:par>
+                          <p:cTn id="16" fill="hold">
+                            <p:stCondLst>
+                              <p:cond delay="0"/>
+                            </p:stCondLst>
+                            <p:childTnLst>
+                              <p:par>
+                                <p:cTn id="17" presetID="2" presetClass="entr" presetSubtype="8" fill="hold" nodeType="clickEffect">
+                                  <p:stCondLst>
+                                    <p:cond delay="0"/>
+                                  </p:stCondLst>
+                                  <p:childTnLst>
+                                    <p:set>
+                                      <p:cBhvr>
+                                        <p:cTn id="18" dur="1" fill="hold">
+                                          <p:stCondLst>
+                                            <p:cond delay="0"/>
+                                          </p:stCondLst>
+                                        </p:cTn>
+                                        <p:tgtEl>
+                                          <p:spTgt spid="3">
+                                            <p:txEl>
+                                              <p:pRg st="2" end="2"/>
+                                            </p:txEl>
+                                          </p:spTgt>
+                                        </p:tgtEl>
+                                        <p:attrNameLst>
+                                          <p:attrName>style.visibility</p:attrName>
+                                        </p:attrNameLst>
+                                      </p:cBhvr>
+                                      <p:to>
+                                        <p:strVal val="visible"/>
+                                      </p:to>
+                                    </p:set>
+                                    <p:anim calcmode="lin" valueType="num">
+                                      <p:cBhvr additive="base">
+                                        <p:cTn id="19" dur="750" fill="hold"/>
+                                        <p:tgtEl>
+                                          <p:spTgt spid="3">
+                                            <p:txEl>
+                                              <p:pRg st="2" end="2"/>
+                                            </p:txEl>
+                                          </p:spTgt>
+                                        </p:tgtEl>
+                                        <p:attrNameLst>
+                                          <p:attrName>ppt_x</p:attrName>
+                                        </p:attrNameLst>
+                                      </p:cBhvr>
+                                      <p:tavLst>
+                                        <p:tav tm="0">
+                                          <p:val>
+                                            <p:strVal val="0-#ppt_w/2"/>
+                                          </p:val>
+                                        </p:tav>
+                                        <p:tav tm="100000">
+                                          <p:val>
+                                            <p:strVal val="#ppt_x"/>
+                                          </p:val>
+                                        </p:tav>
+                                      </p:tavLst>
+                                    </p:anim>
+                                    <p:anim calcmode="lin" valueType="num">
+                                      <p:cBhvr additive="base">
+                                        <p:cTn id="20" dur="750" fill="hold"/>
+                                        <p:tgtEl>
+                                          <p:spTgt spid="3">
+                                            <p:txEl>
+                                              <p:pRg st="2" end="2"/>
+                                            </p:txEl>
+                                          </p:spTgt>
+                                        </p:tgtEl>
+                                        <p:attrNameLst>
+                                          <p:attrName>ppt_y</p:attrName>
+                                        </p:attrNameLst>
+                                      </p:cBhvr>
+                                      <p:tavLst>
+                                        <p:tav tm="0">
+                                          <p:val>
+                                            <p:strVal val="#ppt_y"/>
+                                          </p:val>
+                                        </p:tav>
+                                        <p:tav tm="100000">
+                                          <p:val>
+                                            <p:strVal val="#ppt_y"/>
+                                          </p:val>
+                                        </p:tav>
+                                      </p:tavLst>
+                                    </p:anim>
+                                  </p:childTnLst>
+                                </p:cTn>
+                              </p:par>
+                            </p:childTnLst>
+                          </p:cTn>
+                        </p:par>
+                      </p:childTnLst>
+                    </p:cTn>
+                  </p:par>
+                  <p:par>
+                    <p:cTn id="21" fill="hold">
+                      <p:stCondLst>
+                        <p:cond delay="indefinite"/>
+                      </p:stCondLst>
+                      <p:childTnLst>
+                        <p:par>
+                          <p:cTn id="22" fill="hold">
+                            <p:stCondLst>
+                              <p:cond delay="0"/>
+                            </p:stCondLst>
+                            <p:childTnLst>
+                              <p:par>
+                                <p:cTn id="23" presetID="2" presetClass="entr" presetSubtype="8" fill="hold" nodeType="clickEffect">
+                                  <p:stCondLst>
+                                    <p:cond delay="0"/>
+                                  </p:stCondLst>
+                                  <p:childTnLst>
+                                    <p:set>
+                                      <p:cBhvr>
+                                        <p:cTn id="24" dur="1" fill="hold">
+                                          <p:stCondLst>
+                                            <p:cond delay="0"/>
+                                          </p:stCondLst>
+                                        </p:cTn>
+                                        <p:tgtEl>
+                                          <p:spTgt spid="3">
+                                            <p:txEl>
+                                              <p:pRg st="3" end="3"/>
+                                            </p:txEl>
+                                          </p:spTgt>
+                                        </p:tgtEl>
+                                        <p:attrNameLst>
+                                          <p:attrName>style.visibility</p:attrName>
+                                        </p:attrNameLst>
+                                      </p:cBhvr>
+                                      <p:to>
+                                        <p:strVal val="visible"/>
+                                      </p:to>
+                                    </p:set>
+                                    <p:anim calcmode="lin" valueType="num">
+                                      <p:cBhvr additive="base">
+                                        <p:cTn id="25" dur="750" fill="hold"/>
+                                        <p:tgtEl>
+                                          <p:spTgt spid="3">
+                                            <p:txEl>
+                                              <p:pRg st="3" end="3"/>
+                                            </p:txEl>
+                                          </p:spTgt>
+                                        </p:tgtEl>
+                                        <p:attrNameLst>
+                                          <p:attrName>ppt_x</p:attrName>
+                                        </p:attrNameLst>
+                                      </p:cBhvr>
+                                      <p:tavLst>
+                                        <p:tav tm="0">
+                                          <p:val>
+                                            <p:strVal val="0-#ppt_w/2"/>
+                                          </p:val>
+                                        </p:tav>
+                                        <p:tav tm="100000">
+                                          <p:val>
+                                            <p:strVal val="#ppt_x"/>
+                                          </p:val>
+                                        </p:tav>
+                                      </p:tavLst>
+                                    </p:anim>
+                                    <p:anim calcmode="lin" valueType="num">
+                                      <p:cBhvr additive="base">
+                                        <p:cTn id="26" dur="750" fill="hold"/>
+                                        <p:tgtEl>
+                                          <p:spTgt spid="3">
+                                            <p:txEl>
+                                              <p:pRg st="3" end="3"/>
+                                            </p:txEl>
+                                          </p:spTgt>
+                                        </p:tgtEl>
+                                        <p:attrNameLst>
+                                          <p:attrName>ppt_y</p:attrName>
+                                        </p:attrNameLst>
+                                      </p:cBhvr>
+                                      <p:tavLst>
+                                        <p:tav tm="0">
+                                          <p:val>
+                                            <p:strVal val="#ppt_y"/>
+                                          </p:val>
+                                        </p:tav>
+                                        <p:tav tm="100000">
+                                          <p:val>
+                                            <p:strVal val="#ppt_y"/>
+                                          </p:val>
+                                        </p:tav>
+                                      </p:tavLst>
+                                    </p:anim>
+                                  </p:childTnLst>
+                                </p:cTn>
+                              </p:par>
+                            </p:childTnLst>
+                          </p:cTn>
+                        </p:par>
+                      </p:childTnLst>
+                    </p:cTn>
+                  </p:par>
+                  <p:par>
+                    <p:cTn id="27" fill="hold">
+                      <p:stCondLst>
+                        <p:cond delay="indefinite"/>
+                      </p:stCondLst>
+                      <p:childTnLst>
+                        <p:par>
+                          <p:cTn id="28" fill="hold">
+                            <p:stCondLst>
+                              <p:cond delay="0"/>
+                            </p:stCondLst>
+                            <p:childTnLst>
+                              <p:par>
+                                <p:cTn id="29" presetID="2" presetClass="entr" presetSubtype="8" fill="hold" nodeType="clickEffect">
+                                  <p:stCondLst>
+                                    <p:cond delay="0"/>
+                                  </p:stCondLst>
+                                  <p:childTnLst>
+                                    <p:set>
+                                      <p:cBhvr>
+                                        <p:cTn id="30" dur="1" fill="hold">
+                                          <p:stCondLst>
+                                            <p:cond delay="0"/>
+                                          </p:stCondLst>
+                                        </p:cTn>
+                                        <p:tgtEl>
+                                          <p:spTgt spid="3">
+                                            <p:txEl>
+                                              <p:pRg st="4" end="4"/>
+                                            </p:txEl>
+                                          </p:spTgt>
+                                        </p:tgtEl>
+                                        <p:attrNameLst>
+                                          <p:attrName>style.visibility</p:attrName>
+                                        </p:attrNameLst>
+                                      </p:cBhvr>
+                                      <p:to>
+                                        <p:strVal val="visible"/>
+                                      </p:to>
+                                    </p:set>
+                                    <p:anim calcmode="lin" valueType="num">
+                                      <p:cBhvr additive="base">
+                                        <p:cTn id="31" dur="750" fill="hold"/>
+                                        <p:tgtEl>
+                                          <p:spTgt spid="3">
+                                            <p:txEl>
+                                              <p:pRg st="4" end="4"/>
+                                            </p:txEl>
+                                          </p:spTgt>
+                                        </p:tgtEl>
+                                        <p:attrNameLst>
+                                          <p:attrName>ppt_x</p:attrName>
+                                        </p:attrNameLst>
+                                      </p:cBhvr>
+                                      <p:tavLst>
+                                        <p:tav tm="0">
+                                          <p:val>
+                                            <p:strVal val="0-#ppt_w/2"/>
+                                          </p:val>
+                                        </p:tav>
+                                        <p:tav tm="100000">
+                                          <p:val>
+                                            <p:strVal val="#ppt_x"/>
+                                          </p:val>
+                                        </p:tav>
+                                      </p:tavLst>
+                                    </p:anim>
+                                    <p:anim calcmode="lin" valueType="num">
+                                      <p:cBhvr additive="base">
+                                        <p:cTn id="32" dur="750" fill="hold"/>
+                                        <p:tgtEl>
+                                          <p:spTgt spid="3">
+                                            <p:txEl>
+                                              <p:pRg st="4" end="4"/>
+                                            </p:txEl>
+                                          </p:spTgt>
+                                        </p:tgtEl>
+                                        <p:attrNameLst>
+                                          <p:attrName>ppt_y</p:attrName>
+                                        </p:attrNameLst>
+                                      </p:cBhvr>
+                                      <p:tavLst>
+                                        <p:tav tm="0">
+                                          <p:val>
+                                            <p:strVal val="#ppt_y"/>
+                                          </p:val>
+                                        </p:tav>
+                                        <p:tav tm="100000">
+                                          <p:val>
+                                            <p:strVal val="#ppt_y"/>
+                                          </p:val>
+                                        </p:tav>
+                                      </p:tavLst>
+                                    </p:anim>
+                                  </p:childTnLst>
+                                </p:cTn>
+                              </p:par>
+                            </p:childTnLst>
+                          </p:cTn>
+                        </p:par>
+                      </p:childTnLst>
+                    </p:cTn>
+                  </p:par>
+                  <p:par>
+                    <p:cTn id="33" fill="hold">
+                      <p:stCondLst>
+                        <p:cond delay="indefinite"/>
+                      </p:stCondLst>
+                      <p:childTnLst>
+                        <p:par>
+                          <p:cTn id="34" fill="hold">
+                            <p:stCondLst>
+                              <p:cond delay="0"/>
+                            </p:stCondLst>
+                            <p:childTnLst>
+                              <p:par>
+                                <p:cTn id="35" presetID="2" presetClass="entr" presetSubtype="8" fill="hold" nodeType="clickEffect">
+                                  <p:stCondLst>
+                                    <p:cond delay="0"/>
+                                  </p:stCondLst>
+                                  <p:childTnLst>
+                                    <p:set>
+                                      <p:cBhvr>
+                                        <p:cTn id="36" dur="1" fill="hold">
+                                          <p:stCondLst>
+                                            <p:cond delay="0"/>
+                                          </p:stCondLst>
+                                        </p:cTn>
+                                        <p:tgtEl>
+                                          <p:spTgt spid="3">
+                                            <p:txEl>
+                                              <p:pRg st="5" end="5"/>
+                                            </p:txEl>
+                                          </p:spTgt>
+                                        </p:tgtEl>
+                                        <p:attrNameLst>
+                                          <p:attrName>style.visibility</p:attrName>
+                                        </p:attrNameLst>
+                                      </p:cBhvr>
+                                      <p:to>
+                                        <p:strVal val="visible"/>
+                                      </p:to>
+                                    </p:set>
+                                    <p:anim calcmode="lin" valueType="num">
+                                      <p:cBhvr additive="base">
+                                        <p:cTn id="37" dur="750" fill="hold"/>
+                                        <p:tgtEl>
+                                          <p:spTgt spid="3">
+                                            <p:txEl>
+                                              <p:pRg st="5" end="5"/>
+                                            </p:txEl>
+                                          </p:spTgt>
+                                        </p:tgtEl>
+                                        <p:attrNameLst>
+                                          <p:attrName>ppt_x</p:attrName>
+                                        </p:attrNameLst>
+                                      </p:cBhvr>
+                                      <p:tavLst>
+                                        <p:tav tm="0">
+                                          <p:val>
+                                            <p:strVal val="0-#ppt_w/2"/>
+                                          </p:val>
+                                        </p:tav>
+                                        <p:tav tm="100000">
+                                          <p:val>
+                                            <p:strVal val="#ppt_x"/>
+                                          </p:val>
+                                        </p:tav>
+                                      </p:tavLst>
+                                    </p:anim>
+                                    <p:anim calcmode="lin" valueType="num">
+                                      <p:cBhvr additive="base">
+                                        <p:cTn id="38" dur="750" fill="hold"/>
+                                        <p:tgtEl>
+                                          <p:spTgt spid="3">
+                                            <p:txEl>
+                                              <p:pRg st="5" end="5"/>
+                                            </p:txEl>
+                                          </p:spTgt>
+                                        </p:tgtEl>
+                                        <p:attrNameLst>
+                                          <p:attrName>ppt_y</p:attrName>
+                                        </p:attrNameLst>
+                                      </p:cBhvr>
+                                      <p:tavLst>
+                                        <p:tav tm="0">
+                                          <p:val>
+                                            <p:strVal val="#ppt_y"/>
+                                          </p:val>
+                                        </p:tav>
+                                        <p:tav tm="100000">
+                                          <p:val>
+                                            <p:strVal val="#ppt_y"/>
+                                          </p:val>
+                                        </p:tav>
+                                      </p:tavLst>
+                                    </p:anim>
+                                  </p:childTnLst>
+                                </p:cTn>
+                              </p:par>
+                            </p:childTnLst>
+                          </p:cTn>
+                        </p:par>
+                      </p:childTnLst>
+                    </p:cTn>
+                  </p:par>
+                  <p:par>
+                    <p:cTn id="39" fill="hold">
+                      <p:stCondLst>
+                        <p:cond delay="indefinite"/>
+                      </p:stCondLst>
+                      <p:childTnLst>
+                        <p:par>
+                          <p:cTn id="40" fill="hold">
+                            <p:stCondLst>
+                              <p:cond delay="0"/>
+                            </p:stCondLst>
+                            <p:childTnLst>
+                              <p:par>
+                                <p:cTn id="41" presetID="2" presetClass="entr" presetSubtype="8" fill="hold" nodeType="clickEffect">
+                                  <p:stCondLst>
+                                    <p:cond delay="0"/>
+                                  </p:stCondLst>
+                                  <p:childTnLst>
+                                    <p:set>
+                                      <p:cBhvr>
+                                        <p:cTn id="42" dur="1" fill="hold">
+                                          <p:stCondLst>
+                                            <p:cond delay="0"/>
+                                          </p:stCondLst>
+                                        </p:cTn>
+                                        <p:tgtEl>
+                                          <p:spTgt spid="3">
+                                            <p:txEl>
+                                              <p:pRg st="6" end="6"/>
+                                            </p:txEl>
+                                          </p:spTgt>
+                                        </p:tgtEl>
+                                        <p:attrNameLst>
+                                          <p:attrName>style.visibility</p:attrName>
+                                        </p:attrNameLst>
+                                      </p:cBhvr>
+                                      <p:to>
+                                        <p:strVal val="visible"/>
+                                      </p:to>
+                                    </p:set>
+                                    <p:anim calcmode="lin" valueType="num">
+                                      <p:cBhvr additive="base">
+                                        <p:cTn id="43" dur="750" fill="hold"/>
+                                        <p:tgtEl>
+                                          <p:spTgt spid="3">
+                                            <p:txEl>
+                                              <p:pRg st="6" end="6"/>
+                                            </p:txEl>
+                                          </p:spTgt>
+                                        </p:tgtEl>
+                                        <p:attrNameLst>
+                                          <p:attrName>ppt_x</p:attrName>
+                                        </p:attrNameLst>
+                                      </p:cBhvr>
+                                      <p:tavLst>
+                                        <p:tav tm="0">
+                                          <p:val>
+                                            <p:strVal val="0-#ppt_w/2"/>
+                                          </p:val>
+                                        </p:tav>
+                                        <p:tav tm="100000">
+                                          <p:val>
+                                            <p:strVal val="#ppt_x"/>
+                                          </p:val>
+                                        </p:tav>
+                                      </p:tavLst>
+                                    </p:anim>
+                                    <p:anim calcmode="lin" valueType="num">
+                                      <p:cBhvr additive="base">
+                                        <p:cTn id="44" dur="750" fill="hold"/>
+                                        <p:tgtEl>
+                                          <p:spTgt spid="3">
+                                            <p:txEl>
+                                              <p:pRg st="6" end="6"/>
+                                            </p:txEl>
+                                          </p:spTgt>
+                                        </p:tgtEl>
+                                        <p:attrNameLst>
+                                          <p:attrName>ppt_y</p:attrName>
+                                        </p:attrNameLst>
+                                      </p:cBhvr>
+                                      <p:tavLst>
+                                        <p:tav tm="0">
+                                          <p:val>
+                                            <p:strVal val="#ppt_y"/>
+                                          </p:val>
+                                        </p:tav>
+                                        <p:tav tm="100000">
+                                          <p:val>
+                                            <p:strVal val="#ppt_y"/>
+                                          </p:val>
+                                        </p:tav>
+                                      </p:tavLst>
+                                    </p:anim>
+                                  </p:childTnLst>
+                                </p:cTn>
+                              </p:par>
+                            </p:childTnLst>
+                          </p:cTn>
+                        </p:par>
+                      </p:childTnLst>
+                    </p:cTn>
+                  </p:par>
+                </p:childTnLst>
+              </p:cTn>
+              <p:prevCondLst>
+                <p:cond evt="onPrev" delay="0">
+                  <p:tgtEl>
+                    <p:sldTgt/>
+                  </p:tgtEl>
+                </p:cond>
+              </p:prevCondLst>
+              <p:nextCondLst>
+                <p:cond evt="onNext" delay="0">
+                  <p:tgtEl>
+                    <p:sldTgt/>
+                  </p:tgtEl>
+                </p:cond>
+              </p:nextCondLst>
+            </p:seq>
+          </p:childTnLst>
+        </p:cTn>
+      </p:par>
+    </p:tnLst>
+  </p:timing>
+</p:sld>
+</file>
+
+<file path=ppt/slides/slide20.xml><?xml version="1.0" encoding="utf-8"?>
 <p:sld xmlns:a="http://schemas.openxmlformats.org/drawingml/2006/main" xmlns:r="http://schemas.openxmlformats.org/officeDocument/2006/relationships" xmlns:p="http://schemas.openxmlformats.org/presentationml/2006/main">
   <p:cSld>
     <p:spTree>
@@ -10107,7 +11274,7 @@
               <a:tabLst/>
             </a:pPr>
             <a:r>
-              <a:rPr lang="en-US" sz="6600" kern="0" dirty="0" smtClean="0">
+              <a:rPr lang="en-US" sz="6600" kern="0" dirty="0">
                 <a:solidFill>
                   <a:srgbClr val="FFFFFF"/>
                 </a:solidFill>
@@ -10115,7 +11282,7 @@
               </a:rPr>
               <a:t>Deployment Schema</a:t>
             </a:r>
-            <a:endParaRPr kumimoji="0" lang="en-US" sz="6600" b="0" i="0" u="none" strike="noStrike" kern="0" cap="none" spc="0" normalizeH="0" baseline="0" noProof="0" dirty="0" smtClean="0">
+            <a:endParaRPr kumimoji="0" lang="en-US" sz="6600" b="0" i="0" u="none" strike="noStrike" kern="0" cap="none" spc="0" normalizeH="0" baseline="0" noProof="0" dirty="0">
               <a:ln>
                 <a:noFill/>
               </a:ln>
@@ -10234,7 +11401,7 @@
 </p:sld>
 </file>
 
-<file path=ppt/slides/slide19.xml><?xml version="1.0" encoding="utf-8"?>
+<file path=ppt/slides/slide21.xml><?xml version="1.0" encoding="utf-8"?>
 <p:sld xmlns:a="http://schemas.openxmlformats.org/drawingml/2006/main" xmlns:r="http://schemas.openxmlformats.org/officeDocument/2006/relationships" xmlns:p="http://schemas.openxmlformats.org/presentationml/2006/main">
   <p:cSld>
     <p:spTree>
@@ -10404,879 +11571,7 @@
 </p:sld>
 </file>
 
-<file path=ppt/slides/slide2.xml><?xml version="1.0" encoding="utf-8"?>
-<p:sld xmlns:a="http://schemas.openxmlformats.org/drawingml/2006/main" xmlns:r="http://schemas.openxmlformats.org/officeDocument/2006/relationships" xmlns:p="http://schemas.openxmlformats.org/presentationml/2006/main">
-  <p:cSld>
-    <p:spTree>
-      <p:nvGrpSpPr>
-        <p:cNvPr id="1" name=""/>
-        <p:cNvGrpSpPr/>
-        <p:nvPr/>
-      </p:nvGrpSpPr>
-      <p:grpSpPr>
-        <a:xfrm>
-          <a:off x="0" y="0"/>
-          <a:ext cx="0" cy="0"/>
-          <a:chOff x="0" y="0"/>
-          <a:chExt cx="0" cy="0"/>
-        </a:xfrm>
-      </p:grpSpPr>
-      <p:sp>
-        <p:nvSpPr>
-          <p:cNvPr id="2" name="Titel 1"/>
-          <p:cNvSpPr>
-            <a:spLocks noGrp="1"/>
-          </p:cNvSpPr>
-          <p:nvPr>
-            <p:ph type="title"/>
-          </p:nvPr>
-        </p:nvSpPr>
-        <p:spPr/>
-        <p:txBody>
-          <a:bodyPr/>
-          <a:lstStyle/>
-          <a:p>
-            <a:r>
-              <a:rPr lang="nl-BE" dirty="0" smtClean="0"/>
-              <a:t>Inhoud</a:t>
-            </a:r>
-            <a:endParaRPr lang="nl-BE" dirty="0"/>
-          </a:p>
-        </p:txBody>
-      </p:sp>
-      <p:sp>
-        <p:nvSpPr>
-          <p:cNvPr id="3" name="Tijdelijke aanduiding voor inhoud 2"/>
-          <p:cNvSpPr>
-            <a:spLocks noGrp="1"/>
-          </p:cNvSpPr>
-          <p:nvPr>
-            <p:ph idx="1"/>
-          </p:nvPr>
-        </p:nvSpPr>
-        <p:spPr/>
-        <p:txBody>
-          <a:bodyPr/>
-          <a:lstStyle/>
-          <a:p>
-            <a:r>
-              <a:rPr lang="nl-BE" dirty="0" smtClean="0"/>
-              <a:t>Wat is het project?</a:t>
-            </a:r>
-          </a:p>
-          <a:p>
-            <a:r>
-              <a:rPr lang="nl-BE" dirty="0" err="1" smtClean="0"/>
-              <a:t>Mockups</a:t>
-            </a:r>
-            <a:endParaRPr lang="nl-BE" dirty="0" smtClean="0"/>
-          </a:p>
-          <a:p>
-            <a:r>
-              <a:rPr lang="nl-BE" dirty="0" smtClean="0"/>
-              <a:t>User </a:t>
-            </a:r>
-            <a:r>
-              <a:rPr lang="nl-BE" dirty="0" err="1" smtClean="0"/>
-              <a:t>stories</a:t>
-            </a:r>
-            <a:endParaRPr lang="nl-BE" dirty="0" smtClean="0"/>
-          </a:p>
-          <a:p>
-            <a:r>
-              <a:rPr lang="nl-BE" dirty="0" smtClean="0"/>
-              <a:t>Mobiele App</a:t>
-            </a:r>
-            <a:endParaRPr lang="nl-BE" dirty="0" smtClean="0"/>
-          </a:p>
-          <a:p>
-            <a:r>
-              <a:rPr lang="nl-BE" dirty="0" smtClean="0"/>
-              <a:t>Deployment schema</a:t>
-            </a:r>
-          </a:p>
-          <a:p>
-            <a:r>
-              <a:rPr lang="nl-BE" dirty="0" smtClean="0"/>
-              <a:t>Demo</a:t>
-            </a:r>
-          </a:p>
-          <a:p>
-            <a:r>
-              <a:rPr lang="nl-BE" dirty="0" smtClean="0"/>
-              <a:t>Toelichten code</a:t>
-            </a:r>
-          </a:p>
-          <a:p>
-            <a:endParaRPr lang="nl-BE" dirty="0"/>
-          </a:p>
-        </p:txBody>
-      </p:sp>
-    </p:spTree>
-    <p:extLst>
-      <p:ext uri="{BB962C8B-B14F-4D97-AF65-F5344CB8AC3E}">
-        <p14:creationId xmlns:p14="http://schemas.microsoft.com/office/powerpoint/2010/main" val="2654965838"/>
-      </p:ext>
-    </p:extLst>
-  </p:cSld>
-  <p:clrMapOvr>
-    <a:masterClrMapping/>
-  </p:clrMapOvr>
-  <p:timing>
-    <p:tnLst>
-      <p:par>
-        <p:cTn id="1" dur="indefinite" restart="never" nodeType="tmRoot">
-          <p:childTnLst>
-            <p:seq concurrent="1" nextAc="seek">
-              <p:cTn id="2" dur="indefinite" nodeType="mainSeq">
-                <p:childTnLst>
-                  <p:par>
-                    <p:cTn id="3" fill="hold">
-                      <p:stCondLst>
-                        <p:cond delay="indefinite"/>
-                      </p:stCondLst>
-                      <p:childTnLst>
-                        <p:par>
-                          <p:cTn id="4" fill="hold">
-                            <p:stCondLst>
-                              <p:cond delay="0"/>
-                            </p:stCondLst>
-                            <p:childTnLst>
-                              <p:par>
-                                <p:cTn id="5" presetID="2" presetClass="entr" presetSubtype="8" fill="hold" nodeType="clickEffect">
-                                  <p:stCondLst>
-                                    <p:cond delay="0"/>
-                                  </p:stCondLst>
-                                  <p:childTnLst>
-                                    <p:set>
-                                      <p:cBhvr>
-                                        <p:cTn id="6" dur="1" fill="hold">
-                                          <p:stCondLst>
-                                            <p:cond delay="0"/>
-                                          </p:stCondLst>
-                                        </p:cTn>
-                                        <p:tgtEl>
-                                          <p:spTgt spid="3">
-                                            <p:txEl>
-                                              <p:pRg st="0" end="0"/>
-                                            </p:txEl>
-                                          </p:spTgt>
-                                        </p:tgtEl>
-                                        <p:attrNameLst>
-                                          <p:attrName>style.visibility</p:attrName>
-                                        </p:attrNameLst>
-                                      </p:cBhvr>
-                                      <p:to>
-                                        <p:strVal val="visible"/>
-                                      </p:to>
-                                    </p:set>
-                                    <p:anim calcmode="lin" valueType="num">
-                                      <p:cBhvr additive="base">
-                                        <p:cTn id="7" dur="750" fill="hold"/>
-                                        <p:tgtEl>
-                                          <p:spTgt spid="3">
-                                            <p:txEl>
-                                              <p:pRg st="0" end="0"/>
-                                            </p:txEl>
-                                          </p:spTgt>
-                                        </p:tgtEl>
-                                        <p:attrNameLst>
-                                          <p:attrName>ppt_x</p:attrName>
-                                        </p:attrNameLst>
-                                      </p:cBhvr>
-                                      <p:tavLst>
-                                        <p:tav tm="0">
-                                          <p:val>
-                                            <p:strVal val="0-#ppt_w/2"/>
-                                          </p:val>
-                                        </p:tav>
-                                        <p:tav tm="100000">
-                                          <p:val>
-                                            <p:strVal val="#ppt_x"/>
-                                          </p:val>
-                                        </p:tav>
-                                      </p:tavLst>
-                                    </p:anim>
-                                    <p:anim calcmode="lin" valueType="num">
-                                      <p:cBhvr additive="base">
-                                        <p:cTn id="8" dur="750" fill="hold"/>
-                                        <p:tgtEl>
-                                          <p:spTgt spid="3">
-                                            <p:txEl>
-                                              <p:pRg st="0" end="0"/>
-                                            </p:txEl>
-                                          </p:spTgt>
-                                        </p:tgtEl>
-                                        <p:attrNameLst>
-                                          <p:attrName>ppt_y</p:attrName>
-                                        </p:attrNameLst>
-                                      </p:cBhvr>
-                                      <p:tavLst>
-                                        <p:tav tm="0">
-                                          <p:val>
-                                            <p:strVal val="#ppt_y"/>
-                                          </p:val>
-                                        </p:tav>
-                                        <p:tav tm="100000">
-                                          <p:val>
-                                            <p:strVal val="#ppt_y"/>
-                                          </p:val>
-                                        </p:tav>
-                                      </p:tavLst>
-                                    </p:anim>
-                                  </p:childTnLst>
-                                </p:cTn>
-                              </p:par>
-                            </p:childTnLst>
-                          </p:cTn>
-                        </p:par>
-                      </p:childTnLst>
-                    </p:cTn>
-                  </p:par>
-                  <p:par>
-                    <p:cTn id="9" fill="hold">
-                      <p:stCondLst>
-                        <p:cond delay="indefinite"/>
-                      </p:stCondLst>
-                      <p:childTnLst>
-                        <p:par>
-                          <p:cTn id="10" fill="hold">
-                            <p:stCondLst>
-                              <p:cond delay="0"/>
-                            </p:stCondLst>
-                            <p:childTnLst>
-                              <p:par>
-                                <p:cTn id="11" presetID="2" presetClass="entr" presetSubtype="8" fill="hold" nodeType="clickEffect">
-                                  <p:stCondLst>
-                                    <p:cond delay="0"/>
-                                  </p:stCondLst>
-                                  <p:childTnLst>
-                                    <p:set>
-                                      <p:cBhvr>
-                                        <p:cTn id="12" dur="1" fill="hold">
-                                          <p:stCondLst>
-                                            <p:cond delay="0"/>
-                                          </p:stCondLst>
-                                        </p:cTn>
-                                        <p:tgtEl>
-                                          <p:spTgt spid="3">
-                                            <p:txEl>
-                                              <p:pRg st="1" end="1"/>
-                                            </p:txEl>
-                                          </p:spTgt>
-                                        </p:tgtEl>
-                                        <p:attrNameLst>
-                                          <p:attrName>style.visibility</p:attrName>
-                                        </p:attrNameLst>
-                                      </p:cBhvr>
-                                      <p:to>
-                                        <p:strVal val="visible"/>
-                                      </p:to>
-                                    </p:set>
-                                    <p:anim calcmode="lin" valueType="num">
-                                      <p:cBhvr additive="base">
-                                        <p:cTn id="13" dur="750" fill="hold"/>
-                                        <p:tgtEl>
-                                          <p:spTgt spid="3">
-                                            <p:txEl>
-                                              <p:pRg st="1" end="1"/>
-                                            </p:txEl>
-                                          </p:spTgt>
-                                        </p:tgtEl>
-                                        <p:attrNameLst>
-                                          <p:attrName>ppt_x</p:attrName>
-                                        </p:attrNameLst>
-                                      </p:cBhvr>
-                                      <p:tavLst>
-                                        <p:tav tm="0">
-                                          <p:val>
-                                            <p:strVal val="0-#ppt_w/2"/>
-                                          </p:val>
-                                        </p:tav>
-                                        <p:tav tm="100000">
-                                          <p:val>
-                                            <p:strVal val="#ppt_x"/>
-                                          </p:val>
-                                        </p:tav>
-                                      </p:tavLst>
-                                    </p:anim>
-                                    <p:anim calcmode="lin" valueType="num">
-                                      <p:cBhvr additive="base">
-                                        <p:cTn id="14" dur="750" fill="hold"/>
-                                        <p:tgtEl>
-                                          <p:spTgt spid="3">
-                                            <p:txEl>
-                                              <p:pRg st="1" end="1"/>
-                                            </p:txEl>
-                                          </p:spTgt>
-                                        </p:tgtEl>
-                                        <p:attrNameLst>
-                                          <p:attrName>ppt_y</p:attrName>
-                                        </p:attrNameLst>
-                                      </p:cBhvr>
-                                      <p:tavLst>
-                                        <p:tav tm="0">
-                                          <p:val>
-                                            <p:strVal val="#ppt_y"/>
-                                          </p:val>
-                                        </p:tav>
-                                        <p:tav tm="100000">
-                                          <p:val>
-                                            <p:strVal val="#ppt_y"/>
-                                          </p:val>
-                                        </p:tav>
-                                      </p:tavLst>
-                                    </p:anim>
-                                  </p:childTnLst>
-                                </p:cTn>
-                              </p:par>
-                            </p:childTnLst>
-                          </p:cTn>
-                        </p:par>
-                      </p:childTnLst>
-                    </p:cTn>
-                  </p:par>
-                  <p:par>
-                    <p:cTn id="15" fill="hold">
-                      <p:stCondLst>
-                        <p:cond delay="indefinite"/>
-                      </p:stCondLst>
-                      <p:childTnLst>
-                        <p:par>
-                          <p:cTn id="16" fill="hold">
-                            <p:stCondLst>
-                              <p:cond delay="0"/>
-                            </p:stCondLst>
-                            <p:childTnLst>
-                              <p:par>
-                                <p:cTn id="17" presetID="2" presetClass="entr" presetSubtype="8" fill="hold" nodeType="clickEffect">
-                                  <p:stCondLst>
-                                    <p:cond delay="0"/>
-                                  </p:stCondLst>
-                                  <p:childTnLst>
-                                    <p:set>
-                                      <p:cBhvr>
-                                        <p:cTn id="18" dur="1" fill="hold">
-                                          <p:stCondLst>
-                                            <p:cond delay="0"/>
-                                          </p:stCondLst>
-                                        </p:cTn>
-                                        <p:tgtEl>
-                                          <p:spTgt spid="3">
-                                            <p:txEl>
-                                              <p:pRg st="2" end="2"/>
-                                            </p:txEl>
-                                          </p:spTgt>
-                                        </p:tgtEl>
-                                        <p:attrNameLst>
-                                          <p:attrName>style.visibility</p:attrName>
-                                        </p:attrNameLst>
-                                      </p:cBhvr>
-                                      <p:to>
-                                        <p:strVal val="visible"/>
-                                      </p:to>
-                                    </p:set>
-                                    <p:anim calcmode="lin" valueType="num">
-                                      <p:cBhvr additive="base">
-                                        <p:cTn id="19" dur="750" fill="hold"/>
-                                        <p:tgtEl>
-                                          <p:spTgt spid="3">
-                                            <p:txEl>
-                                              <p:pRg st="2" end="2"/>
-                                            </p:txEl>
-                                          </p:spTgt>
-                                        </p:tgtEl>
-                                        <p:attrNameLst>
-                                          <p:attrName>ppt_x</p:attrName>
-                                        </p:attrNameLst>
-                                      </p:cBhvr>
-                                      <p:tavLst>
-                                        <p:tav tm="0">
-                                          <p:val>
-                                            <p:strVal val="0-#ppt_w/2"/>
-                                          </p:val>
-                                        </p:tav>
-                                        <p:tav tm="100000">
-                                          <p:val>
-                                            <p:strVal val="#ppt_x"/>
-                                          </p:val>
-                                        </p:tav>
-                                      </p:tavLst>
-                                    </p:anim>
-                                    <p:anim calcmode="lin" valueType="num">
-                                      <p:cBhvr additive="base">
-                                        <p:cTn id="20" dur="750" fill="hold"/>
-                                        <p:tgtEl>
-                                          <p:spTgt spid="3">
-                                            <p:txEl>
-                                              <p:pRg st="2" end="2"/>
-                                            </p:txEl>
-                                          </p:spTgt>
-                                        </p:tgtEl>
-                                        <p:attrNameLst>
-                                          <p:attrName>ppt_y</p:attrName>
-                                        </p:attrNameLst>
-                                      </p:cBhvr>
-                                      <p:tavLst>
-                                        <p:tav tm="0">
-                                          <p:val>
-                                            <p:strVal val="#ppt_y"/>
-                                          </p:val>
-                                        </p:tav>
-                                        <p:tav tm="100000">
-                                          <p:val>
-                                            <p:strVal val="#ppt_y"/>
-                                          </p:val>
-                                        </p:tav>
-                                      </p:tavLst>
-                                    </p:anim>
-                                  </p:childTnLst>
-                                </p:cTn>
-                              </p:par>
-                            </p:childTnLst>
-                          </p:cTn>
-                        </p:par>
-                      </p:childTnLst>
-                    </p:cTn>
-                  </p:par>
-                  <p:par>
-                    <p:cTn id="21" fill="hold">
-                      <p:stCondLst>
-                        <p:cond delay="indefinite"/>
-                      </p:stCondLst>
-                      <p:childTnLst>
-                        <p:par>
-                          <p:cTn id="22" fill="hold">
-                            <p:stCondLst>
-                              <p:cond delay="0"/>
-                            </p:stCondLst>
-                            <p:childTnLst>
-                              <p:par>
-                                <p:cTn id="23" presetID="2" presetClass="entr" presetSubtype="8" fill="hold" nodeType="clickEffect">
-                                  <p:stCondLst>
-                                    <p:cond delay="0"/>
-                                  </p:stCondLst>
-                                  <p:childTnLst>
-                                    <p:set>
-                                      <p:cBhvr>
-                                        <p:cTn id="24" dur="1" fill="hold">
-                                          <p:stCondLst>
-                                            <p:cond delay="0"/>
-                                          </p:stCondLst>
-                                        </p:cTn>
-                                        <p:tgtEl>
-                                          <p:spTgt spid="3">
-                                            <p:txEl>
-                                              <p:pRg st="3" end="3"/>
-                                            </p:txEl>
-                                          </p:spTgt>
-                                        </p:tgtEl>
-                                        <p:attrNameLst>
-                                          <p:attrName>style.visibility</p:attrName>
-                                        </p:attrNameLst>
-                                      </p:cBhvr>
-                                      <p:to>
-                                        <p:strVal val="visible"/>
-                                      </p:to>
-                                    </p:set>
-                                    <p:anim calcmode="lin" valueType="num">
-                                      <p:cBhvr additive="base">
-                                        <p:cTn id="25" dur="750" fill="hold"/>
-                                        <p:tgtEl>
-                                          <p:spTgt spid="3">
-                                            <p:txEl>
-                                              <p:pRg st="3" end="3"/>
-                                            </p:txEl>
-                                          </p:spTgt>
-                                        </p:tgtEl>
-                                        <p:attrNameLst>
-                                          <p:attrName>ppt_x</p:attrName>
-                                        </p:attrNameLst>
-                                      </p:cBhvr>
-                                      <p:tavLst>
-                                        <p:tav tm="0">
-                                          <p:val>
-                                            <p:strVal val="0-#ppt_w/2"/>
-                                          </p:val>
-                                        </p:tav>
-                                        <p:tav tm="100000">
-                                          <p:val>
-                                            <p:strVal val="#ppt_x"/>
-                                          </p:val>
-                                        </p:tav>
-                                      </p:tavLst>
-                                    </p:anim>
-                                    <p:anim calcmode="lin" valueType="num">
-                                      <p:cBhvr additive="base">
-                                        <p:cTn id="26" dur="750" fill="hold"/>
-                                        <p:tgtEl>
-                                          <p:spTgt spid="3">
-                                            <p:txEl>
-                                              <p:pRg st="3" end="3"/>
-                                            </p:txEl>
-                                          </p:spTgt>
-                                        </p:tgtEl>
-                                        <p:attrNameLst>
-                                          <p:attrName>ppt_y</p:attrName>
-                                        </p:attrNameLst>
-                                      </p:cBhvr>
-                                      <p:tavLst>
-                                        <p:tav tm="0">
-                                          <p:val>
-                                            <p:strVal val="#ppt_y"/>
-                                          </p:val>
-                                        </p:tav>
-                                        <p:tav tm="100000">
-                                          <p:val>
-                                            <p:strVal val="#ppt_y"/>
-                                          </p:val>
-                                        </p:tav>
-                                      </p:tavLst>
-                                    </p:anim>
-                                  </p:childTnLst>
-                                </p:cTn>
-                              </p:par>
-                            </p:childTnLst>
-                          </p:cTn>
-                        </p:par>
-                      </p:childTnLst>
-                    </p:cTn>
-                  </p:par>
-                  <p:par>
-                    <p:cTn id="27" fill="hold">
-                      <p:stCondLst>
-                        <p:cond delay="indefinite"/>
-                      </p:stCondLst>
-                      <p:childTnLst>
-                        <p:par>
-                          <p:cTn id="28" fill="hold">
-                            <p:stCondLst>
-                              <p:cond delay="0"/>
-                            </p:stCondLst>
-                            <p:childTnLst>
-                              <p:par>
-                                <p:cTn id="29" presetID="2" presetClass="entr" presetSubtype="8" fill="hold" nodeType="clickEffect">
-                                  <p:stCondLst>
-                                    <p:cond delay="0"/>
-                                  </p:stCondLst>
-                                  <p:childTnLst>
-                                    <p:set>
-                                      <p:cBhvr>
-                                        <p:cTn id="30" dur="1" fill="hold">
-                                          <p:stCondLst>
-                                            <p:cond delay="0"/>
-                                          </p:stCondLst>
-                                        </p:cTn>
-                                        <p:tgtEl>
-                                          <p:spTgt spid="3">
-                                            <p:txEl>
-                                              <p:pRg st="4" end="4"/>
-                                            </p:txEl>
-                                          </p:spTgt>
-                                        </p:tgtEl>
-                                        <p:attrNameLst>
-                                          <p:attrName>style.visibility</p:attrName>
-                                        </p:attrNameLst>
-                                      </p:cBhvr>
-                                      <p:to>
-                                        <p:strVal val="visible"/>
-                                      </p:to>
-                                    </p:set>
-                                    <p:anim calcmode="lin" valueType="num">
-                                      <p:cBhvr additive="base">
-                                        <p:cTn id="31" dur="750" fill="hold"/>
-                                        <p:tgtEl>
-                                          <p:spTgt spid="3">
-                                            <p:txEl>
-                                              <p:pRg st="4" end="4"/>
-                                            </p:txEl>
-                                          </p:spTgt>
-                                        </p:tgtEl>
-                                        <p:attrNameLst>
-                                          <p:attrName>ppt_x</p:attrName>
-                                        </p:attrNameLst>
-                                      </p:cBhvr>
-                                      <p:tavLst>
-                                        <p:tav tm="0">
-                                          <p:val>
-                                            <p:strVal val="0-#ppt_w/2"/>
-                                          </p:val>
-                                        </p:tav>
-                                        <p:tav tm="100000">
-                                          <p:val>
-                                            <p:strVal val="#ppt_x"/>
-                                          </p:val>
-                                        </p:tav>
-                                      </p:tavLst>
-                                    </p:anim>
-                                    <p:anim calcmode="lin" valueType="num">
-                                      <p:cBhvr additive="base">
-                                        <p:cTn id="32" dur="750" fill="hold"/>
-                                        <p:tgtEl>
-                                          <p:spTgt spid="3">
-                                            <p:txEl>
-                                              <p:pRg st="4" end="4"/>
-                                            </p:txEl>
-                                          </p:spTgt>
-                                        </p:tgtEl>
-                                        <p:attrNameLst>
-                                          <p:attrName>ppt_y</p:attrName>
-                                        </p:attrNameLst>
-                                      </p:cBhvr>
-                                      <p:tavLst>
-                                        <p:tav tm="0">
-                                          <p:val>
-                                            <p:strVal val="#ppt_y"/>
-                                          </p:val>
-                                        </p:tav>
-                                        <p:tav tm="100000">
-                                          <p:val>
-                                            <p:strVal val="#ppt_y"/>
-                                          </p:val>
-                                        </p:tav>
-                                      </p:tavLst>
-                                    </p:anim>
-                                  </p:childTnLst>
-                                </p:cTn>
-                              </p:par>
-                            </p:childTnLst>
-                          </p:cTn>
-                        </p:par>
-                      </p:childTnLst>
-                    </p:cTn>
-                  </p:par>
-                  <p:par>
-                    <p:cTn id="33" fill="hold">
-                      <p:stCondLst>
-                        <p:cond delay="indefinite"/>
-                      </p:stCondLst>
-                      <p:childTnLst>
-                        <p:par>
-                          <p:cTn id="34" fill="hold">
-                            <p:stCondLst>
-                              <p:cond delay="0"/>
-                            </p:stCondLst>
-                            <p:childTnLst>
-                              <p:par>
-                                <p:cTn id="35" presetID="2" presetClass="entr" presetSubtype="8" fill="hold" nodeType="clickEffect">
-                                  <p:stCondLst>
-                                    <p:cond delay="0"/>
-                                  </p:stCondLst>
-                                  <p:childTnLst>
-                                    <p:set>
-                                      <p:cBhvr>
-                                        <p:cTn id="36" dur="1" fill="hold">
-                                          <p:stCondLst>
-                                            <p:cond delay="0"/>
-                                          </p:stCondLst>
-                                        </p:cTn>
-                                        <p:tgtEl>
-                                          <p:spTgt spid="3">
-                                            <p:txEl>
-                                              <p:pRg st="5" end="5"/>
-                                            </p:txEl>
-                                          </p:spTgt>
-                                        </p:tgtEl>
-                                        <p:attrNameLst>
-                                          <p:attrName>style.visibility</p:attrName>
-                                        </p:attrNameLst>
-                                      </p:cBhvr>
-                                      <p:to>
-                                        <p:strVal val="visible"/>
-                                      </p:to>
-                                    </p:set>
-                                    <p:anim calcmode="lin" valueType="num">
-                                      <p:cBhvr additive="base">
-                                        <p:cTn id="37" dur="750" fill="hold"/>
-                                        <p:tgtEl>
-                                          <p:spTgt spid="3">
-                                            <p:txEl>
-                                              <p:pRg st="5" end="5"/>
-                                            </p:txEl>
-                                          </p:spTgt>
-                                        </p:tgtEl>
-                                        <p:attrNameLst>
-                                          <p:attrName>ppt_x</p:attrName>
-                                        </p:attrNameLst>
-                                      </p:cBhvr>
-                                      <p:tavLst>
-                                        <p:tav tm="0">
-                                          <p:val>
-                                            <p:strVal val="0-#ppt_w/2"/>
-                                          </p:val>
-                                        </p:tav>
-                                        <p:tav tm="100000">
-                                          <p:val>
-                                            <p:strVal val="#ppt_x"/>
-                                          </p:val>
-                                        </p:tav>
-                                      </p:tavLst>
-                                    </p:anim>
-                                    <p:anim calcmode="lin" valueType="num">
-                                      <p:cBhvr additive="base">
-                                        <p:cTn id="38" dur="750" fill="hold"/>
-                                        <p:tgtEl>
-                                          <p:spTgt spid="3">
-                                            <p:txEl>
-                                              <p:pRg st="5" end="5"/>
-                                            </p:txEl>
-                                          </p:spTgt>
-                                        </p:tgtEl>
-                                        <p:attrNameLst>
-                                          <p:attrName>ppt_y</p:attrName>
-                                        </p:attrNameLst>
-                                      </p:cBhvr>
-                                      <p:tavLst>
-                                        <p:tav tm="0">
-                                          <p:val>
-                                            <p:strVal val="#ppt_y"/>
-                                          </p:val>
-                                        </p:tav>
-                                        <p:tav tm="100000">
-                                          <p:val>
-                                            <p:strVal val="#ppt_y"/>
-                                          </p:val>
-                                        </p:tav>
-                                      </p:tavLst>
-                                    </p:anim>
-                                  </p:childTnLst>
-                                </p:cTn>
-                              </p:par>
-                            </p:childTnLst>
-                          </p:cTn>
-                        </p:par>
-                      </p:childTnLst>
-                    </p:cTn>
-                  </p:par>
-                  <p:par>
-                    <p:cTn id="39" fill="hold">
-                      <p:stCondLst>
-                        <p:cond delay="indefinite"/>
-                      </p:stCondLst>
-                      <p:childTnLst>
-                        <p:par>
-                          <p:cTn id="40" fill="hold">
-                            <p:stCondLst>
-                              <p:cond delay="0"/>
-                            </p:stCondLst>
-                            <p:childTnLst>
-                              <p:par>
-                                <p:cTn id="41" presetID="2" presetClass="entr" presetSubtype="8" fill="hold" nodeType="clickEffect">
-                                  <p:stCondLst>
-                                    <p:cond delay="0"/>
-                                  </p:stCondLst>
-                                  <p:childTnLst>
-                                    <p:set>
-                                      <p:cBhvr>
-                                        <p:cTn id="42" dur="1" fill="hold">
-                                          <p:stCondLst>
-                                            <p:cond delay="0"/>
-                                          </p:stCondLst>
-                                        </p:cTn>
-                                        <p:tgtEl>
-                                          <p:spTgt spid="3">
-                                            <p:txEl>
-                                              <p:pRg st="6" end="6"/>
-                                            </p:txEl>
-                                          </p:spTgt>
-                                        </p:tgtEl>
-                                        <p:attrNameLst>
-                                          <p:attrName>style.visibility</p:attrName>
-                                        </p:attrNameLst>
-                                      </p:cBhvr>
-                                      <p:to>
-                                        <p:strVal val="visible"/>
-                                      </p:to>
-                                    </p:set>
-                                    <p:anim calcmode="lin" valueType="num">
-                                      <p:cBhvr additive="base">
-                                        <p:cTn id="43" dur="750" fill="hold"/>
-                                        <p:tgtEl>
-                                          <p:spTgt spid="3">
-                                            <p:txEl>
-                                              <p:pRg st="6" end="6"/>
-                                            </p:txEl>
-                                          </p:spTgt>
-                                        </p:tgtEl>
-                                        <p:attrNameLst>
-                                          <p:attrName>ppt_x</p:attrName>
-                                        </p:attrNameLst>
-                                      </p:cBhvr>
-                                      <p:tavLst>
-                                        <p:tav tm="0">
-                                          <p:val>
-                                            <p:strVal val="0-#ppt_w/2"/>
-                                          </p:val>
-                                        </p:tav>
-                                        <p:tav tm="100000">
-                                          <p:val>
-                                            <p:strVal val="#ppt_x"/>
-                                          </p:val>
-                                        </p:tav>
-                                      </p:tavLst>
-                                    </p:anim>
-                                    <p:anim calcmode="lin" valueType="num">
-                                      <p:cBhvr additive="base">
-                                        <p:cTn id="44" dur="750" fill="hold"/>
-                                        <p:tgtEl>
-                                          <p:spTgt spid="3">
-                                            <p:txEl>
-                                              <p:pRg st="6" end="6"/>
-                                            </p:txEl>
-                                          </p:spTgt>
-                                        </p:tgtEl>
-                                        <p:attrNameLst>
-                                          <p:attrName>ppt_y</p:attrName>
-                                        </p:attrNameLst>
-                                      </p:cBhvr>
-                                      <p:tavLst>
-                                        <p:tav tm="0">
-                                          <p:val>
-                                            <p:strVal val="#ppt_y"/>
-                                          </p:val>
-                                        </p:tav>
-                                        <p:tav tm="100000">
-                                          <p:val>
-                                            <p:strVal val="#ppt_y"/>
-                                          </p:val>
-                                        </p:tav>
-                                      </p:tavLst>
-                                    </p:anim>
-                                  </p:childTnLst>
-                                </p:cTn>
-                              </p:par>
-                            </p:childTnLst>
-                          </p:cTn>
-                        </p:par>
-                      </p:childTnLst>
-                    </p:cTn>
-                  </p:par>
-                </p:childTnLst>
-              </p:cTn>
-              <p:prevCondLst>
-                <p:cond evt="onPrev" delay="0">
-                  <p:tgtEl>
-                    <p:sldTgt/>
-                  </p:tgtEl>
-                </p:cond>
-              </p:prevCondLst>
-              <p:nextCondLst>
-                <p:cond evt="onNext" delay="0">
-                  <p:tgtEl>
-                    <p:sldTgt/>
-                  </p:tgtEl>
-                </p:cond>
-              </p:nextCondLst>
-            </p:seq>
-          </p:childTnLst>
-        </p:cTn>
-      </p:par>
-    </p:tnLst>
-  </p:timing>
-</p:sld>
-</file>
-
-<file path=ppt/slides/slide20.xml><?xml version="1.0" encoding="utf-8"?>
+<file path=ppt/slides/slide22.xml><?xml version="1.0" encoding="utf-8"?>
 <p:sld xmlns:a="http://schemas.openxmlformats.org/drawingml/2006/main" xmlns:r="http://schemas.openxmlformats.org/officeDocument/2006/relationships" xmlns:p="http://schemas.openxmlformats.org/presentationml/2006/main">
   <p:cSld>
     <p:spTree>
@@ -11353,7 +11648,7 @@
               <a:tabLst/>
             </a:pPr>
             <a:r>
-              <a:rPr lang="en-US" sz="6600" kern="0" dirty="0" smtClean="0">
+              <a:rPr lang="en-US" sz="6600" kern="0" dirty="0">
                 <a:solidFill>
                   <a:srgbClr val="FFFFFF"/>
                 </a:solidFill>
@@ -11361,7 +11656,7 @@
               </a:rPr>
               <a:t>Demo</a:t>
             </a:r>
-            <a:endParaRPr kumimoji="0" lang="en-US" sz="6600" b="0" i="0" u="none" strike="noStrike" kern="0" cap="none" spc="0" normalizeH="0" baseline="0" noProof="0" dirty="0" smtClean="0">
+            <a:endParaRPr kumimoji="0" lang="en-US" sz="6600" b="0" i="0" u="none" strike="noStrike" kern="0" cap="none" spc="0" normalizeH="0" baseline="0" noProof="0" dirty="0">
               <a:ln>
                 <a:noFill/>
               </a:ln>
@@ -11480,7 +11775,7 @@
 </p:sld>
 </file>
 
-<file path=ppt/slides/slide21.xml><?xml version="1.0" encoding="utf-8"?>
+<file path=ppt/slides/slide23.xml><?xml version="1.0" encoding="utf-8"?>
 <p:sld xmlns:a="http://schemas.openxmlformats.org/drawingml/2006/main" xmlns:r="http://schemas.openxmlformats.org/officeDocument/2006/relationships" xmlns:p="http://schemas.openxmlformats.org/presentationml/2006/main">
   <p:cSld>
     <p:spTree>
@@ -11520,11 +11815,11 @@
           <a:lstStyle/>
           <a:p>
             <a:r>
-              <a:rPr lang="nl-BE" sz="2400" dirty="0" smtClean="0"/>
+              <a:rPr lang="nl-BE" sz="2400" dirty="0"/>
               <a:t>GitHub </a:t>
             </a:r>
             <a:r>
-              <a:rPr lang="nl-BE" sz="2400" dirty="0" err="1" smtClean="0"/>
+              <a:rPr lang="nl-BE" sz="2400" dirty="0" err="1"/>
               <a:t>repository</a:t>
             </a:r>
             <a:r>
@@ -11535,16 +11830,10 @@
               <a:rPr lang="nl-BE" sz="2400" dirty="0">
                 <a:hlinkClick r:id="rId2"/>
               </a:rPr>
-              <a:t>https://github.com/Levi--</a:t>
+              <a:t>https://github.com/Levi--G/CA-Paperless-Office-LHS</a:t>
             </a:r>
             <a:r>
-              <a:rPr lang="nl-BE" sz="2400" dirty="0" smtClean="0">
-                <a:hlinkClick r:id="rId2"/>
-              </a:rPr>
-              <a:t>G/CA-Paperless-Office-LHS</a:t>
-            </a:r>
-            <a:r>
-              <a:rPr lang="nl-BE" sz="2400" dirty="0" smtClean="0"/>
+              <a:rPr lang="nl-BE" sz="2400" dirty="0"/>
               <a:t> </a:t>
             </a:r>
           </a:p>
@@ -11553,26 +11842,19 @@
           </a:p>
           <a:p>
             <a:r>
-              <a:rPr lang="nl-BE" sz="2400" dirty="0" smtClean="0"/>
+              <a:rPr lang="nl-BE" sz="2400" dirty="0"/>
               <a:t>Website: </a:t>
             </a:r>
             <a:r>
               <a:rPr lang="nl-BE" sz="2400" dirty="0">
                 <a:hlinkClick r:id="rId3"/>
               </a:rPr>
-              <a:t>https://</a:t>
+              <a:t>https://paperlesslhs.azurewebsites.net</a:t>
             </a:r>
             <a:r>
-              <a:rPr lang="nl-BE" sz="2400" dirty="0" smtClean="0">
-                <a:hlinkClick r:id="rId3"/>
-              </a:rPr>
-              <a:t>paperlesslhs.azurewebsites.net</a:t>
-            </a:r>
-            <a:r>
-              <a:rPr lang="nl-BE" sz="2400" dirty="0" smtClean="0"/>
+              <a:rPr lang="nl-BE" sz="2400" dirty="0"/>
               <a:t> </a:t>
             </a:r>
-            <a:endParaRPr lang="nl-BE" sz="2400" dirty="0"/>
           </a:p>
         </p:txBody>
       </p:sp>
@@ -11896,7 +12178,7 @@
               <a:tabLst/>
             </a:pPr>
             <a:r>
-              <a:rPr kumimoji="0" lang="en-US" sz="6600" b="0" i="0" u="none" strike="noStrike" kern="0" cap="none" spc="0" normalizeH="0" baseline="0" noProof="0" dirty="0" smtClean="0">
+              <a:rPr kumimoji="0" lang="en-US" sz="6600" b="0" i="0" u="none" strike="noStrike" kern="0" cap="none" spc="0" normalizeH="0" baseline="0" noProof="0" dirty="0">
                 <a:ln>
                   <a:noFill/>
                 </a:ln>
@@ -12057,7 +12339,7 @@
           <a:lstStyle/>
           <a:p>
             <a:r>
-              <a:rPr lang="nl-BE" sz="2000" dirty="0" smtClean="0"/>
+              <a:rPr lang="nl-BE" sz="2000" dirty="0"/>
               <a:t>Onnodige papierberg</a:t>
             </a:r>
           </a:p>
@@ -12066,7 +12348,7 @@
           </a:p>
           <a:p>
             <a:r>
-              <a:rPr lang="nl-BE" sz="2000" dirty="0" smtClean="0"/>
+              <a:rPr lang="nl-BE" sz="2000" dirty="0"/>
               <a:t>Eenvoudig beheren</a:t>
             </a:r>
           </a:p>
@@ -12075,7 +12357,7 @@
           </a:p>
           <a:p>
             <a:r>
-              <a:rPr lang="nl-BE" sz="2000" dirty="0" smtClean="0"/>
+              <a:rPr lang="nl-BE" sz="2000" dirty="0"/>
               <a:t>Online platform</a:t>
             </a:r>
           </a:p>
@@ -12084,7 +12366,7 @@
           </a:p>
           <a:p>
             <a:r>
-              <a:rPr lang="nl-BE" sz="2000" dirty="0" smtClean="0"/>
+              <a:rPr lang="nl-BE" sz="2000" dirty="0"/>
               <a:t>Uploaden en downloaden van documenten</a:t>
             </a:r>
           </a:p>
@@ -12093,7 +12375,7 @@
           </a:p>
           <a:p>
             <a:r>
-              <a:rPr lang="nl-BE" sz="2000" dirty="0" smtClean="0"/>
+              <a:rPr lang="nl-BE" sz="2000" dirty="0"/>
               <a:t>Filteren en sorteren</a:t>
             </a:r>
           </a:p>
@@ -12105,7 +12387,7 @@
           </a:p>
           <a:p>
             <a:r>
-              <a:rPr lang="nl-BE" sz="2000" dirty="0" smtClean="0"/>
+              <a:rPr lang="nl-BE" sz="2000" dirty="0"/>
               <a:t>Oplossing: PAPERLESS OFFICE</a:t>
             </a:r>
           </a:p>
@@ -12898,7 +13180,7 @@
               <a:tabLst/>
             </a:pPr>
             <a:r>
-              <a:rPr lang="en-US" sz="6600" kern="0" dirty="0" smtClean="0">
+              <a:rPr lang="en-US" sz="6600" kern="0" dirty="0">
                 <a:solidFill>
                   <a:srgbClr val="FFFFFF"/>
                 </a:solidFill>
@@ -12906,7 +13188,7 @@
               </a:rPr>
               <a:t>Mockups</a:t>
             </a:r>
-            <a:endParaRPr kumimoji="0" lang="en-US" sz="6600" b="0" i="0" u="none" strike="noStrike" kern="0" cap="none" spc="0" normalizeH="0" baseline="0" noProof="0" dirty="0" smtClean="0">
+            <a:endParaRPr kumimoji="0" lang="en-US" sz="6600" b="0" i="0" u="none" strike="noStrike" kern="0" cap="none" spc="0" normalizeH="0" baseline="0" noProof="0" dirty="0">
               <a:ln>
                 <a:noFill/>
               </a:ln>
@@ -13063,10 +13345,9 @@
           <a:lstStyle/>
           <a:p>
             <a:r>
-              <a:rPr lang="nl-BE" dirty="0" smtClean="0"/>
+              <a:rPr lang="nl-BE" dirty="0"/>
               <a:t>Homepagina</a:t>
             </a:r>
-            <a:endParaRPr lang="nl-BE" dirty="0"/>
           </a:p>
         </p:txBody>
       </p:sp>
@@ -13346,10 +13627,9 @@
           <a:lstStyle/>
           <a:p>
             <a:r>
-              <a:rPr lang="nl-BE" dirty="0" smtClean="0"/>
+              <a:rPr lang="nl-BE" dirty="0"/>
               <a:t>Registreren &amp; Inloggen</a:t>
             </a:r>
-            <a:endParaRPr lang="nl-BE" dirty="0"/>
           </a:p>
         </p:txBody>
       </p:sp>
@@ -13625,7 +13905,7 @@
           <a:lstStyle/>
           <a:p>
             <a:r>
-              <a:rPr lang="nl-BE" dirty="0" err="1" smtClean="0"/>
+              <a:rPr lang="nl-BE" dirty="0" err="1"/>
               <a:t>Paymentpagina</a:t>
             </a:r>
             <a:endParaRPr lang="nl-BE" dirty="0"/>
@@ -13904,7 +14184,7 @@
           <a:lstStyle/>
           <a:p>
             <a:r>
-              <a:rPr lang="nl-BE" dirty="0" err="1" smtClean="0"/>
+              <a:rPr lang="nl-BE" dirty="0" err="1"/>
               <a:t>FileOverview</a:t>
             </a:r>
             <a:endParaRPr lang="nl-BE" dirty="0"/>

--- a/doc/Presentatie.pptx
+++ b/doc/Presentatie.pptx
@@ -404,7 +404,7 @@
           <a:p>
             <a:fld id="{991A4FD7-93B3-4A3D-9810-22EC526EE429}" type="slidenum">
               <a:rPr lang="nl-BE" smtClean="0"/>
-              <a:t>‹#›</a:t>
+              <a:t>‹nr.›</a:t>
             </a:fld>
             <a:endParaRPr lang="nl-BE"/>
           </a:p>
@@ -612,7 +612,7 @@
           <a:p>
             <a:fld id="{991A4FD7-93B3-4A3D-9810-22EC526EE429}" type="slidenum">
               <a:rPr lang="nl-BE" smtClean="0"/>
-              <a:t>‹#›</a:t>
+              <a:t>‹nr.›</a:t>
             </a:fld>
             <a:endParaRPr lang="nl-BE"/>
           </a:p>
@@ -870,7 +870,7 @@
           <a:p>
             <a:fld id="{991A4FD7-93B3-4A3D-9810-22EC526EE429}" type="slidenum">
               <a:rPr lang="nl-BE" smtClean="0"/>
-              <a:t>‹#›</a:t>
+              <a:t>‹nr.›</a:t>
             </a:fld>
             <a:endParaRPr lang="nl-BE"/>
           </a:p>
@@ -1040,7 +1040,7 @@
           <a:p>
             <a:fld id="{991A4FD7-93B3-4A3D-9810-22EC526EE429}" type="slidenum">
               <a:rPr lang="nl-BE" smtClean="0"/>
-              <a:t>‹#›</a:t>
+              <a:t>‹nr.›</a:t>
             </a:fld>
             <a:endParaRPr lang="nl-BE"/>
           </a:p>
@@ -1377,7 +1377,7 @@
           <a:p>
             <a:fld id="{991A4FD7-93B3-4A3D-9810-22EC526EE429}" type="slidenum">
               <a:rPr lang="nl-BE" smtClean="0"/>
-              <a:t>‹#›</a:t>
+              <a:t>‹nr.›</a:t>
             </a:fld>
             <a:endParaRPr lang="nl-BE"/>
           </a:p>
@@ -1652,7 +1652,7 @@
           <a:p>
             <a:fld id="{991A4FD7-93B3-4A3D-9810-22EC526EE429}" type="slidenum">
               <a:rPr lang="nl-BE" smtClean="0"/>
-              <a:t>‹#›</a:t>
+              <a:t>‹nr.›</a:t>
             </a:fld>
             <a:endParaRPr lang="nl-BE"/>
           </a:p>
@@ -2031,7 +2031,7 @@
           <a:p>
             <a:fld id="{991A4FD7-93B3-4A3D-9810-22EC526EE429}" type="slidenum">
               <a:rPr lang="nl-BE" smtClean="0"/>
-              <a:t>‹#›</a:t>
+              <a:t>‹nr.›</a:t>
             </a:fld>
             <a:endParaRPr lang="nl-BE"/>
           </a:p>
@@ -2149,7 +2149,7 @@
           <a:p>
             <a:fld id="{991A4FD7-93B3-4A3D-9810-22EC526EE429}" type="slidenum">
               <a:rPr lang="nl-BE" smtClean="0"/>
-              <a:t>‹#›</a:t>
+              <a:t>‹nr.›</a:t>
             </a:fld>
             <a:endParaRPr lang="nl-BE"/>
           </a:p>
@@ -2330,7 +2330,7 @@
           <a:p>
             <a:fld id="{991A4FD7-93B3-4A3D-9810-22EC526EE429}" type="slidenum">
               <a:rPr lang="nl-BE" smtClean="0"/>
-              <a:t>‹#›</a:t>
+              <a:t>‹nr.›</a:t>
             </a:fld>
             <a:endParaRPr lang="nl-BE"/>
           </a:p>
@@ -2699,7 +2699,7 @@
           <a:p>
             <a:fld id="{991A4FD7-93B3-4A3D-9810-22EC526EE429}" type="slidenum">
               <a:rPr lang="nl-BE" smtClean="0"/>
-              <a:t>‹#›</a:t>
+              <a:t>‹nr.›</a:t>
             </a:fld>
             <a:endParaRPr lang="nl-BE"/>
           </a:p>
@@ -3057,7 +3057,7 @@
           <a:p>
             <a:fld id="{991A4FD7-93B3-4A3D-9810-22EC526EE429}" type="slidenum">
               <a:rPr lang="nl-BE" smtClean="0"/>
-              <a:t>‹#›</a:t>
+              <a:t>‹nr.›</a:t>
             </a:fld>
             <a:endParaRPr lang="nl-BE"/>
           </a:p>
@@ -3378,7 +3378,7 @@
           <a:p>
             <a:fld id="{991A4FD7-93B3-4A3D-9810-22EC526EE429}" type="slidenum">
               <a:rPr lang="nl-BE" smtClean="0"/>
-              <a:t>‹#›</a:t>
+              <a:t>‹nr.›</a:t>
             </a:fld>
             <a:endParaRPr lang="nl-BE"/>
           </a:p>
@@ -3899,6 +3899,13 @@
   <p:clrMapOvr>
     <a:masterClrMapping/>
   </p:clrMapOvr>
+  <p:timing>
+    <p:tnLst>
+      <p:par>
+        <p:cTn id="1" dur="indefinite" restart="never" nodeType="tmRoot"/>
+      </p:par>
+    </p:tnLst>
+  </p:timing>
 </p:sld>
 </file>
 
@@ -9996,6 +10003,41 @@
                                   </p:childTnLst>
                                 </p:cTn>
                               </p:par>
+                              <p:par>
+                                <p:cTn id="8" presetID="10" presetClass="entr" presetSubtype="0" fill="hold" nodeType="withEffect">
+                                  <p:stCondLst>
+                                    <p:cond delay="0"/>
+                                  </p:stCondLst>
+                                  <p:childTnLst>
+                                    <p:set>
+                                      <p:cBhvr>
+                                        <p:cTn id="9" dur="1" fill="hold">
+                                          <p:stCondLst>
+                                            <p:cond delay="0"/>
+                                          </p:stCondLst>
+                                        </p:cTn>
+                                        <p:tgtEl>
+                                          <p:spTgt spid="4"/>
+                                        </p:tgtEl>
+                                        <p:attrNameLst>
+                                          <p:attrName>style.visibility</p:attrName>
+                                        </p:attrNameLst>
+                                      </p:cBhvr>
+                                      <p:to>
+                                        <p:strVal val="visible"/>
+                                      </p:to>
+                                    </p:set>
+                                    <p:animEffect transition="in" filter="fade">
+                                      <p:cBhvr>
+                                        <p:cTn id="10" dur="750"/>
+                                        <p:tgtEl>
+                                          <p:spTgt spid="4"/>
+                                        </p:tgtEl>
+                                      </p:cBhvr>
+                                    </p:animEffect>
+                                  </p:childTnLst>
+                                </p:cTn>
+                              </p:par>
                             </p:childTnLst>
                           </p:cTn>
                         </p:par>
@@ -10152,6 +10194,162 @@
   <p:clrMapOvr>
     <a:masterClrMapping/>
   </p:clrMapOvr>
+  <p:timing>
+    <p:tnLst>
+      <p:par>
+        <p:cTn id="1" dur="indefinite" restart="never" nodeType="tmRoot">
+          <p:childTnLst>
+            <p:seq concurrent="1" nextAc="seek">
+              <p:cTn id="2" dur="indefinite" nodeType="mainSeq">
+                <p:childTnLst>
+                  <p:par>
+                    <p:cTn id="3" fill="hold">
+                      <p:stCondLst>
+                        <p:cond delay="indefinite"/>
+                        <p:cond evt="onBegin" delay="0">
+                          <p:tn val="2"/>
+                        </p:cond>
+                      </p:stCondLst>
+                      <p:childTnLst>
+                        <p:par>
+                          <p:cTn id="4" fill="hold">
+                            <p:stCondLst>
+                              <p:cond delay="0"/>
+                            </p:stCondLst>
+                            <p:childTnLst>
+                              <p:par>
+                                <p:cTn id="5" presetID="10" presetClass="entr" presetSubtype="0" fill="hold" nodeType="withEffect">
+                                  <p:stCondLst>
+                                    <p:cond delay="0"/>
+                                  </p:stCondLst>
+                                  <p:childTnLst>
+                                    <p:set>
+                                      <p:cBhvr>
+                                        <p:cTn id="6" dur="1" fill="hold">
+                                          <p:stCondLst>
+                                            <p:cond delay="0"/>
+                                          </p:stCondLst>
+                                        </p:cTn>
+                                        <p:tgtEl>
+                                          <p:spTgt spid="4"/>
+                                        </p:tgtEl>
+                                        <p:attrNameLst>
+                                          <p:attrName>style.visibility</p:attrName>
+                                        </p:attrNameLst>
+                                      </p:cBhvr>
+                                      <p:to>
+                                        <p:strVal val="visible"/>
+                                      </p:to>
+                                    </p:set>
+                                    <p:animEffect transition="in" filter="fade">
+                                      <p:cBhvr>
+                                        <p:cTn id="7" dur="750"/>
+                                        <p:tgtEl>
+                                          <p:spTgt spid="4"/>
+                                        </p:tgtEl>
+                                      </p:cBhvr>
+                                    </p:animEffect>
+                                  </p:childTnLst>
+                                </p:cTn>
+                              </p:par>
+                              <p:par>
+                                <p:cTn id="8" presetID="10" presetClass="entr" presetSubtype="0" fill="hold" nodeType="withEffect">
+                                  <p:stCondLst>
+                                    <p:cond delay="0"/>
+                                  </p:stCondLst>
+                                  <p:childTnLst>
+                                    <p:set>
+                                      <p:cBhvr>
+                                        <p:cTn id="9" dur="1" fill="hold">
+                                          <p:stCondLst>
+                                            <p:cond delay="0"/>
+                                          </p:stCondLst>
+                                        </p:cTn>
+                                        <p:tgtEl>
+                                          <p:spTgt spid="6"/>
+                                        </p:tgtEl>
+                                        <p:attrNameLst>
+                                          <p:attrName>style.visibility</p:attrName>
+                                        </p:attrNameLst>
+                                      </p:cBhvr>
+                                      <p:to>
+                                        <p:strVal val="visible"/>
+                                      </p:to>
+                                    </p:set>
+                                    <p:animEffect transition="in" filter="fade">
+                                      <p:cBhvr>
+                                        <p:cTn id="10" dur="750"/>
+                                        <p:tgtEl>
+                                          <p:spTgt spid="6"/>
+                                        </p:tgtEl>
+                                      </p:cBhvr>
+                                    </p:animEffect>
+                                  </p:childTnLst>
+                                </p:cTn>
+                              </p:par>
+                              <p:par>
+                                <p:cTn id="11" presetID="10" presetClass="entr" presetSubtype="0" fill="hold" nodeType="withEffect">
+                                  <p:stCondLst>
+                                    <p:cond delay="0"/>
+                                  </p:stCondLst>
+                                  <p:childTnLst>
+                                    <p:set>
+                                      <p:cBhvr>
+                                        <p:cTn id="12" dur="1" fill="hold">
+                                          <p:stCondLst>
+                                            <p:cond delay="0"/>
+                                          </p:stCondLst>
+                                        </p:cTn>
+                                        <p:tgtEl>
+                                          <p:spTgt spid="8"/>
+                                        </p:tgtEl>
+                                        <p:attrNameLst>
+                                          <p:attrName>style.visibility</p:attrName>
+                                        </p:attrNameLst>
+                                      </p:cBhvr>
+                                      <p:to>
+                                        <p:strVal val="visible"/>
+                                      </p:to>
+                                    </p:set>
+                                    <p:animEffect transition="in" filter="fade">
+                                      <p:cBhvr>
+                                        <p:cTn id="13" dur="750"/>
+                                        <p:tgtEl>
+                                          <p:spTgt spid="8"/>
+                                        </p:tgtEl>
+                                      </p:cBhvr>
+                                    </p:animEffect>
+                                  </p:childTnLst>
+                                </p:cTn>
+                              </p:par>
+                            </p:childTnLst>
+                          </p:cTn>
+                        </p:par>
+                      </p:childTnLst>
+                    </p:cTn>
+                  </p:par>
+                </p:childTnLst>
+              </p:cTn>
+              <p:prevCondLst>
+                <p:cond evt="onPrev" delay="0">
+                  <p:tgtEl>
+                    <p:sldTgt/>
+                  </p:tgtEl>
+                </p:cond>
+              </p:prevCondLst>
+              <p:nextCondLst>
+                <p:cond evt="onNext" delay="0">
+                  <p:tgtEl>
+                    <p:sldTgt/>
+                  </p:tgtEl>
+                </p:cond>
+              </p:nextCondLst>
+            </p:seq>
+          </p:childTnLst>
+        </p:cTn>
+      </p:par>
+    </p:tnLst>
+  </p:timing>
 </p:sld>
 </file>
 
@@ -10324,6 +10522,304 @@
   <p:clrMapOvr>
     <a:masterClrMapping/>
   </p:clrMapOvr>
+  <p:timing>
+    <p:tnLst>
+      <p:par>
+        <p:cTn id="1" dur="indefinite" restart="never" nodeType="tmRoot">
+          <p:childTnLst>
+            <p:seq concurrent="1" nextAc="seek">
+              <p:cTn id="2" dur="indefinite" nodeType="mainSeq">
+                <p:childTnLst>
+                  <p:par>
+                    <p:cTn id="3" fill="hold">
+                      <p:stCondLst>
+                        <p:cond delay="indefinite"/>
+                        <p:cond evt="onBegin" delay="0">
+                          <p:tn val="2"/>
+                        </p:cond>
+                      </p:stCondLst>
+                      <p:childTnLst>
+                        <p:par>
+                          <p:cTn id="4" fill="hold">
+                            <p:stCondLst>
+                              <p:cond delay="0"/>
+                            </p:stCondLst>
+                            <p:childTnLst>
+                              <p:par>
+                                <p:cTn id="5" presetID="10" presetClass="entr" presetSubtype="0" fill="hold" nodeType="withEffect">
+                                  <p:stCondLst>
+                                    <p:cond delay="0"/>
+                                  </p:stCondLst>
+                                  <p:childTnLst>
+                                    <p:set>
+                                      <p:cBhvr>
+                                        <p:cTn id="6" dur="1" fill="hold">
+                                          <p:stCondLst>
+                                            <p:cond delay="0"/>
+                                          </p:stCondLst>
+                                        </p:cTn>
+                                        <p:tgtEl>
+                                          <p:spTgt spid="4"/>
+                                        </p:tgtEl>
+                                        <p:attrNameLst>
+                                          <p:attrName>style.visibility</p:attrName>
+                                        </p:attrNameLst>
+                                      </p:cBhvr>
+                                      <p:to>
+                                        <p:strVal val="visible"/>
+                                      </p:to>
+                                    </p:set>
+                                    <p:animEffect transition="in" filter="fade">
+                                      <p:cBhvr>
+                                        <p:cTn id="7" dur="750"/>
+                                        <p:tgtEl>
+                                          <p:spTgt spid="4"/>
+                                        </p:tgtEl>
+                                      </p:cBhvr>
+                                    </p:animEffect>
+                                  </p:childTnLst>
+                                </p:cTn>
+                              </p:par>
+                            </p:childTnLst>
+                          </p:cTn>
+                        </p:par>
+                      </p:childTnLst>
+                    </p:cTn>
+                  </p:par>
+                  <p:par>
+                    <p:cTn id="8" fill="hold">
+                      <p:stCondLst>
+                        <p:cond delay="indefinite"/>
+                      </p:stCondLst>
+                      <p:childTnLst>
+                        <p:par>
+                          <p:cTn id="9" fill="hold">
+                            <p:stCondLst>
+                              <p:cond delay="0"/>
+                            </p:stCondLst>
+                            <p:childTnLst>
+                              <p:par>
+                                <p:cTn id="10" presetID="10" presetClass="entr" presetSubtype="0" fill="hold" nodeType="clickEffect">
+                                  <p:stCondLst>
+                                    <p:cond delay="0"/>
+                                  </p:stCondLst>
+                                  <p:childTnLst>
+                                    <p:set>
+                                      <p:cBhvr>
+                                        <p:cTn id="11" dur="1" fill="hold">
+                                          <p:stCondLst>
+                                            <p:cond delay="0"/>
+                                          </p:stCondLst>
+                                        </p:cTn>
+                                        <p:tgtEl>
+                                          <p:spTgt spid="5"/>
+                                        </p:tgtEl>
+                                        <p:attrNameLst>
+                                          <p:attrName>style.visibility</p:attrName>
+                                        </p:attrNameLst>
+                                      </p:cBhvr>
+                                      <p:to>
+                                        <p:strVal val="visible"/>
+                                      </p:to>
+                                    </p:set>
+                                    <p:animEffect transition="in" filter="fade">
+                                      <p:cBhvr>
+                                        <p:cTn id="12" dur="750"/>
+                                        <p:tgtEl>
+                                          <p:spTgt spid="5"/>
+                                        </p:tgtEl>
+                                      </p:cBhvr>
+                                    </p:animEffect>
+                                  </p:childTnLst>
+                                </p:cTn>
+                              </p:par>
+                            </p:childTnLst>
+                          </p:cTn>
+                        </p:par>
+                      </p:childTnLst>
+                    </p:cTn>
+                  </p:par>
+                  <p:par>
+                    <p:cTn id="13" fill="hold">
+                      <p:stCondLst>
+                        <p:cond delay="indefinite"/>
+                      </p:stCondLst>
+                      <p:childTnLst>
+                        <p:par>
+                          <p:cTn id="14" fill="hold">
+                            <p:stCondLst>
+                              <p:cond delay="0"/>
+                            </p:stCondLst>
+                            <p:childTnLst>
+                              <p:par>
+                                <p:cTn id="15" presetID="10" presetClass="entr" presetSubtype="0" fill="hold" nodeType="clickEffect">
+                                  <p:stCondLst>
+                                    <p:cond delay="0"/>
+                                  </p:stCondLst>
+                                  <p:childTnLst>
+                                    <p:set>
+                                      <p:cBhvr>
+                                        <p:cTn id="16" dur="1" fill="hold">
+                                          <p:stCondLst>
+                                            <p:cond delay="0"/>
+                                          </p:stCondLst>
+                                        </p:cTn>
+                                        <p:tgtEl>
+                                          <p:spTgt spid="6"/>
+                                        </p:tgtEl>
+                                        <p:attrNameLst>
+                                          <p:attrName>style.visibility</p:attrName>
+                                        </p:attrNameLst>
+                                      </p:cBhvr>
+                                      <p:to>
+                                        <p:strVal val="visible"/>
+                                      </p:to>
+                                    </p:set>
+                                    <p:animEffect transition="in" filter="fade">
+                                      <p:cBhvr>
+                                        <p:cTn id="17" dur="750"/>
+                                        <p:tgtEl>
+                                          <p:spTgt spid="6"/>
+                                        </p:tgtEl>
+                                      </p:cBhvr>
+                                    </p:animEffect>
+                                  </p:childTnLst>
+                                </p:cTn>
+                              </p:par>
+                            </p:childTnLst>
+                          </p:cTn>
+                        </p:par>
+                      </p:childTnLst>
+                    </p:cTn>
+                  </p:par>
+                  <p:par>
+                    <p:cTn id="18" fill="hold">
+                      <p:stCondLst>
+                        <p:cond delay="indefinite"/>
+                      </p:stCondLst>
+                      <p:childTnLst>
+                        <p:par>
+                          <p:cTn id="19" fill="hold">
+                            <p:stCondLst>
+                              <p:cond delay="0"/>
+                            </p:stCondLst>
+                            <p:childTnLst>
+                              <p:par>
+                                <p:cTn id="20" presetID="10" presetClass="entr" presetSubtype="0" fill="hold" nodeType="clickEffect">
+                                  <p:stCondLst>
+                                    <p:cond delay="0"/>
+                                  </p:stCondLst>
+                                  <p:childTnLst>
+                                    <p:set>
+                                      <p:cBhvr>
+                                        <p:cTn id="21" dur="1" fill="hold">
+                                          <p:stCondLst>
+                                            <p:cond delay="0"/>
+                                          </p:stCondLst>
+                                        </p:cTn>
+                                        <p:tgtEl>
+                                          <p:spTgt spid="7"/>
+                                        </p:tgtEl>
+                                        <p:attrNameLst>
+                                          <p:attrName>style.visibility</p:attrName>
+                                        </p:attrNameLst>
+                                      </p:cBhvr>
+                                      <p:to>
+                                        <p:strVal val="visible"/>
+                                      </p:to>
+                                    </p:set>
+                                    <p:animEffect transition="in" filter="fade">
+                                      <p:cBhvr>
+                                        <p:cTn id="22" dur="750"/>
+                                        <p:tgtEl>
+                                          <p:spTgt spid="7"/>
+                                        </p:tgtEl>
+                                      </p:cBhvr>
+                                    </p:animEffect>
+                                  </p:childTnLst>
+                                </p:cTn>
+                              </p:par>
+                            </p:childTnLst>
+                          </p:cTn>
+                        </p:par>
+                      </p:childTnLst>
+                    </p:cTn>
+                  </p:par>
+                  <p:par>
+                    <p:cTn id="23" fill="hold">
+                      <p:stCondLst>
+                        <p:cond delay="indefinite"/>
+                      </p:stCondLst>
+                      <p:childTnLst>
+                        <p:par>
+                          <p:cTn id="24" fill="hold">
+                            <p:stCondLst>
+                              <p:cond delay="0"/>
+                            </p:stCondLst>
+                            <p:childTnLst>
+                              <p:par>
+                                <p:cTn id="25" presetID="10" presetClass="entr" presetSubtype="0" fill="hold" nodeType="clickEffect">
+                                  <p:stCondLst>
+                                    <p:cond delay="0"/>
+                                  </p:stCondLst>
+                                  <p:childTnLst>
+                                    <p:set>
+                                      <p:cBhvr>
+                                        <p:cTn id="26" dur="1" fill="hold">
+                                          <p:stCondLst>
+                                            <p:cond delay="0"/>
+                                          </p:stCondLst>
+                                        </p:cTn>
+                                        <p:tgtEl>
+                                          <p:spTgt spid="8"/>
+                                        </p:tgtEl>
+                                        <p:attrNameLst>
+                                          <p:attrName>style.visibility</p:attrName>
+                                        </p:attrNameLst>
+                                      </p:cBhvr>
+                                      <p:to>
+                                        <p:strVal val="visible"/>
+                                      </p:to>
+                                    </p:set>
+                                    <p:animEffect transition="in" filter="fade">
+                                      <p:cBhvr>
+                                        <p:cTn id="27" dur="750"/>
+                                        <p:tgtEl>
+                                          <p:spTgt spid="8"/>
+                                        </p:tgtEl>
+                                      </p:cBhvr>
+                                    </p:animEffect>
+                                  </p:childTnLst>
+                                </p:cTn>
+                              </p:par>
+                            </p:childTnLst>
+                          </p:cTn>
+                        </p:par>
+                      </p:childTnLst>
+                    </p:cTn>
+                  </p:par>
+                </p:childTnLst>
+              </p:cTn>
+              <p:prevCondLst>
+                <p:cond evt="onPrev" delay="0">
+                  <p:tgtEl>
+                    <p:sldTgt/>
+                  </p:tgtEl>
+                </p:cond>
+              </p:prevCondLst>
+              <p:nextCondLst>
+                <p:cond evt="onNext" delay="0">
+                  <p:tgtEl>
+                    <p:sldTgt/>
+                  </p:tgtEl>
+                </p:cond>
+              </p:nextCondLst>
+            </p:seq>
+          </p:childTnLst>
+        </p:cTn>
+      </p:par>
+    </p:tnLst>
+  </p:timing>
 </p:sld>
 </file>
 
@@ -14745,6 +15241,14 @@
 </file>
 
 <file path=customXml/itemProps1.xml><?xml version="1.0" encoding="utf-8"?>
+<ds:datastoreItem xmlns:ds="http://schemas.openxmlformats.org/officeDocument/2006/customXml" ds:itemID="{17E92F0F-E05F-4BA6-9129-94999FE09AD2}">
+  <ds:schemaRefs>
+    <ds:schemaRef ds:uri="http://schemas.microsoft.com/VisualStudio/2011/storyboarding/control"/>
+  </ds:schemaRefs>
+</ds:datastoreItem>
+</file>
+
+<file path=customXml/itemProps2.xml><?xml version="1.0" encoding="utf-8"?>
 <ds:datastoreItem xmlns:ds="http://schemas.openxmlformats.org/officeDocument/2006/customXml" ds:itemID="{D7CD5E9E-2B0A-49A7-9EE3-B6B588328107}">
   <ds:schemaRefs>
     <ds:schemaRef ds:uri="http://schemas.microsoft.com/VisualStudio/2011/storyboarding/control"/>
@@ -14752,16 +15256,8 @@
 </ds:datastoreItem>
 </file>
 
-<file path=customXml/itemProps2.xml><?xml version="1.0" encoding="utf-8"?>
-<ds:datastoreItem xmlns:ds="http://schemas.openxmlformats.org/officeDocument/2006/customXml" ds:itemID="{17E92F0F-E05F-4BA6-9129-94999FE09AD2}">
-  <ds:schemaRefs>
-    <ds:schemaRef ds:uri="http://schemas.microsoft.com/VisualStudio/2011/storyboarding/control"/>
-  </ds:schemaRefs>
-</ds:datastoreItem>
-</file>
-
 <file path=customXml/itemProps3.xml><?xml version="1.0" encoding="utf-8"?>
-<ds:datastoreItem xmlns:ds="http://schemas.openxmlformats.org/officeDocument/2006/customXml" ds:itemID="{64B5D093-FA4C-4AC5-A799-F952A50D63B5}">
+<ds:datastoreItem xmlns:ds="http://schemas.openxmlformats.org/officeDocument/2006/customXml" ds:itemID="{DA2B88FD-8186-484D-9705-5BF146C27836}">
   <ds:schemaRefs>
     <ds:schemaRef ds:uri="http://schemas.microsoft.com/VisualStudio/2011/storyboarding/control"/>
   </ds:schemaRefs>
@@ -14769,6 +15265,14 @@
 </file>
 
 <file path=customXml/itemProps4.xml><?xml version="1.0" encoding="utf-8"?>
+<ds:datastoreItem xmlns:ds="http://schemas.openxmlformats.org/officeDocument/2006/customXml" ds:itemID="{CD5E1FAB-ACA4-4BD0-AEC5-381E28EC8851}">
+  <ds:schemaRefs>
+    <ds:schemaRef ds:uri="http://schemas.microsoft.com/VisualStudio/2011/storyboarding/control"/>
+  </ds:schemaRefs>
+</ds:datastoreItem>
+</file>
+
+<file path=customXml/itemProps5.xml><?xml version="1.0" encoding="utf-8"?>
 <ds:datastoreItem xmlns:ds="http://schemas.openxmlformats.org/officeDocument/2006/customXml" ds:itemID="{278508B5-BC7B-471E-9E3D-2FF2D3DE55A0}">
   <ds:schemaRefs>
     <ds:schemaRef ds:uri="http://schemas.microsoft.com/VisualStudio/2011/storyboarding/control"/>
@@ -14776,16 +15280,8 @@
 </ds:datastoreItem>
 </file>
 
-<file path=customXml/itemProps5.xml><?xml version="1.0" encoding="utf-8"?>
-<ds:datastoreItem xmlns:ds="http://schemas.openxmlformats.org/officeDocument/2006/customXml" ds:itemID="{CD5E1FAB-ACA4-4BD0-AEC5-381E28EC8851}">
-  <ds:schemaRefs>
-    <ds:schemaRef ds:uri="http://schemas.microsoft.com/VisualStudio/2011/storyboarding/control"/>
-  </ds:schemaRefs>
-</ds:datastoreItem>
-</file>
-
 <file path=customXml/itemProps6.xml><?xml version="1.0" encoding="utf-8"?>
-<ds:datastoreItem xmlns:ds="http://schemas.openxmlformats.org/officeDocument/2006/customXml" ds:itemID="{DA2B88FD-8186-484D-9705-5BF146C27836}">
+<ds:datastoreItem xmlns:ds="http://schemas.openxmlformats.org/officeDocument/2006/customXml" ds:itemID="{64B5D093-FA4C-4AC5-A799-F952A50D63B5}">
   <ds:schemaRefs>
     <ds:schemaRef ds:uri="http://schemas.microsoft.com/VisualStudio/2011/storyboarding/control"/>
   </ds:schemaRefs>

--- a/doc/Presentatie.pptx
+++ b/doc/Presentatie.pptx
@@ -4264,36 +4264,12 @@
       </p:cxnSp>
       <p:pic>
         <p:nvPicPr>
-          <p:cNvPr id="4" name="Afbeelding 3"/>
-          <p:cNvPicPr>
-            <a:picLocks noChangeAspect="1"/>
-          </p:cNvPicPr>
-          <p:nvPr/>
-        </p:nvPicPr>
-        <p:blipFill>
-          <a:blip r:embed="rId2"/>
-          <a:stretch>
-            <a:fillRect/>
-          </a:stretch>
-        </p:blipFill>
-        <p:spPr>
-          <a:xfrm>
-            <a:off x="5964195" y="2125358"/>
-            <a:ext cx="5015450" cy="3220995"/>
-          </a:xfrm>
-          <a:prstGeom prst="rect">
-            <a:avLst/>
-          </a:prstGeom>
-        </p:spPr>
-      </p:pic>
-      <p:pic>
-        <p:nvPicPr>
           <p:cNvPr id="8" name="Afbeelding 7"/>
           <p:cNvPicPr/>
           <p:nvPr/>
         </p:nvPicPr>
         <p:blipFill>
-          <a:blip r:embed="rId3">
+          <a:blip r:embed="rId2">
             <a:extLst>
               <a:ext uri="{28A0092B-C50C-407E-A947-70E740481C1C}">
                 <a14:useLocalDpi xmlns:a14="http://schemas.microsoft.com/office/drawing/2010/main" val="0"/>
@@ -4308,6 +4284,29 @@
           <a:xfrm>
             <a:off x="683741" y="2125357"/>
             <a:ext cx="4695567" cy="3220995"/>
+          </a:xfrm>
+          <a:prstGeom prst="rect">
+            <a:avLst/>
+          </a:prstGeom>
+        </p:spPr>
+      </p:pic>
+      <p:pic>
+        <p:nvPicPr>
+          <p:cNvPr id="3" name="Afbeelding 2"/>
+          <p:cNvPicPr>
+            <a:picLocks noChangeAspect="1"/>
+          </p:cNvPicPr>
+          <p:nvPr/>
+        </p:nvPicPr>
+        <p:blipFill rotWithShape="1">
+          <a:blip r:embed="rId3"/>
+          <a:srcRect l="13490" r="12376"/>
+          <a:stretch/>
+        </p:blipFill>
+        <p:spPr>
+          <a:xfrm>
+            <a:off x="5937010" y="2125357"/>
+            <a:ext cx="4843849" cy="3220995"/>
           </a:xfrm>
           <a:prstGeom prst="rect">
             <a:avLst/>
@@ -4376,59 +4375,6 @@
                                         <p:cTn id="7" dur="750"/>
                                         <p:tgtEl>
                                           <p:spTgt spid="8"/>
-                                        </p:tgtEl>
-                                      </p:cBhvr>
-                                    </p:animEffect>
-                                  </p:childTnLst>
-                                </p:cTn>
-                              </p:par>
-                            </p:childTnLst>
-                          </p:cTn>
-                        </p:par>
-                      </p:childTnLst>
-                    </p:cTn>
-                  </p:par>
-                  <p:par>
-                    <p:cTn id="8" fill="hold">
-                      <p:stCondLst>
-                        <p:cond delay="indefinite"/>
-                      </p:stCondLst>
-                      <p:childTnLst>
-                        <p:par>
-                          <p:cTn id="9" fill="hold">
-                            <p:stCondLst>
-                              <p:cond delay="0"/>
-                            </p:stCondLst>
-                            <p:childTnLst>
-                              <p:par>
-                                <p:cTn id="10" presetID="10" presetClass="entr" presetSubtype="0" fill="hold" nodeType="clickEffect">
-                                  <p:stCondLst>
-                                    <p:cond delay="0"/>
-                                  </p:stCondLst>
-                                  <p:childTnLst>
-                                    <p:set>
-                                      <p:cBhvr>
-                                        <p:cTn id="11" dur="1" fill="hold">
-                                          <p:stCondLst>
-                                            <p:cond delay="0"/>
-                                          </p:stCondLst>
-                                        </p:cTn>
-                                        <p:tgtEl>
-                                          <p:spTgt spid="4"/>
-                                        </p:tgtEl>
-                                        <p:attrNameLst>
-                                          <p:attrName>style.visibility</p:attrName>
-                                        </p:attrNameLst>
-                                      </p:cBhvr>
-                                      <p:to>
-                                        <p:strVal val="visible"/>
-                                      </p:to>
-                                    </p:set>
-                                    <p:animEffect transition="in" filter="fade">
-                                      <p:cBhvr>
-                                        <p:cTn id="12" dur="750"/>
-                                        <p:tgtEl>
-                                          <p:spTgt spid="4"/>
                                         </p:tgtEl>
                                       </p:cBhvr>
                                     </p:animEffect>
@@ -15241,6 +15187,14 @@
 </file>
 
 <file path=customXml/itemProps1.xml><?xml version="1.0" encoding="utf-8"?>
+<ds:datastoreItem xmlns:ds="http://schemas.openxmlformats.org/officeDocument/2006/customXml" ds:itemID="{D7CD5E9E-2B0A-49A7-9EE3-B6B588328107}">
+  <ds:schemaRefs>
+    <ds:schemaRef ds:uri="http://schemas.microsoft.com/VisualStudio/2011/storyboarding/control"/>
+  </ds:schemaRefs>
+</ds:datastoreItem>
+</file>
+
+<file path=customXml/itemProps2.xml><?xml version="1.0" encoding="utf-8"?>
 <ds:datastoreItem xmlns:ds="http://schemas.openxmlformats.org/officeDocument/2006/customXml" ds:itemID="{17E92F0F-E05F-4BA6-9129-94999FE09AD2}">
   <ds:schemaRefs>
     <ds:schemaRef ds:uri="http://schemas.microsoft.com/VisualStudio/2011/storyboarding/control"/>
@@ -15248,16 +15202,8 @@
 </ds:datastoreItem>
 </file>
 
-<file path=customXml/itemProps2.xml><?xml version="1.0" encoding="utf-8"?>
-<ds:datastoreItem xmlns:ds="http://schemas.openxmlformats.org/officeDocument/2006/customXml" ds:itemID="{D7CD5E9E-2B0A-49A7-9EE3-B6B588328107}">
-  <ds:schemaRefs>
-    <ds:schemaRef ds:uri="http://schemas.microsoft.com/VisualStudio/2011/storyboarding/control"/>
-  </ds:schemaRefs>
-</ds:datastoreItem>
-</file>
-
 <file path=customXml/itemProps3.xml><?xml version="1.0" encoding="utf-8"?>
-<ds:datastoreItem xmlns:ds="http://schemas.openxmlformats.org/officeDocument/2006/customXml" ds:itemID="{DA2B88FD-8186-484D-9705-5BF146C27836}">
+<ds:datastoreItem xmlns:ds="http://schemas.openxmlformats.org/officeDocument/2006/customXml" ds:itemID="{64B5D093-FA4C-4AC5-A799-F952A50D63B5}">
   <ds:schemaRefs>
     <ds:schemaRef ds:uri="http://schemas.microsoft.com/VisualStudio/2011/storyboarding/control"/>
   </ds:schemaRefs>
@@ -15265,6 +15211,14 @@
 </file>
 
 <file path=customXml/itemProps4.xml><?xml version="1.0" encoding="utf-8"?>
+<ds:datastoreItem xmlns:ds="http://schemas.openxmlformats.org/officeDocument/2006/customXml" ds:itemID="{278508B5-BC7B-471E-9E3D-2FF2D3DE55A0}">
+  <ds:schemaRefs>
+    <ds:schemaRef ds:uri="http://schemas.microsoft.com/VisualStudio/2011/storyboarding/control"/>
+  </ds:schemaRefs>
+</ds:datastoreItem>
+</file>
+
+<file path=customXml/itemProps5.xml><?xml version="1.0" encoding="utf-8"?>
 <ds:datastoreItem xmlns:ds="http://schemas.openxmlformats.org/officeDocument/2006/customXml" ds:itemID="{CD5E1FAB-ACA4-4BD0-AEC5-381E28EC8851}">
   <ds:schemaRefs>
     <ds:schemaRef ds:uri="http://schemas.microsoft.com/VisualStudio/2011/storyboarding/control"/>
@@ -15272,16 +15226,8 @@
 </ds:datastoreItem>
 </file>
 
-<file path=customXml/itemProps5.xml><?xml version="1.0" encoding="utf-8"?>
-<ds:datastoreItem xmlns:ds="http://schemas.openxmlformats.org/officeDocument/2006/customXml" ds:itemID="{278508B5-BC7B-471E-9E3D-2FF2D3DE55A0}">
-  <ds:schemaRefs>
-    <ds:schemaRef ds:uri="http://schemas.microsoft.com/VisualStudio/2011/storyboarding/control"/>
-  </ds:schemaRefs>
-</ds:datastoreItem>
-</file>
-
 <file path=customXml/itemProps6.xml><?xml version="1.0" encoding="utf-8"?>
-<ds:datastoreItem xmlns:ds="http://schemas.openxmlformats.org/officeDocument/2006/customXml" ds:itemID="{64B5D093-FA4C-4AC5-A799-F952A50D63B5}">
+<ds:datastoreItem xmlns:ds="http://schemas.openxmlformats.org/officeDocument/2006/customXml" ds:itemID="{DA2B88FD-8186-484D-9705-5BF146C27836}">
   <ds:schemaRefs>
     <ds:schemaRef ds:uri="http://schemas.microsoft.com/VisualStudio/2011/storyboarding/control"/>
   </ds:schemaRefs>
